--- a/HW4/PS4_template.pptx
+++ b/HW4/PS4_template.pptx
@@ -1,36 +1,36 @@
 
 <file path=ppt/presentation.xml><?xml version="1.0" encoding="utf-8"?>
-<p:presentation xmlns:a="http://schemas.openxmlformats.org/drawingml/2006/main" xmlns:r="http://schemas.openxmlformats.org/officeDocument/2006/relationships" xmlns:mc="http://schemas.openxmlformats.org/markup-compatibility/2006" xmlns:mv="urn:schemas-microsoft-com:mac:vml" xmlns:p="http://schemas.openxmlformats.org/presentationml/2006/main" xmlns:c="http://schemas.openxmlformats.org/drawingml/2006/chart" xmlns:dgm="http://schemas.openxmlformats.org/drawingml/2006/diagram" xmlns:o="urn:schemas-microsoft-com:office:office" xmlns:v="urn:schemas-microsoft-com:vml" xmlns:pvml="urn:schemas-microsoft-com:office:powerpoint" xmlns:com="http://schemas.openxmlformats.org/drawingml/2006/compatibility" xmlns:p14="http://schemas.microsoft.com/office/powerpoint/2010/main" xmlns:p15="http://schemas.microsoft.com/office/powerpoint/2012/main" autoCompressPictures="0" strictFirstAndLastChars="0" saveSubsetFonts="1">
+<p:presentation xmlns:a="http://schemas.openxmlformats.org/drawingml/2006/main" xmlns:r="http://schemas.openxmlformats.org/officeDocument/2006/relationships" xmlns:p="http://schemas.openxmlformats.org/presentationml/2006/main" strictFirstAndLastChars="0" saveSubsetFonts="1" autoCompressPictures="0">
   <p:sldMasterIdLst>
-    <p:sldMasterId id="2147483648" r:id="rId5"/>
+    <p:sldMasterId id="2147483648" r:id="rId1"/>
   </p:sldMasterIdLst>
   <p:notesMasterIdLst>
-    <p:notesMasterId r:id="rId6"/>
+    <p:notesMasterId r:id="rId20"/>
   </p:notesMasterIdLst>
   <p:sldIdLst>
-    <p:sldId id="256" r:id="rId7"/>
-    <p:sldId id="257" r:id="rId8"/>
-    <p:sldId id="258" r:id="rId9"/>
-    <p:sldId id="259" r:id="rId10"/>
-    <p:sldId id="260" r:id="rId11"/>
-    <p:sldId id="261" r:id="rId12"/>
-    <p:sldId id="262" r:id="rId13"/>
-    <p:sldId id="263" r:id="rId14"/>
-    <p:sldId id="264" r:id="rId15"/>
-    <p:sldId id="265" r:id="rId16"/>
-    <p:sldId id="266" r:id="rId17"/>
-    <p:sldId id="267" r:id="rId18"/>
-    <p:sldId id="268" r:id="rId19"/>
-    <p:sldId id="269" r:id="rId20"/>
-    <p:sldId id="270" r:id="rId21"/>
-    <p:sldId id="271" r:id="rId22"/>
-    <p:sldId id="272" r:id="rId23"/>
-    <p:sldId id="273" r:id="rId24"/>
+    <p:sldId id="256" r:id="rId2"/>
+    <p:sldId id="257" r:id="rId3"/>
+    <p:sldId id="258" r:id="rId4"/>
+    <p:sldId id="259" r:id="rId5"/>
+    <p:sldId id="260" r:id="rId6"/>
+    <p:sldId id="261" r:id="rId7"/>
+    <p:sldId id="262" r:id="rId8"/>
+    <p:sldId id="263" r:id="rId9"/>
+    <p:sldId id="264" r:id="rId10"/>
+    <p:sldId id="265" r:id="rId11"/>
+    <p:sldId id="266" r:id="rId12"/>
+    <p:sldId id="267" r:id="rId13"/>
+    <p:sldId id="268" r:id="rId14"/>
+    <p:sldId id="269" r:id="rId15"/>
+    <p:sldId id="270" r:id="rId16"/>
+    <p:sldId id="271" r:id="rId17"/>
+    <p:sldId id="272" r:id="rId18"/>
+    <p:sldId id="273" r:id="rId19"/>
   </p:sldIdLst>
-  <p:sldSz cy="5143500" cx="9144000"/>
+  <p:sldSz cx="9144000" cy="5143500" type="screen16x9"/>
   <p:notesSz cx="6858000" cy="9144000"/>
   <p:defaultTextStyle>
-    <a:defPPr lvl="0" marR="0" rtl="0" algn="l">
+    <a:defPPr marR="0" lvl="0" algn="l" rtl="0">
       <a:lnSpc>
         <a:spcPct val="100000"/>
       </a:lnSpc>
@@ -41,7 +41,7 @@
         <a:spcPts val="0"/>
       </a:spcAft>
     </a:defPPr>
-    <a:lvl1pPr lvl="0" marR="0" rtl="0" algn="l">
+    <a:lvl1pPr marR="0" lvl="0" algn="l" rtl="0">
       <a:lnSpc>
         <a:spcPct val="100000"/>
       </a:lnSpc>
@@ -55,7 +55,7 @@
         <a:srgbClr val="000000"/>
       </a:buClr>
       <a:buFont typeface="Arial"/>
-      <a:defRPr b="0" i="0" sz="1400" u="none" cap="none" strike="noStrike">
+      <a:defRPr sz="1400" b="0" i="0" u="none" strike="noStrike" cap="none">
         <a:solidFill>
           <a:srgbClr val="000000"/>
         </a:solidFill>
@@ -65,7 +65,7 @@
         <a:sym typeface="Arial"/>
       </a:defRPr>
     </a:lvl1pPr>
-    <a:lvl2pPr lvl="1" marR="0" rtl="0" algn="l">
+    <a:lvl2pPr marR="0" lvl="1" algn="l" rtl="0">
       <a:lnSpc>
         <a:spcPct val="100000"/>
       </a:lnSpc>
@@ -79,7 +79,7 @@
         <a:srgbClr val="000000"/>
       </a:buClr>
       <a:buFont typeface="Arial"/>
-      <a:defRPr b="0" i="0" sz="1400" u="none" cap="none" strike="noStrike">
+      <a:defRPr sz="1400" b="0" i="0" u="none" strike="noStrike" cap="none">
         <a:solidFill>
           <a:srgbClr val="000000"/>
         </a:solidFill>
@@ -89,7 +89,7 @@
         <a:sym typeface="Arial"/>
       </a:defRPr>
     </a:lvl2pPr>
-    <a:lvl3pPr lvl="2" marR="0" rtl="0" algn="l">
+    <a:lvl3pPr marR="0" lvl="2" algn="l" rtl="0">
       <a:lnSpc>
         <a:spcPct val="100000"/>
       </a:lnSpc>
@@ -103,7 +103,7 @@
         <a:srgbClr val="000000"/>
       </a:buClr>
       <a:buFont typeface="Arial"/>
-      <a:defRPr b="0" i="0" sz="1400" u="none" cap="none" strike="noStrike">
+      <a:defRPr sz="1400" b="0" i="0" u="none" strike="noStrike" cap="none">
         <a:solidFill>
           <a:srgbClr val="000000"/>
         </a:solidFill>
@@ -113,7 +113,7 @@
         <a:sym typeface="Arial"/>
       </a:defRPr>
     </a:lvl3pPr>
-    <a:lvl4pPr lvl="3" marR="0" rtl="0" algn="l">
+    <a:lvl4pPr marR="0" lvl="3" algn="l" rtl="0">
       <a:lnSpc>
         <a:spcPct val="100000"/>
       </a:lnSpc>
@@ -127,7 +127,7 @@
         <a:srgbClr val="000000"/>
       </a:buClr>
       <a:buFont typeface="Arial"/>
-      <a:defRPr b="0" i="0" sz="1400" u="none" cap="none" strike="noStrike">
+      <a:defRPr sz="1400" b="0" i="0" u="none" strike="noStrike" cap="none">
         <a:solidFill>
           <a:srgbClr val="000000"/>
         </a:solidFill>
@@ -137,7 +137,7 @@
         <a:sym typeface="Arial"/>
       </a:defRPr>
     </a:lvl4pPr>
-    <a:lvl5pPr lvl="4" marR="0" rtl="0" algn="l">
+    <a:lvl5pPr marR="0" lvl="4" algn="l" rtl="0">
       <a:lnSpc>
         <a:spcPct val="100000"/>
       </a:lnSpc>
@@ -151,7 +151,7 @@
         <a:srgbClr val="000000"/>
       </a:buClr>
       <a:buFont typeface="Arial"/>
-      <a:defRPr b="0" i="0" sz="1400" u="none" cap="none" strike="noStrike">
+      <a:defRPr sz="1400" b="0" i="0" u="none" strike="noStrike" cap="none">
         <a:solidFill>
           <a:srgbClr val="000000"/>
         </a:solidFill>
@@ -161,7 +161,7 @@
         <a:sym typeface="Arial"/>
       </a:defRPr>
     </a:lvl5pPr>
-    <a:lvl6pPr lvl="5" marR="0" rtl="0" algn="l">
+    <a:lvl6pPr marR="0" lvl="5" algn="l" rtl="0">
       <a:lnSpc>
         <a:spcPct val="100000"/>
       </a:lnSpc>
@@ -175,7 +175,7 @@
         <a:srgbClr val="000000"/>
       </a:buClr>
       <a:buFont typeface="Arial"/>
-      <a:defRPr b="0" i="0" sz="1400" u="none" cap="none" strike="noStrike">
+      <a:defRPr sz="1400" b="0" i="0" u="none" strike="noStrike" cap="none">
         <a:solidFill>
           <a:srgbClr val="000000"/>
         </a:solidFill>
@@ -185,7 +185,7 @@
         <a:sym typeface="Arial"/>
       </a:defRPr>
     </a:lvl6pPr>
-    <a:lvl7pPr lvl="6" marR="0" rtl="0" algn="l">
+    <a:lvl7pPr marR="0" lvl="6" algn="l" rtl="0">
       <a:lnSpc>
         <a:spcPct val="100000"/>
       </a:lnSpc>
@@ -199,7 +199,7 @@
         <a:srgbClr val="000000"/>
       </a:buClr>
       <a:buFont typeface="Arial"/>
-      <a:defRPr b="0" i="0" sz="1400" u="none" cap="none" strike="noStrike">
+      <a:defRPr sz="1400" b="0" i="0" u="none" strike="noStrike" cap="none">
         <a:solidFill>
           <a:srgbClr val="000000"/>
         </a:solidFill>
@@ -209,7 +209,7 @@
         <a:sym typeface="Arial"/>
       </a:defRPr>
     </a:lvl7pPr>
-    <a:lvl8pPr lvl="7" marR="0" rtl="0" algn="l">
+    <a:lvl8pPr marR="0" lvl="7" algn="l" rtl="0">
       <a:lnSpc>
         <a:spcPct val="100000"/>
       </a:lnSpc>
@@ -223,7 +223,7 @@
         <a:srgbClr val="000000"/>
       </a:buClr>
       <a:buFont typeface="Arial"/>
-      <a:defRPr b="0" i="0" sz="1400" u="none" cap="none" strike="noStrike">
+      <a:defRPr sz="1400" b="0" i="0" u="none" strike="noStrike" cap="none">
         <a:solidFill>
           <a:srgbClr val="000000"/>
         </a:solidFill>
@@ -233,7 +233,7 @@
         <a:sym typeface="Arial"/>
       </a:defRPr>
     </a:lvl8pPr>
-    <a:lvl9pPr lvl="8" marR="0" rtl="0" algn="l">
+    <a:lvl9pPr marR="0" lvl="8" algn="l" rtl="0">
       <a:lnSpc>
         <a:spcPct val="100000"/>
       </a:lnSpc>
@@ -247,7 +247,7 @@
         <a:srgbClr val="000000"/>
       </a:buClr>
       <a:buFont typeface="Arial"/>
-      <a:defRPr b="0" i="0" sz="1400" u="none" cap="none" strike="noStrike">
+      <a:defRPr sz="1400" b="0" i="0" u="none" strike="noStrike" cap="none">
         <a:solidFill>
           <a:srgbClr val="000000"/>
         </a:solidFill>
@@ -260,7 +260,7 @@
   </p:defaultTextStyle>
   <p:extLst>
     <p:ext uri="{EFAFB233-063F-42B5-8137-9DF3F51BA10A}">
-      <p15:sldGuideLst>
+      <p15:sldGuideLst xmlns:p15="http://schemas.microsoft.com/office/powerpoint/2012/main">
         <p15:guide id="1" orient="horz" pos="1620">
           <p15:clr>
             <a:srgbClr val="A4A3A4"/>
@@ -274,25 +274,26 @@
       </p15:sldGuideLst>
     </p:ext>
     <p:ext uri="http://customooxmlschemas.google.com/">
-      <go:slidesCustomData xmlns:go="http://customooxmlschemas.google.com/" r:id="rId25" roundtripDataSignature="AMtx7mjwiHfPVnAR7qjnczkG/kaqdG2fMw=="/>
+      <go:slidesCustomData xmlns:go="http://customooxmlschemas.google.com/" xmlns:p15="http://schemas.microsoft.com/office/powerpoint/2012/main" xmlns:p14="http://schemas.microsoft.com/office/powerpoint/2010/main" xmlns:com="http://schemas.openxmlformats.org/drawingml/2006/compatibility" xmlns:pvml="urn:schemas-microsoft-com:office:powerpoint" xmlns:v="urn:schemas-microsoft-com:vml" xmlns:o="urn:schemas-microsoft-com:office:office" xmlns:dgm="http://schemas.openxmlformats.org/drawingml/2006/diagram" xmlns:c="http://schemas.openxmlformats.org/drawingml/2006/chart" xmlns:mv="urn:schemas-microsoft-com:mac:vml" xmlns:mc="http://schemas.openxmlformats.org/markup-compatibility/2006" xmlns="" r:id="rId25" roundtripDataSignature="AMtx7mjwiHfPVnAR7qjnczkG/kaqdG2fMw=="/>
     </p:ext>
   </p:extLst>
 </p:presentation>
 </file>
 
 <file path=ppt/notesMasters/notesMaster1.xml><?xml version="1.0" encoding="utf-8"?>
-<p:notesMaster xmlns:a="http://schemas.openxmlformats.org/drawingml/2006/main" xmlns:r="http://schemas.openxmlformats.org/officeDocument/2006/relationships" xmlns:mc="http://schemas.openxmlformats.org/markup-compatibility/2006" xmlns:mv="urn:schemas-microsoft-com:mac:vml" xmlns:p="http://schemas.openxmlformats.org/presentationml/2006/main" xmlns:c="http://schemas.openxmlformats.org/drawingml/2006/chart" xmlns:dgm="http://schemas.openxmlformats.org/drawingml/2006/diagram" xmlns:o="urn:schemas-microsoft-com:office:office" xmlns:v="urn:schemas-microsoft-com:vml" xmlns:pvml="urn:schemas-microsoft-com:office:powerpoint" xmlns:com="http://schemas.openxmlformats.org/drawingml/2006/compatibility" xmlns:p14="http://schemas.microsoft.com/office/powerpoint/2010/main" xmlns:p15="http://schemas.microsoft.com/office/powerpoint/2012/main">
+<p:notesMaster xmlns:a="http://schemas.openxmlformats.org/drawingml/2006/main" xmlns:r="http://schemas.openxmlformats.org/officeDocument/2006/relationships" xmlns:p="http://schemas.openxmlformats.org/presentationml/2006/main">
   <p:cSld>
     <p:bg>
       <p:bgPr>
         <a:solidFill>
           <a:schemeClr val="lt1"/>
         </a:solidFill>
+        <a:effectLst/>
       </p:bgPr>
     </p:bg>
     <p:spTree>
       <p:nvGrpSpPr>
-        <p:cNvPr id="2" name="Shape 2"/>
+        <p:cNvPr id="1" name="Shape 2"/>
         <p:cNvGrpSpPr/>
         <p:nvPr/>
       </p:nvGrpSpPr>
@@ -307,9 +308,11 @@
       <p:sp>
         <p:nvSpPr>
           <p:cNvPr id="3" name="Google Shape;3;n"/>
-          <p:cNvSpPr/>
+          <p:cNvSpPr>
+            <a:spLocks noGrp="1" noRot="1" noChangeAspect="1"/>
+          </p:cNvSpPr>
           <p:nvPr>
-            <p:ph idx="2" type="sldImg"/>
+            <p:ph type="sldImg" idx="2"/>
           </p:nvPr>
         </p:nvSpPr>
         <p:spPr>
@@ -318,9 +321,13 @@
             <a:ext cx="6096075" cy="3429000"/>
           </a:xfrm>
           <a:custGeom>
-            <a:rect b="b" l="l" r="r" t="t"/>
+            <a:avLst/>
+            <a:gdLst/>
+            <a:ahLst/>
+            <a:cxnLst/>
+            <a:rect l="l" t="t" r="r" b="b"/>
             <a:pathLst>
-              <a:path extrusionOk="0" h="120000" w="120000">
+              <a:path w="120000" h="120000" extrusionOk="0">
                 <a:moveTo>
                   <a:pt x="0" y="0"/>
                 </a:moveTo>
@@ -338,23 +345,25 @@
             </a:pathLst>
           </a:custGeom>
           <a:noFill/>
-          <a:ln cap="flat" cmpd="sng" w="9525">
+          <a:ln w="9525" cap="flat" cmpd="sng">
             <a:solidFill>
               <a:srgbClr val="000000"/>
             </a:solidFill>
             <a:prstDash val="solid"/>
             <a:round/>
-            <a:headEnd len="sm" w="sm" type="none"/>
-            <a:tailEnd len="sm" w="sm" type="none"/>
+            <a:headEnd type="none" w="sm" len="sm"/>
+            <a:tailEnd type="none" w="sm" len="sm"/>
           </a:ln>
         </p:spPr>
       </p:sp>
       <p:sp>
         <p:nvSpPr>
           <p:cNvPr id="4" name="Google Shape;4;n"/>
-          <p:cNvSpPr txBox="1"/>
+          <p:cNvSpPr txBox="1">
+            <a:spLocks noGrp="1"/>
+          </p:cNvSpPr>
           <p:nvPr>
-            <p:ph idx="1" type="body"/>
+            <p:ph type="body" idx="1"/>
           </p:nvPr>
         </p:nvSpPr>
         <p:spPr>
@@ -371,11 +380,11 @@
           </a:ln>
         </p:spPr>
         <p:txBody>
-          <a:bodyPr anchorCtr="0" anchor="t" bIns="91425" lIns="91425" spcFirstLastPara="1" rIns="91425" wrap="square" tIns="91425">
+          <a:bodyPr spcFirstLastPara="1" wrap="square" lIns="91425" tIns="91425" rIns="91425" bIns="91425" anchor="t" anchorCtr="0">
             <a:noAutofit/>
           </a:bodyPr>
           <a:lstStyle>
-            <a:lvl1pPr indent="-298450" lvl="0" marL="457200" marR="0" rtl="0" algn="l">
+            <a:lvl1pPr marL="457200" marR="0" lvl="0" indent="-298450" algn="l" rtl="0">
               <a:lnSpc>
                 <a:spcPct val="100000"/>
               </a:lnSpc>
@@ -391,7 +400,7 @@
               <a:buSzPts val="1100"/>
               <a:buFont typeface="Arial"/>
               <a:buChar char="●"/>
-              <a:defRPr b="0" i="0" sz="1100" u="none" cap="none" strike="noStrike">
+              <a:defRPr sz="1100" b="0" i="0" u="none" strike="noStrike" cap="none">
                 <a:solidFill>
                   <a:srgbClr val="000000"/>
                 </a:solidFill>
@@ -401,7 +410,7 @@
                 <a:sym typeface="Arial"/>
               </a:defRPr>
             </a:lvl1pPr>
-            <a:lvl2pPr indent="-298450" lvl="1" marL="914400" marR="0" rtl="0" algn="l">
+            <a:lvl2pPr marL="914400" marR="0" lvl="1" indent="-298450" algn="l" rtl="0">
               <a:lnSpc>
                 <a:spcPct val="100000"/>
               </a:lnSpc>
@@ -417,7 +426,7 @@
               <a:buSzPts val="1100"/>
               <a:buFont typeface="Arial"/>
               <a:buChar char="○"/>
-              <a:defRPr b="0" i="0" sz="1100" u="none" cap="none" strike="noStrike">
+              <a:defRPr sz="1100" b="0" i="0" u="none" strike="noStrike" cap="none">
                 <a:solidFill>
                   <a:srgbClr val="000000"/>
                 </a:solidFill>
@@ -427,7 +436,7 @@
                 <a:sym typeface="Arial"/>
               </a:defRPr>
             </a:lvl2pPr>
-            <a:lvl3pPr indent="-298450" lvl="2" marL="1371600" marR="0" rtl="0" algn="l">
+            <a:lvl3pPr marL="1371600" marR="0" lvl="2" indent="-298450" algn="l" rtl="0">
               <a:lnSpc>
                 <a:spcPct val="100000"/>
               </a:lnSpc>
@@ -443,7 +452,7 @@
               <a:buSzPts val="1100"/>
               <a:buFont typeface="Arial"/>
               <a:buChar char="■"/>
-              <a:defRPr b="0" i="0" sz="1100" u="none" cap="none" strike="noStrike">
+              <a:defRPr sz="1100" b="0" i="0" u="none" strike="noStrike" cap="none">
                 <a:solidFill>
                   <a:srgbClr val="000000"/>
                 </a:solidFill>
@@ -453,7 +462,7 @@
                 <a:sym typeface="Arial"/>
               </a:defRPr>
             </a:lvl3pPr>
-            <a:lvl4pPr indent="-298450" lvl="3" marL="1828800" marR="0" rtl="0" algn="l">
+            <a:lvl4pPr marL="1828800" marR="0" lvl="3" indent="-298450" algn="l" rtl="0">
               <a:lnSpc>
                 <a:spcPct val="100000"/>
               </a:lnSpc>
@@ -469,7 +478,7 @@
               <a:buSzPts val="1100"/>
               <a:buFont typeface="Arial"/>
               <a:buChar char="●"/>
-              <a:defRPr b="0" i="0" sz="1100" u="none" cap="none" strike="noStrike">
+              <a:defRPr sz="1100" b="0" i="0" u="none" strike="noStrike" cap="none">
                 <a:solidFill>
                   <a:srgbClr val="000000"/>
                 </a:solidFill>
@@ -479,7 +488,7 @@
                 <a:sym typeface="Arial"/>
               </a:defRPr>
             </a:lvl4pPr>
-            <a:lvl5pPr indent="-298450" lvl="4" marL="2286000" marR="0" rtl="0" algn="l">
+            <a:lvl5pPr marL="2286000" marR="0" lvl="4" indent="-298450" algn="l" rtl="0">
               <a:lnSpc>
                 <a:spcPct val="100000"/>
               </a:lnSpc>
@@ -495,7 +504,7 @@
               <a:buSzPts val="1100"/>
               <a:buFont typeface="Arial"/>
               <a:buChar char="○"/>
-              <a:defRPr b="0" i="0" sz="1100" u="none" cap="none" strike="noStrike">
+              <a:defRPr sz="1100" b="0" i="0" u="none" strike="noStrike" cap="none">
                 <a:solidFill>
                   <a:srgbClr val="000000"/>
                 </a:solidFill>
@@ -505,7 +514,7 @@
                 <a:sym typeface="Arial"/>
               </a:defRPr>
             </a:lvl5pPr>
-            <a:lvl6pPr indent="-298450" lvl="5" marL="2743200" marR="0" rtl="0" algn="l">
+            <a:lvl6pPr marL="2743200" marR="0" lvl="5" indent="-298450" algn="l" rtl="0">
               <a:lnSpc>
                 <a:spcPct val="100000"/>
               </a:lnSpc>
@@ -521,7 +530,7 @@
               <a:buSzPts val="1100"/>
               <a:buFont typeface="Arial"/>
               <a:buChar char="■"/>
-              <a:defRPr b="0" i="0" sz="1100" u="none" cap="none" strike="noStrike">
+              <a:defRPr sz="1100" b="0" i="0" u="none" strike="noStrike" cap="none">
                 <a:solidFill>
                   <a:srgbClr val="000000"/>
                 </a:solidFill>
@@ -531,7 +540,7 @@
                 <a:sym typeface="Arial"/>
               </a:defRPr>
             </a:lvl6pPr>
-            <a:lvl7pPr indent="-298450" lvl="6" marL="3200400" marR="0" rtl="0" algn="l">
+            <a:lvl7pPr marL="3200400" marR="0" lvl="6" indent="-298450" algn="l" rtl="0">
               <a:lnSpc>
                 <a:spcPct val="100000"/>
               </a:lnSpc>
@@ -547,7 +556,7 @@
               <a:buSzPts val="1100"/>
               <a:buFont typeface="Arial"/>
               <a:buChar char="●"/>
-              <a:defRPr b="0" i="0" sz="1100" u="none" cap="none" strike="noStrike">
+              <a:defRPr sz="1100" b="0" i="0" u="none" strike="noStrike" cap="none">
                 <a:solidFill>
                   <a:srgbClr val="000000"/>
                 </a:solidFill>
@@ -557,7 +566,7 @@
                 <a:sym typeface="Arial"/>
               </a:defRPr>
             </a:lvl7pPr>
-            <a:lvl8pPr indent="-298450" lvl="7" marL="3657600" marR="0" rtl="0" algn="l">
+            <a:lvl8pPr marL="3657600" marR="0" lvl="7" indent="-298450" algn="l" rtl="0">
               <a:lnSpc>
                 <a:spcPct val="100000"/>
               </a:lnSpc>
@@ -573,7 +582,7 @@
               <a:buSzPts val="1100"/>
               <a:buFont typeface="Arial"/>
               <a:buChar char="○"/>
-              <a:defRPr b="0" i="0" sz="1100" u="none" cap="none" strike="noStrike">
+              <a:defRPr sz="1100" b="0" i="0" u="none" strike="noStrike" cap="none">
                 <a:solidFill>
                   <a:srgbClr val="000000"/>
                 </a:solidFill>
@@ -583,7 +592,7 @@
                 <a:sym typeface="Arial"/>
               </a:defRPr>
             </a:lvl8pPr>
-            <a:lvl9pPr indent="-298450" lvl="8" marL="4114800" marR="0" rtl="0" algn="l">
+            <a:lvl9pPr marL="4114800" marR="0" lvl="8" indent="-298450" algn="l" rtl="0">
               <a:lnSpc>
                 <a:spcPct val="100000"/>
               </a:lnSpc>
@@ -599,7 +608,7 @@
               <a:buSzPts val="1100"/>
               <a:buFont typeface="Arial"/>
               <a:buChar char="■"/>
-              <a:defRPr b="0" i="0" sz="1100" u="none" cap="none" strike="noStrike">
+              <a:defRPr sz="1100" b="0" i="0" u="none" strike="noStrike" cap="none">
                 <a:solidFill>
                   <a:srgbClr val="000000"/>
                 </a:solidFill>
@@ -610,14 +619,16 @@
               </a:defRPr>
             </a:lvl9pPr>
           </a:lstStyle>
-          <a:p/>
+          <a:p>
+            <a:endParaRPr/>
+          </a:p>
         </p:txBody>
       </p:sp>
     </p:spTree>
   </p:cSld>
-  <p:clrMap accent1="accent1" accent2="accent2" accent3="accent3" accent4="accent4" accent5="accent5" accent6="accent6" bg1="lt1" bg2="dk2" tx1="dk1" tx2="lt2" folHlink="folHlink" hlink="hlink"/>
+  <p:clrMap bg1="lt1" tx1="dk1" bg2="dk2" tx2="lt2" accent1="accent1" accent2="accent2" accent3="accent3" accent4="accent4" accent5="accent5" accent6="accent6" hlink="hlink" folHlink="folHlink"/>
   <p:notesStyle>
-    <a:defPPr lvl="0" marR="0" rtl="0" algn="l">
+    <a:defPPr marR="0" lvl="0" algn="l" rtl="0">
       <a:lnSpc>
         <a:spcPct val="100000"/>
       </a:lnSpc>
@@ -628,7 +639,7 @@
         <a:spcPts val="0"/>
       </a:spcAft>
     </a:defPPr>
-    <a:lvl1pPr lvl="0" marR="0" rtl="0" algn="l">
+    <a:lvl1pPr marR="0" lvl="0" algn="l" rtl="0">
       <a:lnSpc>
         <a:spcPct val="100000"/>
       </a:lnSpc>
@@ -642,7 +653,7 @@
         <a:srgbClr val="000000"/>
       </a:buClr>
       <a:buFont typeface="Arial"/>
-      <a:defRPr b="0" i="0" sz="1400" u="none" cap="none" strike="noStrike">
+      <a:defRPr sz="1400" b="0" i="0" u="none" strike="noStrike" cap="none">
         <a:solidFill>
           <a:srgbClr val="000000"/>
         </a:solidFill>
@@ -652,7 +663,7 @@
         <a:sym typeface="Arial"/>
       </a:defRPr>
     </a:lvl1pPr>
-    <a:lvl2pPr lvl="1" marR="0" rtl="0" algn="l">
+    <a:lvl2pPr marR="0" lvl="1" algn="l" rtl="0">
       <a:lnSpc>
         <a:spcPct val="100000"/>
       </a:lnSpc>
@@ -666,7 +677,7 @@
         <a:srgbClr val="000000"/>
       </a:buClr>
       <a:buFont typeface="Arial"/>
-      <a:defRPr b="0" i="0" sz="1400" u="none" cap="none" strike="noStrike">
+      <a:defRPr sz="1400" b="0" i="0" u="none" strike="noStrike" cap="none">
         <a:solidFill>
           <a:srgbClr val="000000"/>
         </a:solidFill>
@@ -676,7 +687,7 @@
         <a:sym typeface="Arial"/>
       </a:defRPr>
     </a:lvl2pPr>
-    <a:lvl3pPr lvl="2" marR="0" rtl="0" algn="l">
+    <a:lvl3pPr marR="0" lvl="2" algn="l" rtl="0">
       <a:lnSpc>
         <a:spcPct val="100000"/>
       </a:lnSpc>
@@ -690,7 +701,7 @@
         <a:srgbClr val="000000"/>
       </a:buClr>
       <a:buFont typeface="Arial"/>
-      <a:defRPr b="0" i="0" sz="1400" u="none" cap="none" strike="noStrike">
+      <a:defRPr sz="1400" b="0" i="0" u="none" strike="noStrike" cap="none">
         <a:solidFill>
           <a:srgbClr val="000000"/>
         </a:solidFill>
@@ -700,7 +711,7 @@
         <a:sym typeface="Arial"/>
       </a:defRPr>
     </a:lvl3pPr>
-    <a:lvl4pPr lvl="3" marR="0" rtl="0" algn="l">
+    <a:lvl4pPr marR="0" lvl="3" algn="l" rtl="0">
       <a:lnSpc>
         <a:spcPct val="100000"/>
       </a:lnSpc>
@@ -714,7 +725,7 @@
         <a:srgbClr val="000000"/>
       </a:buClr>
       <a:buFont typeface="Arial"/>
-      <a:defRPr b="0" i="0" sz="1400" u="none" cap="none" strike="noStrike">
+      <a:defRPr sz="1400" b="0" i="0" u="none" strike="noStrike" cap="none">
         <a:solidFill>
           <a:srgbClr val="000000"/>
         </a:solidFill>
@@ -724,7 +735,7 @@
         <a:sym typeface="Arial"/>
       </a:defRPr>
     </a:lvl4pPr>
-    <a:lvl5pPr lvl="4" marR="0" rtl="0" algn="l">
+    <a:lvl5pPr marR="0" lvl="4" algn="l" rtl="0">
       <a:lnSpc>
         <a:spcPct val="100000"/>
       </a:lnSpc>
@@ -738,7 +749,7 @@
         <a:srgbClr val="000000"/>
       </a:buClr>
       <a:buFont typeface="Arial"/>
-      <a:defRPr b="0" i="0" sz="1400" u="none" cap="none" strike="noStrike">
+      <a:defRPr sz="1400" b="0" i="0" u="none" strike="noStrike" cap="none">
         <a:solidFill>
           <a:srgbClr val="000000"/>
         </a:solidFill>
@@ -748,7 +759,7 @@
         <a:sym typeface="Arial"/>
       </a:defRPr>
     </a:lvl5pPr>
-    <a:lvl6pPr lvl="5" marR="0" rtl="0" algn="l">
+    <a:lvl6pPr marR="0" lvl="5" algn="l" rtl="0">
       <a:lnSpc>
         <a:spcPct val="100000"/>
       </a:lnSpc>
@@ -762,7 +773,7 @@
         <a:srgbClr val="000000"/>
       </a:buClr>
       <a:buFont typeface="Arial"/>
-      <a:defRPr b="0" i="0" sz="1400" u="none" cap="none" strike="noStrike">
+      <a:defRPr sz="1400" b="0" i="0" u="none" strike="noStrike" cap="none">
         <a:solidFill>
           <a:srgbClr val="000000"/>
         </a:solidFill>
@@ -772,7 +783,7 @@
         <a:sym typeface="Arial"/>
       </a:defRPr>
     </a:lvl6pPr>
-    <a:lvl7pPr lvl="6" marR="0" rtl="0" algn="l">
+    <a:lvl7pPr marR="0" lvl="6" algn="l" rtl="0">
       <a:lnSpc>
         <a:spcPct val="100000"/>
       </a:lnSpc>
@@ -786,7 +797,7 @@
         <a:srgbClr val="000000"/>
       </a:buClr>
       <a:buFont typeface="Arial"/>
-      <a:defRPr b="0" i="0" sz="1400" u="none" cap="none" strike="noStrike">
+      <a:defRPr sz="1400" b="0" i="0" u="none" strike="noStrike" cap="none">
         <a:solidFill>
           <a:srgbClr val="000000"/>
         </a:solidFill>
@@ -796,7 +807,7 @@
         <a:sym typeface="Arial"/>
       </a:defRPr>
     </a:lvl7pPr>
-    <a:lvl8pPr lvl="7" marR="0" rtl="0" algn="l">
+    <a:lvl8pPr marR="0" lvl="7" algn="l" rtl="0">
       <a:lnSpc>
         <a:spcPct val="100000"/>
       </a:lnSpc>
@@ -810,7 +821,7 @@
         <a:srgbClr val="000000"/>
       </a:buClr>
       <a:buFont typeface="Arial"/>
-      <a:defRPr b="0" i="0" sz="1400" u="none" cap="none" strike="noStrike">
+      <a:defRPr sz="1400" b="0" i="0" u="none" strike="noStrike" cap="none">
         <a:solidFill>
           <a:srgbClr val="000000"/>
         </a:solidFill>
@@ -820,7 +831,7 @@
         <a:sym typeface="Arial"/>
       </a:defRPr>
     </a:lvl8pPr>
-    <a:lvl9pPr lvl="8" marR="0" rtl="0" algn="l">
+    <a:lvl9pPr marR="0" lvl="8" algn="l" rtl="0">
       <a:lnSpc>
         <a:spcPct val="100000"/>
       </a:lnSpc>
@@ -834,7 +845,7 @@
         <a:srgbClr val="000000"/>
       </a:buClr>
       <a:buFont typeface="Arial"/>
-      <a:defRPr b="0" i="0" sz="1400" u="none" cap="none" strike="noStrike">
+      <a:defRPr sz="1400" b="0" i="0" u="none" strike="noStrike" cap="none">
         <a:solidFill>
           <a:srgbClr val="000000"/>
         </a:solidFill>
@@ -849,11 +860,11 @@
 </file>
 
 <file path=ppt/notesSlides/notesSlide1.xml><?xml version="1.0" encoding="utf-8"?>
-<p:notes xmlns:a="http://schemas.openxmlformats.org/drawingml/2006/main" xmlns:r="http://schemas.openxmlformats.org/officeDocument/2006/relationships" xmlns:mc="http://schemas.openxmlformats.org/markup-compatibility/2006" xmlns:mv="urn:schemas-microsoft-com:mac:vml" xmlns:p="http://schemas.openxmlformats.org/presentationml/2006/main" xmlns:c="http://schemas.openxmlformats.org/drawingml/2006/chart" xmlns:dgm="http://schemas.openxmlformats.org/drawingml/2006/diagram" xmlns:o="urn:schemas-microsoft-com:office:office" xmlns:v="urn:schemas-microsoft-com:vml" xmlns:pvml="urn:schemas-microsoft-com:office:powerpoint" xmlns:com="http://schemas.openxmlformats.org/drawingml/2006/compatibility" xmlns:p14="http://schemas.microsoft.com/office/powerpoint/2010/main" xmlns:p15="http://schemas.microsoft.com/office/powerpoint/2012/main" showMasterPhAnim="0" showMasterSp="0">
+<p:notes xmlns:a="http://schemas.openxmlformats.org/drawingml/2006/main" xmlns:r="http://schemas.openxmlformats.org/officeDocument/2006/relationships" xmlns:p="http://schemas.openxmlformats.org/presentationml/2006/main" showMasterSp="0" showMasterPhAnim="0">
   <p:cSld>
     <p:spTree>
       <p:nvGrpSpPr>
-        <p:cNvPr id="50" name="Shape 50"/>
+        <p:cNvPr id="1" name="Shape 50"/>
         <p:cNvGrpSpPr/>
         <p:nvPr/>
       </p:nvGrpSpPr>
@@ -868,20 +879,26 @@
       <p:sp>
         <p:nvSpPr>
           <p:cNvPr id="51" name="Google Shape;51;p1:notes"/>
-          <p:cNvSpPr/>
+          <p:cNvSpPr>
+            <a:spLocks noGrp="1" noRot="1" noChangeAspect="1"/>
+          </p:cNvSpPr>
           <p:nvPr>
-            <p:ph idx="2" type="sldImg"/>
+            <p:ph type="sldImg" idx="2"/>
           </p:nvPr>
         </p:nvSpPr>
         <p:spPr>
           <a:xfrm>
-            <a:off x="381300" y="685800"/>
-            <a:ext cx="6096075" cy="3429000"/>
+            <a:off x="381000" y="685800"/>
+            <a:ext cx="6096000" cy="3429000"/>
           </a:xfrm>
           <a:custGeom>
-            <a:rect b="b" l="l" r="r" t="t"/>
+            <a:avLst/>
+            <a:gdLst/>
+            <a:ahLst/>
+            <a:cxnLst/>
+            <a:rect l="l" t="t" r="r" b="b"/>
             <a:pathLst>
-              <a:path extrusionOk="0" h="120000" w="120000">
+              <a:path w="120000" h="120000" extrusionOk="0">
                 <a:moveTo>
                   <a:pt x="0" y="0"/>
                 </a:moveTo>
@@ -899,23 +916,25 @@
             </a:pathLst>
           </a:custGeom>
           <a:noFill/>
-          <a:ln cap="flat" cmpd="sng" w="9525">
+          <a:ln w="9525" cap="flat" cmpd="sng">
             <a:solidFill>
               <a:srgbClr val="000000"/>
             </a:solidFill>
             <a:prstDash val="solid"/>
             <a:round/>
-            <a:headEnd len="sm" w="sm" type="none"/>
-            <a:tailEnd len="sm" w="sm" type="none"/>
+            <a:headEnd type="none" w="sm" len="sm"/>
+            <a:tailEnd type="none" w="sm" len="sm"/>
           </a:ln>
         </p:spPr>
       </p:sp>
       <p:sp>
         <p:nvSpPr>
           <p:cNvPr id="52" name="Google Shape;52;p1:notes"/>
-          <p:cNvSpPr txBox="1"/>
+          <p:cNvSpPr txBox="1">
+            <a:spLocks noGrp="1"/>
+          </p:cNvSpPr>
           <p:nvPr>
-            <p:ph idx="1" type="body"/>
+            <p:ph type="body" idx="1"/>
           </p:nvPr>
         </p:nvSpPr>
         <p:spPr>
@@ -932,12 +951,12 @@
           </a:ln>
         </p:spPr>
         <p:txBody>
-          <a:bodyPr anchorCtr="0" anchor="t" bIns="91425" lIns="91425" spcFirstLastPara="1" rIns="91425" wrap="square" tIns="91425">
+          <a:bodyPr spcFirstLastPara="1" wrap="square" lIns="91425" tIns="91425" rIns="91425" bIns="91425" anchor="t" anchorCtr="0">
             <a:noAutofit/>
           </a:bodyPr>
           <a:lstStyle/>
           <a:p>
-            <a:pPr indent="0" lvl="0" marL="0" rtl="0" algn="l">
+            <a:pPr marL="0" lvl="0" indent="0" algn="l" rtl="0">
               <a:lnSpc>
                 <a:spcPct val="100000"/>
               </a:lnSpc>
@@ -950,9 +969,6 @@
               <a:buSzPts val="1100"/>
               <a:buNone/>
             </a:pPr>
-            <a:r>
-              <a:t/>
-            </a:r>
             <a:endParaRPr/>
           </a:p>
         </p:txBody>
@@ -966,11 +982,11 @@
 </file>
 
 <file path=ppt/notesSlides/notesSlide10.xml><?xml version="1.0" encoding="utf-8"?>
-<p:notes xmlns:a="http://schemas.openxmlformats.org/drawingml/2006/main" xmlns:r="http://schemas.openxmlformats.org/officeDocument/2006/relationships" xmlns:mc="http://schemas.openxmlformats.org/markup-compatibility/2006" xmlns:mv="urn:schemas-microsoft-com:mac:vml" xmlns:p="http://schemas.openxmlformats.org/presentationml/2006/main" xmlns:c="http://schemas.openxmlformats.org/drawingml/2006/chart" xmlns:dgm="http://schemas.openxmlformats.org/drawingml/2006/diagram" xmlns:o="urn:schemas-microsoft-com:office:office" xmlns:v="urn:schemas-microsoft-com:vml" xmlns:pvml="urn:schemas-microsoft-com:office:powerpoint" xmlns:com="http://schemas.openxmlformats.org/drawingml/2006/compatibility" xmlns:p14="http://schemas.microsoft.com/office/powerpoint/2010/main" xmlns:p15="http://schemas.microsoft.com/office/powerpoint/2012/main" showMasterPhAnim="0" showMasterSp="0">
+<p:notes xmlns:a="http://schemas.openxmlformats.org/drawingml/2006/main" xmlns:r="http://schemas.openxmlformats.org/officeDocument/2006/relationships" xmlns:p="http://schemas.openxmlformats.org/presentationml/2006/main" showMasterSp="0" showMasterPhAnim="0">
   <p:cSld>
     <p:spTree>
       <p:nvGrpSpPr>
-        <p:cNvPr id="106" name="Shape 106"/>
+        <p:cNvPr id="1" name="Shape 106"/>
         <p:cNvGrpSpPr/>
         <p:nvPr/>
       </p:nvGrpSpPr>
@@ -985,20 +1001,26 @@
       <p:sp>
         <p:nvSpPr>
           <p:cNvPr id="107" name="Google Shape;107;g702b81866f_1_6:notes"/>
-          <p:cNvSpPr/>
+          <p:cNvSpPr>
+            <a:spLocks noGrp="1" noRot="1" noChangeAspect="1"/>
+          </p:cNvSpPr>
           <p:nvPr>
-            <p:ph idx="2" type="sldImg"/>
+            <p:ph type="sldImg" idx="2"/>
           </p:nvPr>
         </p:nvSpPr>
         <p:spPr>
           <a:xfrm>
-            <a:off x="381300" y="685800"/>
+            <a:off x="381000" y="685800"/>
             <a:ext cx="6096000" cy="3429000"/>
           </a:xfrm>
           <a:custGeom>
-            <a:rect b="b" l="l" r="r" t="t"/>
+            <a:avLst/>
+            <a:gdLst/>
+            <a:ahLst/>
+            <a:cxnLst/>
+            <a:rect l="l" t="t" r="r" b="b"/>
             <a:pathLst>
-              <a:path extrusionOk="0" h="120000" w="120000">
+              <a:path w="120000" h="120000" extrusionOk="0">
                 <a:moveTo>
                   <a:pt x="0" y="0"/>
                 </a:moveTo>
@@ -1020,9 +1042,11 @@
       <p:sp>
         <p:nvSpPr>
           <p:cNvPr id="108" name="Google Shape;108;g702b81866f_1_6:notes"/>
-          <p:cNvSpPr txBox="1"/>
+          <p:cNvSpPr txBox="1">
+            <a:spLocks noGrp="1"/>
+          </p:cNvSpPr>
           <p:nvPr>
-            <p:ph idx="1" type="body"/>
+            <p:ph type="body" idx="1"/>
           </p:nvPr>
         </p:nvSpPr>
         <p:spPr>
@@ -1035,12 +1059,12 @@
           </a:prstGeom>
         </p:spPr>
         <p:txBody>
-          <a:bodyPr anchorCtr="0" anchor="t" bIns="91425" lIns="91425" spcFirstLastPara="1" rIns="91425" wrap="square" tIns="91425">
+          <a:bodyPr spcFirstLastPara="1" wrap="square" lIns="91425" tIns="91425" rIns="91425" bIns="91425" anchor="t" anchorCtr="0">
             <a:noAutofit/>
           </a:bodyPr>
           <a:lstStyle/>
           <a:p>
-            <a:pPr indent="0" lvl="0" marL="0" rtl="0" algn="l">
+            <a:pPr marL="0" lvl="0" indent="0" algn="l" rtl="0">
               <a:spcBef>
                 <a:spcPts val="0"/>
               </a:spcBef>
@@ -1049,9 +1073,6 @@
               </a:spcAft>
               <a:buNone/>
             </a:pPr>
-            <a:r>
-              <a:t/>
-            </a:r>
             <a:endParaRPr/>
           </a:p>
         </p:txBody>
@@ -1065,11 +1086,11 @@
 </file>
 
 <file path=ppt/notesSlides/notesSlide11.xml><?xml version="1.0" encoding="utf-8"?>
-<p:notes xmlns:a="http://schemas.openxmlformats.org/drawingml/2006/main" xmlns:r="http://schemas.openxmlformats.org/officeDocument/2006/relationships" xmlns:mc="http://schemas.openxmlformats.org/markup-compatibility/2006" xmlns:mv="urn:schemas-microsoft-com:mac:vml" xmlns:p="http://schemas.openxmlformats.org/presentationml/2006/main" xmlns:c="http://schemas.openxmlformats.org/drawingml/2006/chart" xmlns:dgm="http://schemas.openxmlformats.org/drawingml/2006/diagram" xmlns:o="urn:schemas-microsoft-com:office:office" xmlns:v="urn:schemas-microsoft-com:vml" xmlns:pvml="urn:schemas-microsoft-com:office:powerpoint" xmlns:com="http://schemas.openxmlformats.org/drawingml/2006/compatibility" xmlns:p14="http://schemas.microsoft.com/office/powerpoint/2010/main" xmlns:p15="http://schemas.microsoft.com/office/powerpoint/2012/main" showMasterPhAnim="0" showMasterSp="0">
+<p:notes xmlns:a="http://schemas.openxmlformats.org/drawingml/2006/main" xmlns:r="http://schemas.openxmlformats.org/officeDocument/2006/relationships" xmlns:p="http://schemas.openxmlformats.org/presentationml/2006/main" showMasterSp="0" showMasterPhAnim="0">
   <p:cSld>
     <p:spTree>
       <p:nvGrpSpPr>
-        <p:cNvPr id="112" name="Shape 112"/>
+        <p:cNvPr id="1" name="Shape 112"/>
         <p:cNvGrpSpPr/>
         <p:nvPr/>
       </p:nvGrpSpPr>
@@ -1084,20 +1105,26 @@
       <p:sp>
         <p:nvSpPr>
           <p:cNvPr id="113" name="Google Shape;113;g702b81866f_1_12:notes"/>
-          <p:cNvSpPr/>
+          <p:cNvSpPr>
+            <a:spLocks noGrp="1" noRot="1" noChangeAspect="1"/>
+          </p:cNvSpPr>
           <p:nvPr>
-            <p:ph idx="2" type="sldImg"/>
+            <p:ph type="sldImg" idx="2"/>
           </p:nvPr>
         </p:nvSpPr>
         <p:spPr>
           <a:xfrm>
-            <a:off x="381300" y="685800"/>
+            <a:off x="381000" y="685800"/>
             <a:ext cx="6096000" cy="3429000"/>
           </a:xfrm>
           <a:custGeom>
-            <a:rect b="b" l="l" r="r" t="t"/>
+            <a:avLst/>
+            <a:gdLst/>
+            <a:ahLst/>
+            <a:cxnLst/>
+            <a:rect l="l" t="t" r="r" b="b"/>
             <a:pathLst>
-              <a:path extrusionOk="0" h="120000" w="120000">
+              <a:path w="120000" h="120000" extrusionOk="0">
                 <a:moveTo>
                   <a:pt x="0" y="0"/>
                 </a:moveTo>
@@ -1119,9 +1146,11 @@
       <p:sp>
         <p:nvSpPr>
           <p:cNvPr id="114" name="Google Shape;114;g702b81866f_1_12:notes"/>
-          <p:cNvSpPr txBox="1"/>
+          <p:cNvSpPr txBox="1">
+            <a:spLocks noGrp="1"/>
+          </p:cNvSpPr>
           <p:nvPr>
-            <p:ph idx="1" type="body"/>
+            <p:ph type="body" idx="1"/>
           </p:nvPr>
         </p:nvSpPr>
         <p:spPr>
@@ -1134,12 +1163,12 @@
           </a:prstGeom>
         </p:spPr>
         <p:txBody>
-          <a:bodyPr anchorCtr="0" anchor="t" bIns="91425" lIns="91425" spcFirstLastPara="1" rIns="91425" wrap="square" tIns="91425">
+          <a:bodyPr spcFirstLastPara="1" wrap="square" lIns="91425" tIns="91425" rIns="91425" bIns="91425" anchor="t" anchorCtr="0">
             <a:noAutofit/>
           </a:bodyPr>
           <a:lstStyle/>
           <a:p>
-            <a:pPr indent="0" lvl="0" marL="0" rtl="0" algn="l">
+            <a:pPr marL="0" lvl="0" indent="0" algn="l" rtl="0">
               <a:spcBef>
                 <a:spcPts val="0"/>
               </a:spcBef>
@@ -1148,9 +1177,6 @@
               </a:spcAft>
               <a:buNone/>
             </a:pPr>
-            <a:r>
-              <a:t/>
-            </a:r>
             <a:endParaRPr/>
           </a:p>
         </p:txBody>
@@ -1164,11 +1190,11 @@
 </file>
 
 <file path=ppt/notesSlides/notesSlide12.xml><?xml version="1.0" encoding="utf-8"?>
-<p:notes xmlns:a="http://schemas.openxmlformats.org/drawingml/2006/main" xmlns:r="http://schemas.openxmlformats.org/officeDocument/2006/relationships" xmlns:mc="http://schemas.openxmlformats.org/markup-compatibility/2006" xmlns:mv="urn:schemas-microsoft-com:mac:vml" xmlns:p="http://schemas.openxmlformats.org/presentationml/2006/main" xmlns:c="http://schemas.openxmlformats.org/drawingml/2006/chart" xmlns:dgm="http://schemas.openxmlformats.org/drawingml/2006/diagram" xmlns:o="urn:schemas-microsoft-com:office:office" xmlns:v="urn:schemas-microsoft-com:vml" xmlns:pvml="urn:schemas-microsoft-com:office:powerpoint" xmlns:com="http://schemas.openxmlformats.org/drawingml/2006/compatibility" xmlns:p14="http://schemas.microsoft.com/office/powerpoint/2010/main" xmlns:p15="http://schemas.microsoft.com/office/powerpoint/2012/main" showMasterPhAnim="0" showMasterSp="0">
+<p:notes xmlns:a="http://schemas.openxmlformats.org/drawingml/2006/main" xmlns:r="http://schemas.openxmlformats.org/officeDocument/2006/relationships" xmlns:p="http://schemas.openxmlformats.org/presentationml/2006/main" showMasterSp="0" showMasterPhAnim="0">
   <p:cSld>
     <p:spTree>
       <p:nvGrpSpPr>
-        <p:cNvPr id="118" name="Shape 118"/>
+        <p:cNvPr id="1" name="Shape 118"/>
         <p:cNvGrpSpPr/>
         <p:nvPr/>
       </p:nvGrpSpPr>
@@ -1183,20 +1209,26 @@
       <p:sp>
         <p:nvSpPr>
           <p:cNvPr id="119" name="Google Shape;119;g702b81866f_1_39:notes"/>
-          <p:cNvSpPr/>
+          <p:cNvSpPr>
+            <a:spLocks noGrp="1" noRot="1" noChangeAspect="1"/>
+          </p:cNvSpPr>
           <p:nvPr>
-            <p:ph idx="2" type="sldImg"/>
+            <p:ph type="sldImg" idx="2"/>
           </p:nvPr>
         </p:nvSpPr>
         <p:spPr>
           <a:xfrm>
-            <a:off x="381300" y="685800"/>
+            <a:off x="381000" y="685800"/>
             <a:ext cx="6096000" cy="3429000"/>
           </a:xfrm>
           <a:custGeom>
-            <a:rect b="b" l="l" r="r" t="t"/>
+            <a:avLst/>
+            <a:gdLst/>
+            <a:ahLst/>
+            <a:cxnLst/>
+            <a:rect l="l" t="t" r="r" b="b"/>
             <a:pathLst>
-              <a:path extrusionOk="0" h="120000" w="120000">
+              <a:path w="120000" h="120000" extrusionOk="0">
                 <a:moveTo>
                   <a:pt x="0" y="0"/>
                 </a:moveTo>
@@ -1218,9 +1250,11 @@
       <p:sp>
         <p:nvSpPr>
           <p:cNvPr id="120" name="Google Shape;120;g702b81866f_1_39:notes"/>
-          <p:cNvSpPr txBox="1"/>
+          <p:cNvSpPr txBox="1">
+            <a:spLocks noGrp="1"/>
+          </p:cNvSpPr>
           <p:nvPr>
-            <p:ph idx="1" type="body"/>
+            <p:ph type="body" idx="1"/>
           </p:nvPr>
         </p:nvSpPr>
         <p:spPr>
@@ -1233,12 +1267,12 @@
           </a:prstGeom>
         </p:spPr>
         <p:txBody>
-          <a:bodyPr anchorCtr="0" anchor="t" bIns="91425" lIns="91425" spcFirstLastPara="1" rIns="91425" wrap="square" tIns="91425">
+          <a:bodyPr spcFirstLastPara="1" wrap="square" lIns="91425" tIns="91425" rIns="91425" bIns="91425" anchor="t" anchorCtr="0">
             <a:noAutofit/>
           </a:bodyPr>
           <a:lstStyle/>
           <a:p>
-            <a:pPr indent="0" lvl="0" marL="0" rtl="0" algn="l">
+            <a:pPr marL="0" lvl="0" indent="0" algn="l" rtl="0">
               <a:spcBef>
                 <a:spcPts val="0"/>
               </a:spcBef>
@@ -1247,9 +1281,6 @@
               </a:spcAft>
               <a:buNone/>
             </a:pPr>
-            <a:r>
-              <a:t/>
-            </a:r>
             <a:endParaRPr/>
           </a:p>
         </p:txBody>
@@ -1263,11 +1294,11 @@
 </file>
 
 <file path=ppt/notesSlides/notesSlide13.xml><?xml version="1.0" encoding="utf-8"?>
-<p:notes xmlns:a="http://schemas.openxmlformats.org/drawingml/2006/main" xmlns:r="http://schemas.openxmlformats.org/officeDocument/2006/relationships" xmlns:mc="http://schemas.openxmlformats.org/markup-compatibility/2006" xmlns:mv="urn:schemas-microsoft-com:mac:vml" xmlns:p="http://schemas.openxmlformats.org/presentationml/2006/main" xmlns:c="http://schemas.openxmlformats.org/drawingml/2006/chart" xmlns:dgm="http://schemas.openxmlformats.org/drawingml/2006/diagram" xmlns:o="urn:schemas-microsoft-com:office:office" xmlns:v="urn:schemas-microsoft-com:vml" xmlns:pvml="urn:schemas-microsoft-com:office:powerpoint" xmlns:com="http://schemas.openxmlformats.org/drawingml/2006/compatibility" xmlns:p14="http://schemas.microsoft.com/office/powerpoint/2010/main" xmlns:p15="http://schemas.microsoft.com/office/powerpoint/2012/main" showMasterPhAnim="0" showMasterSp="0">
+<p:notes xmlns:a="http://schemas.openxmlformats.org/drawingml/2006/main" xmlns:r="http://schemas.openxmlformats.org/officeDocument/2006/relationships" xmlns:p="http://schemas.openxmlformats.org/presentationml/2006/main" showMasterSp="0" showMasterPhAnim="0">
   <p:cSld>
     <p:spTree>
       <p:nvGrpSpPr>
-        <p:cNvPr id="124" name="Shape 124"/>
+        <p:cNvPr id="1" name="Shape 124"/>
         <p:cNvGrpSpPr/>
         <p:nvPr/>
       </p:nvGrpSpPr>
@@ -1282,20 +1313,26 @@
       <p:sp>
         <p:nvSpPr>
           <p:cNvPr id="125" name="Google Shape;125;g702b81866f_1_44:notes"/>
-          <p:cNvSpPr/>
+          <p:cNvSpPr>
+            <a:spLocks noGrp="1" noRot="1" noChangeAspect="1"/>
+          </p:cNvSpPr>
           <p:nvPr>
-            <p:ph idx="2" type="sldImg"/>
+            <p:ph type="sldImg" idx="2"/>
           </p:nvPr>
         </p:nvSpPr>
         <p:spPr>
           <a:xfrm>
-            <a:off x="381300" y="685800"/>
+            <a:off x="381000" y="685800"/>
             <a:ext cx="6096000" cy="3429000"/>
           </a:xfrm>
           <a:custGeom>
-            <a:rect b="b" l="l" r="r" t="t"/>
+            <a:avLst/>
+            <a:gdLst/>
+            <a:ahLst/>
+            <a:cxnLst/>
+            <a:rect l="l" t="t" r="r" b="b"/>
             <a:pathLst>
-              <a:path extrusionOk="0" h="120000" w="120000">
+              <a:path w="120000" h="120000" extrusionOk="0">
                 <a:moveTo>
                   <a:pt x="0" y="0"/>
                 </a:moveTo>
@@ -1317,9 +1354,11 @@
       <p:sp>
         <p:nvSpPr>
           <p:cNvPr id="126" name="Google Shape;126;g702b81866f_1_44:notes"/>
-          <p:cNvSpPr txBox="1"/>
+          <p:cNvSpPr txBox="1">
+            <a:spLocks noGrp="1"/>
+          </p:cNvSpPr>
           <p:nvPr>
-            <p:ph idx="1" type="body"/>
+            <p:ph type="body" idx="1"/>
           </p:nvPr>
         </p:nvSpPr>
         <p:spPr>
@@ -1332,12 +1371,12 @@
           </a:prstGeom>
         </p:spPr>
         <p:txBody>
-          <a:bodyPr anchorCtr="0" anchor="t" bIns="91425" lIns="91425" spcFirstLastPara="1" rIns="91425" wrap="square" tIns="91425">
+          <a:bodyPr spcFirstLastPara="1" wrap="square" lIns="91425" tIns="91425" rIns="91425" bIns="91425" anchor="t" anchorCtr="0">
             <a:noAutofit/>
           </a:bodyPr>
           <a:lstStyle/>
           <a:p>
-            <a:pPr indent="0" lvl="0" marL="0" rtl="0" algn="l">
+            <a:pPr marL="0" lvl="0" indent="0" algn="l" rtl="0">
               <a:spcBef>
                 <a:spcPts val="0"/>
               </a:spcBef>
@@ -1346,9 +1385,6 @@
               </a:spcAft>
               <a:buNone/>
             </a:pPr>
-            <a:r>
-              <a:t/>
-            </a:r>
             <a:endParaRPr/>
           </a:p>
         </p:txBody>
@@ -1362,11 +1398,11 @@
 </file>
 
 <file path=ppt/notesSlides/notesSlide14.xml><?xml version="1.0" encoding="utf-8"?>
-<p:notes xmlns:a="http://schemas.openxmlformats.org/drawingml/2006/main" xmlns:r="http://schemas.openxmlformats.org/officeDocument/2006/relationships" xmlns:mc="http://schemas.openxmlformats.org/markup-compatibility/2006" xmlns:mv="urn:schemas-microsoft-com:mac:vml" xmlns:p="http://schemas.openxmlformats.org/presentationml/2006/main" xmlns:c="http://schemas.openxmlformats.org/drawingml/2006/chart" xmlns:dgm="http://schemas.openxmlformats.org/drawingml/2006/diagram" xmlns:o="urn:schemas-microsoft-com:office:office" xmlns:v="urn:schemas-microsoft-com:vml" xmlns:pvml="urn:schemas-microsoft-com:office:powerpoint" xmlns:com="http://schemas.openxmlformats.org/drawingml/2006/compatibility" xmlns:p14="http://schemas.microsoft.com/office/powerpoint/2010/main" xmlns:p15="http://schemas.microsoft.com/office/powerpoint/2012/main" showMasterPhAnim="0" showMasterSp="0">
+<p:notes xmlns:a="http://schemas.openxmlformats.org/drawingml/2006/main" xmlns:r="http://schemas.openxmlformats.org/officeDocument/2006/relationships" xmlns:p="http://schemas.openxmlformats.org/presentationml/2006/main" showMasterSp="0" showMasterPhAnim="0">
   <p:cSld>
     <p:spTree>
       <p:nvGrpSpPr>
-        <p:cNvPr id="130" name="Shape 130"/>
+        <p:cNvPr id="1" name="Shape 130"/>
         <p:cNvGrpSpPr/>
         <p:nvPr/>
       </p:nvGrpSpPr>
@@ -1381,20 +1417,26 @@
       <p:sp>
         <p:nvSpPr>
           <p:cNvPr id="131" name="Google Shape;131;g702b81866f_1_55:notes"/>
-          <p:cNvSpPr/>
+          <p:cNvSpPr>
+            <a:spLocks noGrp="1" noRot="1" noChangeAspect="1"/>
+          </p:cNvSpPr>
           <p:nvPr>
-            <p:ph idx="2" type="sldImg"/>
+            <p:ph type="sldImg" idx="2"/>
           </p:nvPr>
         </p:nvSpPr>
         <p:spPr>
           <a:xfrm>
-            <a:off x="381300" y="685800"/>
+            <a:off x="381000" y="685800"/>
             <a:ext cx="6096000" cy="3429000"/>
           </a:xfrm>
           <a:custGeom>
-            <a:rect b="b" l="l" r="r" t="t"/>
+            <a:avLst/>
+            <a:gdLst/>
+            <a:ahLst/>
+            <a:cxnLst/>
+            <a:rect l="l" t="t" r="r" b="b"/>
             <a:pathLst>
-              <a:path extrusionOk="0" h="120000" w="120000">
+              <a:path w="120000" h="120000" extrusionOk="0">
                 <a:moveTo>
                   <a:pt x="0" y="0"/>
                 </a:moveTo>
@@ -1416,9 +1458,11 @@
       <p:sp>
         <p:nvSpPr>
           <p:cNvPr id="132" name="Google Shape;132;g702b81866f_1_55:notes"/>
-          <p:cNvSpPr txBox="1"/>
+          <p:cNvSpPr txBox="1">
+            <a:spLocks noGrp="1"/>
+          </p:cNvSpPr>
           <p:nvPr>
-            <p:ph idx="1" type="body"/>
+            <p:ph type="body" idx="1"/>
           </p:nvPr>
         </p:nvSpPr>
         <p:spPr>
@@ -1431,12 +1475,12 @@
           </a:prstGeom>
         </p:spPr>
         <p:txBody>
-          <a:bodyPr anchorCtr="0" anchor="t" bIns="91425" lIns="91425" spcFirstLastPara="1" rIns="91425" wrap="square" tIns="91425">
+          <a:bodyPr spcFirstLastPara="1" wrap="square" lIns="91425" tIns="91425" rIns="91425" bIns="91425" anchor="t" anchorCtr="0">
             <a:noAutofit/>
           </a:bodyPr>
           <a:lstStyle/>
           <a:p>
-            <a:pPr indent="0" lvl="0" marL="0" rtl="0" algn="l">
+            <a:pPr marL="0" lvl="0" indent="0" algn="l" rtl="0">
               <a:spcBef>
                 <a:spcPts val="0"/>
               </a:spcBef>
@@ -1445,9 +1489,6 @@
               </a:spcAft>
               <a:buNone/>
             </a:pPr>
-            <a:r>
-              <a:t/>
-            </a:r>
             <a:endParaRPr/>
           </a:p>
         </p:txBody>
@@ -1461,11 +1502,11 @@
 </file>
 
 <file path=ppt/notesSlides/notesSlide15.xml><?xml version="1.0" encoding="utf-8"?>
-<p:notes xmlns:a="http://schemas.openxmlformats.org/drawingml/2006/main" xmlns:r="http://schemas.openxmlformats.org/officeDocument/2006/relationships" xmlns:mc="http://schemas.openxmlformats.org/markup-compatibility/2006" xmlns:mv="urn:schemas-microsoft-com:mac:vml" xmlns:p="http://schemas.openxmlformats.org/presentationml/2006/main" xmlns:c="http://schemas.openxmlformats.org/drawingml/2006/chart" xmlns:dgm="http://schemas.openxmlformats.org/drawingml/2006/diagram" xmlns:o="urn:schemas-microsoft-com:office:office" xmlns:v="urn:schemas-microsoft-com:vml" xmlns:pvml="urn:schemas-microsoft-com:office:powerpoint" xmlns:com="http://schemas.openxmlformats.org/drawingml/2006/compatibility" xmlns:p14="http://schemas.microsoft.com/office/powerpoint/2010/main" xmlns:p15="http://schemas.microsoft.com/office/powerpoint/2012/main" showMasterPhAnim="0" showMasterSp="0">
+<p:notes xmlns:a="http://schemas.openxmlformats.org/drawingml/2006/main" xmlns:r="http://schemas.openxmlformats.org/officeDocument/2006/relationships" xmlns:p="http://schemas.openxmlformats.org/presentationml/2006/main" showMasterSp="0" showMasterPhAnim="0">
   <p:cSld>
     <p:spTree>
       <p:nvGrpSpPr>
-        <p:cNvPr id="136" name="Shape 136"/>
+        <p:cNvPr id="1" name="Shape 136"/>
         <p:cNvGrpSpPr/>
         <p:nvPr/>
       </p:nvGrpSpPr>
@@ -1480,9 +1521,11 @@
       <p:sp>
         <p:nvSpPr>
           <p:cNvPr id="137" name="Google Shape;137;g702b81866f_0_6:notes"/>
-          <p:cNvSpPr/>
+          <p:cNvSpPr>
+            <a:spLocks noGrp="1" noRot="1" noChangeAspect="1"/>
+          </p:cNvSpPr>
           <p:nvPr>
-            <p:ph idx="2" type="sldImg"/>
+            <p:ph type="sldImg" idx="2"/>
           </p:nvPr>
         </p:nvSpPr>
         <p:spPr>
@@ -1491,9 +1534,13 @@
             <a:ext cx="6096000" cy="3429000"/>
           </a:xfrm>
           <a:custGeom>
-            <a:rect b="b" l="l" r="r" t="t"/>
+            <a:avLst/>
+            <a:gdLst/>
+            <a:ahLst/>
+            <a:cxnLst/>
+            <a:rect l="l" t="t" r="r" b="b"/>
             <a:pathLst>
-              <a:path extrusionOk="0" h="120000" w="120000">
+              <a:path w="120000" h="120000" extrusionOk="0">
                 <a:moveTo>
                   <a:pt x="0" y="0"/>
                 </a:moveTo>
@@ -1511,23 +1558,25 @@
             </a:pathLst>
           </a:custGeom>
           <a:noFill/>
-          <a:ln cap="flat" cmpd="sng" w="9525">
+          <a:ln w="9525" cap="flat" cmpd="sng">
             <a:solidFill>
               <a:srgbClr val="000000"/>
             </a:solidFill>
             <a:prstDash val="solid"/>
             <a:round/>
-            <a:headEnd len="sm" w="sm" type="none"/>
-            <a:tailEnd len="sm" w="sm" type="none"/>
+            <a:headEnd type="none" w="sm" len="sm"/>
+            <a:tailEnd type="none" w="sm" len="sm"/>
           </a:ln>
         </p:spPr>
       </p:sp>
       <p:sp>
         <p:nvSpPr>
           <p:cNvPr id="138" name="Google Shape;138;g702b81866f_0_6:notes"/>
-          <p:cNvSpPr txBox="1"/>
+          <p:cNvSpPr txBox="1">
+            <a:spLocks noGrp="1"/>
+          </p:cNvSpPr>
           <p:nvPr>
-            <p:ph idx="1" type="body"/>
+            <p:ph type="body" idx="1"/>
           </p:nvPr>
         </p:nvSpPr>
         <p:spPr>
@@ -1544,12 +1593,12 @@
           </a:ln>
         </p:spPr>
         <p:txBody>
-          <a:bodyPr anchorCtr="0" anchor="t" bIns="91425" lIns="91425" spcFirstLastPara="1" rIns="91425" wrap="square" tIns="91425">
+          <a:bodyPr spcFirstLastPara="1" wrap="square" lIns="91425" tIns="91425" rIns="91425" bIns="91425" anchor="t" anchorCtr="0">
             <a:noAutofit/>
           </a:bodyPr>
           <a:lstStyle/>
           <a:p>
-            <a:pPr indent="0" lvl="0" marL="0" rtl="0" algn="l">
+            <a:pPr marL="0" lvl="0" indent="0" algn="l" rtl="0">
               <a:lnSpc>
                 <a:spcPct val="100000"/>
               </a:lnSpc>
@@ -1562,9 +1611,6 @@
               <a:buSzPts val="1100"/>
               <a:buNone/>
             </a:pPr>
-            <a:r>
-              <a:t/>
-            </a:r>
             <a:endParaRPr/>
           </a:p>
         </p:txBody>
@@ -1578,11 +1624,11 @@
 </file>
 
 <file path=ppt/notesSlides/notesSlide16.xml><?xml version="1.0" encoding="utf-8"?>
-<p:notes xmlns:a="http://schemas.openxmlformats.org/drawingml/2006/main" xmlns:r="http://schemas.openxmlformats.org/officeDocument/2006/relationships" xmlns:mc="http://schemas.openxmlformats.org/markup-compatibility/2006" xmlns:mv="urn:schemas-microsoft-com:mac:vml" xmlns:p="http://schemas.openxmlformats.org/presentationml/2006/main" xmlns:c="http://schemas.openxmlformats.org/drawingml/2006/chart" xmlns:dgm="http://schemas.openxmlformats.org/drawingml/2006/diagram" xmlns:o="urn:schemas-microsoft-com:office:office" xmlns:v="urn:schemas-microsoft-com:vml" xmlns:pvml="urn:schemas-microsoft-com:office:powerpoint" xmlns:com="http://schemas.openxmlformats.org/drawingml/2006/compatibility" xmlns:p14="http://schemas.microsoft.com/office/powerpoint/2010/main" xmlns:p15="http://schemas.microsoft.com/office/powerpoint/2012/main" showMasterPhAnim="0" showMasterSp="0">
+<p:notes xmlns:a="http://schemas.openxmlformats.org/drawingml/2006/main" xmlns:r="http://schemas.openxmlformats.org/officeDocument/2006/relationships" xmlns:p="http://schemas.openxmlformats.org/presentationml/2006/main" showMasterSp="0" showMasterPhAnim="0">
   <p:cSld>
     <p:spTree>
       <p:nvGrpSpPr>
-        <p:cNvPr id="142" name="Shape 142"/>
+        <p:cNvPr id="1" name="Shape 142"/>
         <p:cNvGrpSpPr/>
         <p:nvPr/>
       </p:nvGrpSpPr>
@@ -1597,20 +1643,26 @@
       <p:sp>
         <p:nvSpPr>
           <p:cNvPr id="143" name="Google Shape;143;g702b81866f_0_11:notes"/>
-          <p:cNvSpPr/>
+          <p:cNvSpPr>
+            <a:spLocks noGrp="1" noRot="1" noChangeAspect="1"/>
+          </p:cNvSpPr>
           <p:nvPr>
-            <p:ph idx="2" type="sldImg"/>
+            <p:ph type="sldImg" idx="2"/>
           </p:nvPr>
         </p:nvSpPr>
         <p:spPr>
           <a:xfrm>
-            <a:off x="381300" y="685800"/>
+            <a:off x="381000" y="685800"/>
             <a:ext cx="6096000" cy="3429000"/>
           </a:xfrm>
           <a:custGeom>
-            <a:rect b="b" l="l" r="r" t="t"/>
+            <a:avLst/>
+            <a:gdLst/>
+            <a:ahLst/>
+            <a:cxnLst/>
+            <a:rect l="l" t="t" r="r" b="b"/>
             <a:pathLst>
-              <a:path extrusionOk="0" h="120000" w="120000">
+              <a:path w="120000" h="120000" extrusionOk="0">
                 <a:moveTo>
                   <a:pt x="0" y="0"/>
                 </a:moveTo>
@@ -1632,9 +1684,11 @@
       <p:sp>
         <p:nvSpPr>
           <p:cNvPr id="144" name="Google Shape;144;g702b81866f_0_11:notes"/>
-          <p:cNvSpPr txBox="1"/>
+          <p:cNvSpPr txBox="1">
+            <a:spLocks noGrp="1"/>
+          </p:cNvSpPr>
           <p:nvPr>
-            <p:ph idx="1" type="body"/>
+            <p:ph type="body" idx="1"/>
           </p:nvPr>
         </p:nvSpPr>
         <p:spPr>
@@ -1647,12 +1701,12 @@
           </a:prstGeom>
         </p:spPr>
         <p:txBody>
-          <a:bodyPr anchorCtr="0" anchor="t" bIns="91425" lIns="91425" spcFirstLastPara="1" rIns="91425" wrap="square" tIns="91425">
+          <a:bodyPr spcFirstLastPara="1" wrap="square" lIns="91425" tIns="91425" rIns="91425" bIns="91425" anchor="t" anchorCtr="0">
             <a:noAutofit/>
           </a:bodyPr>
           <a:lstStyle/>
           <a:p>
-            <a:pPr indent="0" lvl="0" marL="0" rtl="0" algn="l">
+            <a:pPr marL="0" lvl="0" indent="0" algn="l" rtl="0">
               <a:spcBef>
                 <a:spcPts val="0"/>
               </a:spcBef>
@@ -1661,9 +1715,6 @@
               </a:spcAft>
               <a:buNone/>
             </a:pPr>
-            <a:r>
-              <a:t/>
-            </a:r>
             <a:endParaRPr/>
           </a:p>
         </p:txBody>
@@ -1677,11 +1728,11 @@
 </file>
 
 <file path=ppt/notesSlides/notesSlide17.xml><?xml version="1.0" encoding="utf-8"?>
-<p:notes xmlns:a="http://schemas.openxmlformats.org/drawingml/2006/main" xmlns:r="http://schemas.openxmlformats.org/officeDocument/2006/relationships" xmlns:mc="http://schemas.openxmlformats.org/markup-compatibility/2006" xmlns:mv="urn:schemas-microsoft-com:mac:vml" xmlns:p="http://schemas.openxmlformats.org/presentationml/2006/main" xmlns:c="http://schemas.openxmlformats.org/drawingml/2006/chart" xmlns:dgm="http://schemas.openxmlformats.org/drawingml/2006/diagram" xmlns:o="urn:schemas-microsoft-com:office:office" xmlns:v="urn:schemas-microsoft-com:vml" xmlns:pvml="urn:schemas-microsoft-com:office:powerpoint" xmlns:com="http://schemas.openxmlformats.org/drawingml/2006/compatibility" xmlns:p14="http://schemas.microsoft.com/office/powerpoint/2010/main" xmlns:p15="http://schemas.microsoft.com/office/powerpoint/2012/main" showMasterPhAnim="0" showMasterSp="0">
+<p:notes xmlns:a="http://schemas.openxmlformats.org/drawingml/2006/main" xmlns:r="http://schemas.openxmlformats.org/officeDocument/2006/relationships" xmlns:p="http://schemas.openxmlformats.org/presentationml/2006/main" showMasterSp="0" showMasterPhAnim="0">
   <p:cSld>
     <p:spTree>
       <p:nvGrpSpPr>
-        <p:cNvPr id="148" name="Shape 148"/>
+        <p:cNvPr id="1" name="Shape 148"/>
         <p:cNvGrpSpPr/>
         <p:nvPr/>
       </p:nvGrpSpPr>
@@ -1696,20 +1747,26 @@
       <p:sp>
         <p:nvSpPr>
           <p:cNvPr id="149" name="Google Shape;149;g702b81866f_1_63:notes"/>
-          <p:cNvSpPr/>
+          <p:cNvSpPr>
+            <a:spLocks noGrp="1" noRot="1" noChangeAspect="1"/>
+          </p:cNvSpPr>
           <p:nvPr>
-            <p:ph idx="2" type="sldImg"/>
+            <p:ph type="sldImg" idx="2"/>
           </p:nvPr>
         </p:nvSpPr>
         <p:spPr>
           <a:xfrm>
-            <a:off x="381300" y="685800"/>
+            <a:off x="381000" y="685800"/>
             <a:ext cx="6096000" cy="3429000"/>
           </a:xfrm>
           <a:custGeom>
-            <a:rect b="b" l="l" r="r" t="t"/>
+            <a:avLst/>
+            <a:gdLst/>
+            <a:ahLst/>
+            <a:cxnLst/>
+            <a:rect l="l" t="t" r="r" b="b"/>
             <a:pathLst>
-              <a:path extrusionOk="0" h="120000" w="120000">
+              <a:path w="120000" h="120000" extrusionOk="0">
                 <a:moveTo>
                   <a:pt x="0" y="0"/>
                 </a:moveTo>
@@ -1731,9 +1788,11 @@
       <p:sp>
         <p:nvSpPr>
           <p:cNvPr id="150" name="Google Shape;150;g702b81866f_1_63:notes"/>
-          <p:cNvSpPr txBox="1"/>
+          <p:cNvSpPr txBox="1">
+            <a:spLocks noGrp="1"/>
+          </p:cNvSpPr>
           <p:nvPr>
-            <p:ph idx="1" type="body"/>
+            <p:ph type="body" idx="1"/>
           </p:nvPr>
         </p:nvSpPr>
         <p:spPr>
@@ -1746,12 +1805,12 @@
           </a:prstGeom>
         </p:spPr>
         <p:txBody>
-          <a:bodyPr anchorCtr="0" anchor="t" bIns="91425" lIns="91425" spcFirstLastPara="1" rIns="91425" wrap="square" tIns="91425">
+          <a:bodyPr spcFirstLastPara="1" wrap="square" lIns="91425" tIns="91425" rIns="91425" bIns="91425" anchor="t" anchorCtr="0">
             <a:noAutofit/>
           </a:bodyPr>
           <a:lstStyle/>
           <a:p>
-            <a:pPr indent="0" lvl="0" marL="0" rtl="0" algn="l">
+            <a:pPr marL="0" lvl="0" indent="0" algn="l" rtl="0">
               <a:spcBef>
                 <a:spcPts val="0"/>
               </a:spcBef>
@@ -1760,9 +1819,6 @@
               </a:spcAft>
               <a:buNone/>
             </a:pPr>
-            <a:r>
-              <a:t/>
-            </a:r>
             <a:endParaRPr/>
           </a:p>
         </p:txBody>
@@ -1776,11 +1832,11 @@
 </file>
 
 <file path=ppt/notesSlides/notesSlide18.xml><?xml version="1.0" encoding="utf-8"?>
-<p:notes xmlns:a="http://schemas.openxmlformats.org/drawingml/2006/main" xmlns:r="http://schemas.openxmlformats.org/officeDocument/2006/relationships" xmlns:mc="http://schemas.openxmlformats.org/markup-compatibility/2006" xmlns:mv="urn:schemas-microsoft-com:mac:vml" xmlns:p="http://schemas.openxmlformats.org/presentationml/2006/main" xmlns:c="http://schemas.openxmlformats.org/drawingml/2006/chart" xmlns:dgm="http://schemas.openxmlformats.org/drawingml/2006/diagram" xmlns:o="urn:schemas-microsoft-com:office:office" xmlns:v="urn:schemas-microsoft-com:vml" xmlns:pvml="urn:schemas-microsoft-com:office:powerpoint" xmlns:com="http://schemas.openxmlformats.org/drawingml/2006/compatibility" xmlns:p14="http://schemas.microsoft.com/office/powerpoint/2010/main" xmlns:p15="http://schemas.microsoft.com/office/powerpoint/2012/main" showMasterPhAnim="0" showMasterSp="0">
+<p:notes xmlns:a="http://schemas.openxmlformats.org/drawingml/2006/main" xmlns:r="http://schemas.openxmlformats.org/officeDocument/2006/relationships" xmlns:p="http://schemas.openxmlformats.org/presentationml/2006/main" showMasterSp="0" showMasterPhAnim="0">
   <p:cSld>
     <p:spTree>
       <p:nvGrpSpPr>
-        <p:cNvPr id="154" name="Shape 154"/>
+        <p:cNvPr id="1" name="Shape 154"/>
         <p:cNvGrpSpPr/>
         <p:nvPr/>
       </p:nvGrpSpPr>
@@ -1795,20 +1851,26 @@
       <p:sp>
         <p:nvSpPr>
           <p:cNvPr id="155" name="Google Shape;155;g702b81866f_1_68:notes"/>
-          <p:cNvSpPr/>
+          <p:cNvSpPr>
+            <a:spLocks noGrp="1" noRot="1" noChangeAspect="1"/>
+          </p:cNvSpPr>
           <p:nvPr>
-            <p:ph idx="2" type="sldImg"/>
+            <p:ph type="sldImg" idx="2"/>
           </p:nvPr>
         </p:nvSpPr>
         <p:spPr>
           <a:xfrm>
-            <a:off x="381300" y="685800"/>
+            <a:off x="381000" y="685800"/>
             <a:ext cx="6096000" cy="3429000"/>
           </a:xfrm>
           <a:custGeom>
-            <a:rect b="b" l="l" r="r" t="t"/>
+            <a:avLst/>
+            <a:gdLst/>
+            <a:ahLst/>
+            <a:cxnLst/>
+            <a:rect l="l" t="t" r="r" b="b"/>
             <a:pathLst>
-              <a:path extrusionOk="0" h="120000" w="120000">
+              <a:path w="120000" h="120000" extrusionOk="0">
                 <a:moveTo>
                   <a:pt x="0" y="0"/>
                 </a:moveTo>
@@ -1830,9 +1892,11 @@
       <p:sp>
         <p:nvSpPr>
           <p:cNvPr id="156" name="Google Shape;156;g702b81866f_1_68:notes"/>
-          <p:cNvSpPr txBox="1"/>
+          <p:cNvSpPr txBox="1">
+            <a:spLocks noGrp="1"/>
+          </p:cNvSpPr>
           <p:nvPr>
-            <p:ph idx="1" type="body"/>
+            <p:ph type="body" idx="1"/>
           </p:nvPr>
         </p:nvSpPr>
         <p:spPr>
@@ -1845,12 +1909,12 @@
           </a:prstGeom>
         </p:spPr>
         <p:txBody>
-          <a:bodyPr anchorCtr="0" anchor="t" bIns="91425" lIns="91425" spcFirstLastPara="1" rIns="91425" wrap="square" tIns="91425">
+          <a:bodyPr spcFirstLastPara="1" wrap="square" lIns="91425" tIns="91425" rIns="91425" bIns="91425" anchor="t" anchorCtr="0">
             <a:noAutofit/>
           </a:bodyPr>
           <a:lstStyle/>
           <a:p>
-            <a:pPr indent="0" lvl="0" marL="0" rtl="0" algn="l">
+            <a:pPr marL="0" lvl="0" indent="0" algn="l" rtl="0">
               <a:spcBef>
                 <a:spcPts val="0"/>
               </a:spcBef>
@@ -1859,9 +1923,6 @@
               </a:spcAft>
               <a:buNone/>
             </a:pPr>
-            <a:r>
-              <a:t/>
-            </a:r>
             <a:endParaRPr/>
           </a:p>
         </p:txBody>
@@ -1875,11 +1936,11 @@
 </file>
 
 <file path=ppt/notesSlides/notesSlide2.xml><?xml version="1.0" encoding="utf-8"?>
-<p:notes xmlns:a="http://schemas.openxmlformats.org/drawingml/2006/main" xmlns:r="http://schemas.openxmlformats.org/officeDocument/2006/relationships" xmlns:mc="http://schemas.openxmlformats.org/markup-compatibility/2006" xmlns:mv="urn:schemas-microsoft-com:mac:vml" xmlns:p="http://schemas.openxmlformats.org/presentationml/2006/main" xmlns:c="http://schemas.openxmlformats.org/drawingml/2006/chart" xmlns:dgm="http://schemas.openxmlformats.org/drawingml/2006/diagram" xmlns:o="urn:schemas-microsoft-com:office:office" xmlns:v="urn:schemas-microsoft-com:vml" xmlns:pvml="urn:schemas-microsoft-com:office:powerpoint" xmlns:com="http://schemas.openxmlformats.org/drawingml/2006/compatibility" xmlns:p14="http://schemas.microsoft.com/office/powerpoint/2010/main" xmlns:p15="http://schemas.microsoft.com/office/powerpoint/2012/main" showMasterPhAnim="0" showMasterSp="0">
+<p:notes xmlns:a="http://schemas.openxmlformats.org/drawingml/2006/main" xmlns:r="http://schemas.openxmlformats.org/officeDocument/2006/relationships" xmlns:p="http://schemas.openxmlformats.org/presentationml/2006/main" showMasterSp="0" showMasterPhAnim="0">
   <p:cSld>
     <p:spTree>
       <p:nvGrpSpPr>
-        <p:cNvPr id="56" name="Shape 56"/>
+        <p:cNvPr id="1" name="Shape 56"/>
         <p:cNvGrpSpPr/>
         <p:nvPr/>
       </p:nvGrpSpPr>
@@ -1894,9 +1955,11 @@
       <p:sp>
         <p:nvSpPr>
           <p:cNvPr id="57" name="Google Shape;57;p6:notes"/>
-          <p:cNvSpPr/>
+          <p:cNvSpPr>
+            <a:spLocks noGrp="1" noRot="1" noChangeAspect="1"/>
+          </p:cNvSpPr>
           <p:nvPr>
-            <p:ph idx="2" type="sldImg"/>
+            <p:ph type="sldImg" idx="2"/>
           </p:nvPr>
         </p:nvSpPr>
         <p:spPr>
@@ -1905,9 +1968,13 @@
             <a:ext cx="6096000" cy="3429000"/>
           </a:xfrm>
           <a:custGeom>
-            <a:rect b="b" l="l" r="r" t="t"/>
+            <a:avLst/>
+            <a:gdLst/>
+            <a:ahLst/>
+            <a:cxnLst/>
+            <a:rect l="l" t="t" r="r" b="b"/>
             <a:pathLst>
-              <a:path extrusionOk="0" h="120000" w="120000">
+              <a:path w="120000" h="120000" extrusionOk="0">
                 <a:moveTo>
                   <a:pt x="0" y="0"/>
                 </a:moveTo>
@@ -1925,23 +1992,25 @@
             </a:pathLst>
           </a:custGeom>
           <a:noFill/>
-          <a:ln cap="flat" cmpd="sng" w="9525">
+          <a:ln w="9525" cap="flat" cmpd="sng">
             <a:solidFill>
               <a:srgbClr val="000000"/>
             </a:solidFill>
             <a:prstDash val="solid"/>
             <a:round/>
-            <a:headEnd len="sm" w="sm" type="none"/>
-            <a:tailEnd len="sm" w="sm" type="none"/>
+            <a:headEnd type="none" w="sm" len="sm"/>
+            <a:tailEnd type="none" w="sm" len="sm"/>
           </a:ln>
         </p:spPr>
       </p:sp>
       <p:sp>
         <p:nvSpPr>
           <p:cNvPr id="58" name="Google Shape;58;p6:notes"/>
-          <p:cNvSpPr txBox="1"/>
+          <p:cNvSpPr txBox="1">
+            <a:spLocks noGrp="1"/>
+          </p:cNvSpPr>
           <p:nvPr>
-            <p:ph idx="1" type="body"/>
+            <p:ph type="body" idx="1"/>
           </p:nvPr>
         </p:nvSpPr>
         <p:spPr>
@@ -1958,12 +2027,12 @@
           </a:ln>
         </p:spPr>
         <p:txBody>
-          <a:bodyPr anchorCtr="0" anchor="t" bIns="91425" lIns="91425" spcFirstLastPara="1" rIns="91425" wrap="square" tIns="91425">
+          <a:bodyPr spcFirstLastPara="1" wrap="square" lIns="91425" tIns="91425" rIns="91425" bIns="91425" anchor="t" anchorCtr="0">
             <a:noAutofit/>
           </a:bodyPr>
           <a:lstStyle/>
           <a:p>
-            <a:pPr indent="0" lvl="0" marL="0" rtl="0" algn="l">
+            <a:pPr marL="0" lvl="0" indent="0" algn="l" rtl="0">
               <a:lnSpc>
                 <a:spcPct val="100000"/>
               </a:lnSpc>
@@ -1976,9 +2045,6 @@
               <a:buSzPts val="1100"/>
               <a:buNone/>
             </a:pPr>
-            <a:r>
-              <a:t/>
-            </a:r>
             <a:endParaRPr/>
           </a:p>
         </p:txBody>
@@ -1992,11 +2058,11 @@
 </file>
 
 <file path=ppt/notesSlides/notesSlide3.xml><?xml version="1.0" encoding="utf-8"?>
-<p:notes xmlns:a="http://schemas.openxmlformats.org/drawingml/2006/main" xmlns:r="http://schemas.openxmlformats.org/officeDocument/2006/relationships" xmlns:mc="http://schemas.openxmlformats.org/markup-compatibility/2006" xmlns:mv="urn:schemas-microsoft-com:mac:vml" xmlns:p="http://schemas.openxmlformats.org/presentationml/2006/main" xmlns:c="http://schemas.openxmlformats.org/drawingml/2006/chart" xmlns:dgm="http://schemas.openxmlformats.org/drawingml/2006/diagram" xmlns:o="urn:schemas-microsoft-com:office:office" xmlns:v="urn:schemas-microsoft-com:vml" xmlns:pvml="urn:schemas-microsoft-com:office:powerpoint" xmlns:com="http://schemas.openxmlformats.org/drawingml/2006/compatibility" xmlns:p14="http://schemas.microsoft.com/office/powerpoint/2010/main" xmlns:p15="http://schemas.microsoft.com/office/powerpoint/2012/main" showMasterPhAnim="0" showMasterSp="0">
+<p:notes xmlns:a="http://schemas.openxmlformats.org/drawingml/2006/main" xmlns:r="http://schemas.openxmlformats.org/officeDocument/2006/relationships" xmlns:p="http://schemas.openxmlformats.org/presentationml/2006/main" showMasterSp="0" showMasterPhAnim="0">
   <p:cSld>
     <p:spTree>
       <p:nvGrpSpPr>
-        <p:cNvPr id="62" name="Shape 62"/>
+        <p:cNvPr id="1" name="Shape 62"/>
         <p:cNvGrpSpPr/>
         <p:nvPr/>
       </p:nvGrpSpPr>
@@ -2011,20 +2077,26 @@
       <p:sp>
         <p:nvSpPr>
           <p:cNvPr id="63" name="Google Shape;63;p7:notes"/>
-          <p:cNvSpPr/>
+          <p:cNvSpPr>
+            <a:spLocks noGrp="1" noRot="1" noChangeAspect="1"/>
+          </p:cNvSpPr>
           <p:nvPr>
-            <p:ph idx="2" type="sldImg"/>
+            <p:ph type="sldImg" idx="2"/>
           </p:nvPr>
         </p:nvSpPr>
         <p:spPr>
           <a:xfrm>
-            <a:off x="381300" y="685800"/>
+            <a:off x="381000" y="685800"/>
             <a:ext cx="6096000" cy="3429000"/>
           </a:xfrm>
           <a:custGeom>
-            <a:rect b="b" l="l" r="r" t="t"/>
+            <a:avLst/>
+            <a:gdLst/>
+            <a:ahLst/>
+            <a:cxnLst/>
+            <a:rect l="l" t="t" r="r" b="b"/>
             <a:pathLst>
-              <a:path extrusionOk="0" h="120000" w="120000">
+              <a:path w="120000" h="120000" extrusionOk="0">
                 <a:moveTo>
                   <a:pt x="0" y="0"/>
                 </a:moveTo>
@@ -2042,23 +2114,25 @@
             </a:pathLst>
           </a:custGeom>
           <a:noFill/>
-          <a:ln cap="flat" cmpd="sng" w="9525">
+          <a:ln w="9525" cap="flat" cmpd="sng">
             <a:solidFill>
               <a:srgbClr val="000000"/>
             </a:solidFill>
             <a:prstDash val="solid"/>
             <a:round/>
-            <a:headEnd len="sm" w="sm" type="none"/>
-            <a:tailEnd len="sm" w="sm" type="none"/>
+            <a:headEnd type="none" w="sm" len="sm"/>
+            <a:tailEnd type="none" w="sm" len="sm"/>
           </a:ln>
         </p:spPr>
       </p:sp>
       <p:sp>
         <p:nvSpPr>
           <p:cNvPr id="64" name="Google Shape;64;p7:notes"/>
-          <p:cNvSpPr txBox="1"/>
+          <p:cNvSpPr txBox="1">
+            <a:spLocks noGrp="1"/>
+          </p:cNvSpPr>
           <p:nvPr>
-            <p:ph idx="1" type="body"/>
+            <p:ph type="body" idx="1"/>
           </p:nvPr>
         </p:nvSpPr>
         <p:spPr>
@@ -2075,12 +2149,12 @@
           </a:ln>
         </p:spPr>
         <p:txBody>
-          <a:bodyPr anchorCtr="0" anchor="t" bIns="91425" lIns="91425" spcFirstLastPara="1" rIns="91425" wrap="square" tIns="91425">
+          <a:bodyPr spcFirstLastPara="1" wrap="square" lIns="91425" tIns="91425" rIns="91425" bIns="91425" anchor="t" anchorCtr="0">
             <a:noAutofit/>
           </a:bodyPr>
           <a:lstStyle/>
           <a:p>
-            <a:pPr indent="0" lvl="0" marL="0" rtl="0" algn="l">
+            <a:pPr marL="0" lvl="0" indent="0" algn="l" rtl="0">
               <a:lnSpc>
                 <a:spcPct val="100000"/>
               </a:lnSpc>
@@ -2093,9 +2167,6 @@
               <a:buSzPts val="1100"/>
               <a:buNone/>
             </a:pPr>
-            <a:r>
-              <a:t/>
-            </a:r>
             <a:endParaRPr/>
           </a:p>
         </p:txBody>
@@ -2109,11 +2180,11 @@
 </file>
 
 <file path=ppt/notesSlides/notesSlide4.xml><?xml version="1.0" encoding="utf-8"?>
-<p:notes xmlns:a="http://schemas.openxmlformats.org/drawingml/2006/main" xmlns:r="http://schemas.openxmlformats.org/officeDocument/2006/relationships" xmlns:mc="http://schemas.openxmlformats.org/markup-compatibility/2006" xmlns:mv="urn:schemas-microsoft-com:mac:vml" xmlns:p="http://schemas.openxmlformats.org/presentationml/2006/main" xmlns:c="http://schemas.openxmlformats.org/drawingml/2006/chart" xmlns:dgm="http://schemas.openxmlformats.org/drawingml/2006/diagram" xmlns:o="urn:schemas-microsoft-com:office:office" xmlns:v="urn:schemas-microsoft-com:vml" xmlns:pvml="urn:schemas-microsoft-com:office:powerpoint" xmlns:com="http://schemas.openxmlformats.org/drawingml/2006/compatibility" xmlns:p14="http://schemas.microsoft.com/office/powerpoint/2010/main" xmlns:p15="http://schemas.microsoft.com/office/powerpoint/2012/main" showMasterPhAnim="0" showMasterSp="0">
+<p:notes xmlns:a="http://schemas.openxmlformats.org/drawingml/2006/main" xmlns:r="http://schemas.openxmlformats.org/officeDocument/2006/relationships" xmlns:p="http://schemas.openxmlformats.org/presentationml/2006/main" showMasterSp="0" showMasterPhAnim="0">
   <p:cSld>
     <p:spTree>
       <p:nvGrpSpPr>
-        <p:cNvPr id="68" name="Shape 68"/>
+        <p:cNvPr id="1" name="Shape 68"/>
         <p:cNvGrpSpPr/>
         <p:nvPr/>
       </p:nvGrpSpPr>
@@ -2128,20 +2199,26 @@
       <p:sp>
         <p:nvSpPr>
           <p:cNvPr id="69" name="Google Shape;69;p8:notes"/>
-          <p:cNvSpPr/>
+          <p:cNvSpPr>
+            <a:spLocks noGrp="1" noRot="1" noChangeAspect="1"/>
+          </p:cNvSpPr>
           <p:nvPr>
-            <p:ph idx="2" type="sldImg"/>
+            <p:ph type="sldImg" idx="2"/>
           </p:nvPr>
         </p:nvSpPr>
         <p:spPr>
           <a:xfrm>
-            <a:off x="381300" y="685800"/>
+            <a:off x="381000" y="685800"/>
             <a:ext cx="6096000" cy="3429000"/>
           </a:xfrm>
           <a:custGeom>
-            <a:rect b="b" l="l" r="r" t="t"/>
+            <a:avLst/>
+            <a:gdLst/>
+            <a:ahLst/>
+            <a:cxnLst/>
+            <a:rect l="l" t="t" r="r" b="b"/>
             <a:pathLst>
-              <a:path extrusionOk="0" h="120000" w="120000">
+              <a:path w="120000" h="120000" extrusionOk="0">
                 <a:moveTo>
                   <a:pt x="0" y="0"/>
                 </a:moveTo>
@@ -2159,23 +2236,25 @@
             </a:pathLst>
           </a:custGeom>
           <a:noFill/>
-          <a:ln cap="flat" cmpd="sng" w="9525">
+          <a:ln w="9525" cap="flat" cmpd="sng">
             <a:solidFill>
               <a:srgbClr val="000000"/>
             </a:solidFill>
             <a:prstDash val="solid"/>
             <a:round/>
-            <a:headEnd len="sm" w="sm" type="none"/>
-            <a:tailEnd len="sm" w="sm" type="none"/>
+            <a:headEnd type="none" w="sm" len="sm"/>
+            <a:tailEnd type="none" w="sm" len="sm"/>
           </a:ln>
         </p:spPr>
       </p:sp>
       <p:sp>
         <p:nvSpPr>
           <p:cNvPr id="70" name="Google Shape;70;p8:notes"/>
-          <p:cNvSpPr txBox="1"/>
+          <p:cNvSpPr txBox="1">
+            <a:spLocks noGrp="1"/>
+          </p:cNvSpPr>
           <p:nvPr>
-            <p:ph idx="1" type="body"/>
+            <p:ph type="body" idx="1"/>
           </p:nvPr>
         </p:nvSpPr>
         <p:spPr>
@@ -2192,12 +2271,12 @@
           </a:ln>
         </p:spPr>
         <p:txBody>
-          <a:bodyPr anchorCtr="0" anchor="t" bIns="91425" lIns="91425" spcFirstLastPara="1" rIns="91425" wrap="square" tIns="91425">
+          <a:bodyPr spcFirstLastPara="1" wrap="square" lIns="91425" tIns="91425" rIns="91425" bIns="91425" anchor="t" anchorCtr="0">
             <a:noAutofit/>
           </a:bodyPr>
           <a:lstStyle/>
           <a:p>
-            <a:pPr indent="0" lvl="0" marL="0" rtl="0" algn="l">
+            <a:pPr marL="0" lvl="0" indent="0" algn="l" rtl="0">
               <a:lnSpc>
                 <a:spcPct val="100000"/>
               </a:lnSpc>
@@ -2210,9 +2289,6 @@
               <a:buSzPts val="1100"/>
               <a:buNone/>
             </a:pPr>
-            <a:r>
-              <a:t/>
-            </a:r>
             <a:endParaRPr/>
           </a:p>
         </p:txBody>
@@ -2226,11 +2302,11 @@
 </file>
 
 <file path=ppt/notesSlides/notesSlide5.xml><?xml version="1.0" encoding="utf-8"?>
-<p:notes xmlns:a="http://schemas.openxmlformats.org/drawingml/2006/main" xmlns:r="http://schemas.openxmlformats.org/officeDocument/2006/relationships" xmlns:mc="http://schemas.openxmlformats.org/markup-compatibility/2006" xmlns:mv="urn:schemas-microsoft-com:mac:vml" xmlns:p="http://schemas.openxmlformats.org/presentationml/2006/main" xmlns:c="http://schemas.openxmlformats.org/drawingml/2006/chart" xmlns:dgm="http://schemas.openxmlformats.org/drawingml/2006/diagram" xmlns:o="urn:schemas-microsoft-com:office:office" xmlns:v="urn:schemas-microsoft-com:vml" xmlns:pvml="urn:schemas-microsoft-com:office:powerpoint" xmlns:com="http://schemas.openxmlformats.org/drawingml/2006/compatibility" xmlns:p14="http://schemas.microsoft.com/office/powerpoint/2010/main" xmlns:p15="http://schemas.microsoft.com/office/powerpoint/2012/main" showMasterPhAnim="0" showMasterSp="0">
+<p:notes xmlns:a="http://schemas.openxmlformats.org/drawingml/2006/main" xmlns:r="http://schemas.openxmlformats.org/officeDocument/2006/relationships" xmlns:p="http://schemas.openxmlformats.org/presentationml/2006/main" showMasterSp="0" showMasterPhAnim="0">
   <p:cSld>
     <p:spTree>
       <p:nvGrpSpPr>
-        <p:cNvPr id="74" name="Shape 74"/>
+        <p:cNvPr id="1" name="Shape 74"/>
         <p:cNvGrpSpPr/>
         <p:nvPr/>
       </p:nvGrpSpPr>
@@ -2245,20 +2321,26 @@
       <p:sp>
         <p:nvSpPr>
           <p:cNvPr id="75" name="Google Shape;75;p9:notes"/>
-          <p:cNvSpPr/>
+          <p:cNvSpPr>
+            <a:spLocks noGrp="1" noRot="1" noChangeAspect="1"/>
+          </p:cNvSpPr>
           <p:nvPr>
-            <p:ph idx="2" type="sldImg"/>
+            <p:ph type="sldImg" idx="2"/>
           </p:nvPr>
         </p:nvSpPr>
         <p:spPr>
           <a:xfrm>
-            <a:off x="381300" y="685800"/>
+            <a:off x="381000" y="685800"/>
             <a:ext cx="6096000" cy="3429000"/>
           </a:xfrm>
           <a:custGeom>
-            <a:rect b="b" l="l" r="r" t="t"/>
+            <a:avLst/>
+            <a:gdLst/>
+            <a:ahLst/>
+            <a:cxnLst/>
+            <a:rect l="l" t="t" r="r" b="b"/>
             <a:pathLst>
-              <a:path extrusionOk="0" h="120000" w="120000">
+              <a:path w="120000" h="120000" extrusionOk="0">
                 <a:moveTo>
                   <a:pt x="0" y="0"/>
                 </a:moveTo>
@@ -2276,23 +2358,25 @@
             </a:pathLst>
           </a:custGeom>
           <a:noFill/>
-          <a:ln cap="flat" cmpd="sng" w="9525">
+          <a:ln w="9525" cap="flat" cmpd="sng">
             <a:solidFill>
               <a:srgbClr val="000000"/>
             </a:solidFill>
             <a:prstDash val="solid"/>
             <a:round/>
-            <a:headEnd len="sm" w="sm" type="none"/>
-            <a:tailEnd len="sm" w="sm" type="none"/>
+            <a:headEnd type="none" w="sm" len="sm"/>
+            <a:tailEnd type="none" w="sm" len="sm"/>
           </a:ln>
         </p:spPr>
       </p:sp>
       <p:sp>
         <p:nvSpPr>
           <p:cNvPr id="76" name="Google Shape;76;p9:notes"/>
-          <p:cNvSpPr txBox="1"/>
+          <p:cNvSpPr txBox="1">
+            <a:spLocks noGrp="1"/>
+          </p:cNvSpPr>
           <p:nvPr>
-            <p:ph idx="1" type="body"/>
+            <p:ph type="body" idx="1"/>
           </p:nvPr>
         </p:nvSpPr>
         <p:spPr>
@@ -2309,12 +2393,12 @@
           </a:ln>
         </p:spPr>
         <p:txBody>
-          <a:bodyPr anchorCtr="0" anchor="t" bIns="91425" lIns="91425" spcFirstLastPara="1" rIns="91425" wrap="square" tIns="91425">
+          <a:bodyPr spcFirstLastPara="1" wrap="square" lIns="91425" tIns="91425" rIns="91425" bIns="91425" anchor="t" anchorCtr="0">
             <a:noAutofit/>
           </a:bodyPr>
           <a:lstStyle/>
           <a:p>
-            <a:pPr indent="0" lvl="0" marL="0" rtl="0" algn="l">
+            <a:pPr marL="0" lvl="0" indent="0" algn="l" rtl="0">
               <a:lnSpc>
                 <a:spcPct val="100000"/>
               </a:lnSpc>
@@ -2327,9 +2411,6 @@
               <a:buSzPts val="1100"/>
               <a:buNone/>
             </a:pPr>
-            <a:r>
-              <a:t/>
-            </a:r>
             <a:endParaRPr/>
           </a:p>
         </p:txBody>
@@ -2343,11 +2424,11 @@
 </file>
 
 <file path=ppt/notesSlides/notesSlide6.xml><?xml version="1.0" encoding="utf-8"?>
-<p:notes xmlns:a="http://schemas.openxmlformats.org/drawingml/2006/main" xmlns:r="http://schemas.openxmlformats.org/officeDocument/2006/relationships" xmlns:mc="http://schemas.openxmlformats.org/markup-compatibility/2006" xmlns:mv="urn:schemas-microsoft-com:mac:vml" xmlns:p="http://schemas.openxmlformats.org/presentationml/2006/main" xmlns:c="http://schemas.openxmlformats.org/drawingml/2006/chart" xmlns:dgm="http://schemas.openxmlformats.org/drawingml/2006/diagram" xmlns:o="urn:schemas-microsoft-com:office:office" xmlns:v="urn:schemas-microsoft-com:vml" xmlns:pvml="urn:schemas-microsoft-com:office:powerpoint" xmlns:com="http://schemas.openxmlformats.org/drawingml/2006/compatibility" xmlns:p14="http://schemas.microsoft.com/office/powerpoint/2010/main" xmlns:p15="http://schemas.microsoft.com/office/powerpoint/2012/main" showMasterPhAnim="0" showMasterSp="0">
+<p:notes xmlns:a="http://schemas.openxmlformats.org/drawingml/2006/main" xmlns:r="http://schemas.openxmlformats.org/officeDocument/2006/relationships" xmlns:p="http://schemas.openxmlformats.org/presentationml/2006/main" showMasterSp="0" showMasterPhAnim="0">
   <p:cSld>
     <p:spTree>
       <p:nvGrpSpPr>
-        <p:cNvPr id="80" name="Shape 80"/>
+        <p:cNvPr id="1" name="Shape 80"/>
         <p:cNvGrpSpPr/>
         <p:nvPr/>
       </p:nvGrpSpPr>
@@ -2362,20 +2443,26 @@
       <p:sp>
         <p:nvSpPr>
           <p:cNvPr id="81" name="Google Shape;81;p10:notes"/>
-          <p:cNvSpPr/>
+          <p:cNvSpPr>
+            <a:spLocks noGrp="1" noRot="1" noChangeAspect="1"/>
+          </p:cNvSpPr>
           <p:nvPr>
-            <p:ph idx="2" type="sldImg"/>
+            <p:ph type="sldImg" idx="2"/>
           </p:nvPr>
         </p:nvSpPr>
         <p:spPr>
           <a:xfrm>
-            <a:off x="381300" y="685800"/>
+            <a:off x="381000" y="685800"/>
             <a:ext cx="6096000" cy="3429000"/>
           </a:xfrm>
           <a:custGeom>
-            <a:rect b="b" l="l" r="r" t="t"/>
+            <a:avLst/>
+            <a:gdLst/>
+            <a:ahLst/>
+            <a:cxnLst/>
+            <a:rect l="l" t="t" r="r" b="b"/>
             <a:pathLst>
-              <a:path extrusionOk="0" h="120000" w="120000">
+              <a:path w="120000" h="120000" extrusionOk="0">
                 <a:moveTo>
                   <a:pt x="0" y="0"/>
                 </a:moveTo>
@@ -2393,23 +2480,25 @@
             </a:pathLst>
           </a:custGeom>
           <a:noFill/>
-          <a:ln cap="flat" cmpd="sng" w="9525">
+          <a:ln w="9525" cap="flat" cmpd="sng">
             <a:solidFill>
               <a:srgbClr val="000000"/>
             </a:solidFill>
             <a:prstDash val="solid"/>
             <a:round/>
-            <a:headEnd len="sm" w="sm" type="none"/>
-            <a:tailEnd len="sm" w="sm" type="none"/>
+            <a:headEnd type="none" w="sm" len="sm"/>
+            <a:tailEnd type="none" w="sm" len="sm"/>
           </a:ln>
         </p:spPr>
       </p:sp>
       <p:sp>
         <p:nvSpPr>
           <p:cNvPr id="82" name="Google Shape;82;p10:notes"/>
-          <p:cNvSpPr txBox="1"/>
+          <p:cNvSpPr txBox="1">
+            <a:spLocks noGrp="1"/>
+          </p:cNvSpPr>
           <p:nvPr>
-            <p:ph idx="1" type="body"/>
+            <p:ph type="body" idx="1"/>
           </p:nvPr>
         </p:nvSpPr>
         <p:spPr>
@@ -2426,12 +2515,12 @@
           </a:ln>
         </p:spPr>
         <p:txBody>
-          <a:bodyPr anchorCtr="0" anchor="t" bIns="91425" lIns="91425" spcFirstLastPara="1" rIns="91425" wrap="square" tIns="91425">
+          <a:bodyPr spcFirstLastPara="1" wrap="square" lIns="91425" tIns="91425" rIns="91425" bIns="91425" anchor="t" anchorCtr="0">
             <a:noAutofit/>
           </a:bodyPr>
           <a:lstStyle/>
           <a:p>
-            <a:pPr indent="0" lvl="0" marL="0" rtl="0" algn="l">
+            <a:pPr marL="0" lvl="0" indent="0" algn="l" rtl="0">
               <a:lnSpc>
                 <a:spcPct val="100000"/>
               </a:lnSpc>
@@ -2444,9 +2533,6 @@
               <a:buSzPts val="1100"/>
               <a:buNone/>
             </a:pPr>
-            <a:r>
-              <a:t/>
-            </a:r>
             <a:endParaRPr/>
           </a:p>
         </p:txBody>
@@ -2460,11 +2546,11 @@
 </file>
 
 <file path=ppt/notesSlides/notesSlide7.xml><?xml version="1.0" encoding="utf-8"?>
-<p:notes xmlns:a="http://schemas.openxmlformats.org/drawingml/2006/main" xmlns:r="http://schemas.openxmlformats.org/officeDocument/2006/relationships" xmlns:mc="http://schemas.openxmlformats.org/markup-compatibility/2006" xmlns:mv="urn:schemas-microsoft-com:mac:vml" xmlns:p="http://schemas.openxmlformats.org/presentationml/2006/main" xmlns:c="http://schemas.openxmlformats.org/drawingml/2006/chart" xmlns:dgm="http://schemas.openxmlformats.org/drawingml/2006/diagram" xmlns:o="urn:schemas-microsoft-com:office:office" xmlns:v="urn:schemas-microsoft-com:vml" xmlns:pvml="urn:schemas-microsoft-com:office:powerpoint" xmlns:com="http://schemas.openxmlformats.org/drawingml/2006/compatibility" xmlns:p14="http://schemas.microsoft.com/office/powerpoint/2010/main" xmlns:p15="http://schemas.microsoft.com/office/powerpoint/2012/main" showMasterPhAnim="0" showMasterSp="0">
+<p:notes xmlns:a="http://schemas.openxmlformats.org/drawingml/2006/main" xmlns:r="http://schemas.openxmlformats.org/officeDocument/2006/relationships" xmlns:p="http://schemas.openxmlformats.org/presentationml/2006/main" showMasterSp="0" showMasterPhAnim="0">
   <p:cSld>
     <p:spTree>
       <p:nvGrpSpPr>
-        <p:cNvPr id="88" name="Shape 88"/>
+        <p:cNvPr id="1" name="Shape 88"/>
         <p:cNvGrpSpPr/>
         <p:nvPr/>
       </p:nvGrpSpPr>
@@ -2479,9 +2565,11 @@
       <p:sp>
         <p:nvSpPr>
           <p:cNvPr id="89" name="Google Shape;89;g702b81866f_0_16:notes"/>
-          <p:cNvSpPr/>
+          <p:cNvSpPr>
+            <a:spLocks noGrp="1" noRot="1" noChangeAspect="1"/>
+          </p:cNvSpPr>
           <p:nvPr>
-            <p:ph idx="2" type="sldImg"/>
+            <p:ph type="sldImg" idx="2"/>
           </p:nvPr>
         </p:nvSpPr>
         <p:spPr>
@@ -2490,9 +2578,13 @@
             <a:ext cx="6096000" cy="3429000"/>
           </a:xfrm>
           <a:custGeom>
-            <a:rect b="b" l="l" r="r" t="t"/>
+            <a:avLst/>
+            <a:gdLst/>
+            <a:ahLst/>
+            <a:cxnLst/>
+            <a:rect l="l" t="t" r="r" b="b"/>
             <a:pathLst>
-              <a:path extrusionOk="0" h="120000" w="120000">
+              <a:path w="120000" h="120000" extrusionOk="0">
                 <a:moveTo>
                   <a:pt x="0" y="0"/>
                 </a:moveTo>
@@ -2510,23 +2602,25 @@
             </a:pathLst>
           </a:custGeom>
           <a:noFill/>
-          <a:ln cap="flat" cmpd="sng" w="9525">
+          <a:ln w="9525" cap="flat" cmpd="sng">
             <a:solidFill>
               <a:srgbClr val="000000"/>
             </a:solidFill>
             <a:prstDash val="solid"/>
             <a:round/>
-            <a:headEnd len="sm" w="sm" type="none"/>
-            <a:tailEnd len="sm" w="sm" type="none"/>
+            <a:headEnd type="none" w="sm" len="sm"/>
+            <a:tailEnd type="none" w="sm" len="sm"/>
           </a:ln>
         </p:spPr>
       </p:sp>
       <p:sp>
         <p:nvSpPr>
           <p:cNvPr id="90" name="Google Shape;90;g702b81866f_0_16:notes"/>
-          <p:cNvSpPr txBox="1"/>
+          <p:cNvSpPr txBox="1">
+            <a:spLocks noGrp="1"/>
+          </p:cNvSpPr>
           <p:nvPr>
-            <p:ph idx="1" type="body"/>
+            <p:ph type="body" idx="1"/>
           </p:nvPr>
         </p:nvSpPr>
         <p:spPr>
@@ -2543,12 +2637,12 @@
           </a:ln>
         </p:spPr>
         <p:txBody>
-          <a:bodyPr anchorCtr="0" anchor="t" bIns="91425" lIns="91425" spcFirstLastPara="1" rIns="91425" wrap="square" tIns="91425">
+          <a:bodyPr spcFirstLastPara="1" wrap="square" lIns="91425" tIns="91425" rIns="91425" bIns="91425" anchor="t" anchorCtr="0">
             <a:noAutofit/>
           </a:bodyPr>
           <a:lstStyle/>
           <a:p>
-            <a:pPr indent="0" lvl="0" marL="0" rtl="0" algn="l">
+            <a:pPr marL="0" lvl="0" indent="0" algn="l" rtl="0">
               <a:lnSpc>
                 <a:spcPct val="100000"/>
               </a:lnSpc>
@@ -2561,9 +2655,6 @@
               <a:buSzPts val="1100"/>
               <a:buNone/>
             </a:pPr>
-            <a:r>
-              <a:t/>
-            </a:r>
             <a:endParaRPr/>
           </a:p>
         </p:txBody>
@@ -2577,11 +2668,11 @@
 </file>
 
 <file path=ppt/notesSlides/notesSlide8.xml><?xml version="1.0" encoding="utf-8"?>
-<p:notes xmlns:a="http://schemas.openxmlformats.org/drawingml/2006/main" xmlns:r="http://schemas.openxmlformats.org/officeDocument/2006/relationships" xmlns:mc="http://schemas.openxmlformats.org/markup-compatibility/2006" xmlns:mv="urn:schemas-microsoft-com:mac:vml" xmlns:p="http://schemas.openxmlformats.org/presentationml/2006/main" xmlns:c="http://schemas.openxmlformats.org/drawingml/2006/chart" xmlns:dgm="http://schemas.openxmlformats.org/drawingml/2006/diagram" xmlns:o="urn:schemas-microsoft-com:office:office" xmlns:v="urn:schemas-microsoft-com:vml" xmlns:pvml="urn:schemas-microsoft-com:office:powerpoint" xmlns:com="http://schemas.openxmlformats.org/drawingml/2006/compatibility" xmlns:p14="http://schemas.microsoft.com/office/powerpoint/2010/main" xmlns:p15="http://schemas.microsoft.com/office/powerpoint/2012/main" showMasterPhAnim="0" showMasterSp="0">
+<p:notes xmlns:a="http://schemas.openxmlformats.org/drawingml/2006/main" xmlns:r="http://schemas.openxmlformats.org/officeDocument/2006/relationships" xmlns:p="http://schemas.openxmlformats.org/presentationml/2006/main" showMasterSp="0" showMasterPhAnim="0">
   <p:cSld>
     <p:spTree>
       <p:nvGrpSpPr>
-        <p:cNvPr id="94" name="Shape 94"/>
+        <p:cNvPr id="1" name="Shape 94"/>
         <p:cNvGrpSpPr/>
         <p:nvPr/>
       </p:nvGrpSpPr>
@@ -2596,20 +2687,26 @@
       <p:sp>
         <p:nvSpPr>
           <p:cNvPr id="95" name="Google Shape;95;g702891e314_0_9:notes"/>
-          <p:cNvSpPr/>
+          <p:cNvSpPr>
+            <a:spLocks noGrp="1" noRot="1" noChangeAspect="1"/>
+          </p:cNvSpPr>
           <p:nvPr>
-            <p:ph idx="2" type="sldImg"/>
+            <p:ph type="sldImg" idx="2"/>
           </p:nvPr>
         </p:nvSpPr>
         <p:spPr>
           <a:xfrm>
-            <a:off x="381300" y="685800"/>
+            <a:off x="381000" y="685800"/>
             <a:ext cx="6096000" cy="3429000"/>
           </a:xfrm>
           <a:custGeom>
-            <a:rect b="b" l="l" r="r" t="t"/>
+            <a:avLst/>
+            <a:gdLst/>
+            <a:ahLst/>
+            <a:cxnLst/>
+            <a:rect l="l" t="t" r="r" b="b"/>
             <a:pathLst>
-              <a:path extrusionOk="0" h="120000" w="120000">
+              <a:path w="120000" h="120000" extrusionOk="0">
                 <a:moveTo>
                   <a:pt x="0" y="0"/>
                 </a:moveTo>
@@ -2631,9 +2728,11 @@
       <p:sp>
         <p:nvSpPr>
           <p:cNvPr id="96" name="Google Shape;96;g702891e314_0_9:notes"/>
-          <p:cNvSpPr txBox="1"/>
+          <p:cNvSpPr txBox="1">
+            <a:spLocks noGrp="1"/>
+          </p:cNvSpPr>
           <p:nvPr>
-            <p:ph idx="1" type="body"/>
+            <p:ph type="body" idx="1"/>
           </p:nvPr>
         </p:nvSpPr>
         <p:spPr>
@@ -2646,12 +2745,12 @@
           </a:prstGeom>
         </p:spPr>
         <p:txBody>
-          <a:bodyPr anchorCtr="0" anchor="t" bIns="91425" lIns="91425" spcFirstLastPara="1" rIns="91425" wrap="square" tIns="91425">
+          <a:bodyPr spcFirstLastPara="1" wrap="square" lIns="91425" tIns="91425" rIns="91425" bIns="91425" anchor="t" anchorCtr="0">
             <a:noAutofit/>
           </a:bodyPr>
           <a:lstStyle/>
           <a:p>
-            <a:pPr indent="0" lvl="0" marL="0" rtl="0" algn="l">
+            <a:pPr marL="0" lvl="0" indent="0" algn="l" rtl="0">
               <a:spcBef>
                 <a:spcPts val="0"/>
               </a:spcBef>
@@ -2660,9 +2759,6 @@
               </a:spcAft>
               <a:buNone/>
             </a:pPr>
-            <a:r>
-              <a:t/>
-            </a:r>
             <a:endParaRPr/>
           </a:p>
         </p:txBody>
@@ -2676,11 +2772,11 @@
 </file>
 
 <file path=ppt/notesSlides/notesSlide9.xml><?xml version="1.0" encoding="utf-8"?>
-<p:notes xmlns:a="http://schemas.openxmlformats.org/drawingml/2006/main" xmlns:r="http://schemas.openxmlformats.org/officeDocument/2006/relationships" xmlns:mc="http://schemas.openxmlformats.org/markup-compatibility/2006" xmlns:mv="urn:schemas-microsoft-com:mac:vml" xmlns:p="http://schemas.openxmlformats.org/presentationml/2006/main" xmlns:c="http://schemas.openxmlformats.org/drawingml/2006/chart" xmlns:dgm="http://schemas.openxmlformats.org/drawingml/2006/diagram" xmlns:o="urn:schemas-microsoft-com:office:office" xmlns:v="urn:schemas-microsoft-com:vml" xmlns:pvml="urn:schemas-microsoft-com:office:powerpoint" xmlns:com="http://schemas.openxmlformats.org/drawingml/2006/compatibility" xmlns:p14="http://schemas.microsoft.com/office/powerpoint/2010/main" xmlns:p15="http://schemas.microsoft.com/office/powerpoint/2012/main" showMasterPhAnim="0" showMasterSp="0">
+<p:notes xmlns:a="http://schemas.openxmlformats.org/drawingml/2006/main" xmlns:r="http://schemas.openxmlformats.org/officeDocument/2006/relationships" xmlns:p="http://schemas.openxmlformats.org/presentationml/2006/main" showMasterSp="0" showMasterPhAnim="0">
   <p:cSld>
     <p:spTree>
       <p:nvGrpSpPr>
-        <p:cNvPr id="100" name="Shape 100"/>
+        <p:cNvPr id="1" name="Shape 100"/>
         <p:cNvGrpSpPr/>
         <p:nvPr/>
       </p:nvGrpSpPr>
@@ -2695,20 +2791,26 @@
       <p:sp>
         <p:nvSpPr>
           <p:cNvPr id="101" name="Google Shape;101;g702b81866f_1_0:notes"/>
-          <p:cNvSpPr/>
+          <p:cNvSpPr>
+            <a:spLocks noGrp="1" noRot="1" noChangeAspect="1"/>
+          </p:cNvSpPr>
           <p:nvPr>
-            <p:ph idx="2" type="sldImg"/>
+            <p:ph type="sldImg" idx="2"/>
           </p:nvPr>
         </p:nvSpPr>
         <p:spPr>
           <a:xfrm>
-            <a:off x="381300" y="685800"/>
+            <a:off x="381000" y="685800"/>
             <a:ext cx="6096000" cy="3429000"/>
           </a:xfrm>
           <a:custGeom>
-            <a:rect b="b" l="l" r="r" t="t"/>
+            <a:avLst/>
+            <a:gdLst/>
+            <a:ahLst/>
+            <a:cxnLst/>
+            <a:rect l="l" t="t" r="r" b="b"/>
             <a:pathLst>
-              <a:path extrusionOk="0" h="120000" w="120000">
+              <a:path w="120000" h="120000" extrusionOk="0">
                 <a:moveTo>
                   <a:pt x="0" y="0"/>
                 </a:moveTo>
@@ -2730,9 +2832,11 @@
       <p:sp>
         <p:nvSpPr>
           <p:cNvPr id="102" name="Google Shape;102;g702b81866f_1_0:notes"/>
-          <p:cNvSpPr txBox="1"/>
+          <p:cNvSpPr txBox="1">
+            <a:spLocks noGrp="1"/>
+          </p:cNvSpPr>
           <p:nvPr>
-            <p:ph idx="1" type="body"/>
+            <p:ph type="body" idx="1"/>
           </p:nvPr>
         </p:nvSpPr>
         <p:spPr>
@@ -2745,12 +2849,12 @@
           </a:prstGeom>
         </p:spPr>
         <p:txBody>
-          <a:bodyPr anchorCtr="0" anchor="t" bIns="91425" lIns="91425" spcFirstLastPara="1" rIns="91425" wrap="square" tIns="91425">
+          <a:bodyPr spcFirstLastPara="1" wrap="square" lIns="91425" tIns="91425" rIns="91425" bIns="91425" anchor="t" anchorCtr="0">
             <a:noAutofit/>
           </a:bodyPr>
           <a:lstStyle/>
           <a:p>
-            <a:pPr indent="0" lvl="0" marL="0" rtl="0" algn="l">
+            <a:pPr marL="0" lvl="0" indent="0" algn="l" rtl="0">
               <a:spcBef>
                 <a:spcPts val="0"/>
               </a:spcBef>
@@ -2759,9 +2863,6 @@
               </a:spcAft>
               <a:buNone/>
             </a:pPr>
-            <a:r>
-              <a:t/>
-            </a:r>
             <a:endParaRPr/>
           </a:p>
         </p:txBody>
@@ -2775,11 +2876,11 @@
 </file>
 
 <file path=ppt/slideLayouts/slideLayout1.xml><?xml version="1.0" encoding="utf-8"?>
-<p:sldLayout xmlns:a="http://schemas.openxmlformats.org/drawingml/2006/main" xmlns:r="http://schemas.openxmlformats.org/officeDocument/2006/relationships" xmlns:mc="http://schemas.openxmlformats.org/markup-compatibility/2006" xmlns:mv="urn:schemas-microsoft-com:mac:vml" xmlns:p="http://schemas.openxmlformats.org/presentationml/2006/main" xmlns:c="http://schemas.openxmlformats.org/drawingml/2006/chart" xmlns:dgm="http://schemas.openxmlformats.org/drawingml/2006/diagram" xmlns:o="urn:schemas-microsoft-com:office:office" xmlns:v="urn:schemas-microsoft-com:vml" xmlns:pvml="urn:schemas-microsoft-com:office:powerpoint" xmlns:com="http://schemas.openxmlformats.org/drawingml/2006/compatibility" xmlns:p14="http://schemas.microsoft.com/office/powerpoint/2010/main" xmlns:p15="http://schemas.microsoft.com/office/powerpoint/2012/main" matchingName="Title slide" type="title">
+<p:sldLayout xmlns:a="http://schemas.openxmlformats.org/drawingml/2006/main" xmlns:r="http://schemas.openxmlformats.org/officeDocument/2006/relationships" xmlns:p="http://schemas.openxmlformats.org/presentationml/2006/main" matchingName="Title slide" type="title">
   <p:cSld name="TITLE">
     <p:spTree>
       <p:nvGrpSpPr>
-        <p:cNvPr id="9" name="Shape 9"/>
+        <p:cNvPr id="1" name="Shape 9"/>
         <p:cNvGrpSpPr/>
         <p:nvPr/>
       </p:nvGrpSpPr>
@@ -2794,7 +2895,9 @@
       <p:sp>
         <p:nvSpPr>
           <p:cNvPr id="10" name="Google Shape;10;p13"/>
-          <p:cNvSpPr txBox="1"/>
+          <p:cNvSpPr txBox="1">
+            <a:spLocks noGrp="1"/>
+          </p:cNvSpPr>
           <p:nvPr>
             <p:ph type="ctrTitle"/>
           </p:nvPr>
@@ -2813,7 +2916,7 @@
           </a:ln>
         </p:spPr>
         <p:txBody>
-          <a:bodyPr anchorCtr="0" anchor="b" bIns="91425" lIns="91425" spcFirstLastPara="1" rIns="91425" wrap="square" tIns="91425">
+          <a:bodyPr spcFirstLastPara="1" wrap="square" lIns="91425" tIns="91425" rIns="91425" bIns="91425" anchor="b" anchorCtr="0">
             <a:noAutofit/>
           </a:bodyPr>
           <a:lstStyle>
@@ -2944,15 +3047,19 @@
               <a:defRPr sz="5200"/>
             </a:lvl9pPr>
           </a:lstStyle>
-          <a:p/>
+          <a:p>
+            <a:endParaRPr/>
+          </a:p>
         </p:txBody>
       </p:sp>
       <p:sp>
         <p:nvSpPr>
           <p:cNvPr id="11" name="Google Shape;11;p13"/>
-          <p:cNvSpPr txBox="1"/>
+          <p:cNvSpPr txBox="1">
+            <a:spLocks noGrp="1"/>
+          </p:cNvSpPr>
           <p:nvPr>
-            <p:ph idx="1" type="subTitle"/>
+            <p:ph type="subTitle" idx="1"/>
           </p:nvPr>
         </p:nvSpPr>
         <p:spPr>
@@ -2969,7 +3076,7 @@
           </a:ln>
         </p:spPr>
         <p:txBody>
-          <a:bodyPr anchorCtr="0" anchor="t" bIns="91425" lIns="91425" spcFirstLastPara="1" rIns="91425" wrap="square" tIns="91425">
+          <a:bodyPr spcFirstLastPara="1" wrap="square" lIns="91425" tIns="91425" rIns="91425" bIns="91425" anchor="t" anchorCtr="0">
             <a:noAutofit/>
           </a:bodyPr>
           <a:lstStyle>
@@ -3100,15 +3207,19 @@
               <a:defRPr sz="2800"/>
             </a:lvl9pPr>
           </a:lstStyle>
-          <a:p/>
+          <a:p>
+            <a:endParaRPr/>
+          </a:p>
         </p:txBody>
       </p:sp>
       <p:sp>
         <p:nvSpPr>
           <p:cNvPr id="12" name="Google Shape;12;p13"/>
-          <p:cNvSpPr txBox="1"/>
+          <p:cNvSpPr txBox="1">
+            <a:spLocks noGrp="1"/>
+          </p:cNvSpPr>
           <p:nvPr>
-            <p:ph idx="12" type="sldNum"/>
+            <p:ph type="sldNum" idx="12"/>
           </p:nvPr>
         </p:nvSpPr>
         <p:spPr>
@@ -3125,11 +3236,11 @@
           </a:ln>
         </p:spPr>
         <p:txBody>
-          <a:bodyPr anchorCtr="0" anchor="ctr" bIns="91425" lIns="91425" spcFirstLastPara="1" rIns="91425" wrap="square" tIns="91425">
+          <a:bodyPr spcFirstLastPara="1" wrap="square" lIns="91425" tIns="91425" rIns="91425" bIns="91425" anchor="ctr" anchorCtr="0">
             <a:noAutofit/>
           </a:bodyPr>
           <a:lstStyle>
-            <a:lvl1pPr indent="0" lvl="0" marL="0" marR="0" algn="r">
+            <a:lvl1pPr marL="0" marR="0" lvl="0" indent="0" algn="r">
               <a:lnSpc>
                 <a:spcPct val="100000"/>
               </a:lnSpc>
@@ -3145,7 +3256,7 @@
               <a:buSzPts val="1000"/>
               <a:buFont typeface="Arial"/>
               <a:buNone/>
-              <a:defRPr b="0" i="0" sz="1000" u="none" cap="none" strike="noStrike">
+              <a:defRPr sz="1000" b="0" i="0" u="none" strike="noStrike" cap="none">
                 <a:solidFill>
                   <a:schemeClr val="dk2"/>
                 </a:solidFill>
@@ -3155,7 +3266,7 @@
                 <a:sym typeface="Arial"/>
               </a:defRPr>
             </a:lvl1pPr>
-            <a:lvl2pPr indent="0" lvl="1" marL="0" marR="0" algn="r">
+            <a:lvl2pPr marL="0" marR="0" lvl="1" indent="0" algn="r">
               <a:lnSpc>
                 <a:spcPct val="100000"/>
               </a:lnSpc>
@@ -3171,7 +3282,7 @@
               <a:buSzPts val="1000"/>
               <a:buFont typeface="Arial"/>
               <a:buNone/>
-              <a:defRPr b="0" i="0" sz="1000" u="none" cap="none" strike="noStrike">
+              <a:defRPr sz="1000" b="0" i="0" u="none" strike="noStrike" cap="none">
                 <a:solidFill>
                   <a:schemeClr val="dk2"/>
                 </a:solidFill>
@@ -3181,7 +3292,7 @@
                 <a:sym typeface="Arial"/>
               </a:defRPr>
             </a:lvl2pPr>
-            <a:lvl3pPr indent="0" lvl="2" marL="0" marR="0" algn="r">
+            <a:lvl3pPr marL="0" marR="0" lvl="2" indent="0" algn="r">
               <a:lnSpc>
                 <a:spcPct val="100000"/>
               </a:lnSpc>
@@ -3197,7 +3308,7 @@
               <a:buSzPts val="1000"/>
               <a:buFont typeface="Arial"/>
               <a:buNone/>
-              <a:defRPr b="0" i="0" sz="1000" u="none" cap="none" strike="noStrike">
+              <a:defRPr sz="1000" b="0" i="0" u="none" strike="noStrike" cap="none">
                 <a:solidFill>
                   <a:schemeClr val="dk2"/>
                 </a:solidFill>
@@ -3207,7 +3318,7 @@
                 <a:sym typeface="Arial"/>
               </a:defRPr>
             </a:lvl3pPr>
-            <a:lvl4pPr indent="0" lvl="3" marL="0" marR="0" algn="r">
+            <a:lvl4pPr marL="0" marR="0" lvl="3" indent="0" algn="r">
               <a:lnSpc>
                 <a:spcPct val="100000"/>
               </a:lnSpc>
@@ -3223,7 +3334,7 @@
               <a:buSzPts val="1000"/>
               <a:buFont typeface="Arial"/>
               <a:buNone/>
-              <a:defRPr b="0" i="0" sz="1000" u="none" cap="none" strike="noStrike">
+              <a:defRPr sz="1000" b="0" i="0" u="none" strike="noStrike" cap="none">
                 <a:solidFill>
                   <a:schemeClr val="dk2"/>
                 </a:solidFill>
@@ -3233,7 +3344,7 @@
                 <a:sym typeface="Arial"/>
               </a:defRPr>
             </a:lvl4pPr>
-            <a:lvl5pPr indent="0" lvl="4" marL="0" marR="0" algn="r">
+            <a:lvl5pPr marL="0" marR="0" lvl="4" indent="0" algn="r">
               <a:lnSpc>
                 <a:spcPct val="100000"/>
               </a:lnSpc>
@@ -3249,7 +3360,7 @@
               <a:buSzPts val="1000"/>
               <a:buFont typeface="Arial"/>
               <a:buNone/>
-              <a:defRPr b="0" i="0" sz="1000" u="none" cap="none" strike="noStrike">
+              <a:defRPr sz="1000" b="0" i="0" u="none" strike="noStrike" cap="none">
                 <a:solidFill>
                   <a:schemeClr val="dk2"/>
                 </a:solidFill>
@@ -3259,7 +3370,7 @@
                 <a:sym typeface="Arial"/>
               </a:defRPr>
             </a:lvl5pPr>
-            <a:lvl6pPr indent="0" lvl="5" marL="0" marR="0" algn="r">
+            <a:lvl6pPr marL="0" marR="0" lvl="5" indent="0" algn="r">
               <a:lnSpc>
                 <a:spcPct val="100000"/>
               </a:lnSpc>
@@ -3275,7 +3386,7 @@
               <a:buSzPts val="1000"/>
               <a:buFont typeface="Arial"/>
               <a:buNone/>
-              <a:defRPr b="0" i="0" sz="1000" u="none" cap="none" strike="noStrike">
+              <a:defRPr sz="1000" b="0" i="0" u="none" strike="noStrike" cap="none">
                 <a:solidFill>
                   <a:schemeClr val="dk2"/>
                 </a:solidFill>
@@ -3285,7 +3396,7 @@
                 <a:sym typeface="Arial"/>
               </a:defRPr>
             </a:lvl6pPr>
-            <a:lvl7pPr indent="0" lvl="6" marL="0" marR="0" algn="r">
+            <a:lvl7pPr marL="0" marR="0" lvl="6" indent="0" algn="r">
               <a:lnSpc>
                 <a:spcPct val="100000"/>
               </a:lnSpc>
@@ -3301,7 +3412,7 @@
               <a:buSzPts val="1000"/>
               <a:buFont typeface="Arial"/>
               <a:buNone/>
-              <a:defRPr b="0" i="0" sz="1000" u="none" cap="none" strike="noStrike">
+              <a:defRPr sz="1000" b="0" i="0" u="none" strike="noStrike" cap="none">
                 <a:solidFill>
                   <a:schemeClr val="dk2"/>
                 </a:solidFill>
@@ -3311,7 +3422,7 @@
                 <a:sym typeface="Arial"/>
               </a:defRPr>
             </a:lvl7pPr>
-            <a:lvl8pPr indent="0" lvl="7" marL="0" marR="0" algn="r">
+            <a:lvl8pPr marL="0" marR="0" lvl="7" indent="0" algn="r">
               <a:lnSpc>
                 <a:spcPct val="100000"/>
               </a:lnSpc>
@@ -3327,7 +3438,7 @@
               <a:buSzPts val="1000"/>
               <a:buFont typeface="Arial"/>
               <a:buNone/>
-              <a:defRPr b="0" i="0" sz="1000" u="none" cap="none" strike="noStrike">
+              <a:defRPr sz="1000" b="0" i="0" u="none" strike="noStrike" cap="none">
                 <a:solidFill>
                   <a:schemeClr val="dk2"/>
                 </a:solidFill>
@@ -3337,7 +3448,7 @@
                 <a:sym typeface="Arial"/>
               </a:defRPr>
             </a:lvl8pPr>
-            <a:lvl9pPr indent="0" lvl="8" marL="0" marR="0" algn="r">
+            <a:lvl9pPr marL="0" marR="0" lvl="8" indent="0" algn="r">
               <a:lnSpc>
                 <a:spcPct val="100000"/>
               </a:lnSpc>
@@ -3353,7 +3464,7 @@
               <a:buSzPts val="1000"/>
               <a:buFont typeface="Arial"/>
               <a:buNone/>
-              <a:defRPr b="0" i="0" sz="1000" u="none" cap="none" strike="noStrike">
+              <a:defRPr sz="1000" b="0" i="0" u="none" strike="noStrike" cap="none">
                 <a:solidFill>
                   <a:schemeClr val="dk2"/>
                 </a:solidFill>
@@ -3365,7 +3476,7 @@
             </a:lvl9pPr>
           </a:lstStyle>
           <a:p>
-            <a:pPr indent="0" lvl="0" marL="0" rtl="0" algn="r">
+            <a:pPr marL="0" lvl="0" indent="0" algn="r" rtl="0">
               <a:spcBef>
                 <a:spcPts val="0"/>
               </a:spcBef>
@@ -3391,11 +3502,11 @@
 </file>
 
 <file path=ppt/slideLayouts/slideLayout10.xml><?xml version="1.0" encoding="utf-8"?>
-<p:sldLayout xmlns:a="http://schemas.openxmlformats.org/drawingml/2006/main" xmlns:r="http://schemas.openxmlformats.org/officeDocument/2006/relationships" xmlns:mc="http://schemas.openxmlformats.org/markup-compatibility/2006" xmlns:mv="urn:schemas-microsoft-com:mac:vml" xmlns:p="http://schemas.openxmlformats.org/presentationml/2006/main" xmlns:c="http://schemas.openxmlformats.org/drawingml/2006/chart" xmlns:dgm="http://schemas.openxmlformats.org/drawingml/2006/diagram" xmlns:o="urn:schemas-microsoft-com:office:office" xmlns:v="urn:schemas-microsoft-com:vml" xmlns:pvml="urn:schemas-microsoft-com:office:powerpoint" xmlns:com="http://schemas.openxmlformats.org/drawingml/2006/compatibility" xmlns:p14="http://schemas.microsoft.com/office/powerpoint/2010/main" xmlns:p15="http://schemas.microsoft.com/office/powerpoint/2012/main" matchingName="Big number">
+<p:sldLayout xmlns:a="http://schemas.openxmlformats.org/drawingml/2006/main" xmlns:r="http://schemas.openxmlformats.org/officeDocument/2006/relationships" xmlns:p="http://schemas.openxmlformats.org/presentationml/2006/main" matchingName="Big number">
   <p:cSld name="BIG_NUMBER">
     <p:spTree>
       <p:nvGrpSpPr>
-        <p:cNvPr id="44" name="Shape 44"/>
+        <p:cNvPr id="1" name="Shape 44"/>
         <p:cNvGrpSpPr/>
         <p:nvPr/>
       </p:nvGrpSpPr>
@@ -3410,9 +3521,11 @@
       <p:sp>
         <p:nvSpPr>
           <p:cNvPr id="45" name="Google Shape;45;p22"/>
-          <p:cNvSpPr txBox="1"/>
+          <p:cNvSpPr txBox="1">
+            <a:spLocks noGrp="1"/>
+          </p:cNvSpPr>
           <p:nvPr>
-            <p:ph hasCustomPrompt="1" type="title"/>
+            <p:ph type="title" hasCustomPrompt="1"/>
           </p:nvPr>
         </p:nvSpPr>
         <p:spPr>
@@ -3429,7 +3542,7 @@
           </a:ln>
         </p:spPr>
         <p:txBody>
-          <a:bodyPr anchorCtr="0" anchor="b" bIns="91425" lIns="91425" spcFirstLastPara="1" rIns="91425" wrap="square" tIns="91425">
+          <a:bodyPr spcFirstLastPara="1" wrap="square" lIns="91425" tIns="91425" rIns="91425" bIns="91425" anchor="b" anchorCtr="0">
             <a:noAutofit/>
           </a:bodyPr>
           <a:lstStyle>
@@ -3570,9 +3683,11 @@
       <p:sp>
         <p:nvSpPr>
           <p:cNvPr id="46" name="Google Shape;46;p22"/>
-          <p:cNvSpPr txBox="1"/>
+          <p:cNvSpPr txBox="1">
+            <a:spLocks noGrp="1"/>
+          </p:cNvSpPr>
           <p:nvPr>
-            <p:ph idx="1" type="body"/>
+            <p:ph type="body" idx="1"/>
           </p:nvPr>
         </p:nvSpPr>
         <p:spPr>
@@ -3589,11 +3704,11 @@
           </a:ln>
         </p:spPr>
         <p:txBody>
-          <a:bodyPr anchorCtr="0" anchor="t" bIns="91425" lIns="91425" spcFirstLastPara="1" rIns="91425" wrap="square" tIns="91425">
+          <a:bodyPr spcFirstLastPara="1" wrap="square" lIns="91425" tIns="91425" rIns="91425" bIns="91425" anchor="t" anchorCtr="0">
             <a:noAutofit/>
           </a:bodyPr>
           <a:lstStyle>
-            <a:lvl1pPr indent="-342900" lvl="0" marL="457200" algn="ctr">
+            <a:lvl1pPr marL="457200" lvl="0" indent="-342900" algn="ctr">
               <a:lnSpc>
                 <a:spcPct val="115000"/>
               </a:lnSpc>
@@ -3607,7 +3722,7 @@
               <a:buChar char="●"/>
               <a:defRPr/>
             </a:lvl1pPr>
-            <a:lvl2pPr indent="-317500" lvl="1" marL="914400" algn="ctr">
+            <a:lvl2pPr marL="914400" lvl="1" indent="-317500" algn="ctr">
               <a:lnSpc>
                 <a:spcPct val="115000"/>
               </a:lnSpc>
@@ -3621,7 +3736,7 @@
               <a:buChar char="○"/>
               <a:defRPr/>
             </a:lvl2pPr>
-            <a:lvl3pPr indent="-317500" lvl="2" marL="1371600" algn="ctr">
+            <a:lvl3pPr marL="1371600" lvl="2" indent="-317500" algn="ctr">
               <a:lnSpc>
                 <a:spcPct val="115000"/>
               </a:lnSpc>
@@ -3635,7 +3750,7 @@
               <a:buChar char="■"/>
               <a:defRPr/>
             </a:lvl3pPr>
-            <a:lvl4pPr indent="-317500" lvl="3" marL="1828800" algn="ctr">
+            <a:lvl4pPr marL="1828800" lvl="3" indent="-317500" algn="ctr">
               <a:lnSpc>
                 <a:spcPct val="115000"/>
               </a:lnSpc>
@@ -3649,7 +3764,7 @@
               <a:buChar char="●"/>
               <a:defRPr/>
             </a:lvl4pPr>
-            <a:lvl5pPr indent="-317500" lvl="4" marL="2286000" algn="ctr">
+            <a:lvl5pPr marL="2286000" lvl="4" indent="-317500" algn="ctr">
               <a:lnSpc>
                 <a:spcPct val="115000"/>
               </a:lnSpc>
@@ -3663,7 +3778,7 @@
               <a:buChar char="○"/>
               <a:defRPr/>
             </a:lvl5pPr>
-            <a:lvl6pPr indent="-317500" lvl="5" marL="2743200" algn="ctr">
+            <a:lvl6pPr marL="2743200" lvl="5" indent="-317500" algn="ctr">
               <a:lnSpc>
                 <a:spcPct val="115000"/>
               </a:lnSpc>
@@ -3677,7 +3792,7 @@
               <a:buChar char="■"/>
               <a:defRPr/>
             </a:lvl6pPr>
-            <a:lvl7pPr indent="-317500" lvl="6" marL="3200400" algn="ctr">
+            <a:lvl7pPr marL="3200400" lvl="6" indent="-317500" algn="ctr">
               <a:lnSpc>
                 <a:spcPct val="115000"/>
               </a:lnSpc>
@@ -3691,7 +3806,7 @@
               <a:buChar char="●"/>
               <a:defRPr/>
             </a:lvl7pPr>
-            <a:lvl8pPr indent="-317500" lvl="7" marL="3657600" algn="ctr">
+            <a:lvl8pPr marL="3657600" lvl="7" indent="-317500" algn="ctr">
               <a:lnSpc>
                 <a:spcPct val="115000"/>
               </a:lnSpc>
@@ -3705,7 +3820,7 @@
               <a:buChar char="○"/>
               <a:defRPr/>
             </a:lvl8pPr>
-            <a:lvl9pPr indent="-317500" lvl="8" marL="4114800" algn="ctr">
+            <a:lvl9pPr marL="4114800" lvl="8" indent="-317500" algn="ctr">
               <a:lnSpc>
                 <a:spcPct val="115000"/>
               </a:lnSpc>
@@ -3720,15 +3835,19 @@
               <a:defRPr/>
             </a:lvl9pPr>
           </a:lstStyle>
-          <a:p/>
+          <a:p>
+            <a:endParaRPr/>
+          </a:p>
         </p:txBody>
       </p:sp>
       <p:sp>
         <p:nvSpPr>
           <p:cNvPr id="47" name="Google Shape;47;p22"/>
-          <p:cNvSpPr txBox="1"/>
+          <p:cNvSpPr txBox="1">
+            <a:spLocks noGrp="1"/>
+          </p:cNvSpPr>
           <p:nvPr>
-            <p:ph idx="12" type="sldNum"/>
+            <p:ph type="sldNum" idx="12"/>
           </p:nvPr>
         </p:nvSpPr>
         <p:spPr>
@@ -3745,11 +3864,11 @@
           </a:ln>
         </p:spPr>
         <p:txBody>
-          <a:bodyPr anchorCtr="0" anchor="ctr" bIns="91425" lIns="91425" spcFirstLastPara="1" rIns="91425" wrap="square" tIns="91425">
+          <a:bodyPr spcFirstLastPara="1" wrap="square" lIns="91425" tIns="91425" rIns="91425" bIns="91425" anchor="ctr" anchorCtr="0">
             <a:noAutofit/>
           </a:bodyPr>
           <a:lstStyle>
-            <a:lvl1pPr indent="0" lvl="0" marL="0" marR="0" algn="r">
+            <a:lvl1pPr marL="0" marR="0" lvl="0" indent="0" algn="r">
               <a:lnSpc>
                 <a:spcPct val="100000"/>
               </a:lnSpc>
@@ -3765,7 +3884,7 @@
               <a:buSzPts val="1000"/>
               <a:buFont typeface="Arial"/>
               <a:buNone/>
-              <a:defRPr b="0" i="0" sz="1000" u="none" cap="none" strike="noStrike">
+              <a:defRPr sz="1000" b="0" i="0" u="none" strike="noStrike" cap="none">
                 <a:solidFill>
                   <a:schemeClr val="dk2"/>
                 </a:solidFill>
@@ -3775,7 +3894,7 @@
                 <a:sym typeface="Arial"/>
               </a:defRPr>
             </a:lvl1pPr>
-            <a:lvl2pPr indent="0" lvl="1" marL="0" marR="0" algn="r">
+            <a:lvl2pPr marL="0" marR="0" lvl="1" indent="0" algn="r">
               <a:lnSpc>
                 <a:spcPct val="100000"/>
               </a:lnSpc>
@@ -3791,7 +3910,7 @@
               <a:buSzPts val="1000"/>
               <a:buFont typeface="Arial"/>
               <a:buNone/>
-              <a:defRPr b="0" i="0" sz="1000" u="none" cap="none" strike="noStrike">
+              <a:defRPr sz="1000" b="0" i="0" u="none" strike="noStrike" cap="none">
                 <a:solidFill>
                   <a:schemeClr val="dk2"/>
                 </a:solidFill>
@@ -3801,7 +3920,7 @@
                 <a:sym typeface="Arial"/>
               </a:defRPr>
             </a:lvl2pPr>
-            <a:lvl3pPr indent="0" lvl="2" marL="0" marR="0" algn="r">
+            <a:lvl3pPr marL="0" marR="0" lvl="2" indent="0" algn="r">
               <a:lnSpc>
                 <a:spcPct val="100000"/>
               </a:lnSpc>
@@ -3817,7 +3936,7 @@
               <a:buSzPts val="1000"/>
               <a:buFont typeface="Arial"/>
               <a:buNone/>
-              <a:defRPr b="0" i="0" sz="1000" u="none" cap="none" strike="noStrike">
+              <a:defRPr sz="1000" b="0" i="0" u="none" strike="noStrike" cap="none">
                 <a:solidFill>
                   <a:schemeClr val="dk2"/>
                 </a:solidFill>
@@ -3827,7 +3946,7 @@
                 <a:sym typeface="Arial"/>
               </a:defRPr>
             </a:lvl3pPr>
-            <a:lvl4pPr indent="0" lvl="3" marL="0" marR="0" algn="r">
+            <a:lvl4pPr marL="0" marR="0" lvl="3" indent="0" algn="r">
               <a:lnSpc>
                 <a:spcPct val="100000"/>
               </a:lnSpc>
@@ -3843,7 +3962,7 @@
               <a:buSzPts val="1000"/>
               <a:buFont typeface="Arial"/>
               <a:buNone/>
-              <a:defRPr b="0" i="0" sz="1000" u="none" cap="none" strike="noStrike">
+              <a:defRPr sz="1000" b="0" i="0" u="none" strike="noStrike" cap="none">
                 <a:solidFill>
                   <a:schemeClr val="dk2"/>
                 </a:solidFill>
@@ -3853,7 +3972,7 @@
                 <a:sym typeface="Arial"/>
               </a:defRPr>
             </a:lvl4pPr>
-            <a:lvl5pPr indent="0" lvl="4" marL="0" marR="0" algn="r">
+            <a:lvl5pPr marL="0" marR="0" lvl="4" indent="0" algn="r">
               <a:lnSpc>
                 <a:spcPct val="100000"/>
               </a:lnSpc>
@@ -3869,7 +3988,7 @@
               <a:buSzPts val="1000"/>
               <a:buFont typeface="Arial"/>
               <a:buNone/>
-              <a:defRPr b="0" i="0" sz="1000" u="none" cap="none" strike="noStrike">
+              <a:defRPr sz="1000" b="0" i="0" u="none" strike="noStrike" cap="none">
                 <a:solidFill>
                   <a:schemeClr val="dk2"/>
                 </a:solidFill>
@@ -3879,7 +3998,7 @@
                 <a:sym typeface="Arial"/>
               </a:defRPr>
             </a:lvl5pPr>
-            <a:lvl6pPr indent="0" lvl="5" marL="0" marR="0" algn="r">
+            <a:lvl6pPr marL="0" marR="0" lvl="5" indent="0" algn="r">
               <a:lnSpc>
                 <a:spcPct val="100000"/>
               </a:lnSpc>
@@ -3895,7 +4014,7 @@
               <a:buSzPts val="1000"/>
               <a:buFont typeface="Arial"/>
               <a:buNone/>
-              <a:defRPr b="0" i="0" sz="1000" u="none" cap="none" strike="noStrike">
+              <a:defRPr sz="1000" b="0" i="0" u="none" strike="noStrike" cap="none">
                 <a:solidFill>
                   <a:schemeClr val="dk2"/>
                 </a:solidFill>
@@ -3905,7 +4024,7 @@
                 <a:sym typeface="Arial"/>
               </a:defRPr>
             </a:lvl6pPr>
-            <a:lvl7pPr indent="0" lvl="6" marL="0" marR="0" algn="r">
+            <a:lvl7pPr marL="0" marR="0" lvl="6" indent="0" algn="r">
               <a:lnSpc>
                 <a:spcPct val="100000"/>
               </a:lnSpc>
@@ -3921,7 +4040,7 @@
               <a:buSzPts val="1000"/>
               <a:buFont typeface="Arial"/>
               <a:buNone/>
-              <a:defRPr b="0" i="0" sz="1000" u="none" cap="none" strike="noStrike">
+              <a:defRPr sz="1000" b="0" i="0" u="none" strike="noStrike" cap="none">
                 <a:solidFill>
                   <a:schemeClr val="dk2"/>
                 </a:solidFill>
@@ -3931,7 +4050,7 @@
                 <a:sym typeface="Arial"/>
               </a:defRPr>
             </a:lvl7pPr>
-            <a:lvl8pPr indent="0" lvl="7" marL="0" marR="0" algn="r">
+            <a:lvl8pPr marL="0" marR="0" lvl="7" indent="0" algn="r">
               <a:lnSpc>
                 <a:spcPct val="100000"/>
               </a:lnSpc>
@@ -3947,7 +4066,7 @@
               <a:buSzPts val="1000"/>
               <a:buFont typeface="Arial"/>
               <a:buNone/>
-              <a:defRPr b="0" i="0" sz="1000" u="none" cap="none" strike="noStrike">
+              <a:defRPr sz="1000" b="0" i="0" u="none" strike="noStrike" cap="none">
                 <a:solidFill>
                   <a:schemeClr val="dk2"/>
                 </a:solidFill>
@@ -3957,7 +4076,7 @@
                 <a:sym typeface="Arial"/>
               </a:defRPr>
             </a:lvl8pPr>
-            <a:lvl9pPr indent="0" lvl="8" marL="0" marR="0" algn="r">
+            <a:lvl9pPr marL="0" marR="0" lvl="8" indent="0" algn="r">
               <a:lnSpc>
                 <a:spcPct val="100000"/>
               </a:lnSpc>
@@ -3973,7 +4092,7 @@
               <a:buSzPts val="1000"/>
               <a:buFont typeface="Arial"/>
               <a:buNone/>
-              <a:defRPr b="0" i="0" sz="1000" u="none" cap="none" strike="noStrike">
+              <a:defRPr sz="1000" b="0" i="0" u="none" strike="noStrike" cap="none">
                 <a:solidFill>
                   <a:schemeClr val="dk2"/>
                 </a:solidFill>
@@ -3985,7 +4104,7 @@
             </a:lvl9pPr>
           </a:lstStyle>
           <a:p>
-            <a:pPr indent="0" lvl="0" marL="0" rtl="0" algn="r">
+            <a:pPr marL="0" lvl="0" indent="0" algn="r" rtl="0">
               <a:spcBef>
                 <a:spcPts val="0"/>
               </a:spcBef>
@@ -4011,11 +4130,11 @@
 </file>
 
 <file path=ppt/slideLayouts/slideLayout11.xml><?xml version="1.0" encoding="utf-8"?>
-<p:sldLayout xmlns:a="http://schemas.openxmlformats.org/drawingml/2006/main" xmlns:r="http://schemas.openxmlformats.org/officeDocument/2006/relationships" xmlns:mc="http://schemas.openxmlformats.org/markup-compatibility/2006" xmlns:mv="urn:schemas-microsoft-com:mac:vml" xmlns:p="http://schemas.openxmlformats.org/presentationml/2006/main" xmlns:c="http://schemas.openxmlformats.org/drawingml/2006/chart" xmlns:dgm="http://schemas.openxmlformats.org/drawingml/2006/diagram" xmlns:o="urn:schemas-microsoft-com:office:office" xmlns:v="urn:schemas-microsoft-com:vml" xmlns:pvml="urn:schemas-microsoft-com:office:powerpoint" xmlns:com="http://schemas.openxmlformats.org/drawingml/2006/compatibility" xmlns:p14="http://schemas.microsoft.com/office/powerpoint/2010/main" xmlns:p15="http://schemas.microsoft.com/office/powerpoint/2012/main" matchingName="Blank" type="blank">
+<p:sldLayout xmlns:a="http://schemas.openxmlformats.org/drawingml/2006/main" xmlns:r="http://schemas.openxmlformats.org/officeDocument/2006/relationships" xmlns:p="http://schemas.openxmlformats.org/presentationml/2006/main" matchingName="Blank" type="blank">
   <p:cSld name="BLANK">
     <p:spTree>
       <p:nvGrpSpPr>
-        <p:cNvPr id="48" name="Shape 48"/>
+        <p:cNvPr id="1" name="Shape 48"/>
         <p:cNvGrpSpPr/>
         <p:nvPr/>
       </p:nvGrpSpPr>
@@ -4030,9 +4149,11 @@
       <p:sp>
         <p:nvSpPr>
           <p:cNvPr id="49" name="Google Shape;49;p23"/>
-          <p:cNvSpPr txBox="1"/>
+          <p:cNvSpPr txBox="1">
+            <a:spLocks noGrp="1"/>
+          </p:cNvSpPr>
           <p:nvPr>
-            <p:ph idx="12" type="sldNum"/>
+            <p:ph type="sldNum" idx="12"/>
           </p:nvPr>
         </p:nvSpPr>
         <p:spPr>
@@ -4049,11 +4170,11 @@
           </a:ln>
         </p:spPr>
         <p:txBody>
-          <a:bodyPr anchorCtr="0" anchor="ctr" bIns="91425" lIns="91425" spcFirstLastPara="1" rIns="91425" wrap="square" tIns="91425">
+          <a:bodyPr spcFirstLastPara="1" wrap="square" lIns="91425" tIns="91425" rIns="91425" bIns="91425" anchor="ctr" anchorCtr="0">
             <a:noAutofit/>
           </a:bodyPr>
           <a:lstStyle>
-            <a:lvl1pPr indent="0" lvl="0" marL="0" marR="0" algn="r">
+            <a:lvl1pPr marL="0" marR="0" lvl="0" indent="0" algn="r">
               <a:lnSpc>
                 <a:spcPct val="100000"/>
               </a:lnSpc>
@@ -4069,7 +4190,7 @@
               <a:buSzPts val="1000"/>
               <a:buFont typeface="Arial"/>
               <a:buNone/>
-              <a:defRPr b="0" i="0" sz="1000" u="none" cap="none" strike="noStrike">
+              <a:defRPr sz="1000" b="0" i="0" u="none" strike="noStrike" cap="none">
                 <a:solidFill>
                   <a:schemeClr val="dk2"/>
                 </a:solidFill>
@@ -4079,7 +4200,7 @@
                 <a:sym typeface="Arial"/>
               </a:defRPr>
             </a:lvl1pPr>
-            <a:lvl2pPr indent="0" lvl="1" marL="0" marR="0" algn="r">
+            <a:lvl2pPr marL="0" marR="0" lvl="1" indent="0" algn="r">
               <a:lnSpc>
                 <a:spcPct val="100000"/>
               </a:lnSpc>
@@ -4095,7 +4216,7 @@
               <a:buSzPts val="1000"/>
               <a:buFont typeface="Arial"/>
               <a:buNone/>
-              <a:defRPr b="0" i="0" sz="1000" u="none" cap="none" strike="noStrike">
+              <a:defRPr sz="1000" b="0" i="0" u="none" strike="noStrike" cap="none">
                 <a:solidFill>
                   <a:schemeClr val="dk2"/>
                 </a:solidFill>
@@ -4105,7 +4226,7 @@
                 <a:sym typeface="Arial"/>
               </a:defRPr>
             </a:lvl2pPr>
-            <a:lvl3pPr indent="0" lvl="2" marL="0" marR="0" algn="r">
+            <a:lvl3pPr marL="0" marR="0" lvl="2" indent="0" algn="r">
               <a:lnSpc>
                 <a:spcPct val="100000"/>
               </a:lnSpc>
@@ -4121,7 +4242,7 @@
               <a:buSzPts val="1000"/>
               <a:buFont typeface="Arial"/>
               <a:buNone/>
-              <a:defRPr b="0" i="0" sz="1000" u="none" cap="none" strike="noStrike">
+              <a:defRPr sz="1000" b="0" i="0" u="none" strike="noStrike" cap="none">
                 <a:solidFill>
                   <a:schemeClr val="dk2"/>
                 </a:solidFill>
@@ -4131,7 +4252,7 @@
                 <a:sym typeface="Arial"/>
               </a:defRPr>
             </a:lvl3pPr>
-            <a:lvl4pPr indent="0" lvl="3" marL="0" marR="0" algn="r">
+            <a:lvl4pPr marL="0" marR="0" lvl="3" indent="0" algn="r">
               <a:lnSpc>
                 <a:spcPct val="100000"/>
               </a:lnSpc>
@@ -4147,7 +4268,7 @@
               <a:buSzPts val="1000"/>
               <a:buFont typeface="Arial"/>
               <a:buNone/>
-              <a:defRPr b="0" i="0" sz="1000" u="none" cap="none" strike="noStrike">
+              <a:defRPr sz="1000" b="0" i="0" u="none" strike="noStrike" cap="none">
                 <a:solidFill>
                   <a:schemeClr val="dk2"/>
                 </a:solidFill>
@@ -4157,7 +4278,7 @@
                 <a:sym typeface="Arial"/>
               </a:defRPr>
             </a:lvl4pPr>
-            <a:lvl5pPr indent="0" lvl="4" marL="0" marR="0" algn="r">
+            <a:lvl5pPr marL="0" marR="0" lvl="4" indent="0" algn="r">
               <a:lnSpc>
                 <a:spcPct val="100000"/>
               </a:lnSpc>
@@ -4173,7 +4294,7 @@
               <a:buSzPts val="1000"/>
               <a:buFont typeface="Arial"/>
               <a:buNone/>
-              <a:defRPr b="0" i="0" sz="1000" u="none" cap="none" strike="noStrike">
+              <a:defRPr sz="1000" b="0" i="0" u="none" strike="noStrike" cap="none">
                 <a:solidFill>
                   <a:schemeClr val="dk2"/>
                 </a:solidFill>
@@ -4183,7 +4304,7 @@
                 <a:sym typeface="Arial"/>
               </a:defRPr>
             </a:lvl5pPr>
-            <a:lvl6pPr indent="0" lvl="5" marL="0" marR="0" algn="r">
+            <a:lvl6pPr marL="0" marR="0" lvl="5" indent="0" algn="r">
               <a:lnSpc>
                 <a:spcPct val="100000"/>
               </a:lnSpc>
@@ -4199,7 +4320,7 @@
               <a:buSzPts val="1000"/>
               <a:buFont typeface="Arial"/>
               <a:buNone/>
-              <a:defRPr b="0" i="0" sz="1000" u="none" cap="none" strike="noStrike">
+              <a:defRPr sz="1000" b="0" i="0" u="none" strike="noStrike" cap="none">
                 <a:solidFill>
                   <a:schemeClr val="dk2"/>
                 </a:solidFill>
@@ -4209,7 +4330,7 @@
                 <a:sym typeface="Arial"/>
               </a:defRPr>
             </a:lvl6pPr>
-            <a:lvl7pPr indent="0" lvl="6" marL="0" marR="0" algn="r">
+            <a:lvl7pPr marL="0" marR="0" lvl="6" indent="0" algn="r">
               <a:lnSpc>
                 <a:spcPct val="100000"/>
               </a:lnSpc>
@@ -4225,7 +4346,7 @@
               <a:buSzPts val="1000"/>
               <a:buFont typeface="Arial"/>
               <a:buNone/>
-              <a:defRPr b="0" i="0" sz="1000" u="none" cap="none" strike="noStrike">
+              <a:defRPr sz="1000" b="0" i="0" u="none" strike="noStrike" cap="none">
                 <a:solidFill>
                   <a:schemeClr val="dk2"/>
                 </a:solidFill>
@@ -4235,7 +4356,7 @@
                 <a:sym typeface="Arial"/>
               </a:defRPr>
             </a:lvl7pPr>
-            <a:lvl8pPr indent="0" lvl="7" marL="0" marR="0" algn="r">
+            <a:lvl8pPr marL="0" marR="0" lvl="7" indent="0" algn="r">
               <a:lnSpc>
                 <a:spcPct val="100000"/>
               </a:lnSpc>
@@ -4251,7 +4372,7 @@
               <a:buSzPts val="1000"/>
               <a:buFont typeface="Arial"/>
               <a:buNone/>
-              <a:defRPr b="0" i="0" sz="1000" u="none" cap="none" strike="noStrike">
+              <a:defRPr sz="1000" b="0" i="0" u="none" strike="noStrike" cap="none">
                 <a:solidFill>
                   <a:schemeClr val="dk2"/>
                 </a:solidFill>
@@ -4261,7 +4382,7 @@
                 <a:sym typeface="Arial"/>
               </a:defRPr>
             </a:lvl8pPr>
-            <a:lvl9pPr indent="0" lvl="8" marL="0" marR="0" algn="r">
+            <a:lvl9pPr marL="0" marR="0" lvl="8" indent="0" algn="r">
               <a:lnSpc>
                 <a:spcPct val="100000"/>
               </a:lnSpc>
@@ -4277,7 +4398,7 @@
               <a:buSzPts val="1000"/>
               <a:buFont typeface="Arial"/>
               <a:buNone/>
-              <a:defRPr b="0" i="0" sz="1000" u="none" cap="none" strike="noStrike">
+              <a:defRPr sz="1000" b="0" i="0" u="none" strike="noStrike" cap="none">
                 <a:solidFill>
                   <a:schemeClr val="dk2"/>
                 </a:solidFill>
@@ -4289,7 +4410,7 @@
             </a:lvl9pPr>
           </a:lstStyle>
           <a:p>
-            <a:pPr indent="0" lvl="0" marL="0" rtl="0" algn="r">
+            <a:pPr marL="0" lvl="0" indent="0" algn="r" rtl="0">
               <a:spcBef>
                 <a:spcPts val="0"/>
               </a:spcBef>
@@ -4315,11 +4436,11 @@
 </file>
 
 <file path=ppt/slideLayouts/slideLayout2.xml><?xml version="1.0" encoding="utf-8"?>
-<p:sldLayout xmlns:a="http://schemas.openxmlformats.org/drawingml/2006/main" xmlns:r="http://schemas.openxmlformats.org/officeDocument/2006/relationships" xmlns:mc="http://schemas.openxmlformats.org/markup-compatibility/2006" xmlns:mv="urn:schemas-microsoft-com:mac:vml" xmlns:p="http://schemas.openxmlformats.org/presentationml/2006/main" xmlns:c="http://schemas.openxmlformats.org/drawingml/2006/chart" xmlns:dgm="http://schemas.openxmlformats.org/drawingml/2006/diagram" xmlns:o="urn:schemas-microsoft-com:office:office" xmlns:v="urn:schemas-microsoft-com:vml" xmlns:pvml="urn:schemas-microsoft-com:office:powerpoint" xmlns:com="http://schemas.openxmlformats.org/drawingml/2006/compatibility" xmlns:p14="http://schemas.microsoft.com/office/powerpoint/2010/main" xmlns:p15="http://schemas.microsoft.com/office/powerpoint/2012/main" matchingName="Title and two columns" type="twoColTx">
+<p:sldLayout xmlns:a="http://schemas.openxmlformats.org/drawingml/2006/main" xmlns:r="http://schemas.openxmlformats.org/officeDocument/2006/relationships" xmlns:p="http://schemas.openxmlformats.org/presentationml/2006/main" matchingName="Title and two columns" type="twoColTx">
   <p:cSld name="TITLE_AND_TWO_COLUMNS">
     <p:spTree>
       <p:nvGrpSpPr>
-        <p:cNvPr id="13" name="Shape 13"/>
+        <p:cNvPr id="1" name="Shape 13"/>
         <p:cNvGrpSpPr/>
         <p:nvPr/>
       </p:nvGrpSpPr>
@@ -4334,7 +4455,9 @@
       <p:sp>
         <p:nvSpPr>
           <p:cNvPr id="14" name="Google Shape;14;p14"/>
-          <p:cNvSpPr txBox="1"/>
+          <p:cNvSpPr txBox="1">
+            <a:spLocks noGrp="1"/>
+          </p:cNvSpPr>
           <p:nvPr>
             <p:ph type="title"/>
           </p:nvPr>
@@ -4353,7 +4476,7 @@
           </a:ln>
         </p:spPr>
         <p:txBody>
-          <a:bodyPr anchorCtr="0" anchor="t" bIns="91425" lIns="91425" spcFirstLastPara="1" rIns="91425" wrap="square" tIns="91425">
+          <a:bodyPr spcFirstLastPara="1" wrap="square" lIns="91425" tIns="91425" rIns="91425" bIns="91425" anchor="t" anchorCtr="0">
             <a:noAutofit/>
           </a:bodyPr>
           <a:lstStyle>
@@ -4484,15 +4607,19 @@
               <a:defRPr/>
             </a:lvl9pPr>
           </a:lstStyle>
-          <a:p/>
+          <a:p>
+            <a:endParaRPr/>
+          </a:p>
         </p:txBody>
       </p:sp>
       <p:sp>
         <p:nvSpPr>
           <p:cNvPr id="15" name="Google Shape;15;p14"/>
-          <p:cNvSpPr txBox="1"/>
+          <p:cNvSpPr txBox="1">
+            <a:spLocks noGrp="1"/>
+          </p:cNvSpPr>
           <p:nvPr>
-            <p:ph idx="1" type="body"/>
+            <p:ph type="body" idx="1"/>
           </p:nvPr>
         </p:nvSpPr>
         <p:spPr>
@@ -4509,11 +4636,11 @@
           </a:ln>
         </p:spPr>
         <p:txBody>
-          <a:bodyPr anchorCtr="0" anchor="t" bIns="91425" lIns="91425" spcFirstLastPara="1" rIns="91425" wrap="square" tIns="91425">
+          <a:bodyPr spcFirstLastPara="1" wrap="square" lIns="91425" tIns="91425" rIns="91425" bIns="91425" anchor="t" anchorCtr="0">
             <a:noAutofit/>
           </a:bodyPr>
           <a:lstStyle>
-            <a:lvl1pPr indent="-317500" lvl="0" marL="457200" algn="l">
+            <a:lvl1pPr marL="457200" lvl="0" indent="-317500" algn="l">
               <a:lnSpc>
                 <a:spcPct val="115000"/>
               </a:lnSpc>
@@ -4527,7 +4654,7 @@
               <a:buChar char="●"/>
               <a:defRPr sz="1400"/>
             </a:lvl1pPr>
-            <a:lvl2pPr indent="-304800" lvl="1" marL="914400" algn="l">
+            <a:lvl2pPr marL="914400" lvl="1" indent="-304800" algn="l">
               <a:lnSpc>
                 <a:spcPct val="115000"/>
               </a:lnSpc>
@@ -4541,7 +4668,7 @@
               <a:buChar char="○"/>
               <a:defRPr sz="1200"/>
             </a:lvl2pPr>
-            <a:lvl3pPr indent="-304800" lvl="2" marL="1371600" algn="l">
+            <a:lvl3pPr marL="1371600" lvl="2" indent="-304800" algn="l">
               <a:lnSpc>
                 <a:spcPct val="115000"/>
               </a:lnSpc>
@@ -4555,7 +4682,7 @@
               <a:buChar char="■"/>
               <a:defRPr sz="1200"/>
             </a:lvl3pPr>
-            <a:lvl4pPr indent="-304800" lvl="3" marL="1828800" algn="l">
+            <a:lvl4pPr marL="1828800" lvl="3" indent="-304800" algn="l">
               <a:lnSpc>
                 <a:spcPct val="115000"/>
               </a:lnSpc>
@@ -4569,7 +4696,7 @@
               <a:buChar char="●"/>
               <a:defRPr sz="1200"/>
             </a:lvl4pPr>
-            <a:lvl5pPr indent="-304800" lvl="4" marL="2286000" algn="l">
+            <a:lvl5pPr marL="2286000" lvl="4" indent="-304800" algn="l">
               <a:lnSpc>
                 <a:spcPct val="115000"/>
               </a:lnSpc>
@@ -4583,7 +4710,7 @@
               <a:buChar char="○"/>
               <a:defRPr sz="1200"/>
             </a:lvl5pPr>
-            <a:lvl6pPr indent="-304800" lvl="5" marL="2743200" algn="l">
+            <a:lvl6pPr marL="2743200" lvl="5" indent="-304800" algn="l">
               <a:lnSpc>
                 <a:spcPct val="115000"/>
               </a:lnSpc>
@@ -4597,7 +4724,7 @@
               <a:buChar char="■"/>
               <a:defRPr sz="1200"/>
             </a:lvl6pPr>
-            <a:lvl7pPr indent="-304800" lvl="6" marL="3200400" algn="l">
+            <a:lvl7pPr marL="3200400" lvl="6" indent="-304800" algn="l">
               <a:lnSpc>
                 <a:spcPct val="115000"/>
               </a:lnSpc>
@@ -4611,7 +4738,7 @@
               <a:buChar char="●"/>
               <a:defRPr sz="1200"/>
             </a:lvl7pPr>
-            <a:lvl8pPr indent="-304800" lvl="7" marL="3657600" algn="l">
+            <a:lvl8pPr marL="3657600" lvl="7" indent="-304800" algn="l">
               <a:lnSpc>
                 <a:spcPct val="115000"/>
               </a:lnSpc>
@@ -4625,7 +4752,7 @@
               <a:buChar char="○"/>
               <a:defRPr sz="1200"/>
             </a:lvl8pPr>
-            <a:lvl9pPr indent="-304800" lvl="8" marL="4114800" algn="l">
+            <a:lvl9pPr marL="4114800" lvl="8" indent="-304800" algn="l">
               <a:lnSpc>
                 <a:spcPct val="115000"/>
               </a:lnSpc>
@@ -4640,15 +4767,19 @@
               <a:defRPr sz="1200"/>
             </a:lvl9pPr>
           </a:lstStyle>
-          <a:p/>
+          <a:p>
+            <a:endParaRPr/>
+          </a:p>
         </p:txBody>
       </p:sp>
       <p:sp>
         <p:nvSpPr>
           <p:cNvPr id="16" name="Google Shape;16;p14"/>
-          <p:cNvSpPr txBox="1"/>
+          <p:cNvSpPr txBox="1">
+            <a:spLocks noGrp="1"/>
+          </p:cNvSpPr>
           <p:nvPr>
-            <p:ph idx="2" type="body"/>
+            <p:ph type="body" idx="2"/>
           </p:nvPr>
         </p:nvSpPr>
         <p:spPr>
@@ -4665,11 +4796,11 @@
           </a:ln>
         </p:spPr>
         <p:txBody>
-          <a:bodyPr anchorCtr="0" anchor="t" bIns="91425" lIns="91425" spcFirstLastPara="1" rIns="91425" wrap="square" tIns="91425">
+          <a:bodyPr spcFirstLastPara="1" wrap="square" lIns="91425" tIns="91425" rIns="91425" bIns="91425" anchor="t" anchorCtr="0">
             <a:noAutofit/>
           </a:bodyPr>
           <a:lstStyle>
-            <a:lvl1pPr indent="-317500" lvl="0" marL="457200" algn="l">
+            <a:lvl1pPr marL="457200" lvl="0" indent="-317500" algn="l">
               <a:lnSpc>
                 <a:spcPct val="115000"/>
               </a:lnSpc>
@@ -4683,7 +4814,7 @@
               <a:buChar char="●"/>
               <a:defRPr sz="1400"/>
             </a:lvl1pPr>
-            <a:lvl2pPr indent="-304800" lvl="1" marL="914400" algn="l">
+            <a:lvl2pPr marL="914400" lvl="1" indent="-304800" algn="l">
               <a:lnSpc>
                 <a:spcPct val="115000"/>
               </a:lnSpc>
@@ -4697,7 +4828,7 @@
               <a:buChar char="○"/>
               <a:defRPr sz="1200"/>
             </a:lvl2pPr>
-            <a:lvl3pPr indent="-304800" lvl="2" marL="1371600" algn="l">
+            <a:lvl3pPr marL="1371600" lvl="2" indent="-304800" algn="l">
               <a:lnSpc>
                 <a:spcPct val="115000"/>
               </a:lnSpc>
@@ -4711,7 +4842,7 @@
               <a:buChar char="■"/>
               <a:defRPr sz="1200"/>
             </a:lvl3pPr>
-            <a:lvl4pPr indent="-304800" lvl="3" marL="1828800" algn="l">
+            <a:lvl4pPr marL="1828800" lvl="3" indent="-304800" algn="l">
               <a:lnSpc>
                 <a:spcPct val="115000"/>
               </a:lnSpc>
@@ -4725,7 +4856,7 @@
               <a:buChar char="●"/>
               <a:defRPr sz="1200"/>
             </a:lvl4pPr>
-            <a:lvl5pPr indent="-304800" lvl="4" marL="2286000" algn="l">
+            <a:lvl5pPr marL="2286000" lvl="4" indent="-304800" algn="l">
               <a:lnSpc>
                 <a:spcPct val="115000"/>
               </a:lnSpc>
@@ -4739,7 +4870,7 @@
               <a:buChar char="○"/>
               <a:defRPr sz="1200"/>
             </a:lvl5pPr>
-            <a:lvl6pPr indent="-304800" lvl="5" marL="2743200" algn="l">
+            <a:lvl6pPr marL="2743200" lvl="5" indent="-304800" algn="l">
               <a:lnSpc>
                 <a:spcPct val="115000"/>
               </a:lnSpc>
@@ -4753,7 +4884,7 @@
               <a:buChar char="■"/>
               <a:defRPr sz="1200"/>
             </a:lvl6pPr>
-            <a:lvl7pPr indent="-304800" lvl="6" marL="3200400" algn="l">
+            <a:lvl7pPr marL="3200400" lvl="6" indent="-304800" algn="l">
               <a:lnSpc>
                 <a:spcPct val="115000"/>
               </a:lnSpc>
@@ -4767,7 +4898,7 @@
               <a:buChar char="●"/>
               <a:defRPr sz="1200"/>
             </a:lvl7pPr>
-            <a:lvl8pPr indent="-304800" lvl="7" marL="3657600" algn="l">
+            <a:lvl8pPr marL="3657600" lvl="7" indent="-304800" algn="l">
               <a:lnSpc>
                 <a:spcPct val="115000"/>
               </a:lnSpc>
@@ -4781,7 +4912,7 @@
               <a:buChar char="○"/>
               <a:defRPr sz="1200"/>
             </a:lvl8pPr>
-            <a:lvl9pPr indent="-304800" lvl="8" marL="4114800" algn="l">
+            <a:lvl9pPr marL="4114800" lvl="8" indent="-304800" algn="l">
               <a:lnSpc>
                 <a:spcPct val="115000"/>
               </a:lnSpc>
@@ -4796,15 +4927,19 @@
               <a:defRPr sz="1200"/>
             </a:lvl9pPr>
           </a:lstStyle>
-          <a:p/>
+          <a:p>
+            <a:endParaRPr/>
+          </a:p>
         </p:txBody>
       </p:sp>
       <p:sp>
         <p:nvSpPr>
           <p:cNvPr id="17" name="Google Shape;17;p14"/>
-          <p:cNvSpPr txBox="1"/>
+          <p:cNvSpPr txBox="1">
+            <a:spLocks noGrp="1"/>
+          </p:cNvSpPr>
           <p:nvPr>
-            <p:ph idx="12" type="sldNum"/>
+            <p:ph type="sldNum" idx="12"/>
           </p:nvPr>
         </p:nvSpPr>
         <p:spPr>
@@ -4821,11 +4956,11 @@
           </a:ln>
         </p:spPr>
         <p:txBody>
-          <a:bodyPr anchorCtr="0" anchor="ctr" bIns="91425" lIns="91425" spcFirstLastPara="1" rIns="91425" wrap="square" tIns="91425">
+          <a:bodyPr spcFirstLastPara="1" wrap="square" lIns="91425" tIns="91425" rIns="91425" bIns="91425" anchor="ctr" anchorCtr="0">
             <a:noAutofit/>
           </a:bodyPr>
           <a:lstStyle>
-            <a:lvl1pPr indent="0" lvl="0" marL="0" marR="0" algn="r">
+            <a:lvl1pPr marL="0" marR="0" lvl="0" indent="0" algn="r">
               <a:lnSpc>
                 <a:spcPct val="100000"/>
               </a:lnSpc>
@@ -4841,7 +4976,7 @@
               <a:buSzPts val="1000"/>
               <a:buFont typeface="Arial"/>
               <a:buNone/>
-              <a:defRPr b="0" i="0" sz="1000" u="none" cap="none" strike="noStrike">
+              <a:defRPr sz="1000" b="0" i="0" u="none" strike="noStrike" cap="none">
                 <a:solidFill>
                   <a:schemeClr val="dk2"/>
                 </a:solidFill>
@@ -4851,7 +4986,7 @@
                 <a:sym typeface="Arial"/>
               </a:defRPr>
             </a:lvl1pPr>
-            <a:lvl2pPr indent="0" lvl="1" marL="0" marR="0" algn="r">
+            <a:lvl2pPr marL="0" marR="0" lvl="1" indent="0" algn="r">
               <a:lnSpc>
                 <a:spcPct val="100000"/>
               </a:lnSpc>
@@ -4867,7 +5002,7 @@
               <a:buSzPts val="1000"/>
               <a:buFont typeface="Arial"/>
               <a:buNone/>
-              <a:defRPr b="0" i="0" sz="1000" u="none" cap="none" strike="noStrike">
+              <a:defRPr sz="1000" b="0" i="0" u="none" strike="noStrike" cap="none">
                 <a:solidFill>
                   <a:schemeClr val="dk2"/>
                 </a:solidFill>
@@ -4877,7 +5012,7 @@
                 <a:sym typeface="Arial"/>
               </a:defRPr>
             </a:lvl2pPr>
-            <a:lvl3pPr indent="0" lvl="2" marL="0" marR="0" algn="r">
+            <a:lvl3pPr marL="0" marR="0" lvl="2" indent="0" algn="r">
               <a:lnSpc>
                 <a:spcPct val="100000"/>
               </a:lnSpc>
@@ -4893,7 +5028,7 @@
               <a:buSzPts val="1000"/>
               <a:buFont typeface="Arial"/>
               <a:buNone/>
-              <a:defRPr b="0" i="0" sz="1000" u="none" cap="none" strike="noStrike">
+              <a:defRPr sz="1000" b="0" i="0" u="none" strike="noStrike" cap="none">
                 <a:solidFill>
                   <a:schemeClr val="dk2"/>
                 </a:solidFill>
@@ -4903,7 +5038,7 @@
                 <a:sym typeface="Arial"/>
               </a:defRPr>
             </a:lvl3pPr>
-            <a:lvl4pPr indent="0" lvl="3" marL="0" marR="0" algn="r">
+            <a:lvl4pPr marL="0" marR="0" lvl="3" indent="0" algn="r">
               <a:lnSpc>
                 <a:spcPct val="100000"/>
               </a:lnSpc>
@@ -4919,7 +5054,7 @@
               <a:buSzPts val="1000"/>
               <a:buFont typeface="Arial"/>
               <a:buNone/>
-              <a:defRPr b="0" i="0" sz="1000" u="none" cap="none" strike="noStrike">
+              <a:defRPr sz="1000" b="0" i="0" u="none" strike="noStrike" cap="none">
                 <a:solidFill>
                   <a:schemeClr val="dk2"/>
                 </a:solidFill>
@@ -4929,7 +5064,7 @@
                 <a:sym typeface="Arial"/>
               </a:defRPr>
             </a:lvl4pPr>
-            <a:lvl5pPr indent="0" lvl="4" marL="0" marR="0" algn="r">
+            <a:lvl5pPr marL="0" marR="0" lvl="4" indent="0" algn="r">
               <a:lnSpc>
                 <a:spcPct val="100000"/>
               </a:lnSpc>
@@ -4945,7 +5080,7 @@
               <a:buSzPts val="1000"/>
               <a:buFont typeface="Arial"/>
               <a:buNone/>
-              <a:defRPr b="0" i="0" sz="1000" u="none" cap="none" strike="noStrike">
+              <a:defRPr sz="1000" b="0" i="0" u="none" strike="noStrike" cap="none">
                 <a:solidFill>
                   <a:schemeClr val="dk2"/>
                 </a:solidFill>
@@ -4955,7 +5090,7 @@
                 <a:sym typeface="Arial"/>
               </a:defRPr>
             </a:lvl5pPr>
-            <a:lvl6pPr indent="0" lvl="5" marL="0" marR="0" algn="r">
+            <a:lvl6pPr marL="0" marR="0" lvl="5" indent="0" algn="r">
               <a:lnSpc>
                 <a:spcPct val="100000"/>
               </a:lnSpc>
@@ -4971,7 +5106,7 @@
               <a:buSzPts val="1000"/>
               <a:buFont typeface="Arial"/>
               <a:buNone/>
-              <a:defRPr b="0" i="0" sz="1000" u="none" cap="none" strike="noStrike">
+              <a:defRPr sz="1000" b="0" i="0" u="none" strike="noStrike" cap="none">
                 <a:solidFill>
                   <a:schemeClr val="dk2"/>
                 </a:solidFill>
@@ -4981,7 +5116,7 @@
                 <a:sym typeface="Arial"/>
               </a:defRPr>
             </a:lvl6pPr>
-            <a:lvl7pPr indent="0" lvl="6" marL="0" marR="0" algn="r">
+            <a:lvl7pPr marL="0" marR="0" lvl="6" indent="0" algn="r">
               <a:lnSpc>
                 <a:spcPct val="100000"/>
               </a:lnSpc>
@@ -4997,7 +5132,7 @@
               <a:buSzPts val="1000"/>
               <a:buFont typeface="Arial"/>
               <a:buNone/>
-              <a:defRPr b="0" i="0" sz="1000" u="none" cap="none" strike="noStrike">
+              <a:defRPr sz="1000" b="0" i="0" u="none" strike="noStrike" cap="none">
                 <a:solidFill>
                   <a:schemeClr val="dk2"/>
                 </a:solidFill>
@@ -5007,7 +5142,7 @@
                 <a:sym typeface="Arial"/>
               </a:defRPr>
             </a:lvl7pPr>
-            <a:lvl8pPr indent="0" lvl="7" marL="0" marR="0" algn="r">
+            <a:lvl8pPr marL="0" marR="0" lvl="7" indent="0" algn="r">
               <a:lnSpc>
                 <a:spcPct val="100000"/>
               </a:lnSpc>
@@ -5023,7 +5158,7 @@
               <a:buSzPts val="1000"/>
               <a:buFont typeface="Arial"/>
               <a:buNone/>
-              <a:defRPr b="0" i="0" sz="1000" u="none" cap="none" strike="noStrike">
+              <a:defRPr sz="1000" b="0" i="0" u="none" strike="noStrike" cap="none">
                 <a:solidFill>
                   <a:schemeClr val="dk2"/>
                 </a:solidFill>
@@ -5033,7 +5168,7 @@
                 <a:sym typeface="Arial"/>
               </a:defRPr>
             </a:lvl8pPr>
-            <a:lvl9pPr indent="0" lvl="8" marL="0" marR="0" algn="r">
+            <a:lvl9pPr marL="0" marR="0" lvl="8" indent="0" algn="r">
               <a:lnSpc>
                 <a:spcPct val="100000"/>
               </a:lnSpc>
@@ -5049,7 +5184,7 @@
               <a:buSzPts val="1000"/>
               <a:buFont typeface="Arial"/>
               <a:buNone/>
-              <a:defRPr b="0" i="0" sz="1000" u="none" cap="none" strike="noStrike">
+              <a:defRPr sz="1000" b="0" i="0" u="none" strike="noStrike" cap="none">
                 <a:solidFill>
                   <a:schemeClr val="dk2"/>
                 </a:solidFill>
@@ -5061,7 +5196,7 @@
             </a:lvl9pPr>
           </a:lstStyle>
           <a:p>
-            <a:pPr indent="0" lvl="0" marL="0" rtl="0" algn="r">
+            <a:pPr marL="0" lvl="0" indent="0" algn="r" rtl="0">
               <a:spcBef>
                 <a:spcPts val="0"/>
               </a:spcBef>
@@ -5087,11 +5222,11 @@
 </file>
 
 <file path=ppt/slideLayouts/slideLayout3.xml><?xml version="1.0" encoding="utf-8"?>
-<p:sldLayout xmlns:a="http://schemas.openxmlformats.org/drawingml/2006/main" xmlns:r="http://schemas.openxmlformats.org/officeDocument/2006/relationships" xmlns:mc="http://schemas.openxmlformats.org/markup-compatibility/2006" xmlns:mv="urn:schemas-microsoft-com:mac:vml" xmlns:p="http://schemas.openxmlformats.org/presentationml/2006/main" xmlns:c="http://schemas.openxmlformats.org/drawingml/2006/chart" xmlns:dgm="http://schemas.openxmlformats.org/drawingml/2006/diagram" xmlns:o="urn:schemas-microsoft-com:office:office" xmlns:v="urn:schemas-microsoft-com:vml" xmlns:pvml="urn:schemas-microsoft-com:office:powerpoint" xmlns:com="http://schemas.openxmlformats.org/drawingml/2006/compatibility" xmlns:p14="http://schemas.microsoft.com/office/powerpoint/2010/main" xmlns:p15="http://schemas.microsoft.com/office/powerpoint/2012/main" matchingName="Section header" type="secHead">
+<p:sldLayout xmlns:a="http://schemas.openxmlformats.org/drawingml/2006/main" xmlns:r="http://schemas.openxmlformats.org/officeDocument/2006/relationships" xmlns:p="http://schemas.openxmlformats.org/presentationml/2006/main" matchingName="Section header" type="secHead">
   <p:cSld name="SECTION_HEADER">
     <p:spTree>
       <p:nvGrpSpPr>
-        <p:cNvPr id="18" name="Shape 18"/>
+        <p:cNvPr id="1" name="Shape 18"/>
         <p:cNvGrpSpPr/>
         <p:nvPr/>
       </p:nvGrpSpPr>
@@ -5106,7 +5241,9 @@
       <p:sp>
         <p:nvSpPr>
           <p:cNvPr id="19" name="Google Shape;19;p15"/>
-          <p:cNvSpPr txBox="1"/>
+          <p:cNvSpPr txBox="1">
+            <a:spLocks noGrp="1"/>
+          </p:cNvSpPr>
           <p:nvPr>
             <p:ph type="title"/>
           </p:nvPr>
@@ -5125,7 +5262,7 @@
           </a:ln>
         </p:spPr>
         <p:txBody>
-          <a:bodyPr anchorCtr="0" anchor="ctr" bIns="91425" lIns="91425" spcFirstLastPara="1" rIns="91425" wrap="square" tIns="91425">
+          <a:bodyPr spcFirstLastPara="1" wrap="square" lIns="91425" tIns="91425" rIns="91425" bIns="91425" anchor="ctr" anchorCtr="0">
             <a:noAutofit/>
           </a:bodyPr>
           <a:lstStyle>
@@ -5256,15 +5393,19 @@
               <a:defRPr sz="3600"/>
             </a:lvl9pPr>
           </a:lstStyle>
-          <a:p/>
+          <a:p>
+            <a:endParaRPr/>
+          </a:p>
         </p:txBody>
       </p:sp>
       <p:sp>
         <p:nvSpPr>
           <p:cNvPr id="20" name="Google Shape;20;p15"/>
-          <p:cNvSpPr txBox="1"/>
+          <p:cNvSpPr txBox="1">
+            <a:spLocks noGrp="1"/>
+          </p:cNvSpPr>
           <p:nvPr>
-            <p:ph idx="12" type="sldNum"/>
+            <p:ph type="sldNum" idx="12"/>
           </p:nvPr>
         </p:nvSpPr>
         <p:spPr>
@@ -5281,11 +5422,11 @@
           </a:ln>
         </p:spPr>
         <p:txBody>
-          <a:bodyPr anchorCtr="0" anchor="ctr" bIns="91425" lIns="91425" spcFirstLastPara="1" rIns="91425" wrap="square" tIns="91425">
+          <a:bodyPr spcFirstLastPara="1" wrap="square" lIns="91425" tIns="91425" rIns="91425" bIns="91425" anchor="ctr" anchorCtr="0">
             <a:noAutofit/>
           </a:bodyPr>
           <a:lstStyle>
-            <a:lvl1pPr indent="0" lvl="0" marL="0" marR="0" algn="r">
+            <a:lvl1pPr marL="0" marR="0" lvl="0" indent="0" algn="r">
               <a:lnSpc>
                 <a:spcPct val="100000"/>
               </a:lnSpc>
@@ -5301,7 +5442,7 @@
               <a:buSzPts val="1000"/>
               <a:buFont typeface="Arial"/>
               <a:buNone/>
-              <a:defRPr b="0" i="0" sz="1000" u="none" cap="none" strike="noStrike">
+              <a:defRPr sz="1000" b="0" i="0" u="none" strike="noStrike" cap="none">
                 <a:solidFill>
                   <a:schemeClr val="dk2"/>
                 </a:solidFill>
@@ -5311,7 +5452,7 @@
                 <a:sym typeface="Arial"/>
               </a:defRPr>
             </a:lvl1pPr>
-            <a:lvl2pPr indent="0" lvl="1" marL="0" marR="0" algn="r">
+            <a:lvl2pPr marL="0" marR="0" lvl="1" indent="0" algn="r">
               <a:lnSpc>
                 <a:spcPct val="100000"/>
               </a:lnSpc>
@@ -5327,7 +5468,7 @@
               <a:buSzPts val="1000"/>
               <a:buFont typeface="Arial"/>
               <a:buNone/>
-              <a:defRPr b="0" i="0" sz="1000" u="none" cap="none" strike="noStrike">
+              <a:defRPr sz="1000" b="0" i="0" u="none" strike="noStrike" cap="none">
                 <a:solidFill>
                   <a:schemeClr val="dk2"/>
                 </a:solidFill>
@@ -5337,7 +5478,7 @@
                 <a:sym typeface="Arial"/>
               </a:defRPr>
             </a:lvl2pPr>
-            <a:lvl3pPr indent="0" lvl="2" marL="0" marR="0" algn="r">
+            <a:lvl3pPr marL="0" marR="0" lvl="2" indent="0" algn="r">
               <a:lnSpc>
                 <a:spcPct val="100000"/>
               </a:lnSpc>
@@ -5353,7 +5494,7 @@
               <a:buSzPts val="1000"/>
               <a:buFont typeface="Arial"/>
               <a:buNone/>
-              <a:defRPr b="0" i="0" sz="1000" u="none" cap="none" strike="noStrike">
+              <a:defRPr sz="1000" b="0" i="0" u="none" strike="noStrike" cap="none">
                 <a:solidFill>
                   <a:schemeClr val="dk2"/>
                 </a:solidFill>
@@ -5363,7 +5504,7 @@
                 <a:sym typeface="Arial"/>
               </a:defRPr>
             </a:lvl3pPr>
-            <a:lvl4pPr indent="0" lvl="3" marL="0" marR="0" algn="r">
+            <a:lvl4pPr marL="0" marR="0" lvl="3" indent="0" algn="r">
               <a:lnSpc>
                 <a:spcPct val="100000"/>
               </a:lnSpc>
@@ -5379,7 +5520,7 @@
               <a:buSzPts val="1000"/>
               <a:buFont typeface="Arial"/>
               <a:buNone/>
-              <a:defRPr b="0" i="0" sz="1000" u="none" cap="none" strike="noStrike">
+              <a:defRPr sz="1000" b="0" i="0" u="none" strike="noStrike" cap="none">
                 <a:solidFill>
                   <a:schemeClr val="dk2"/>
                 </a:solidFill>
@@ -5389,7 +5530,7 @@
                 <a:sym typeface="Arial"/>
               </a:defRPr>
             </a:lvl4pPr>
-            <a:lvl5pPr indent="0" lvl="4" marL="0" marR="0" algn="r">
+            <a:lvl5pPr marL="0" marR="0" lvl="4" indent="0" algn="r">
               <a:lnSpc>
                 <a:spcPct val="100000"/>
               </a:lnSpc>
@@ -5405,7 +5546,7 @@
               <a:buSzPts val="1000"/>
               <a:buFont typeface="Arial"/>
               <a:buNone/>
-              <a:defRPr b="0" i="0" sz="1000" u="none" cap="none" strike="noStrike">
+              <a:defRPr sz="1000" b="0" i="0" u="none" strike="noStrike" cap="none">
                 <a:solidFill>
                   <a:schemeClr val="dk2"/>
                 </a:solidFill>
@@ -5415,7 +5556,7 @@
                 <a:sym typeface="Arial"/>
               </a:defRPr>
             </a:lvl5pPr>
-            <a:lvl6pPr indent="0" lvl="5" marL="0" marR="0" algn="r">
+            <a:lvl6pPr marL="0" marR="0" lvl="5" indent="0" algn="r">
               <a:lnSpc>
                 <a:spcPct val="100000"/>
               </a:lnSpc>
@@ -5431,7 +5572,7 @@
               <a:buSzPts val="1000"/>
               <a:buFont typeface="Arial"/>
               <a:buNone/>
-              <a:defRPr b="0" i="0" sz="1000" u="none" cap="none" strike="noStrike">
+              <a:defRPr sz="1000" b="0" i="0" u="none" strike="noStrike" cap="none">
                 <a:solidFill>
                   <a:schemeClr val="dk2"/>
                 </a:solidFill>
@@ -5441,7 +5582,7 @@
                 <a:sym typeface="Arial"/>
               </a:defRPr>
             </a:lvl6pPr>
-            <a:lvl7pPr indent="0" lvl="6" marL="0" marR="0" algn="r">
+            <a:lvl7pPr marL="0" marR="0" lvl="6" indent="0" algn="r">
               <a:lnSpc>
                 <a:spcPct val="100000"/>
               </a:lnSpc>
@@ -5457,7 +5598,7 @@
               <a:buSzPts val="1000"/>
               <a:buFont typeface="Arial"/>
               <a:buNone/>
-              <a:defRPr b="0" i="0" sz="1000" u="none" cap="none" strike="noStrike">
+              <a:defRPr sz="1000" b="0" i="0" u="none" strike="noStrike" cap="none">
                 <a:solidFill>
                   <a:schemeClr val="dk2"/>
                 </a:solidFill>
@@ -5467,7 +5608,7 @@
                 <a:sym typeface="Arial"/>
               </a:defRPr>
             </a:lvl7pPr>
-            <a:lvl8pPr indent="0" lvl="7" marL="0" marR="0" algn="r">
+            <a:lvl8pPr marL="0" marR="0" lvl="7" indent="0" algn="r">
               <a:lnSpc>
                 <a:spcPct val="100000"/>
               </a:lnSpc>
@@ -5483,7 +5624,7 @@
               <a:buSzPts val="1000"/>
               <a:buFont typeface="Arial"/>
               <a:buNone/>
-              <a:defRPr b="0" i="0" sz="1000" u="none" cap="none" strike="noStrike">
+              <a:defRPr sz="1000" b="0" i="0" u="none" strike="noStrike" cap="none">
                 <a:solidFill>
                   <a:schemeClr val="dk2"/>
                 </a:solidFill>
@@ -5493,7 +5634,7 @@
                 <a:sym typeface="Arial"/>
               </a:defRPr>
             </a:lvl8pPr>
-            <a:lvl9pPr indent="0" lvl="8" marL="0" marR="0" algn="r">
+            <a:lvl9pPr marL="0" marR="0" lvl="8" indent="0" algn="r">
               <a:lnSpc>
                 <a:spcPct val="100000"/>
               </a:lnSpc>
@@ -5509,7 +5650,7 @@
               <a:buSzPts val="1000"/>
               <a:buFont typeface="Arial"/>
               <a:buNone/>
-              <a:defRPr b="0" i="0" sz="1000" u="none" cap="none" strike="noStrike">
+              <a:defRPr sz="1000" b="0" i="0" u="none" strike="noStrike" cap="none">
                 <a:solidFill>
                   <a:schemeClr val="dk2"/>
                 </a:solidFill>
@@ -5521,7 +5662,7 @@
             </a:lvl9pPr>
           </a:lstStyle>
           <a:p>
-            <a:pPr indent="0" lvl="0" marL="0" rtl="0" algn="r">
+            <a:pPr marL="0" lvl="0" indent="0" algn="r" rtl="0">
               <a:spcBef>
                 <a:spcPts val="0"/>
               </a:spcBef>
@@ -5547,11 +5688,11 @@
 </file>
 
 <file path=ppt/slideLayouts/slideLayout4.xml><?xml version="1.0" encoding="utf-8"?>
-<p:sldLayout xmlns:a="http://schemas.openxmlformats.org/drawingml/2006/main" xmlns:r="http://schemas.openxmlformats.org/officeDocument/2006/relationships" xmlns:mc="http://schemas.openxmlformats.org/markup-compatibility/2006" xmlns:mv="urn:schemas-microsoft-com:mac:vml" xmlns:p="http://schemas.openxmlformats.org/presentationml/2006/main" xmlns:c="http://schemas.openxmlformats.org/drawingml/2006/chart" xmlns:dgm="http://schemas.openxmlformats.org/drawingml/2006/diagram" xmlns:o="urn:schemas-microsoft-com:office:office" xmlns:v="urn:schemas-microsoft-com:vml" xmlns:pvml="urn:schemas-microsoft-com:office:powerpoint" xmlns:com="http://schemas.openxmlformats.org/drawingml/2006/compatibility" xmlns:p14="http://schemas.microsoft.com/office/powerpoint/2010/main" xmlns:p15="http://schemas.microsoft.com/office/powerpoint/2012/main" matchingName="Title and body" type="tx">
+<p:sldLayout xmlns:a="http://schemas.openxmlformats.org/drawingml/2006/main" xmlns:r="http://schemas.openxmlformats.org/officeDocument/2006/relationships" xmlns:p="http://schemas.openxmlformats.org/presentationml/2006/main" matchingName="Title and body" type="tx">
   <p:cSld name="TITLE_AND_BODY">
     <p:spTree>
       <p:nvGrpSpPr>
-        <p:cNvPr id="21" name="Shape 21"/>
+        <p:cNvPr id="1" name="Shape 21"/>
         <p:cNvGrpSpPr/>
         <p:nvPr/>
       </p:nvGrpSpPr>
@@ -5566,7 +5707,9 @@
       <p:sp>
         <p:nvSpPr>
           <p:cNvPr id="22" name="Google Shape;22;p16"/>
-          <p:cNvSpPr txBox="1"/>
+          <p:cNvSpPr txBox="1">
+            <a:spLocks noGrp="1"/>
+          </p:cNvSpPr>
           <p:nvPr>
             <p:ph type="title"/>
           </p:nvPr>
@@ -5585,7 +5728,7 @@
           </a:ln>
         </p:spPr>
         <p:txBody>
-          <a:bodyPr anchorCtr="0" anchor="t" bIns="91425" lIns="91425" spcFirstLastPara="1" rIns="91425" wrap="square" tIns="91425">
+          <a:bodyPr spcFirstLastPara="1" wrap="square" lIns="91425" tIns="91425" rIns="91425" bIns="91425" anchor="t" anchorCtr="0">
             <a:noAutofit/>
           </a:bodyPr>
           <a:lstStyle>
@@ -5716,15 +5859,19 @@
               <a:defRPr/>
             </a:lvl9pPr>
           </a:lstStyle>
-          <a:p/>
+          <a:p>
+            <a:endParaRPr/>
+          </a:p>
         </p:txBody>
       </p:sp>
       <p:sp>
         <p:nvSpPr>
           <p:cNvPr id="23" name="Google Shape;23;p16"/>
-          <p:cNvSpPr txBox="1"/>
+          <p:cNvSpPr txBox="1">
+            <a:spLocks noGrp="1"/>
+          </p:cNvSpPr>
           <p:nvPr>
-            <p:ph idx="1" type="body"/>
+            <p:ph type="body" idx="1"/>
           </p:nvPr>
         </p:nvSpPr>
         <p:spPr>
@@ -5741,11 +5888,11 @@
           </a:ln>
         </p:spPr>
         <p:txBody>
-          <a:bodyPr anchorCtr="0" anchor="t" bIns="91425" lIns="91425" spcFirstLastPara="1" rIns="91425" wrap="square" tIns="91425">
+          <a:bodyPr spcFirstLastPara="1" wrap="square" lIns="91425" tIns="91425" rIns="91425" bIns="91425" anchor="t" anchorCtr="0">
             <a:noAutofit/>
           </a:bodyPr>
           <a:lstStyle>
-            <a:lvl1pPr indent="-342900" lvl="0" marL="457200" algn="l">
+            <a:lvl1pPr marL="457200" lvl="0" indent="-342900" algn="l">
               <a:lnSpc>
                 <a:spcPct val="115000"/>
               </a:lnSpc>
@@ -5759,7 +5906,7 @@
               <a:buChar char="●"/>
               <a:defRPr/>
             </a:lvl1pPr>
-            <a:lvl2pPr indent="-317500" lvl="1" marL="914400" algn="l">
+            <a:lvl2pPr marL="914400" lvl="1" indent="-317500" algn="l">
               <a:lnSpc>
                 <a:spcPct val="115000"/>
               </a:lnSpc>
@@ -5773,7 +5920,7 @@
               <a:buChar char="○"/>
               <a:defRPr/>
             </a:lvl2pPr>
-            <a:lvl3pPr indent="-317500" lvl="2" marL="1371600" algn="l">
+            <a:lvl3pPr marL="1371600" lvl="2" indent="-317500" algn="l">
               <a:lnSpc>
                 <a:spcPct val="115000"/>
               </a:lnSpc>
@@ -5787,7 +5934,7 @@
               <a:buChar char="■"/>
               <a:defRPr/>
             </a:lvl3pPr>
-            <a:lvl4pPr indent="-317500" lvl="3" marL="1828800" algn="l">
+            <a:lvl4pPr marL="1828800" lvl="3" indent="-317500" algn="l">
               <a:lnSpc>
                 <a:spcPct val="115000"/>
               </a:lnSpc>
@@ -5801,7 +5948,7 @@
               <a:buChar char="●"/>
               <a:defRPr/>
             </a:lvl4pPr>
-            <a:lvl5pPr indent="-317500" lvl="4" marL="2286000" algn="l">
+            <a:lvl5pPr marL="2286000" lvl="4" indent="-317500" algn="l">
               <a:lnSpc>
                 <a:spcPct val="115000"/>
               </a:lnSpc>
@@ -5815,7 +5962,7 @@
               <a:buChar char="○"/>
               <a:defRPr/>
             </a:lvl5pPr>
-            <a:lvl6pPr indent="-317500" lvl="5" marL="2743200" algn="l">
+            <a:lvl6pPr marL="2743200" lvl="5" indent="-317500" algn="l">
               <a:lnSpc>
                 <a:spcPct val="115000"/>
               </a:lnSpc>
@@ -5829,7 +5976,7 @@
               <a:buChar char="■"/>
               <a:defRPr/>
             </a:lvl6pPr>
-            <a:lvl7pPr indent="-317500" lvl="6" marL="3200400" algn="l">
+            <a:lvl7pPr marL="3200400" lvl="6" indent="-317500" algn="l">
               <a:lnSpc>
                 <a:spcPct val="115000"/>
               </a:lnSpc>
@@ -5843,7 +5990,7 @@
               <a:buChar char="●"/>
               <a:defRPr/>
             </a:lvl7pPr>
-            <a:lvl8pPr indent="-317500" lvl="7" marL="3657600" algn="l">
+            <a:lvl8pPr marL="3657600" lvl="7" indent="-317500" algn="l">
               <a:lnSpc>
                 <a:spcPct val="115000"/>
               </a:lnSpc>
@@ -5857,7 +6004,7 @@
               <a:buChar char="○"/>
               <a:defRPr/>
             </a:lvl8pPr>
-            <a:lvl9pPr indent="-317500" lvl="8" marL="4114800" algn="l">
+            <a:lvl9pPr marL="4114800" lvl="8" indent="-317500" algn="l">
               <a:lnSpc>
                 <a:spcPct val="115000"/>
               </a:lnSpc>
@@ -5872,15 +6019,19 @@
               <a:defRPr/>
             </a:lvl9pPr>
           </a:lstStyle>
-          <a:p/>
+          <a:p>
+            <a:endParaRPr/>
+          </a:p>
         </p:txBody>
       </p:sp>
       <p:sp>
         <p:nvSpPr>
           <p:cNvPr id="24" name="Google Shape;24;p16"/>
-          <p:cNvSpPr txBox="1"/>
+          <p:cNvSpPr txBox="1">
+            <a:spLocks noGrp="1"/>
+          </p:cNvSpPr>
           <p:nvPr>
-            <p:ph idx="12" type="sldNum"/>
+            <p:ph type="sldNum" idx="12"/>
           </p:nvPr>
         </p:nvSpPr>
         <p:spPr>
@@ -5897,11 +6048,11 @@
           </a:ln>
         </p:spPr>
         <p:txBody>
-          <a:bodyPr anchorCtr="0" anchor="ctr" bIns="91425" lIns="91425" spcFirstLastPara="1" rIns="91425" wrap="square" tIns="91425">
+          <a:bodyPr spcFirstLastPara="1" wrap="square" lIns="91425" tIns="91425" rIns="91425" bIns="91425" anchor="ctr" anchorCtr="0">
             <a:noAutofit/>
           </a:bodyPr>
           <a:lstStyle>
-            <a:lvl1pPr indent="0" lvl="0" marL="0" marR="0" algn="r">
+            <a:lvl1pPr marL="0" marR="0" lvl="0" indent="0" algn="r">
               <a:lnSpc>
                 <a:spcPct val="100000"/>
               </a:lnSpc>
@@ -5917,7 +6068,7 @@
               <a:buSzPts val="1000"/>
               <a:buFont typeface="Arial"/>
               <a:buNone/>
-              <a:defRPr b="0" i="0" sz="1000" u="none" cap="none" strike="noStrike">
+              <a:defRPr sz="1000" b="0" i="0" u="none" strike="noStrike" cap="none">
                 <a:solidFill>
                   <a:schemeClr val="dk2"/>
                 </a:solidFill>
@@ -5927,7 +6078,7 @@
                 <a:sym typeface="Arial"/>
               </a:defRPr>
             </a:lvl1pPr>
-            <a:lvl2pPr indent="0" lvl="1" marL="0" marR="0" algn="r">
+            <a:lvl2pPr marL="0" marR="0" lvl="1" indent="0" algn="r">
               <a:lnSpc>
                 <a:spcPct val="100000"/>
               </a:lnSpc>
@@ -5943,7 +6094,7 @@
               <a:buSzPts val="1000"/>
               <a:buFont typeface="Arial"/>
               <a:buNone/>
-              <a:defRPr b="0" i="0" sz="1000" u="none" cap="none" strike="noStrike">
+              <a:defRPr sz="1000" b="0" i="0" u="none" strike="noStrike" cap="none">
                 <a:solidFill>
                   <a:schemeClr val="dk2"/>
                 </a:solidFill>
@@ -5953,7 +6104,7 @@
                 <a:sym typeface="Arial"/>
               </a:defRPr>
             </a:lvl2pPr>
-            <a:lvl3pPr indent="0" lvl="2" marL="0" marR="0" algn="r">
+            <a:lvl3pPr marL="0" marR="0" lvl="2" indent="0" algn="r">
               <a:lnSpc>
                 <a:spcPct val="100000"/>
               </a:lnSpc>
@@ -5969,7 +6120,7 @@
               <a:buSzPts val="1000"/>
               <a:buFont typeface="Arial"/>
               <a:buNone/>
-              <a:defRPr b="0" i="0" sz="1000" u="none" cap="none" strike="noStrike">
+              <a:defRPr sz="1000" b="0" i="0" u="none" strike="noStrike" cap="none">
                 <a:solidFill>
                   <a:schemeClr val="dk2"/>
                 </a:solidFill>
@@ -5979,7 +6130,7 @@
                 <a:sym typeface="Arial"/>
               </a:defRPr>
             </a:lvl3pPr>
-            <a:lvl4pPr indent="0" lvl="3" marL="0" marR="0" algn="r">
+            <a:lvl4pPr marL="0" marR="0" lvl="3" indent="0" algn="r">
               <a:lnSpc>
                 <a:spcPct val="100000"/>
               </a:lnSpc>
@@ -5995,7 +6146,7 @@
               <a:buSzPts val="1000"/>
               <a:buFont typeface="Arial"/>
               <a:buNone/>
-              <a:defRPr b="0" i="0" sz="1000" u="none" cap="none" strike="noStrike">
+              <a:defRPr sz="1000" b="0" i="0" u="none" strike="noStrike" cap="none">
                 <a:solidFill>
                   <a:schemeClr val="dk2"/>
                 </a:solidFill>
@@ -6005,7 +6156,7 @@
                 <a:sym typeface="Arial"/>
               </a:defRPr>
             </a:lvl4pPr>
-            <a:lvl5pPr indent="0" lvl="4" marL="0" marR="0" algn="r">
+            <a:lvl5pPr marL="0" marR="0" lvl="4" indent="0" algn="r">
               <a:lnSpc>
                 <a:spcPct val="100000"/>
               </a:lnSpc>
@@ -6021,7 +6172,7 @@
               <a:buSzPts val="1000"/>
               <a:buFont typeface="Arial"/>
               <a:buNone/>
-              <a:defRPr b="0" i="0" sz="1000" u="none" cap="none" strike="noStrike">
+              <a:defRPr sz="1000" b="0" i="0" u="none" strike="noStrike" cap="none">
                 <a:solidFill>
                   <a:schemeClr val="dk2"/>
                 </a:solidFill>
@@ -6031,7 +6182,7 @@
                 <a:sym typeface="Arial"/>
               </a:defRPr>
             </a:lvl5pPr>
-            <a:lvl6pPr indent="0" lvl="5" marL="0" marR="0" algn="r">
+            <a:lvl6pPr marL="0" marR="0" lvl="5" indent="0" algn="r">
               <a:lnSpc>
                 <a:spcPct val="100000"/>
               </a:lnSpc>
@@ -6047,7 +6198,7 @@
               <a:buSzPts val="1000"/>
               <a:buFont typeface="Arial"/>
               <a:buNone/>
-              <a:defRPr b="0" i="0" sz="1000" u="none" cap="none" strike="noStrike">
+              <a:defRPr sz="1000" b="0" i="0" u="none" strike="noStrike" cap="none">
                 <a:solidFill>
                   <a:schemeClr val="dk2"/>
                 </a:solidFill>
@@ -6057,7 +6208,7 @@
                 <a:sym typeface="Arial"/>
               </a:defRPr>
             </a:lvl6pPr>
-            <a:lvl7pPr indent="0" lvl="6" marL="0" marR="0" algn="r">
+            <a:lvl7pPr marL="0" marR="0" lvl="6" indent="0" algn="r">
               <a:lnSpc>
                 <a:spcPct val="100000"/>
               </a:lnSpc>
@@ -6073,7 +6224,7 @@
               <a:buSzPts val="1000"/>
               <a:buFont typeface="Arial"/>
               <a:buNone/>
-              <a:defRPr b="0" i="0" sz="1000" u="none" cap="none" strike="noStrike">
+              <a:defRPr sz="1000" b="0" i="0" u="none" strike="noStrike" cap="none">
                 <a:solidFill>
                   <a:schemeClr val="dk2"/>
                 </a:solidFill>
@@ -6083,7 +6234,7 @@
                 <a:sym typeface="Arial"/>
               </a:defRPr>
             </a:lvl7pPr>
-            <a:lvl8pPr indent="0" lvl="7" marL="0" marR="0" algn="r">
+            <a:lvl8pPr marL="0" marR="0" lvl="7" indent="0" algn="r">
               <a:lnSpc>
                 <a:spcPct val="100000"/>
               </a:lnSpc>
@@ -6099,7 +6250,7 @@
               <a:buSzPts val="1000"/>
               <a:buFont typeface="Arial"/>
               <a:buNone/>
-              <a:defRPr b="0" i="0" sz="1000" u="none" cap="none" strike="noStrike">
+              <a:defRPr sz="1000" b="0" i="0" u="none" strike="noStrike" cap="none">
                 <a:solidFill>
                   <a:schemeClr val="dk2"/>
                 </a:solidFill>
@@ -6109,7 +6260,7 @@
                 <a:sym typeface="Arial"/>
               </a:defRPr>
             </a:lvl8pPr>
-            <a:lvl9pPr indent="0" lvl="8" marL="0" marR="0" algn="r">
+            <a:lvl9pPr marL="0" marR="0" lvl="8" indent="0" algn="r">
               <a:lnSpc>
                 <a:spcPct val="100000"/>
               </a:lnSpc>
@@ -6125,7 +6276,7 @@
               <a:buSzPts val="1000"/>
               <a:buFont typeface="Arial"/>
               <a:buNone/>
-              <a:defRPr b="0" i="0" sz="1000" u="none" cap="none" strike="noStrike">
+              <a:defRPr sz="1000" b="0" i="0" u="none" strike="noStrike" cap="none">
                 <a:solidFill>
                   <a:schemeClr val="dk2"/>
                 </a:solidFill>
@@ -6137,7 +6288,7 @@
             </a:lvl9pPr>
           </a:lstStyle>
           <a:p>
-            <a:pPr indent="0" lvl="0" marL="0" rtl="0" algn="r">
+            <a:pPr marL="0" lvl="0" indent="0" algn="r" rtl="0">
               <a:spcBef>
                 <a:spcPts val="0"/>
               </a:spcBef>
@@ -6163,11 +6314,11 @@
 </file>
 
 <file path=ppt/slideLayouts/slideLayout5.xml><?xml version="1.0" encoding="utf-8"?>
-<p:sldLayout xmlns:a="http://schemas.openxmlformats.org/drawingml/2006/main" xmlns:r="http://schemas.openxmlformats.org/officeDocument/2006/relationships" xmlns:mc="http://schemas.openxmlformats.org/markup-compatibility/2006" xmlns:mv="urn:schemas-microsoft-com:mac:vml" xmlns:p="http://schemas.openxmlformats.org/presentationml/2006/main" xmlns:c="http://schemas.openxmlformats.org/drawingml/2006/chart" xmlns:dgm="http://schemas.openxmlformats.org/drawingml/2006/diagram" xmlns:o="urn:schemas-microsoft-com:office:office" xmlns:v="urn:schemas-microsoft-com:vml" xmlns:pvml="urn:schemas-microsoft-com:office:powerpoint" xmlns:com="http://schemas.openxmlformats.org/drawingml/2006/compatibility" xmlns:p14="http://schemas.microsoft.com/office/powerpoint/2010/main" xmlns:p15="http://schemas.microsoft.com/office/powerpoint/2012/main" matchingName="Title only" type="titleOnly">
+<p:sldLayout xmlns:a="http://schemas.openxmlformats.org/drawingml/2006/main" xmlns:r="http://schemas.openxmlformats.org/officeDocument/2006/relationships" xmlns:p="http://schemas.openxmlformats.org/presentationml/2006/main" matchingName="Title only" type="titleOnly">
   <p:cSld name="TITLE_ONLY">
     <p:spTree>
       <p:nvGrpSpPr>
-        <p:cNvPr id="25" name="Shape 25"/>
+        <p:cNvPr id="1" name="Shape 25"/>
         <p:cNvGrpSpPr/>
         <p:nvPr/>
       </p:nvGrpSpPr>
@@ -6182,7 +6333,9 @@
       <p:sp>
         <p:nvSpPr>
           <p:cNvPr id="26" name="Google Shape;26;p17"/>
-          <p:cNvSpPr txBox="1"/>
+          <p:cNvSpPr txBox="1">
+            <a:spLocks noGrp="1"/>
+          </p:cNvSpPr>
           <p:nvPr>
             <p:ph type="title"/>
           </p:nvPr>
@@ -6201,7 +6354,7 @@
           </a:ln>
         </p:spPr>
         <p:txBody>
-          <a:bodyPr anchorCtr="0" anchor="t" bIns="91425" lIns="91425" spcFirstLastPara="1" rIns="91425" wrap="square" tIns="91425">
+          <a:bodyPr spcFirstLastPara="1" wrap="square" lIns="91425" tIns="91425" rIns="91425" bIns="91425" anchor="t" anchorCtr="0">
             <a:noAutofit/>
           </a:bodyPr>
           <a:lstStyle>
@@ -6332,15 +6485,19 @@
               <a:defRPr/>
             </a:lvl9pPr>
           </a:lstStyle>
-          <a:p/>
+          <a:p>
+            <a:endParaRPr/>
+          </a:p>
         </p:txBody>
       </p:sp>
       <p:sp>
         <p:nvSpPr>
           <p:cNvPr id="27" name="Google Shape;27;p17"/>
-          <p:cNvSpPr txBox="1"/>
+          <p:cNvSpPr txBox="1">
+            <a:spLocks noGrp="1"/>
+          </p:cNvSpPr>
           <p:nvPr>
-            <p:ph idx="12" type="sldNum"/>
+            <p:ph type="sldNum" idx="12"/>
           </p:nvPr>
         </p:nvSpPr>
         <p:spPr>
@@ -6357,11 +6514,11 @@
           </a:ln>
         </p:spPr>
         <p:txBody>
-          <a:bodyPr anchorCtr="0" anchor="ctr" bIns="91425" lIns="91425" spcFirstLastPara="1" rIns="91425" wrap="square" tIns="91425">
+          <a:bodyPr spcFirstLastPara="1" wrap="square" lIns="91425" tIns="91425" rIns="91425" bIns="91425" anchor="ctr" anchorCtr="0">
             <a:noAutofit/>
           </a:bodyPr>
           <a:lstStyle>
-            <a:lvl1pPr indent="0" lvl="0" marL="0" marR="0" algn="r">
+            <a:lvl1pPr marL="0" marR="0" lvl="0" indent="0" algn="r">
               <a:lnSpc>
                 <a:spcPct val="100000"/>
               </a:lnSpc>
@@ -6377,7 +6534,7 @@
               <a:buSzPts val="1000"/>
               <a:buFont typeface="Arial"/>
               <a:buNone/>
-              <a:defRPr b="0" i="0" sz="1000" u="none" cap="none" strike="noStrike">
+              <a:defRPr sz="1000" b="0" i="0" u="none" strike="noStrike" cap="none">
                 <a:solidFill>
                   <a:schemeClr val="dk2"/>
                 </a:solidFill>
@@ -6387,7 +6544,7 @@
                 <a:sym typeface="Arial"/>
               </a:defRPr>
             </a:lvl1pPr>
-            <a:lvl2pPr indent="0" lvl="1" marL="0" marR="0" algn="r">
+            <a:lvl2pPr marL="0" marR="0" lvl="1" indent="0" algn="r">
               <a:lnSpc>
                 <a:spcPct val="100000"/>
               </a:lnSpc>
@@ -6403,7 +6560,7 @@
               <a:buSzPts val="1000"/>
               <a:buFont typeface="Arial"/>
               <a:buNone/>
-              <a:defRPr b="0" i="0" sz="1000" u="none" cap="none" strike="noStrike">
+              <a:defRPr sz="1000" b="0" i="0" u="none" strike="noStrike" cap="none">
                 <a:solidFill>
                   <a:schemeClr val="dk2"/>
                 </a:solidFill>
@@ -6413,7 +6570,7 @@
                 <a:sym typeface="Arial"/>
               </a:defRPr>
             </a:lvl2pPr>
-            <a:lvl3pPr indent="0" lvl="2" marL="0" marR="0" algn="r">
+            <a:lvl3pPr marL="0" marR="0" lvl="2" indent="0" algn="r">
               <a:lnSpc>
                 <a:spcPct val="100000"/>
               </a:lnSpc>
@@ -6429,7 +6586,7 @@
               <a:buSzPts val="1000"/>
               <a:buFont typeface="Arial"/>
               <a:buNone/>
-              <a:defRPr b="0" i="0" sz="1000" u="none" cap="none" strike="noStrike">
+              <a:defRPr sz="1000" b="0" i="0" u="none" strike="noStrike" cap="none">
                 <a:solidFill>
                   <a:schemeClr val="dk2"/>
                 </a:solidFill>
@@ -6439,7 +6596,7 @@
                 <a:sym typeface="Arial"/>
               </a:defRPr>
             </a:lvl3pPr>
-            <a:lvl4pPr indent="0" lvl="3" marL="0" marR="0" algn="r">
+            <a:lvl4pPr marL="0" marR="0" lvl="3" indent="0" algn="r">
               <a:lnSpc>
                 <a:spcPct val="100000"/>
               </a:lnSpc>
@@ -6455,7 +6612,7 @@
               <a:buSzPts val="1000"/>
               <a:buFont typeface="Arial"/>
               <a:buNone/>
-              <a:defRPr b="0" i="0" sz="1000" u="none" cap="none" strike="noStrike">
+              <a:defRPr sz="1000" b="0" i="0" u="none" strike="noStrike" cap="none">
                 <a:solidFill>
                   <a:schemeClr val="dk2"/>
                 </a:solidFill>
@@ -6465,7 +6622,7 @@
                 <a:sym typeface="Arial"/>
               </a:defRPr>
             </a:lvl4pPr>
-            <a:lvl5pPr indent="0" lvl="4" marL="0" marR="0" algn="r">
+            <a:lvl5pPr marL="0" marR="0" lvl="4" indent="0" algn="r">
               <a:lnSpc>
                 <a:spcPct val="100000"/>
               </a:lnSpc>
@@ -6481,7 +6638,7 @@
               <a:buSzPts val="1000"/>
               <a:buFont typeface="Arial"/>
               <a:buNone/>
-              <a:defRPr b="0" i="0" sz="1000" u="none" cap="none" strike="noStrike">
+              <a:defRPr sz="1000" b="0" i="0" u="none" strike="noStrike" cap="none">
                 <a:solidFill>
                   <a:schemeClr val="dk2"/>
                 </a:solidFill>
@@ -6491,7 +6648,7 @@
                 <a:sym typeface="Arial"/>
               </a:defRPr>
             </a:lvl5pPr>
-            <a:lvl6pPr indent="0" lvl="5" marL="0" marR="0" algn="r">
+            <a:lvl6pPr marL="0" marR="0" lvl="5" indent="0" algn="r">
               <a:lnSpc>
                 <a:spcPct val="100000"/>
               </a:lnSpc>
@@ -6507,7 +6664,7 @@
               <a:buSzPts val="1000"/>
               <a:buFont typeface="Arial"/>
               <a:buNone/>
-              <a:defRPr b="0" i="0" sz="1000" u="none" cap="none" strike="noStrike">
+              <a:defRPr sz="1000" b="0" i="0" u="none" strike="noStrike" cap="none">
                 <a:solidFill>
                   <a:schemeClr val="dk2"/>
                 </a:solidFill>
@@ -6517,7 +6674,7 @@
                 <a:sym typeface="Arial"/>
               </a:defRPr>
             </a:lvl6pPr>
-            <a:lvl7pPr indent="0" lvl="6" marL="0" marR="0" algn="r">
+            <a:lvl7pPr marL="0" marR="0" lvl="6" indent="0" algn="r">
               <a:lnSpc>
                 <a:spcPct val="100000"/>
               </a:lnSpc>
@@ -6533,7 +6690,7 @@
               <a:buSzPts val="1000"/>
               <a:buFont typeface="Arial"/>
               <a:buNone/>
-              <a:defRPr b="0" i="0" sz="1000" u="none" cap="none" strike="noStrike">
+              <a:defRPr sz="1000" b="0" i="0" u="none" strike="noStrike" cap="none">
                 <a:solidFill>
                   <a:schemeClr val="dk2"/>
                 </a:solidFill>
@@ -6543,7 +6700,7 @@
                 <a:sym typeface="Arial"/>
               </a:defRPr>
             </a:lvl7pPr>
-            <a:lvl8pPr indent="0" lvl="7" marL="0" marR="0" algn="r">
+            <a:lvl8pPr marL="0" marR="0" lvl="7" indent="0" algn="r">
               <a:lnSpc>
                 <a:spcPct val="100000"/>
               </a:lnSpc>
@@ -6559,7 +6716,7 @@
               <a:buSzPts val="1000"/>
               <a:buFont typeface="Arial"/>
               <a:buNone/>
-              <a:defRPr b="0" i="0" sz="1000" u="none" cap="none" strike="noStrike">
+              <a:defRPr sz="1000" b="0" i="0" u="none" strike="noStrike" cap="none">
                 <a:solidFill>
                   <a:schemeClr val="dk2"/>
                 </a:solidFill>
@@ -6569,7 +6726,7 @@
                 <a:sym typeface="Arial"/>
               </a:defRPr>
             </a:lvl8pPr>
-            <a:lvl9pPr indent="0" lvl="8" marL="0" marR="0" algn="r">
+            <a:lvl9pPr marL="0" marR="0" lvl="8" indent="0" algn="r">
               <a:lnSpc>
                 <a:spcPct val="100000"/>
               </a:lnSpc>
@@ -6585,7 +6742,7 @@
               <a:buSzPts val="1000"/>
               <a:buFont typeface="Arial"/>
               <a:buNone/>
-              <a:defRPr b="0" i="0" sz="1000" u="none" cap="none" strike="noStrike">
+              <a:defRPr sz="1000" b="0" i="0" u="none" strike="noStrike" cap="none">
                 <a:solidFill>
                   <a:schemeClr val="dk2"/>
                 </a:solidFill>
@@ -6597,7 +6754,7 @@
             </a:lvl9pPr>
           </a:lstStyle>
           <a:p>
-            <a:pPr indent="0" lvl="0" marL="0" rtl="0" algn="r">
+            <a:pPr marL="0" lvl="0" indent="0" algn="r" rtl="0">
               <a:spcBef>
                 <a:spcPts val="0"/>
               </a:spcBef>
@@ -6623,11 +6780,11 @@
 </file>
 
 <file path=ppt/slideLayouts/slideLayout6.xml><?xml version="1.0" encoding="utf-8"?>
-<p:sldLayout xmlns:a="http://schemas.openxmlformats.org/drawingml/2006/main" xmlns:r="http://schemas.openxmlformats.org/officeDocument/2006/relationships" xmlns:mc="http://schemas.openxmlformats.org/markup-compatibility/2006" xmlns:mv="urn:schemas-microsoft-com:mac:vml" xmlns:p="http://schemas.openxmlformats.org/presentationml/2006/main" xmlns:c="http://schemas.openxmlformats.org/drawingml/2006/chart" xmlns:dgm="http://schemas.openxmlformats.org/drawingml/2006/diagram" xmlns:o="urn:schemas-microsoft-com:office:office" xmlns:v="urn:schemas-microsoft-com:vml" xmlns:pvml="urn:schemas-microsoft-com:office:powerpoint" xmlns:com="http://schemas.openxmlformats.org/drawingml/2006/compatibility" xmlns:p14="http://schemas.microsoft.com/office/powerpoint/2010/main" xmlns:p15="http://schemas.microsoft.com/office/powerpoint/2012/main" matchingName="One column text">
+<p:sldLayout xmlns:a="http://schemas.openxmlformats.org/drawingml/2006/main" xmlns:r="http://schemas.openxmlformats.org/officeDocument/2006/relationships" xmlns:p="http://schemas.openxmlformats.org/presentationml/2006/main" matchingName="One column text">
   <p:cSld name="ONE_COLUMN_TEXT">
     <p:spTree>
       <p:nvGrpSpPr>
-        <p:cNvPr id="28" name="Shape 28"/>
+        <p:cNvPr id="1" name="Shape 28"/>
         <p:cNvGrpSpPr/>
         <p:nvPr/>
       </p:nvGrpSpPr>
@@ -6642,7 +6799,9 @@
       <p:sp>
         <p:nvSpPr>
           <p:cNvPr id="29" name="Google Shape;29;p18"/>
-          <p:cNvSpPr txBox="1"/>
+          <p:cNvSpPr txBox="1">
+            <a:spLocks noGrp="1"/>
+          </p:cNvSpPr>
           <p:nvPr>
             <p:ph type="title"/>
           </p:nvPr>
@@ -6661,7 +6820,7 @@
           </a:ln>
         </p:spPr>
         <p:txBody>
-          <a:bodyPr anchorCtr="0" anchor="b" bIns="91425" lIns="91425" spcFirstLastPara="1" rIns="91425" wrap="square" tIns="91425">
+          <a:bodyPr spcFirstLastPara="1" wrap="square" lIns="91425" tIns="91425" rIns="91425" bIns="91425" anchor="b" anchorCtr="0">
             <a:noAutofit/>
           </a:bodyPr>
           <a:lstStyle>
@@ -6792,15 +6951,19 @@
               <a:defRPr sz="2400"/>
             </a:lvl9pPr>
           </a:lstStyle>
-          <a:p/>
+          <a:p>
+            <a:endParaRPr/>
+          </a:p>
         </p:txBody>
       </p:sp>
       <p:sp>
         <p:nvSpPr>
           <p:cNvPr id="30" name="Google Shape;30;p18"/>
-          <p:cNvSpPr txBox="1"/>
+          <p:cNvSpPr txBox="1">
+            <a:spLocks noGrp="1"/>
+          </p:cNvSpPr>
           <p:nvPr>
-            <p:ph idx="1" type="body"/>
+            <p:ph type="body" idx="1"/>
           </p:nvPr>
         </p:nvSpPr>
         <p:spPr>
@@ -6817,11 +6980,11 @@
           </a:ln>
         </p:spPr>
         <p:txBody>
-          <a:bodyPr anchorCtr="0" anchor="t" bIns="91425" lIns="91425" spcFirstLastPara="1" rIns="91425" wrap="square" tIns="91425">
+          <a:bodyPr spcFirstLastPara="1" wrap="square" lIns="91425" tIns="91425" rIns="91425" bIns="91425" anchor="t" anchorCtr="0">
             <a:noAutofit/>
           </a:bodyPr>
           <a:lstStyle>
-            <a:lvl1pPr indent="-304800" lvl="0" marL="457200" algn="l">
+            <a:lvl1pPr marL="457200" lvl="0" indent="-304800" algn="l">
               <a:lnSpc>
                 <a:spcPct val="115000"/>
               </a:lnSpc>
@@ -6835,7 +6998,7 @@
               <a:buChar char="●"/>
               <a:defRPr sz="1200"/>
             </a:lvl1pPr>
-            <a:lvl2pPr indent="-304800" lvl="1" marL="914400" algn="l">
+            <a:lvl2pPr marL="914400" lvl="1" indent="-304800" algn="l">
               <a:lnSpc>
                 <a:spcPct val="115000"/>
               </a:lnSpc>
@@ -6849,7 +7012,7 @@
               <a:buChar char="○"/>
               <a:defRPr sz="1200"/>
             </a:lvl2pPr>
-            <a:lvl3pPr indent="-304800" lvl="2" marL="1371600" algn="l">
+            <a:lvl3pPr marL="1371600" lvl="2" indent="-304800" algn="l">
               <a:lnSpc>
                 <a:spcPct val="115000"/>
               </a:lnSpc>
@@ -6863,7 +7026,7 @@
               <a:buChar char="■"/>
               <a:defRPr sz="1200"/>
             </a:lvl3pPr>
-            <a:lvl4pPr indent="-304800" lvl="3" marL="1828800" algn="l">
+            <a:lvl4pPr marL="1828800" lvl="3" indent="-304800" algn="l">
               <a:lnSpc>
                 <a:spcPct val="115000"/>
               </a:lnSpc>
@@ -6877,7 +7040,7 @@
               <a:buChar char="●"/>
               <a:defRPr sz="1200"/>
             </a:lvl4pPr>
-            <a:lvl5pPr indent="-304800" lvl="4" marL="2286000" algn="l">
+            <a:lvl5pPr marL="2286000" lvl="4" indent="-304800" algn="l">
               <a:lnSpc>
                 <a:spcPct val="115000"/>
               </a:lnSpc>
@@ -6891,7 +7054,7 @@
               <a:buChar char="○"/>
               <a:defRPr sz="1200"/>
             </a:lvl5pPr>
-            <a:lvl6pPr indent="-304800" lvl="5" marL="2743200" algn="l">
+            <a:lvl6pPr marL="2743200" lvl="5" indent="-304800" algn="l">
               <a:lnSpc>
                 <a:spcPct val="115000"/>
               </a:lnSpc>
@@ -6905,7 +7068,7 @@
               <a:buChar char="■"/>
               <a:defRPr sz="1200"/>
             </a:lvl6pPr>
-            <a:lvl7pPr indent="-304800" lvl="6" marL="3200400" algn="l">
+            <a:lvl7pPr marL="3200400" lvl="6" indent="-304800" algn="l">
               <a:lnSpc>
                 <a:spcPct val="115000"/>
               </a:lnSpc>
@@ -6919,7 +7082,7 @@
               <a:buChar char="●"/>
               <a:defRPr sz="1200"/>
             </a:lvl7pPr>
-            <a:lvl8pPr indent="-304800" lvl="7" marL="3657600" algn="l">
+            <a:lvl8pPr marL="3657600" lvl="7" indent="-304800" algn="l">
               <a:lnSpc>
                 <a:spcPct val="115000"/>
               </a:lnSpc>
@@ -6933,7 +7096,7 @@
               <a:buChar char="○"/>
               <a:defRPr sz="1200"/>
             </a:lvl8pPr>
-            <a:lvl9pPr indent="-304800" lvl="8" marL="4114800" algn="l">
+            <a:lvl9pPr marL="4114800" lvl="8" indent="-304800" algn="l">
               <a:lnSpc>
                 <a:spcPct val="115000"/>
               </a:lnSpc>
@@ -6948,15 +7111,19 @@
               <a:defRPr sz="1200"/>
             </a:lvl9pPr>
           </a:lstStyle>
-          <a:p/>
+          <a:p>
+            <a:endParaRPr/>
+          </a:p>
         </p:txBody>
       </p:sp>
       <p:sp>
         <p:nvSpPr>
           <p:cNvPr id="31" name="Google Shape;31;p18"/>
-          <p:cNvSpPr txBox="1"/>
+          <p:cNvSpPr txBox="1">
+            <a:spLocks noGrp="1"/>
+          </p:cNvSpPr>
           <p:nvPr>
-            <p:ph idx="12" type="sldNum"/>
+            <p:ph type="sldNum" idx="12"/>
           </p:nvPr>
         </p:nvSpPr>
         <p:spPr>
@@ -6973,11 +7140,11 @@
           </a:ln>
         </p:spPr>
         <p:txBody>
-          <a:bodyPr anchorCtr="0" anchor="ctr" bIns="91425" lIns="91425" spcFirstLastPara="1" rIns="91425" wrap="square" tIns="91425">
+          <a:bodyPr spcFirstLastPara="1" wrap="square" lIns="91425" tIns="91425" rIns="91425" bIns="91425" anchor="ctr" anchorCtr="0">
             <a:noAutofit/>
           </a:bodyPr>
           <a:lstStyle>
-            <a:lvl1pPr indent="0" lvl="0" marL="0" marR="0" algn="r">
+            <a:lvl1pPr marL="0" marR="0" lvl="0" indent="0" algn="r">
               <a:lnSpc>
                 <a:spcPct val="100000"/>
               </a:lnSpc>
@@ -6993,7 +7160,7 @@
               <a:buSzPts val="1000"/>
               <a:buFont typeface="Arial"/>
               <a:buNone/>
-              <a:defRPr b="0" i="0" sz="1000" u="none" cap="none" strike="noStrike">
+              <a:defRPr sz="1000" b="0" i="0" u="none" strike="noStrike" cap="none">
                 <a:solidFill>
                   <a:schemeClr val="dk2"/>
                 </a:solidFill>
@@ -7003,7 +7170,7 @@
                 <a:sym typeface="Arial"/>
               </a:defRPr>
             </a:lvl1pPr>
-            <a:lvl2pPr indent="0" lvl="1" marL="0" marR="0" algn="r">
+            <a:lvl2pPr marL="0" marR="0" lvl="1" indent="0" algn="r">
               <a:lnSpc>
                 <a:spcPct val="100000"/>
               </a:lnSpc>
@@ -7019,7 +7186,7 @@
               <a:buSzPts val="1000"/>
               <a:buFont typeface="Arial"/>
               <a:buNone/>
-              <a:defRPr b="0" i="0" sz="1000" u="none" cap="none" strike="noStrike">
+              <a:defRPr sz="1000" b="0" i="0" u="none" strike="noStrike" cap="none">
                 <a:solidFill>
                   <a:schemeClr val="dk2"/>
                 </a:solidFill>
@@ -7029,7 +7196,7 @@
                 <a:sym typeface="Arial"/>
               </a:defRPr>
             </a:lvl2pPr>
-            <a:lvl3pPr indent="0" lvl="2" marL="0" marR="0" algn="r">
+            <a:lvl3pPr marL="0" marR="0" lvl="2" indent="0" algn="r">
               <a:lnSpc>
                 <a:spcPct val="100000"/>
               </a:lnSpc>
@@ -7045,7 +7212,7 @@
               <a:buSzPts val="1000"/>
               <a:buFont typeface="Arial"/>
               <a:buNone/>
-              <a:defRPr b="0" i="0" sz="1000" u="none" cap="none" strike="noStrike">
+              <a:defRPr sz="1000" b="0" i="0" u="none" strike="noStrike" cap="none">
                 <a:solidFill>
                   <a:schemeClr val="dk2"/>
                 </a:solidFill>
@@ -7055,7 +7222,7 @@
                 <a:sym typeface="Arial"/>
               </a:defRPr>
             </a:lvl3pPr>
-            <a:lvl4pPr indent="0" lvl="3" marL="0" marR="0" algn="r">
+            <a:lvl4pPr marL="0" marR="0" lvl="3" indent="0" algn="r">
               <a:lnSpc>
                 <a:spcPct val="100000"/>
               </a:lnSpc>
@@ -7071,7 +7238,7 @@
               <a:buSzPts val="1000"/>
               <a:buFont typeface="Arial"/>
               <a:buNone/>
-              <a:defRPr b="0" i="0" sz="1000" u="none" cap="none" strike="noStrike">
+              <a:defRPr sz="1000" b="0" i="0" u="none" strike="noStrike" cap="none">
                 <a:solidFill>
                   <a:schemeClr val="dk2"/>
                 </a:solidFill>
@@ -7081,7 +7248,7 @@
                 <a:sym typeface="Arial"/>
               </a:defRPr>
             </a:lvl4pPr>
-            <a:lvl5pPr indent="0" lvl="4" marL="0" marR="0" algn="r">
+            <a:lvl5pPr marL="0" marR="0" lvl="4" indent="0" algn="r">
               <a:lnSpc>
                 <a:spcPct val="100000"/>
               </a:lnSpc>
@@ -7097,7 +7264,7 @@
               <a:buSzPts val="1000"/>
               <a:buFont typeface="Arial"/>
               <a:buNone/>
-              <a:defRPr b="0" i="0" sz="1000" u="none" cap="none" strike="noStrike">
+              <a:defRPr sz="1000" b="0" i="0" u="none" strike="noStrike" cap="none">
                 <a:solidFill>
                   <a:schemeClr val="dk2"/>
                 </a:solidFill>
@@ -7107,7 +7274,7 @@
                 <a:sym typeface="Arial"/>
               </a:defRPr>
             </a:lvl5pPr>
-            <a:lvl6pPr indent="0" lvl="5" marL="0" marR="0" algn="r">
+            <a:lvl6pPr marL="0" marR="0" lvl="5" indent="0" algn="r">
               <a:lnSpc>
                 <a:spcPct val="100000"/>
               </a:lnSpc>
@@ -7123,7 +7290,7 @@
               <a:buSzPts val="1000"/>
               <a:buFont typeface="Arial"/>
               <a:buNone/>
-              <a:defRPr b="0" i="0" sz="1000" u="none" cap="none" strike="noStrike">
+              <a:defRPr sz="1000" b="0" i="0" u="none" strike="noStrike" cap="none">
                 <a:solidFill>
                   <a:schemeClr val="dk2"/>
                 </a:solidFill>
@@ -7133,7 +7300,7 @@
                 <a:sym typeface="Arial"/>
               </a:defRPr>
             </a:lvl6pPr>
-            <a:lvl7pPr indent="0" lvl="6" marL="0" marR="0" algn="r">
+            <a:lvl7pPr marL="0" marR="0" lvl="6" indent="0" algn="r">
               <a:lnSpc>
                 <a:spcPct val="100000"/>
               </a:lnSpc>
@@ -7149,7 +7316,7 @@
               <a:buSzPts val="1000"/>
               <a:buFont typeface="Arial"/>
               <a:buNone/>
-              <a:defRPr b="0" i="0" sz="1000" u="none" cap="none" strike="noStrike">
+              <a:defRPr sz="1000" b="0" i="0" u="none" strike="noStrike" cap="none">
                 <a:solidFill>
                   <a:schemeClr val="dk2"/>
                 </a:solidFill>
@@ -7159,7 +7326,7 @@
                 <a:sym typeface="Arial"/>
               </a:defRPr>
             </a:lvl7pPr>
-            <a:lvl8pPr indent="0" lvl="7" marL="0" marR="0" algn="r">
+            <a:lvl8pPr marL="0" marR="0" lvl="7" indent="0" algn="r">
               <a:lnSpc>
                 <a:spcPct val="100000"/>
               </a:lnSpc>
@@ -7175,7 +7342,7 @@
               <a:buSzPts val="1000"/>
               <a:buFont typeface="Arial"/>
               <a:buNone/>
-              <a:defRPr b="0" i="0" sz="1000" u="none" cap="none" strike="noStrike">
+              <a:defRPr sz="1000" b="0" i="0" u="none" strike="noStrike" cap="none">
                 <a:solidFill>
                   <a:schemeClr val="dk2"/>
                 </a:solidFill>
@@ -7185,7 +7352,7 @@
                 <a:sym typeface="Arial"/>
               </a:defRPr>
             </a:lvl8pPr>
-            <a:lvl9pPr indent="0" lvl="8" marL="0" marR="0" algn="r">
+            <a:lvl9pPr marL="0" marR="0" lvl="8" indent="0" algn="r">
               <a:lnSpc>
                 <a:spcPct val="100000"/>
               </a:lnSpc>
@@ -7201,7 +7368,7 @@
               <a:buSzPts val="1000"/>
               <a:buFont typeface="Arial"/>
               <a:buNone/>
-              <a:defRPr b="0" i="0" sz="1000" u="none" cap="none" strike="noStrike">
+              <a:defRPr sz="1000" b="0" i="0" u="none" strike="noStrike" cap="none">
                 <a:solidFill>
                   <a:schemeClr val="dk2"/>
                 </a:solidFill>
@@ -7213,7 +7380,7 @@
             </a:lvl9pPr>
           </a:lstStyle>
           <a:p>
-            <a:pPr indent="0" lvl="0" marL="0" rtl="0" algn="r">
+            <a:pPr marL="0" lvl="0" indent="0" algn="r" rtl="0">
               <a:spcBef>
                 <a:spcPts val="0"/>
               </a:spcBef>
@@ -7239,11 +7406,11 @@
 </file>
 
 <file path=ppt/slideLayouts/slideLayout7.xml><?xml version="1.0" encoding="utf-8"?>
-<p:sldLayout xmlns:a="http://schemas.openxmlformats.org/drawingml/2006/main" xmlns:r="http://schemas.openxmlformats.org/officeDocument/2006/relationships" xmlns:mc="http://schemas.openxmlformats.org/markup-compatibility/2006" xmlns:mv="urn:schemas-microsoft-com:mac:vml" xmlns:p="http://schemas.openxmlformats.org/presentationml/2006/main" xmlns:c="http://schemas.openxmlformats.org/drawingml/2006/chart" xmlns:dgm="http://schemas.openxmlformats.org/drawingml/2006/diagram" xmlns:o="urn:schemas-microsoft-com:office:office" xmlns:v="urn:schemas-microsoft-com:vml" xmlns:pvml="urn:schemas-microsoft-com:office:powerpoint" xmlns:com="http://schemas.openxmlformats.org/drawingml/2006/compatibility" xmlns:p14="http://schemas.microsoft.com/office/powerpoint/2010/main" xmlns:p15="http://schemas.microsoft.com/office/powerpoint/2012/main" matchingName="Main point">
+<p:sldLayout xmlns:a="http://schemas.openxmlformats.org/drawingml/2006/main" xmlns:r="http://schemas.openxmlformats.org/officeDocument/2006/relationships" xmlns:p="http://schemas.openxmlformats.org/presentationml/2006/main" matchingName="Main point">
   <p:cSld name="MAIN_POINT">
     <p:spTree>
       <p:nvGrpSpPr>
-        <p:cNvPr id="32" name="Shape 32"/>
+        <p:cNvPr id="1" name="Shape 32"/>
         <p:cNvGrpSpPr/>
         <p:nvPr/>
       </p:nvGrpSpPr>
@@ -7258,7 +7425,9 @@
       <p:sp>
         <p:nvSpPr>
           <p:cNvPr id="33" name="Google Shape;33;p19"/>
-          <p:cNvSpPr txBox="1"/>
+          <p:cNvSpPr txBox="1">
+            <a:spLocks noGrp="1"/>
+          </p:cNvSpPr>
           <p:nvPr>
             <p:ph type="title"/>
           </p:nvPr>
@@ -7277,7 +7446,7 @@
           </a:ln>
         </p:spPr>
         <p:txBody>
-          <a:bodyPr anchorCtr="0" anchor="ctr" bIns="91425" lIns="91425" spcFirstLastPara="1" rIns="91425" wrap="square" tIns="91425">
+          <a:bodyPr spcFirstLastPara="1" wrap="square" lIns="91425" tIns="91425" rIns="91425" bIns="91425" anchor="ctr" anchorCtr="0">
             <a:noAutofit/>
           </a:bodyPr>
           <a:lstStyle>
@@ -7408,15 +7577,19 @@
               <a:defRPr sz="4800"/>
             </a:lvl9pPr>
           </a:lstStyle>
-          <a:p/>
+          <a:p>
+            <a:endParaRPr/>
+          </a:p>
         </p:txBody>
       </p:sp>
       <p:sp>
         <p:nvSpPr>
           <p:cNvPr id="34" name="Google Shape;34;p19"/>
-          <p:cNvSpPr txBox="1"/>
+          <p:cNvSpPr txBox="1">
+            <a:spLocks noGrp="1"/>
+          </p:cNvSpPr>
           <p:nvPr>
-            <p:ph idx="12" type="sldNum"/>
+            <p:ph type="sldNum" idx="12"/>
           </p:nvPr>
         </p:nvSpPr>
         <p:spPr>
@@ -7433,11 +7606,11 @@
           </a:ln>
         </p:spPr>
         <p:txBody>
-          <a:bodyPr anchorCtr="0" anchor="ctr" bIns="91425" lIns="91425" spcFirstLastPara="1" rIns="91425" wrap="square" tIns="91425">
+          <a:bodyPr spcFirstLastPara="1" wrap="square" lIns="91425" tIns="91425" rIns="91425" bIns="91425" anchor="ctr" anchorCtr="0">
             <a:noAutofit/>
           </a:bodyPr>
           <a:lstStyle>
-            <a:lvl1pPr indent="0" lvl="0" marL="0" marR="0" algn="r">
+            <a:lvl1pPr marL="0" marR="0" lvl="0" indent="0" algn="r">
               <a:lnSpc>
                 <a:spcPct val="100000"/>
               </a:lnSpc>
@@ -7453,7 +7626,7 @@
               <a:buSzPts val="1000"/>
               <a:buFont typeface="Arial"/>
               <a:buNone/>
-              <a:defRPr b="0" i="0" sz="1000" u="none" cap="none" strike="noStrike">
+              <a:defRPr sz="1000" b="0" i="0" u="none" strike="noStrike" cap="none">
                 <a:solidFill>
                   <a:schemeClr val="dk2"/>
                 </a:solidFill>
@@ -7463,7 +7636,7 @@
                 <a:sym typeface="Arial"/>
               </a:defRPr>
             </a:lvl1pPr>
-            <a:lvl2pPr indent="0" lvl="1" marL="0" marR="0" algn="r">
+            <a:lvl2pPr marL="0" marR="0" lvl="1" indent="0" algn="r">
               <a:lnSpc>
                 <a:spcPct val="100000"/>
               </a:lnSpc>
@@ -7479,7 +7652,7 @@
               <a:buSzPts val="1000"/>
               <a:buFont typeface="Arial"/>
               <a:buNone/>
-              <a:defRPr b="0" i="0" sz="1000" u="none" cap="none" strike="noStrike">
+              <a:defRPr sz="1000" b="0" i="0" u="none" strike="noStrike" cap="none">
                 <a:solidFill>
                   <a:schemeClr val="dk2"/>
                 </a:solidFill>
@@ -7489,7 +7662,7 @@
                 <a:sym typeface="Arial"/>
               </a:defRPr>
             </a:lvl2pPr>
-            <a:lvl3pPr indent="0" lvl="2" marL="0" marR="0" algn="r">
+            <a:lvl3pPr marL="0" marR="0" lvl="2" indent="0" algn="r">
               <a:lnSpc>
                 <a:spcPct val="100000"/>
               </a:lnSpc>
@@ -7505,7 +7678,7 @@
               <a:buSzPts val="1000"/>
               <a:buFont typeface="Arial"/>
               <a:buNone/>
-              <a:defRPr b="0" i="0" sz="1000" u="none" cap="none" strike="noStrike">
+              <a:defRPr sz="1000" b="0" i="0" u="none" strike="noStrike" cap="none">
                 <a:solidFill>
                   <a:schemeClr val="dk2"/>
                 </a:solidFill>
@@ -7515,7 +7688,7 @@
                 <a:sym typeface="Arial"/>
               </a:defRPr>
             </a:lvl3pPr>
-            <a:lvl4pPr indent="0" lvl="3" marL="0" marR="0" algn="r">
+            <a:lvl4pPr marL="0" marR="0" lvl="3" indent="0" algn="r">
               <a:lnSpc>
                 <a:spcPct val="100000"/>
               </a:lnSpc>
@@ -7531,7 +7704,7 @@
               <a:buSzPts val="1000"/>
               <a:buFont typeface="Arial"/>
               <a:buNone/>
-              <a:defRPr b="0" i="0" sz="1000" u="none" cap="none" strike="noStrike">
+              <a:defRPr sz="1000" b="0" i="0" u="none" strike="noStrike" cap="none">
                 <a:solidFill>
                   <a:schemeClr val="dk2"/>
                 </a:solidFill>
@@ -7541,7 +7714,7 @@
                 <a:sym typeface="Arial"/>
               </a:defRPr>
             </a:lvl4pPr>
-            <a:lvl5pPr indent="0" lvl="4" marL="0" marR="0" algn="r">
+            <a:lvl5pPr marL="0" marR="0" lvl="4" indent="0" algn="r">
               <a:lnSpc>
                 <a:spcPct val="100000"/>
               </a:lnSpc>
@@ -7557,7 +7730,7 @@
               <a:buSzPts val="1000"/>
               <a:buFont typeface="Arial"/>
               <a:buNone/>
-              <a:defRPr b="0" i="0" sz="1000" u="none" cap="none" strike="noStrike">
+              <a:defRPr sz="1000" b="0" i="0" u="none" strike="noStrike" cap="none">
                 <a:solidFill>
                   <a:schemeClr val="dk2"/>
                 </a:solidFill>
@@ -7567,7 +7740,7 @@
                 <a:sym typeface="Arial"/>
               </a:defRPr>
             </a:lvl5pPr>
-            <a:lvl6pPr indent="0" lvl="5" marL="0" marR="0" algn="r">
+            <a:lvl6pPr marL="0" marR="0" lvl="5" indent="0" algn="r">
               <a:lnSpc>
                 <a:spcPct val="100000"/>
               </a:lnSpc>
@@ -7583,7 +7756,7 @@
               <a:buSzPts val="1000"/>
               <a:buFont typeface="Arial"/>
               <a:buNone/>
-              <a:defRPr b="0" i="0" sz="1000" u="none" cap="none" strike="noStrike">
+              <a:defRPr sz="1000" b="0" i="0" u="none" strike="noStrike" cap="none">
                 <a:solidFill>
                   <a:schemeClr val="dk2"/>
                 </a:solidFill>
@@ -7593,7 +7766,7 @@
                 <a:sym typeface="Arial"/>
               </a:defRPr>
             </a:lvl6pPr>
-            <a:lvl7pPr indent="0" lvl="6" marL="0" marR="0" algn="r">
+            <a:lvl7pPr marL="0" marR="0" lvl="6" indent="0" algn="r">
               <a:lnSpc>
                 <a:spcPct val="100000"/>
               </a:lnSpc>
@@ -7609,7 +7782,7 @@
               <a:buSzPts val="1000"/>
               <a:buFont typeface="Arial"/>
               <a:buNone/>
-              <a:defRPr b="0" i="0" sz="1000" u="none" cap="none" strike="noStrike">
+              <a:defRPr sz="1000" b="0" i="0" u="none" strike="noStrike" cap="none">
                 <a:solidFill>
                   <a:schemeClr val="dk2"/>
                 </a:solidFill>
@@ -7619,7 +7792,7 @@
                 <a:sym typeface="Arial"/>
               </a:defRPr>
             </a:lvl7pPr>
-            <a:lvl8pPr indent="0" lvl="7" marL="0" marR="0" algn="r">
+            <a:lvl8pPr marL="0" marR="0" lvl="7" indent="0" algn="r">
               <a:lnSpc>
                 <a:spcPct val="100000"/>
               </a:lnSpc>
@@ -7635,7 +7808,7 @@
               <a:buSzPts val="1000"/>
               <a:buFont typeface="Arial"/>
               <a:buNone/>
-              <a:defRPr b="0" i="0" sz="1000" u="none" cap="none" strike="noStrike">
+              <a:defRPr sz="1000" b="0" i="0" u="none" strike="noStrike" cap="none">
                 <a:solidFill>
                   <a:schemeClr val="dk2"/>
                 </a:solidFill>
@@ -7645,7 +7818,7 @@
                 <a:sym typeface="Arial"/>
               </a:defRPr>
             </a:lvl8pPr>
-            <a:lvl9pPr indent="0" lvl="8" marL="0" marR="0" algn="r">
+            <a:lvl9pPr marL="0" marR="0" lvl="8" indent="0" algn="r">
               <a:lnSpc>
                 <a:spcPct val="100000"/>
               </a:lnSpc>
@@ -7661,7 +7834,7 @@
               <a:buSzPts val="1000"/>
               <a:buFont typeface="Arial"/>
               <a:buNone/>
-              <a:defRPr b="0" i="0" sz="1000" u="none" cap="none" strike="noStrike">
+              <a:defRPr sz="1000" b="0" i="0" u="none" strike="noStrike" cap="none">
                 <a:solidFill>
                   <a:schemeClr val="dk2"/>
                 </a:solidFill>
@@ -7673,7 +7846,7 @@
             </a:lvl9pPr>
           </a:lstStyle>
           <a:p>
-            <a:pPr indent="0" lvl="0" marL="0" rtl="0" algn="r">
+            <a:pPr marL="0" lvl="0" indent="0" algn="r" rtl="0">
               <a:spcBef>
                 <a:spcPts val="0"/>
               </a:spcBef>
@@ -7699,11 +7872,11 @@
 </file>
 
 <file path=ppt/slideLayouts/slideLayout8.xml><?xml version="1.0" encoding="utf-8"?>
-<p:sldLayout xmlns:a="http://schemas.openxmlformats.org/drawingml/2006/main" xmlns:r="http://schemas.openxmlformats.org/officeDocument/2006/relationships" xmlns:mc="http://schemas.openxmlformats.org/markup-compatibility/2006" xmlns:mv="urn:schemas-microsoft-com:mac:vml" xmlns:p="http://schemas.openxmlformats.org/presentationml/2006/main" xmlns:c="http://schemas.openxmlformats.org/drawingml/2006/chart" xmlns:dgm="http://schemas.openxmlformats.org/drawingml/2006/diagram" xmlns:o="urn:schemas-microsoft-com:office:office" xmlns:v="urn:schemas-microsoft-com:vml" xmlns:pvml="urn:schemas-microsoft-com:office:powerpoint" xmlns:com="http://schemas.openxmlformats.org/drawingml/2006/compatibility" xmlns:p14="http://schemas.microsoft.com/office/powerpoint/2010/main" xmlns:p15="http://schemas.microsoft.com/office/powerpoint/2012/main" matchingName="Section title and description">
+<p:sldLayout xmlns:a="http://schemas.openxmlformats.org/drawingml/2006/main" xmlns:r="http://schemas.openxmlformats.org/officeDocument/2006/relationships" xmlns:p="http://schemas.openxmlformats.org/presentationml/2006/main" matchingName="Section title and description">
   <p:cSld name="SECTION_TITLE_AND_DESCRIPTION">
     <p:spTree>
       <p:nvGrpSpPr>
-        <p:cNvPr id="35" name="Shape 35"/>
+        <p:cNvPr id="1" name="Shape 35"/>
         <p:cNvGrpSpPr/>
         <p:nvPr/>
       </p:nvGrpSpPr>
@@ -7737,12 +7910,12 @@
           </a:ln>
         </p:spPr>
         <p:txBody>
-          <a:bodyPr anchorCtr="0" anchor="ctr" bIns="91425" lIns="91425" spcFirstLastPara="1" rIns="91425" wrap="square" tIns="91425">
+          <a:bodyPr spcFirstLastPara="1" wrap="square" lIns="91425" tIns="91425" rIns="91425" bIns="91425" anchor="ctr" anchorCtr="0">
             <a:noAutofit/>
           </a:bodyPr>
           <a:lstStyle/>
           <a:p>
-            <a:pPr indent="0" lvl="0" marL="0" marR="0" rtl="0" algn="l">
+            <a:pPr marL="0" marR="0" lvl="0" indent="0" algn="l" rtl="0">
               <a:lnSpc>
                 <a:spcPct val="100000"/>
               </a:lnSpc>
@@ -7759,10 +7932,7 @@
               <a:buFont typeface="Arial"/>
               <a:buNone/>
             </a:pPr>
-            <a:r>
-              <a:t/>
-            </a:r>
-            <a:endParaRPr b="0" i="0" sz="1400" u="none" cap="none" strike="noStrike">
+            <a:endParaRPr sz="1400" b="0" i="0" u="none" strike="noStrike" cap="none">
               <a:solidFill>
                 <a:srgbClr val="000000"/>
               </a:solidFill>
@@ -7777,7 +7947,9 @@
       <p:sp>
         <p:nvSpPr>
           <p:cNvPr id="37" name="Google Shape;37;p20"/>
-          <p:cNvSpPr txBox="1"/>
+          <p:cNvSpPr txBox="1">
+            <a:spLocks noGrp="1"/>
+          </p:cNvSpPr>
           <p:nvPr>
             <p:ph type="title"/>
           </p:nvPr>
@@ -7796,7 +7968,7 @@
           </a:ln>
         </p:spPr>
         <p:txBody>
-          <a:bodyPr anchorCtr="0" anchor="b" bIns="91425" lIns="91425" spcFirstLastPara="1" rIns="91425" wrap="square" tIns="91425">
+          <a:bodyPr spcFirstLastPara="1" wrap="square" lIns="91425" tIns="91425" rIns="91425" bIns="91425" anchor="b" anchorCtr="0">
             <a:noAutofit/>
           </a:bodyPr>
           <a:lstStyle>
@@ -7927,15 +8099,19 @@
               <a:defRPr sz="4200"/>
             </a:lvl9pPr>
           </a:lstStyle>
-          <a:p/>
+          <a:p>
+            <a:endParaRPr/>
+          </a:p>
         </p:txBody>
       </p:sp>
       <p:sp>
         <p:nvSpPr>
           <p:cNvPr id="38" name="Google Shape;38;p20"/>
-          <p:cNvSpPr txBox="1"/>
+          <p:cNvSpPr txBox="1">
+            <a:spLocks noGrp="1"/>
+          </p:cNvSpPr>
           <p:nvPr>
-            <p:ph idx="1" type="subTitle"/>
+            <p:ph type="subTitle" idx="1"/>
           </p:nvPr>
         </p:nvSpPr>
         <p:spPr>
@@ -7952,7 +8128,7 @@
           </a:ln>
         </p:spPr>
         <p:txBody>
-          <a:bodyPr anchorCtr="0" anchor="t" bIns="91425" lIns="91425" spcFirstLastPara="1" rIns="91425" wrap="square" tIns="91425">
+          <a:bodyPr spcFirstLastPara="1" wrap="square" lIns="91425" tIns="91425" rIns="91425" bIns="91425" anchor="t" anchorCtr="0">
             <a:noAutofit/>
           </a:bodyPr>
           <a:lstStyle>
@@ -8083,15 +8259,19 @@
               <a:defRPr sz="2100"/>
             </a:lvl9pPr>
           </a:lstStyle>
-          <a:p/>
+          <a:p>
+            <a:endParaRPr/>
+          </a:p>
         </p:txBody>
       </p:sp>
       <p:sp>
         <p:nvSpPr>
           <p:cNvPr id="39" name="Google Shape;39;p20"/>
-          <p:cNvSpPr txBox="1"/>
+          <p:cNvSpPr txBox="1">
+            <a:spLocks noGrp="1"/>
+          </p:cNvSpPr>
           <p:nvPr>
-            <p:ph idx="2" type="body"/>
+            <p:ph type="body" idx="2"/>
           </p:nvPr>
         </p:nvSpPr>
         <p:spPr>
@@ -8108,11 +8288,11 @@
           </a:ln>
         </p:spPr>
         <p:txBody>
-          <a:bodyPr anchorCtr="0" anchor="ctr" bIns="91425" lIns="91425" spcFirstLastPara="1" rIns="91425" wrap="square" tIns="91425">
+          <a:bodyPr spcFirstLastPara="1" wrap="square" lIns="91425" tIns="91425" rIns="91425" bIns="91425" anchor="ctr" anchorCtr="0">
             <a:noAutofit/>
           </a:bodyPr>
           <a:lstStyle>
-            <a:lvl1pPr indent="-342900" lvl="0" marL="457200" algn="l">
+            <a:lvl1pPr marL="457200" lvl="0" indent="-342900" algn="l">
               <a:lnSpc>
                 <a:spcPct val="115000"/>
               </a:lnSpc>
@@ -8126,7 +8306,7 @@
               <a:buChar char="●"/>
               <a:defRPr/>
             </a:lvl1pPr>
-            <a:lvl2pPr indent="-317500" lvl="1" marL="914400" algn="l">
+            <a:lvl2pPr marL="914400" lvl="1" indent="-317500" algn="l">
               <a:lnSpc>
                 <a:spcPct val="115000"/>
               </a:lnSpc>
@@ -8140,7 +8320,7 @@
               <a:buChar char="○"/>
               <a:defRPr/>
             </a:lvl2pPr>
-            <a:lvl3pPr indent="-317500" lvl="2" marL="1371600" algn="l">
+            <a:lvl3pPr marL="1371600" lvl="2" indent="-317500" algn="l">
               <a:lnSpc>
                 <a:spcPct val="115000"/>
               </a:lnSpc>
@@ -8154,7 +8334,7 @@
               <a:buChar char="■"/>
               <a:defRPr/>
             </a:lvl3pPr>
-            <a:lvl4pPr indent="-317500" lvl="3" marL="1828800" algn="l">
+            <a:lvl4pPr marL="1828800" lvl="3" indent="-317500" algn="l">
               <a:lnSpc>
                 <a:spcPct val="115000"/>
               </a:lnSpc>
@@ -8168,7 +8348,7 @@
               <a:buChar char="●"/>
               <a:defRPr/>
             </a:lvl4pPr>
-            <a:lvl5pPr indent="-317500" lvl="4" marL="2286000" algn="l">
+            <a:lvl5pPr marL="2286000" lvl="4" indent="-317500" algn="l">
               <a:lnSpc>
                 <a:spcPct val="115000"/>
               </a:lnSpc>
@@ -8182,7 +8362,7 @@
               <a:buChar char="○"/>
               <a:defRPr/>
             </a:lvl5pPr>
-            <a:lvl6pPr indent="-317500" lvl="5" marL="2743200" algn="l">
+            <a:lvl6pPr marL="2743200" lvl="5" indent="-317500" algn="l">
               <a:lnSpc>
                 <a:spcPct val="115000"/>
               </a:lnSpc>
@@ -8196,7 +8376,7 @@
               <a:buChar char="■"/>
               <a:defRPr/>
             </a:lvl6pPr>
-            <a:lvl7pPr indent="-317500" lvl="6" marL="3200400" algn="l">
+            <a:lvl7pPr marL="3200400" lvl="6" indent="-317500" algn="l">
               <a:lnSpc>
                 <a:spcPct val="115000"/>
               </a:lnSpc>
@@ -8210,7 +8390,7 @@
               <a:buChar char="●"/>
               <a:defRPr/>
             </a:lvl7pPr>
-            <a:lvl8pPr indent="-317500" lvl="7" marL="3657600" algn="l">
+            <a:lvl8pPr marL="3657600" lvl="7" indent="-317500" algn="l">
               <a:lnSpc>
                 <a:spcPct val="115000"/>
               </a:lnSpc>
@@ -8224,7 +8404,7 @@
               <a:buChar char="○"/>
               <a:defRPr/>
             </a:lvl8pPr>
-            <a:lvl9pPr indent="-317500" lvl="8" marL="4114800" algn="l">
+            <a:lvl9pPr marL="4114800" lvl="8" indent="-317500" algn="l">
               <a:lnSpc>
                 <a:spcPct val="115000"/>
               </a:lnSpc>
@@ -8239,15 +8419,19 @@
               <a:defRPr/>
             </a:lvl9pPr>
           </a:lstStyle>
-          <a:p/>
+          <a:p>
+            <a:endParaRPr/>
+          </a:p>
         </p:txBody>
       </p:sp>
       <p:sp>
         <p:nvSpPr>
           <p:cNvPr id="40" name="Google Shape;40;p20"/>
-          <p:cNvSpPr txBox="1"/>
+          <p:cNvSpPr txBox="1">
+            <a:spLocks noGrp="1"/>
+          </p:cNvSpPr>
           <p:nvPr>
-            <p:ph idx="12" type="sldNum"/>
+            <p:ph type="sldNum" idx="12"/>
           </p:nvPr>
         </p:nvSpPr>
         <p:spPr>
@@ -8264,11 +8448,11 @@
           </a:ln>
         </p:spPr>
         <p:txBody>
-          <a:bodyPr anchorCtr="0" anchor="ctr" bIns="91425" lIns="91425" spcFirstLastPara="1" rIns="91425" wrap="square" tIns="91425">
+          <a:bodyPr spcFirstLastPara="1" wrap="square" lIns="91425" tIns="91425" rIns="91425" bIns="91425" anchor="ctr" anchorCtr="0">
             <a:noAutofit/>
           </a:bodyPr>
           <a:lstStyle>
-            <a:lvl1pPr indent="0" lvl="0" marL="0" marR="0" algn="r">
+            <a:lvl1pPr marL="0" marR="0" lvl="0" indent="0" algn="r">
               <a:lnSpc>
                 <a:spcPct val="100000"/>
               </a:lnSpc>
@@ -8284,7 +8468,7 @@
               <a:buSzPts val="1000"/>
               <a:buFont typeface="Arial"/>
               <a:buNone/>
-              <a:defRPr b="0" i="0" sz="1000" u="none" cap="none" strike="noStrike">
+              <a:defRPr sz="1000" b="0" i="0" u="none" strike="noStrike" cap="none">
                 <a:solidFill>
                   <a:schemeClr val="dk2"/>
                 </a:solidFill>
@@ -8294,7 +8478,7 @@
                 <a:sym typeface="Arial"/>
               </a:defRPr>
             </a:lvl1pPr>
-            <a:lvl2pPr indent="0" lvl="1" marL="0" marR="0" algn="r">
+            <a:lvl2pPr marL="0" marR="0" lvl="1" indent="0" algn="r">
               <a:lnSpc>
                 <a:spcPct val="100000"/>
               </a:lnSpc>
@@ -8310,7 +8494,7 @@
               <a:buSzPts val="1000"/>
               <a:buFont typeface="Arial"/>
               <a:buNone/>
-              <a:defRPr b="0" i="0" sz="1000" u="none" cap="none" strike="noStrike">
+              <a:defRPr sz="1000" b="0" i="0" u="none" strike="noStrike" cap="none">
                 <a:solidFill>
                   <a:schemeClr val="dk2"/>
                 </a:solidFill>
@@ -8320,7 +8504,7 @@
                 <a:sym typeface="Arial"/>
               </a:defRPr>
             </a:lvl2pPr>
-            <a:lvl3pPr indent="0" lvl="2" marL="0" marR="0" algn="r">
+            <a:lvl3pPr marL="0" marR="0" lvl="2" indent="0" algn="r">
               <a:lnSpc>
                 <a:spcPct val="100000"/>
               </a:lnSpc>
@@ -8336,7 +8520,7 @@
               <a:buSzPts val="1000"/>
               <a:buFont typeface="Arial"/>
               <a:buNone/>
-              <a:defRPr b="0" i="0" sz="1000" u="none" cap="none" strike="noStrike">
+              <a:defRPr sz="1000" b="0" i="0" u="none" strike="noStrike" cap="none">
                 <a:solidFill>
                   <a:schemeClr val="dk2"/>
                 </a:solidFill>
@@ -8346,7 +8530,7 @@
                 <a:sym typeface="Arial"/>
               </a:defRPr>
             </a:lvl3pPr>
-            <a:lvl4pPr indent="0" lvl="3" marL="0" marR="0" algn="r">
+            <a:lvl4pPr marL="0" marR="0" lvl="3" indent="0" algn="r">
               <a:lnSpc>
                 <a:spcPct val="100000"/>
               </a:lnSpc>
@@ -8362,7 +8546,7 @@
               <a:buSzPts val="1000"/>
               <a:buFont typeface="Arial"/>
               <a:buNone/>
-              <a:defRPr b="0" i="0" sz="1000" u="none" cap="none" strike="noStrike">
+              <a:defRPr sz="1000" b="0" i="0" u="none" strike="noStrike" cap="none">
                 <a:solidFill>
                   <a:schemeClr val="dk2"/>
                 </a:solidFill>
@@ -8372,7 +8556,7 @@
                 <a:sym typeface="Arial"/>
               </a:defRPr>
             </a:lvl4pPr>
-            <a:lvl5pPr indent="0" lvl="4" marL="0" marR="0" algn="r">
+            <a:lvl5pPr marL="0" marR="0" lvl="4" indent="0" algn="r">
               <a:lnSpc>
                 <a:spcPct val="100000"/>
               </a:lnSpc>
@@ -8388,7 +8572,7 @@
               <a:buSzPts val="1000"/>
               <a:buFont typeface="Arial"/>
               <a:buNone/>
-              <a:defRPr b="0" i="0" sz="1000" u="none" cap="none" strike="noStrike">
+              <a:defRPr sz="1000" b="0" i="0" u="none" strike="noStrike" cap="none">
                 <a:solidFill>
                   <a:schemeClr val="dk2"/>
                 </a:solidFill>
@@ -8398,7 +8582,7 @@
                 <a:sym typeface="Arial"/>
               </a:defRPr>
             </a:lvl5pPr>
-            <a:lvl6pPr indent="0" lvl="5" marL="0" marR="0" algn="r">
+            <a:lvl6pPr marL="0" marR="0" lvl="5" indent="0" algn="r">
               <a:lnSpc>
                 <a:spcPct val="100000"/>
               </a:lnSpc>
@@ -8414,7 +8598,7 @@
               <a:buSzPts val="1000"/>
               <a:buFont typeface="Arial"/>
               <a:buNone/>
-              <a:defRPr b="0" i="0" sz="1000" u="none" cap="none" strike="noStrike">
+              <a:defRPr sz="1000" b="0" i="0" u="none" strike="noStrike" cap="none">
                 <a:solidFill>
                   <a:schemeClr val="dk2"/>
                 </a:solidFill>
@@ -8424,7 +8608,7 @@
                 <a:sym typeface="Arial"/>
               </a:defRPr>
             </a:lvl6pPr>
-            <a:lvl7pPr indent="0" lvl="6" marL="0" marR="0" algn="r">
+            <a:lvl7pPr marL="0" marR="0" lvl="6" indent="0" algn="r">
               <a:lnSpc>
                 <a:spcPct val="100000"/>
               </a:lnSpc>
@@ -8440,7 +8624,7 @@
               <a:buSzPts val="1000"/>
               <a:buFont typeface="Arial"/>
               <a:buNone/>
-              <a:defRPr b="0" i="0" sz="1000" u="none" cap="none" strike="noStrike">
+              <a:defRPr sz="1000" b="0" i="0" u="none" strike="noStrike" cap="none">
                 <a:solidFill>
                   <a:schemeClr val="dk2"/>
                 </a:solidFill>
@@ -8450,7 +8634,7 @@
                 <a:sym typeface="Arial"/>
               </a:defRPr>
             </a:lvl7pPr>
-            <a:lvl8pPr indent="0" lvl="7" marL="0" marR="0" algn="r">
+            <a:lvl8pPr marL="0" marR="0" lvl="7" indent="0" algn="r">
               <a:lnSpc>
                 <a:spcPct val="100000"/>
               </a:lnSpc>
@@ -8466,7 +8650,7 @@
               <a:buSzPts val="1000"/>
               <a:buFont typeface="Arial"/>
               <a:buNone/>
-              <a:defRPr b="0" i="0" sz="1000" u="none" cap="none" strike="noStrike">
+              <a:defRPr sz="1000" b="0" i="0" u="none" strike="noStrike" cap="none">
                 <a:solidFill>
                   <a:schemeClr val="dk2"/>
                 </a:solidFill>
@@ -8476,7 +8660,7 @@
                 <a:sym typeface="Arial"/>
               </a:defRPr>
             </a:lvl8pPr>
-            <a:lvl9pPr indent="0" lvl="8" marL="0" marR="0" algn="r">
+            <a:lvl9pPr marL="0" marR="0" lvl="8" indent="0" algn="r">
               <a:lnSpc>
                 <a:spcPct val="100000"/>
               </a:lnSpc>
@@ -8492,7 +8676,7 @@
               <a:buSzPts val="1000"/>
               <a:buFont typeface="Arial"/>
               <a:buNone/>
-              <a:defRPr b="0" i="0" sz="1000" u="none" cap="none" strike="noStrike">
+              <a:defRPr sz="1000" b="0" i="0" u="none" strike="noStrike" cap="none">
                 <a:solidFill>
                   <a:schemeClr val="dk2"/>
                 </a:solidFill>
@@ -8504,7 +8688,7 @@
             </a:lvl9pPr>
           </a:lstStyle>
           <a:p>
-            <a:pPr indent="0" lvl="0" marL="0" rtl="0" algn="r">
+            <a:pPr marL="0" lvl="0" indent="0" algn="r" rtl="0">
               <a:spcBef>
                 <a:spcPts val="0"/>
               </a:spcBef>
@@ -8530,11 +8714,11 @@
 </file>
 
 <file path=ppt/slideLayouts/slideLayout9.xml><?xml version="1.0" encoding="utf-8"?>
-<p:sldLayout xmlns:a="http://schemas.openxmlformats.org/drawingml/2006/main" xmlns:r="http://schemas.openxmlformats.org/officeDocument/2006/relationships" xmlns:mc="http://schemas.openxmlformats.org/markup-compatibility/2006" xmlns:mv="urn:schemas-microsoft-com:mac:vml" xmlns:p="http://schemas.openxmlformats.org/presentationml/2006/main" xmlns:c="http://schemas.openxmlformats.org/drawingml/2006/chart" xmlns:dgm="http://schemas.openxmlformats.org/drawingml/2006/diagram" xmlns:o="urn:schemas-microsoft-com:office:office" xmlns:v="urn:schemas-microsoft-com:vml" xmlns:pvml="urn:schemas-microsoft-com:office:powerpoint" xmlns:com="http://schemas.openxmlformats.org/drawingml/2006/compatibility" xmlns:p14="http://schemas.microsoft.com/office/powerpoint/2010/main" xmlns:p15="http://schemas.microsoft.com/office/powerpoint/2012/main" matchingName="Caption">
+<p:sldLayout xmlns:a="http://schemas.openxmlformats.org/drawingml/2006/main" xmlns:r="http://schemas.openxmlformats.org/officeDocument/2006/relationships" xmlns:p="http://schemas.openxmlformats.org/presentationml/2006/main" matchingName="Caption">
   <p:cSld name="CAPTION_ONLY">
     <p:spTree>
       <p:nvGrpSpPr>
-        <p:cNvPr id="41" name="Shape 41"/>
+        <p:cNvPr id="1" name="Shape 41"/>
         <p:cNvGrpSpPr/>
         <p:nvPr/>
       </p:nvGrpSpPr>
@@ -8549,9 +8733,11 @@
       <p:sp>
         <p:nvSpPr>
           <p:cNvPr id="42" name="Google Shape;42;p21"/>
-          <p:cNvSpPr txBox="1"/>
+          <p:cNvSpPr txBox="1">
+            <a:spLocks noGrp="1"/>
+          </p:cNvSpPr>
           <p:nvPr>
-            <p:ph idx="1" type="body"/>
+            <p:ph type="body" idx="1"/>
           </p:nvPr>
         </p:nvSpPr>
         <p:spPr>
@@ -8568,11 +8754,11 @@
           </a:ln>
         </p:spPr>
         <p:txBody>
-          <a:bodyPr anchorCtr="0" anchor="ctr" bIns="91425" lIns="91425" spcFirstLastPara="1" rIns="91425" wrap="square" tIns="91425">
+          <a:bodyPr spcFirstLastPara="1" wrap="square" lIns="91425" tIns="91425" rIns="91425" bIns="91425" anchor="ctr" anchorCtr="0">
             <a:noAutofit/>
           </a:bodyPr>
           <a:lstStyle>
-            <a:lvl1pPr indent="-228600" lvl="0" marL="457200" algn="l">
+            <a:lvl1pPr marL="457200" lvl="0" indent="-228600" algn="l">
               <a:lnSpc>
                 <a:spcPct val="100000"/>
               </a:lnSpc>
@@ -8587,15 +8773,19 @@
               <a:defRPr/>
             </a:lvl1pPr>
           </a:lstStyle>
-          <a:p/>
+          <a:p>
+            <a:endParaRPr/>
+          </a:p>
         </p:txBody>
       </p:sp>
       <p:sp>
         <p:nvSpPr>
           <p:cNvPr id="43" name="Google Shape;43;p21"/>
-          <p:cNvSpPr txBox="1"/>
+          <p:cNvSpPr txBox="1">
+            <a:spLocks noGrp="1"/>
+          </p:cNvSpPr>
           <p:nvPr>
-            <p:ph idx="12" type="sldNum"/>
+            <p:ph type="sldNum" idx="12"/>
           </p:nvPr>
         </p:nvSpPr>
         <p:spPr>
@@ -8612,11 +8802,11 @@
           </a:ln>
         </p:spPr>
         <p:txBody>
-          <a:bodyPr anchorCtr="0" anchor="ctr" bIns="91425" lIns="91425" spcFirstLastPara="1" rIns="91425" wrap="square" tIns="91425">
+          <a:bodyPr spcFirstLastPara="1" wrap="square" lIns="91425" tIns="91425" rIns="91425" bIns="91425" anchor="ctr" anchorCtr="0">
             <a:noAutofit/>
           </a:bodyPr>
           <a:lstStyle>
-            <a:lvl1pPr indent="0" lvl="0" marL="0" marR="0" algn="r">
+            <a:lvl1pPr marL="0" marR="0" lvl="0" indent="0" algn="r">
               <a:lnSpc>
                 <a:spcPct val="100000"/>
               </a:lnSpc>
@@ -8632,7 +8822,7 @@
               <a:buSzPts val="1000"/>
               <a:buFont typeface="Arial"/>
               <a:buNone/>
-              <a:defRPr b="0" i="0" sz="1000" u="none" cap="none" strike="noStrike">
+              <a:defRPr sz="1000" b="0" i="0" u="none" strike="noStrike" cap="none">
                 <a:solidFill>
                   <a:schemeClr val="dk2"/>
                 </a:solidFill>
@@ -8642,7 +8832,7 @@
                 <a:sym typeface="Arial"/>
               </a:defRPr>
             </a:lvl1pPr>
-            <a:lvl2pPr indent="0" lvl="1" marL="0" marR="0" algn="r">
+            <a:lvl2pPr marL="0" marR="0" lvl="1" indent="0" algn="r">
               <a:lnSpc>
                 <a:spcPct val="100000"/>
               </a:lnSpc>
@@ -8658,7 +8848,7 @@
               <a:buSzPts val="1000"/>
               <a:buFont typeface="Arial"/>
               <a:buNone/>
-              <a:defRPr b="0" i="0" sz="1000" u="none" cap="none" strike="noStrike">
+              <a:defRPr sz="1000" b="0" i="0" u="none" strike="noStrike" cap="none">
                 <a:solidFill>
                   <a:schemeClr val="dk2"/>
                 </a:solidFill>
@@ -8668,7 +8858,7 @@
                 <a:sym typeface="Arial"/>
               </a:defRPr>
             </a:lvl2pPr>
-            <a:lvl3pPr indent="0" lvl="2" marL="0" marR="0" algn="r">
+            <a:lvl3pPr marL="0" marR="0" lvl="2" indent="0" algn="r">
               <a:lnSpc>
                 <a:spcPct val="100000"/>
               </a:lnSpc>
@@ -8684,7 +8874,7 @@
               <a:buSzPts val="1000"/>
               <a:buFont typeface="Arial"/>
               <a:buNone/>
-              <a:defRPr b="0" i="0" sz="1000" u="none" cap="none" strike="noStrike">
+              <a:defRPr sz="1000" b="0" i="0" u="none" strike="noStrike" cap="none">
                 <a:solidFill>
                   <a:schemeClr val="dk2"/>
                 </a:solidFill>
@@ -8694,7 +8884,7 @@
                 <a:sym typeface="Arial"/>
               </a:defRPr>
             </a:lvl3pPr>
-            <a:lvl4pPr indent="0" lvl="3" marL="0" marR="0" algn="r">
+            <a:lvl4pPr marL="0" marR="0" lvl="3" indent="0" algn="r">
               <a:lnSpc>
                 <a:spcPct val="100000"/>
               </a:lnSpc>
@@ -8710,7 +8900,7 @@
               <a:buSzPts val="1000"/>
               <a:buFont typeface="Arial"/>
               <a:buNone/>
-              <a:defRPr b="0" i="0" sz="1000" u="none" cap="none" strike="noStrike">
+              <a:defRPr sz="1000" b="0" i="0" u="none" strike="noStrike" cap="none">
                 <a:solidFill>
                   <a:schemeClr val="dk2"/>
                 </a:solidFill>
@@ -8720,7 +8910,7 @@
                 <a:sym typeface="Arial"/>
               </a:defRPr>
             </a:lvl4pPr>
-            <a:lvl5pPr indent="0" lvl="4" marL="0" marR="0" algn="r">
+            <a:lvl5pPr marL="0" marR="0" lvl="4" indent="0" algn="r">
               <a:lnSpc>
                 <a:spcPct val="100000"/>
               </a:lnSpc>
@@ -8736,7 +8926,7 @@
               <a:buSzPts val="1000"/>
               <a:buFont typeface="Arial"/>
               <a:buNone/>
-              <a:defRPr b="0" i="0" sz="1000" u="none" cap="none" strike="noStrike">
+              <a:defRPr sz="1000" b="0" i="0" u="none" strike="noStrike" cap="none">
                 <a:solidFill>
                   <a:schemeClr val="dk2"/>
                 </a:solidFill>
@@ -8746,7 +8936,7 @@
                 <a:sym typeface="Arial"/>
               </a:defRPr>
             </a:lvl5pPr>
-            <a:lvl6pPr indent="0" lvl="5" marL="0" marR="0" algn="r">
+            <a:lvl6pPr marL="0" marR="0" lvl="5" indent="0" algn="r">
               <a:lnSpc>
                 <a:spcPct val="100000"/>
               </a:lnSpc>
@@ -8762,7 +8952,7 @@
               <a:buSzPts val="1000"/>
               <a:buFont typeface="Arial"/>
               <a:buNone/>
-              <a:defRPr b="0" i="0" sz="1000" u="none" cap="none" strike="noStrike">
+              <a:defRPr sz="1000" b="0" i="0" u="none" strike="noStrike" cap="none">
                 <a:solidFill>
                   <a:schemeClr val="dk2"/>
                 </a:solidFill>
@@ -8772,7 +8962,7 @@
                 <a:sym typeface="Arial"/>
               </a:defRPr>
             </a:lvl6pPr>
-            <a:lvl7pPr indent="0" lvl="6" marL="0" marR="0" algn="r">
+            <a:lvl7pPr marL="0" marR="0" lvl="6" indent="0" algn="r">
               <a:lnSpc>
                 <a:spcPct val="100000"/>
               </a:lnSpc>
@@ -8788,7 +8978,7 @@
               <a:buSzPts val="1000"/>
               <a:buFont typeface="Arial"/>
               <a:buNone/>
-              <a:defRPr b="0" i="0" sz="1000" u="none" cap="none" strike="noStrike">
+              <a:defRPr sz="1000" b="0" i="0" u="none" strike="noStrike" cap="none">
                 <a:solidFill>
                   <a:schemeClr val="dk2"/>
                 </a:solidFill>
@@ -8798,7 +8988,7 @@
                 <a:sym typeface="Arial"/>
               </a:defRPr>
             </a:lvl7pPr>
-            <a:lvl8pPr indent="0" lvl="7" marL="0" marR="0" algn="r">
+            <a:lvl8pPr marL="0" marR="0" lvl="7" indent="0" algn="r">
               <a:lnSpc>
                 <a:spcPct val="100000"/>
               </a:lnSpc>
@@ -8814,7 +9004,7 @@
               <a:buSzPts val="1000"/>
               <a:buFont typeface="Arial"/>
               <a:buNone/>
-              <a:defRPr b="0" i="0" sz="1000" u="none" cap="none" strike="noStrike">
+              <a:defRPr sz="1000" b="0" i="0" u="none" strike="noStrike" cap="none">
                 <a:solidFill>
                   <a:schemeClr val="dk2"/>
                 </a:solidFill>
@@ -8824,7 +9014,7 @@
                 <a:sym typeface="Arial"/>
               </a:defRPr>
             </a:lvl8pPr>
-            <a:lvl9pPr indent="0" lvl="8" marL="0" marR="0" algn="r">
+            <a:lvl9pPr marL="0" marR="0" lvl="8" indent="0" algn="r">
               <a:lnSpc>
                 <a:spcPct val="100000"/>
               </a:lnSpc>
@@ -8840,7 +9030,7 @@
               <a:buSzPts val="1000"/>
               <a:buFont typeface="Arial"/>
               <a:buNone/>
-              <a:defRPr b="0" i="0" sz="1000" u="none" cap="none" strike="noStrike">
+              <a:defRPr sz="1000" b="0" i="0" u="none" strike="noStrike" cap="none">
                 <a:solidFill>
                   <a:schemeClr val="dk2"/>
                 </a:solidFill>
@@ -8852,7 +9042,7 @@
             </a:lvl9pPr>
           </a:lstStyle>
           <a:p>
-            <a:pPr indent="0" lvl="0" marL="0" rtl="0" algn="r">
+            <a:pPr marL="0" lvl="0" indent="0" algn="r" rtl="0">
               <a:spcBef>
                 <a:spcPts val="0"/>
               </a:spcBef>
@@ -8878,18 +9068,19 @@
 </file>
 
 <file path=ppt/slideMasters/slideMaster1.xml><?xml version="1.0" encoding="utf-8"?>
-<p:sldMaster xmlns:a="http://schemas.openxmlformats.org/drawingml/2006/main" xmlns:r="http://schemas.openxmlformats.org/officeDocument/2006/relationships" xmlns:mc="http://schemas.openxmlformats.org/markup-compatibility/2006" xmlns:mv="urn:schemas-microsoft-com:mac:vml" xmlns:p="http://schemas.openxmlformats.org/presentationml/2006/main" xmlns:c="http://schemas.openxmlformats.org/drawingml/2006/chart" xmlns:dgm="http://schemas.openxmlformats.org/drawingml/2006/diagram" xmlns:o="urn:schemas-microsoft-com:office:office" xmlns:v="urn:schemas-microsoft-com:vml" xmlns:pvml="urn:schemas-microsoft-com:office:powerpoint" xmlns:com="http://schemas.openxmlformats.org/drawingml/2006/compatibility" xmlns:p14="http://schemas.microsoft.com/office/powerpoint/2010/main" xmlns:p15="http://schemas.microsoft.com/office/powerpoint/2012/main">
+<p:sldMaster xmlns:a="http://schemas.openxmlformats.org/drawingml/2006/main" xmlns:r="http://schemas.openxmlformats.org/officeDocument/2006/relationships" xmlns:p="http://schemas.openxmlformats.org/presentationml/2006/main">
   <p:cSld name="simple-light-2">
     <p:bg>
       <p:bgPr>
         <a:solidFill>
           <a:schemeClr val="lt1"/>
         </a:solidFill>
+        <a:effectLst/>
       </p:bgPr>
     </p:bg>
     <p:spTree>
       <p:nvGrpSpPr>
-        <p:cNvPr id="5" name="Shape 5"/>
+        <p:cNvPr id="1" name="Shape 5"/>
         <p:cNvGrpSpPr/>
         <p:nvPr/>
       </p:nvGrpSpPr>
@@ -8904,7 +9095,9 @@
       <p:sp>
         <p:nvSpPr>
           <p:cNvPr id="6" name="Google Shape;6;p12"/>
-          <p:cNvSpPr txBox="1"/>
+          <p:cNvSpPr txBox="1">
+            <a:spLocks noGrp="1"/>
+          </p:cNvSpPr>
           <p:nvPr>
             <p:ph type="title"/>
           </p:nvPr>
@@ -8923,11 +9116,11 @@
           </a:ln>
         </p:spPr>
         <p:txBody>
-          <a:bodyPr anchorCtr="0" anchor="t" bIns="91425" lIns="91425" spcFirstLastPara="1" rIns="91425" wrap="square" tIns="91425">
+          <a:bodyPr spcFirstLastPara="1" wrap="square" lIns="91425" tIns="91425" rIns="91425" bIns="91425" anchor="t" anchorCtr="0">
             <a:noAutofit/>
           </a:bodyPr>
           <a:lstStyle>
-            <a:lvl1pPr lvl="0" marR="0" rtl="0" algn="l">
+            <a:lvl1pPr marR="0" lvl="0" algn="l" rtl="0">
               <a:lnSpc>
                 <a:spcPct val="100000"/>
               </a:lnSpc>
@@ -8943,7 +9136,7 @@
               <a:buSzPts val="2800"/>
               <a:buFont typeface="Arial"/>
               <a:buNone/>
-              <a:defRPr b="0" i="0" sz="2800" u="none" cap="none" strike="noStrike">
+              <a:defRPr sz="2800" b="0" i="0" u="none" strike="noStrike" cap="none">
                 <a:solidFill>
                   <a:schemeClr val="dk1"/>
                 </a:solidFill>
@@ -8953,7 +9146,7 @@
                 <a:sym typeface="Arial"/>
               </a:defRPr>
             </a:lvl1pPr>
-            <a:lvl2pPr lvl="1" marR="0" rtl="0" algn="l">
+            <a:lvl2pPr marR="0" lvl="1" algn="l" rtl="0">
               <a:lnSpc>
                 <a:spcPct val="100000"/>
               </a:lnSpc>
@@ -8969,7 +9162,7 @@
               <a:buSzPts val="2800"/>
               <a:buFont typeface="Arial"/>
               <a:buNone/>
-              <a:defRPr b="0" i="0" sz="2800" u="none" cap="none" strike="noStrike">
+              <a:defRPr sz="2800" b="0" i="0" u="none" strike="noStrike" cap="none">
                 <a:solidFill>
                   <a:schemeClr val="dk1"/>
                 </a:solidFill>
@@ -8979,7 +9172,7 @@
                 <a:sym typeface="Arial"/>
               </a:defRPr>
             </a:lvl2pPr>
-            <a:lvl3pPr lvl="2" marR="0" rtl="0" algn="l">
+            <a:lvl3pPr marR="0" lvl="2" algn="l" rtl="0">
               <a:lnSpc>
                 <a:spcPct val="100000"/>
               </a:lnSpc>
@@ -8995,7 +9188,7 @@
               <a:buSzPts val="2800"/>
               <a:buFont typeface="Arial"/>
               <a:buNone/>
-              <a:defRPr b="0" i="0" sz="2800" u="none" cap="none" strike="noStrike">
+              <a:defRPr sz="2800" b="0" i="0" u="none" strike="noStrike" cap="none">
                 <a:solidFill>
                   <a:schemeClr val="dk1"/>
                 </a:solidFill>
@@ -9005,7 +9198,7 @@
                 <a:sym typeface="Arial"/>
               </a:defRPr>
             </a:lvl3pPr>
-            <a:lvl4pPr lvl="3" marR="0" rtl="0" algn="l">
+            <a:lvl4pPr marR="0" lvl="3" algn="l" rtl="0">
               <a:lnSpc>
                 <a:spcPct val="100000"/>
               </a:lnSpc>
@@ -9021,7 +9214,7 @@
               <a:buSzPts val="2800"/>
               <a:buFont typeface="Arial"/>
               <a:buNone/>
-              <a:defRPr b="0" i="0" sz="2800" u="none" cap="none" strike="noStrike">
+              <a:defRPr sz="2800" b="0" i="0" u="none" strike="noStrike" cap="none">
                 <a:solidFill>
                   <a:schemeClr val="dk1"/>
                 </a:solidFill>
@@ -9031,7 +9224,7 @@
                 <a:sym typeface="Arial"/>
               </a:defRPr>
             </a:lvl4pPr>
-            <a:lvl5pPr lvl="4" marR="0" rtl="0" algn="l">
+            <a:lvl5pPr marR="0" lvl="4" algn="l" rtl="0">
               <a:lnSpc>
                 <a:spcPct val="100000"/>
               </a:lnSpc>
@@ -9047,7 +9240,7 @@
               <a:buSzPts val="2800"/>
               <a:buFont typeface="Arial"/>
               <a:buNone/>
-              <a:defRPr b="0" i="0" sz="2800" u="none" cap="none" strike="noStrike">
+              <a:defRPr sz="2800" b="0" i="0" u="none" strike="noStrike" cap="none">
                 <a:solidFill>
                   <a:schemeClr val="dk1"/>
                 </a:solidFill>
@@ -9057,7 +9250,7 @@
                 <a:sym typeface="Arial"/>
               </a:defRPr>
             </a:lvl5pPr>
-            <a:lvl6pPr lvl="5" marR="0" rtl="0" algn="l">
+            <a:lvl6pPr marR="0" lvl="5" algn="l" rtl="0">
               <a:lnSpc>
                 <a:spcPct val="100000"/>
               </a:lnSpc>
@@ -9073,7 +9266,7 @@
               <a:buSzPts val="2800"/>
               <a:buFont typeface="Arial"/>
               <a:buNone/>
-              <a:defRPr b="0" i="0" sz="2800" u="none" cap="none" strike="noStrike">
+              <a:defRPr sz="2800" b="0" i="0" u="none" strike="noStrike" cap="none">
                 <a:solidFill>
                   <a:schemeClr val="dk1"/>
                 </a:solidFill>
@@ -9083,7 +9276,7 @@
                 <a:sym typeface="Arial"/>
               </a:defRPr>
             </a:lvl6pPr>
-            <a:lvl7pPr lvl="6" marR="0" rtl="0" algn="l">
+            <a:lvl7pPr marR="0" lvl="6" algn="l" rtl="0">
               <a:lnSpc>
                 <a:spcPct val="100000"/>
               </a:lnSpc>
@@ -9099,7 +9292,7 @@
               <a:buSzPts val="2800"/>
               <a:buFont typeface="Arial"/>
               <a:buNone/>
-              <a:defRPr b="0" i="0" sz="2800" u="none" cap="none" strike="noStrike">
+              <a:defRPr sz="2800" b="0" i="0" u="none" strike="noStrike" cap="none">
                 <a:solidFill>
                   <a:schemeClr val="dk1"/>
                 </a:solidFill>
@@ -9109,7 +9302,7 @@
                 <a:sym typeface="Arial"/>
               </a:defRPr>
             </a:lvl7pPr>
-            <a:lvl8pPr lvl="7" marR="0" rtl="0" algn="l">
+            <a:lvl8pPr marR="0" lvl="7" algn="l" rtl="0">
               <a:lnSpc>
                 <a:spcPct val="100000"/>
               </a:lnSpc>
@@ -9125,7 +9318,7 @@
               <a:buSzPts val="2800"/>
               <a:buFont typeface="Arial"/>
               <a:buNone/>
-              <a:defRPr b="0" i="0" sz="2800" u="none" cap="none" strike="noStrike">
+              <a:defRPr sz="2800" b="0" i="0" u="none" strike="noStrike" cap="none">
                 <a:solidFill>
                   <a:schemeClr val="dk1"/>
                 </a:solidFill>
@@ -9135,7 +9328,7 @@
                 <a:sym typeface="Arial"/>
               </a:defRPr>
             </a:lvl8pPr>
-            <a:lvl9pPr lvl="8" marR="0" rtl="0" algn="l">
+            <a:lvl9pPr marR="0" lvl="8" algn="l" rtl="0">
               <a:lnSpc>
                 <a:spcPct val="100000"/>
               </a:lnSpc>
@@ -9151,7 +9344,7 @@
               <a:buSzPts val="2800"/>
               <a:buFont typeface="Arial"/>
               <a:buNone/>
-              <a:defRPr b="0" i="0" sz="2800" u="none" cap="none" strike="noStrike">
+              <a:defRPr sz="2800" b="0" i="0" u="none" strike="noStrike" cap="none">
                 <a:solidFill>
                   <a:schemeClr val="dk1"/>
                 </a:solidFill>
@@ -9162,15 +9355,19 @@
               </a:defRPr>
             </a:lvl9pPr>
           </a:lstStyle>
-          <a:p/>
+          <a:p>
+            <a:endParaRPr/>
+          </a:p>
         </p:txBody>
       </p:sp>
       <p:sp>
         <p:nvSpPr>
           <p:cNvPr id="7" name="Google Shape;7;p12"/>
-          <p:cNvSpPr txBox="1"/>
+          <p:cNvSpPr txBox="1">
+            <a:spLocks noGrp="1"/>
+          </p:cNvSpPr>
           <p:nvPr>
-            <p:ph idx="1" type="body"/>
+            <p:ph type="body" idx="1"/>
           </p:nvPr>
         </p:nvSpPr>
         <p:spPr>
@@ -9187,11 +9384,11 @@
           </a:ln>
         </p:spPr>
         <p:txBody>
-          <a:bodyPr anchorCtr="0" anchor="t" bIns="91425" lIns="91425" spcFirstLastPara="1" rIns="91425" wrap="square" tIns="91425">
+          <a:bodyPr spcFirstLastPara="1" wrap="square" lIns="91425" tIns="91425" rIns="91425" bIns="91425" anchor="t" anchorCtr="0">
             <a:noAutofit/>
           </a:bodyPr>
           <a:lstStyle>
-            <a:lvl1pPr indent="-342900" lvl="0" marL="457200" marR="0" rtl="0" algn="l">
+            <a:lvl1pPr marL="457200" marR="0" lvl="0" indent="-342900" algn="l" rtl="0">
               <a:lnSpc>
                 <a:spcPct val="115000"/>
               </a:lnSpc>
@@ -9207,7 +9404,7 @@
               <a:buSzPts val="1800"/>
               <a:buFont typeface="Arial"/>
               <a:buChar char="●"/>
-              <a:defRPr b="0" i="0" sz="1800" u="none" cap="none" strike="noStrike">
+              <a:defRPr sz="1800" b="0" i="0" u="none" strike="noStrike" cap="none">
                 <a:solidFill>
                   <a:schemeClr val="dk2"/>
                 </a:solidFill>
@@ -9217,7 +9414,7 @@
                 <a:sym typeface="Arial"/>
               </a:defRPr>
             </a:lvl1pPr>
-            <a:lvl2pPr indent="-317500" lvl="1" marL="914400" marR="0" rtl="0" algn="l">
+            <a:lvl2pPr marL="914400" marR="0" lvl="1" indent="-317500" algn="l" rtl="0">
               <a:lnSpc>
                 <a:spcPct val="115000"/>
               </a:lnSpc>
@@ -9233,7 +9430,7 @@
               <a:buSzPts val="1400"/>
               <a:buFont typeface="Arial"/>
               <a:buChar char="○"/>
-              <a:defRPr b="0" i="0" sz="1400" u="none" cap="none" strike="noStrike">
+              <a:defRPr sz="1400" b="0" i="0" u="none" strike="noStrike" cap="none">
                 <a:solidFill>
                   <a:schemeClr val="dk2"/>
                 </a:solidFill>
@@ -9243,7 +9440,7 @@
                 <a:sym typeface="Arial"/>
               </a:defRPr>
             </a:lvl2pPr>
-            <a:lvl3pPr indent="-317500" lvl="2" marL="1371600" marR="0" rtl="0" algn="l">
+            <a:lvl3pPr marL="1371600" marR="0" lvl="2" indent="-317500" algn="l" rtl="0">
               <a:lnSpc>
                 <a:spcPct val="115000"/>
               </a:lnSpc>
@@ -9259,7 +9456,7 @@
               <a:buSzPts val="1400"/>
               <a:buFont typeface="Arial"/>
               <a:buChar char="■"/>
-              <a:defRPr b="0" i="0" sz="1400" u="none" cap="none" strike="noStrike">
+              <a:defRPr sz="1400" b="0" i="0" u="none" strike="noStrike" cap="none">
                 <a:solidFill>
                   <a:schemeClr val="dk2"/>
                 </a:solidFill>
@@ -9269,7 +9466,7 @@
                 <a:sym typeface="Arial"/>
               </a:defRPr>
             </a:lvl3pPr>
-            <a:lvl4pPr indent="-317500" lvl="3" marL="1828800" marR="0" rtl="0" algn="l">
+            <a:lvl4pPr marL="1828800" marR="0" lvl="3" indent="-317500" algn="l" rtl="0">
               <a:lnSpc>
                 <a:spcPct val="115000"/>
               </a:lnSpc>
@@ -9285,7 +9482,7 @@
               <a:buSzPts val="1400"/>
               <a:buFont typeface="Arial"/>
               <a:buChar char="●"/>
-              <a:defRPr b="0" i="0" sz="1400" u="none" cap="none" strike="noStrike">
+              <a:defRPr sz="1400" b="0" i="0" u="none" strike="noStrike" cap="none">
                 <a:solidFill>
                   <a:schemeClr val="dk2"/>
                 </a:solidFill>
@@ -9295,7 +9492,7 @@
                 <a:sym typeface="Arial"/>
               </a:defRPr>
             </a:lvl4pPr>
-            <a:lvl5pPr indent="-317500" lvl="4" marL="2286000" marR="0" rtl="0" algn="l">
+            <a:lvl5pPr marL="2286000" marR="0" lvl="4" indent="-317500" algn="l" rtl="0">
               <a:lnSpc>
                 <a:spcPct val="115000"/>
               </a:lnSpc>
@@ -9311,7 +9508,7 @@
               <a:buSzPts val="1400"/>
               <a:buFont typeface="Arial"/>
               <a:buChar char="○"/>
-              <a:defRPr b="0" i="0" sz="1400" u="none" cap="none" strike="noStrike">
+              <a:defRPr sz="1400" b="0" i="0" u="none" strike="noStrike" cap="none">
                 <a:solidFill>
                   <a:schemeClr val="dk2"/>
                 </a:solidFill>
@@ -9321,7 +9518,7 @@
                 <a:sym typeface="Arial"/>
               </a:defRPr>
             </a:lvl5pPr>
-            <a:lvl6pPr indent="-317500" lvl="5" marL="2743200" marR="0" rtl="0" algn="l">
+            <a:lvl6pPr marL="2743200" marR="0" lvl="5" indent="-317500" algn="l" rtl="0">
               <a:lnSpc>
                 <a:spcPct val="115000"/>
               </a:lnSpc>
@@ -9337,7 +9534,7 @@
               <a:buSzPts val="1400"/>
               <a:buFont typeface="Arial"/>
               <a:buChar char="■"/>
-              <a:defRPr b="0" i="0" sz="1400" u="none" cap="none" strike="noStrike">
+              <a:defRPr sz="1400" b="0" i="0" u="none" strike="noStrike" cap="none">
                 <a:solidFill>
                   <a:schemeClr val="dk2"/>
                 </a:solidFill>
@@ -9347,7 +9544,7 @@
                 <a:sym typeface="Arial"/>
               </a:defRPr>
             </a:lvl6pPr>
-            <a:lvl7pPr indent="-317500" lvl="6" marL="3200400" marR="0" rtl="0" algn="l">
+            <a:lvl7pPr marL="3200400" marR="0" lvl="6" indent="-317500" algn="l" rtl="0">
               <a:lnSpc>
                 <a:spcPct val="115000"/>
               </a:lnSpc>
@@ -9363,7 +9560,7 @@
               <a:buSzPts val="1400"/>
               <a:buFont typeface="Arial"/>
               <a:buChar char="●"/>
-              <a:defRPr b="0" i="0" sz="1400" u="none" cap="none" strike="noStrike">
+              <a:defRPr sz="1400" b="0" i="0" u="none" strike="noStrike" cap="none">
                 <a:solidFill>
                   <a:schemeClr val="dk2"/>
                 </a:solidFill>
@@ -9373,7 +9570,7 @@
                 <a:sym typeface="Arial"/>
               </a:defRPr>
             </a:lvl7pPr>
-            <a:lvl8pPr indent="-317500" lvl="7" marL="3657600" marR="0" rtl="0" algn="l">
+            <a:lvl8pPr marL="3657600" marR="0" lvl="7" indent="-317500" algn="l" rtl="0">
               <a:lnSpc>
                 <a:spcPct val="115000"/>
               </a:lnSpc>
@@ -9389,7 +9586,7 @@
               <a:buSzPts val="1400"/>
               <a:buFont typeface="Arial"/>
               <a:buChar char="○"/>
-              <a:defRPr b="0" i="0" sz="1400" u="none" cap="none" strike="noStrike">
+              <a:defRPr sz="1400" b="0" i="0" u="none" strike="noStrike" cap="none">
                 <a:solidFill>
                   <a:schemeClr val="dk2"/>
                 </a:solidFill>
@@ -9399,7 +9596,7 @@
                 <a:sym typeface="Arial"/>
               </a:defRPr>
             </a:lvl8pPr>
-            <a:lvl9pPr indent="-317500" lvl="8" marL="4114800" marR="0" rtl="0" algn="l">
+            <a:lvl9pPr marL="4114800" marR="0" lvl="8" indent="-317500" algn="l" rtl="0">
               <a:lnSpc>
                 <a:spcPct val="115000"/>
               </a:lnSpc>
@@ -9415,7 +9612,7 @@
               <a:buSzPts val="1400"/>
               <a:buFont typeface="Arial"/>
               <a:buChar char="■"/>
-              <a:defRPr b="0" i="0" sz="1400" u="none" cap="none" strike="noStrike">
+              <a:defRPr sz="1400" b="0" i="0" u="none" strike="noStrike" cap="none">
                 <a:solidFill>
                   <a:schemeClr val="dk2"/>
                 </a:solidFill>
@@ -9426,15 +9623,19 @@
               </a:defRPr>
             </a:lvl9pPr>
           </a:lstStyle>
-          <a:p/>
+          <a:p>
+            <a:endParaRPr/>
+          </a:p>
         </p:txBody>
       </p:sp>
       <p:sp>
         <p:nvSpPr>
           <p:cNvPr id="8" name="Google Shape;8;p12"/>
-          <p:cNvSpPr txBox="1"/>
+          <p:cNvSpPr txBox="1">
+            <a:spLocks noGrp="1"/>
+          </p:cNvSpPr>
           <p:nvPr>
-            <p:ph idx="12" type="sldNum"/>
+            <p:ph type="sldNum" idx="12"/>
           </p:nvPr>
         </p:nvSpPr>
         <p:spPr>
@@ -9451,11 +9652,11 @@
           </a:ln>
         </p:spPr>
         <p:txBody>
-          <a:bodyPr anchorCtr="0" anchor="ctr" bIns="91425" lIns="91425" spcFirstLastPara="1" rIns="91425" wrap="square" tIns="91425">
+          <a:bodyPr spcFirstLastPara="1" wrap="square" lIns="91425" tIns="91425" rIns="91425" bIns="91425" anchor="ctr" anchorCtr="0">
             <a:noAutofit/>
           </a:bodyPr>
           <a:lstStyle>
-            <a:lvl1pPr indent="0" lvl="0" marL="0" marR="0" rtl="0" algn="r">
+            <a:lvl1pPr marL="0" marR="0" lvl="0" indent="0" algn="r" rtl="0">
               <a:lnSpc>
                 <a:spcPct val="100000"/>
               </a:lnSpc>
@@ -9471,7 +9672,7 @@
               <a:buSzPts val="1000"/>
               <a:buFont typeface="Arial"/>
               <a:buNone/>
-              <a:defRPr b="0" i="0" sz="1000" u="none" cap="none" strike="noStrike">
+              <a:defRPr sz="1000" b="0" i="0" u="none" strike="noStrike" cap="none">
                 <a:solidFill>
                   <a:schemeClr val="dk2"/>
                 </a:solidFill>
@@ -9481,7 +9682,7 @@
                 <a:sym typeface="Arial"/>
               </a:defRPr>
             </a:lvl1pPr>
-            <a:lvl2pPr indent="0" lvl="1" marL="0" marR="0" rtl="0" algn="r">
+            <a:lvl2pPr marL="0" marR="0" lvl="1" indent="0" algn="r" rtl="0">
               <a:lnSpc>
                 <a:spcPct val="100000"/>
               </a:lnSpc>
@@ -9497,7 +9698,7 @@
               <a:buSzPts val="1000"/>
               <a:buFont typeface="Arial"/>
               <a:buNone/>
-              <a:defRPr b="0" i="0" sz="1000" u="none" cap="none" strike="noStrike">
+              <a:defRPr sz="1000" b="0" i="0" u="none" strike="noStrike" cap="none">
                 <a:solidFill>
                   <a:schemeClr val="dk2"/>
                 </a:solidFill>
@@ -9507,7 +9708,7 @@
                 <a:sym typeface="Arial"/>
               </a:defRPr>
             </a:lvl2pPr>
-            <a:lvl3pPr indent="0" lvl="2" marL="0" marR="0" rtl="0" algn="r">
+            <a:lvl3pPr marL="0" marR="0" lvl="2" indent="0" algn="r" rtl="0">
               <a:lnSpc>
                 <a:spcPct val="100000"/>
               </a:lnSpc>
@@ -9523,7 +9724,7 @@
               <a:buSzPts val="1000"/>
               <a:buFont typeface="Arial"/>
               <a:buNone/>
-              <a:defRPr b="0" i="0" sz="1000" u="none" cap="none" strike="noStrike">
+              <a:defRPr sz="1000" b="0" i="0" u="none" strike="noStrike" cap="none">
                 <a:solidFill>
                   <a:schemeClr val="dk2"/>
                 </a:solidFill>
@@ -9533,7 +9734,7 @@
                 <a:sym typeface="Arial"/>
               </a:defRPr>
             </a:lvl3pPr>
-            <a:lvl4pPr indent="0" lvl="3" marL="0" marR="0" rtl="0" algn="r">
+            <a:lvl4pPr marL="0" marR="0" lvl="3" indent="0" algn="r" rtl="0">
               <a:lnSpc>
                 <a:spcPct val="100000"/>
               </a:lnSpc>
@@ -9549,7 +9750,7 @@
               <a:buSzPts val="1000"/>
               <a:buFont typeface="Arial"/>
               <a:buNone/>
-              <a:defRPr b="0" i="0" sz="1000" u="none" cap="none" strike="noStrike">
+              <a:defRPr sz="1000" b="0" i="0" u="none" strike="noStrike" cap="none">
                 <a:solidFill>
                   <a:schemeClr val="dk2"/>
                 </a:solidFill>
@@ -9559,7 +9760,7 @@
                 <a:sym typeface="Arial"/>
               </a:defRPr>
             </a:lvl4pPr>
-            <a:lvl5pPr indent="0" lvl="4" marL="0" marR="0" rtl="0" algn="r">
+            <a:lvl5pPr marL="0" marR="0" lvl="4" indent="0" algn="r" rtl="0">
               <a:lnSpc>
                 <a:spcPct val="100000"/>
               </a:lnSpc>
@@ -9575,7 +9776,7 @@
               <a:buSzPts val="1000"/>
               <a:buFont typeface="Arial"/>
               <a:buNone/>
-              <a:defRPr b="0" i="0" sz="1000" u="none" cap="none" strike="noStrike">
+              <a:defRPr sz="1000" b="0" i="0" u="none" strike="noStrike" cap="none">
                 <a:solidFill>
                   <a:schemeClr val="dk2"/>
                 </a:solidFill>
@@ -9585,7 +9786,7 @@
                 <a:sym typeface="Arial"/>
               </a:defRPr>
             </a:lvl5pPr>
-            <a:lvl6pPr indent="0" lvl="5" marL="0" marR="0" rtl="0" algn="r">
+            <a:lvl6pPr marL="0" marR="0" lvl="5" indent="0" algn="r" rtl="0">
               <a:lnSpc>
                 <a:spcPct val="100000"/>
               </a:lnSpc>
@@ -9601,7 +9802,7 @@
               <a:buSzPts val="1000"/>
               <a:buFont typeface="Arial"/>
               <a:buNone/>
-              <a:defRPr b="0" i="0" sz="1000" u="none" cap="none" strike="noStrike">
+              <a:defRPr sz="1000" b="0" i="0" u="none" strike="noStrike" cap="none">
                 <a:solidFill>
                   <a:schemeClr val="dk2"/>
                 </a:solidFill>
@@ -9611,7 +9812,7 @@
                 <a:sym typeface="Arial"/>
               </a:defRPr>
             </a:lvl6pPr>
-            <a:lvl7pPr indent="0" lvl="6" marL="0" marR="0" rtl="0" algn="r">
+            <a:lvl7pPr marL="0" marR="0" lvl="6" indent="0" algn="r" rtl="0">
               <a:lnSpc>
                 <a:spcPct val="100000"/>
               </a:lnSpc>
@@ -9627,7 +9828,7 @@
               <a:buSzPts val="1000"/>
               <a:buFont typeface="Arial"/>
               <a:buNone/>
-              <a:defRPr b="0" i="0" sz="1000" u="none" cap="none" strike="noStrike">
+              <a:defRPr sz="1000" b="0" i="0" u="none" strike="noStrike" cap="none">
                 <a:solidFill>
                   <a:schemeClr val="dk2"/>
                 </a:solidFill>
@@ -9637,7 +9838,7 @@
                 <a:sym typeface="Arial"/>
               </a:defRPr>
             </a:lvl7pPr>
-            <a:lvl8pPr indent="0" lvl="7" marL="0" marR="0" rtl="0" algn="r">
+            <a:lvl8pPr marL="0" marR="0" lvl="7" indent="0" algn="r" rtl="0">
               <a:lnSpc>
                 <a:spcPct val="100000"/>
               </a:lnSpc>
@@ -9653,7 +9854,7 @@
               <a:buSzPts val="1000"/>
               <a:buFont typeface="Arial"/>
               <a:buNone/>
-              <a:defRPr b="0" i="0" sz="1000" u="none" cap="none" strike="noStrike">
+              <a:defRPr sz="1000" b="0" i="0" u="none" strike="noStrike" cap="none">
                 <a:solidFill>
                   <a:schemeClr val="dk2"/>
                 </a:solidFill>
@@ -9663,7 +9864,7 @@
                 <a:sym typeface="Arial"/>
               </a:defRPr>
             </a:lvl8pPr>
-            <a:lvl9pPr indent="0" lvl="8" marL="0" marR="0" rtl="0" algn="r">
+            <a:lvl9pPr marL="0" marR="0" lvl="8" indent="0" algn="r" rtl="0">
               <a:lnSpc>
                 <a:spcPct val="100000"/>
               </a:lnSpc>
@@ -9679,7 +9880,7 @@
               <a:buSzPts val="1000"/>
               <a:buFont typeface="Arial"/>
               <a:buNone/>
-              <a:defRPr b="0" i="0" sz="1000" u="none" cap="none" strike="noStrike">
+              <a:defRPr sz="1000" b="0" i="0" u="none" strike="noStrike" cap="none">
                 <a:solidFill>
                   <a:schemeClr val="dk2"/>
                 </a:solidFill>
@@ -9691,7 +9892,7 @@
             </a:lvl9pPr>
           </a:lstStyle>
           <a:p>
-            <a:pPr indent="0" lvl="0" marL="0" rtl="0" algn="r">
+            <a:pPr marL="0" lvl="0" indent="0" algn="r" rtl="0">
               <a:spcBef>
                 <a:spcPts val="0"/>
               </a:spcBef>
@@ -9710,7 +9911,7 @@
       </p:sp>
     </p:spTree>
   </p:cSld>
-  <p:clrMap accent1="accent1" accent2="accent2" accent3="accent3" accent4="accent4" accent5="accent5" accent6="accent6" bg1="lt1" bg2="dk2" tx1="dk1" tx2="lt2" folHlink="folHlink" hlink="hlink"/>
+  <p:clrMap bg1="lt1" tx1="dk1" bg2="dk2" tx2="lt2" accent1="accent1" accent2="accent2" accent3="accent3" accent4="accent4" accent5="accent5" accent6="accent6" hlink="hlink" folHlink="folHlink"/>
   <p:sldLayoutIdLst>
     <p:sldLayoutId id="2147483649" r:id="rId1"/>
     <p:sldLayoutId id="2147483650" r:id="rId2"/>
@@ -9724,10 +9925,10 @@
     <p:sldLayoutId id="2147483658" r:id="rId10"/>
     <p:sldLayoutId id="2147483659" r:id="rId11"/>
   </p:sldLayoutIdLst>
-  <p:hf dt="0" ftr="0" hdr="0" sldNum="0"/>
+  <p:hf sldNum="0" hdr="0" ftr="0" dt="0"/>
   <p:txStyles>
     <p:titleStyle>
-      <a:defPPr lvl="0" marR="0" rtl="0" algn="l">
+      <a:defPPr marR="0" lvl="0" algn="l" rtl="0">
         <a:lnSpc>
           <a:spcPct val="100000"/>
         </a:lnSpc>
@@ -9738,7 +9939,7 @@
           <a:spcPts val="0"/>
         </a:spcAft>
       </a:defPPr>
-      <a:lvl1pPr lvl="0" marR="0" rtl="0" algn="l">
+      <a:lvl1pPr marR="0" lvl="0" algn="l" rtl="0">
         <a:lnSpc>
           <a:spcPct val="100000"/>
         </a:lnSpc>
@@ -9752,7 +9953,7 @@
           <a:srgbClr val="000000"/>
         </a:buClr>
         <a:buFont typeface="Arial"/>
-        <a:defRPr b="0" i="0" sz="1400" u="none" cap="none" strike="noStrike">
+        <a:defRPr sz="1400" b="0" i="0" u="none" strike="noStrike" cap="none">
           <a:solidFill>
             <a:srgbClr val="000000"/>
           </a:solidFill>
@@ -9762,7 +9963,7 @@
           <a:sym typeface="Arial"/>
         </a:defRPr>
       </a:lvl1pPr>
-      <a:lvl2pPr lvl="1" marR="0" rtl="0" algn="l">
+      <a:lvl2pPr marR="0" lvl="1" algn="l" rtl="0">
         <a:lnSpc>
           <a:spcPct val="100000"/>
         </a:lnSpc>
@@ -9776,7 +9977,7 @@
           <a:srgbClr val="000000"/>
         </a:buClr>
         <a:buFont typeface="Arial"/>
-        <a:defRPr b="0" i="0" sz="1400" u="none" cap="none" strike="noStrike">
+        <a:defRPr sz="1400" b="0" i="0" u="none" strike="noStrike" cap="none">
           <a:solidFill>
             <a:srgbClr val="000000"/>
           </a:solidFill>
@@ -9786,7 +9987,7 @@
           <a:sym typeface="Arial"/>
         </a:defRPr>
       </a:lvl2pPr>
-      <a:lvl3pPr lvl="2" marR="0" rtl="0" algn="l">
+      <a:lvl3pPr marR="0" lvl="2" algn="l" rtl="0">
         <a:lnSpc>
           <a:spcPct val="100000"/>
         </a:lnSpc>
@@ -9800,7 +10001,7 @@
           <a:srgbClr val="000000"/>
         </a:buClr>
         <a:buFont typeface="Arial"/>
-        <a:defRPr b="0" i="0" sz="1400" u="none" cap="none" strike="noStrike">
+        <a:defRPr sz="1400" b="0" i="0" u="none" strike="noStrike" cap="none">
           <a:solidFill>
             <a:srgbClr val="000000"/>
           </a:solidFill>
@@ -9810,7 +10011,7 @@
           <a:sym typeface="Arial"/>
         </a:defRPr>
       </a:lvl3pPr>
-      <a:lvl4pPr lvl="3" marR="0" rtl="0" algn="l">
+      <a:lvl4pPr marR="0" lvl="3" algn="l" rtl="0">
         <a:lnSpc>
           <a:spcPct val="100000"/>
         </a:lnSpc>
@@ -9824,7 +10025,7 @@
           <a:srgbClr val="000000"/>
         </a:buClr>
         <a:buFont typeface="Arial"/>
-        <a:defRPr b="0" i="0" sz="1400" u="none" cap="none" strike="noStrike">
+        <a:defRPr sz="1400" b="0" i="0" u="none" strike="noStrike" cap="none">
           <a:solidFill>
             <a:srgbClr val="000000"/>
           </a:solidFill>
@@ -9834,7 +10035,7 @@
           <a:sym typeface="Arial"/>
         </a:defRPr>
       </a:lvl4pPr>
-      <a:lvl5pPr lvl="4" marR="0" rtl="0" algn="l">
+      <a:lvl5pPr marR="0" lvl="4" algn="l" rtl="0">
         <a:lnSpc>
           <a:spcPct val="100000"/>
         </a:lnSpc>
@@ -9848,7 +10049,7 @@
           <a:srgbClr val="000000"/>
         </a:buClr>
         <a:buFont typeface="Arial"/>
-        <a:defRPr b="0" i="0" sz="1400" u="none" cap="none" strike="noStrike">
+        <a:defRPr sz="1400" b="0" i="0" u="none" strike="noStrike" cap="none">
           <a:solidFill>
             <a:srgbClr val="000000"/>
           </a:solidFill>
@@ -9858,7 +10059,7 @@
           <a:sym typeface="Arial"/>
         </a:defRPr>
       </a:lvl5pPr>
-      <a:lvl6pPr lvl="5" marR="0" rtl="0" algn="l">
+      <a:lvl6pPr marR="0" lvl="5" algn="l" rtl="0">
         <a:lnSpc>
           <a:spcPct val="100000"/>
         </a:lnSpc>
@@ -9872,7 +10073,7 @@
           <a:srgbClr val="000000"/>
         </a:buClr>
         <a:buFont typeface="Arial"/>
-        <a:defRPr b="0" i="0" sz="1400" u="none" cap="none" strike="noStrike">
+        <a:defRPr sz="1400" b="0" i="0" u="none" strike="noStrike" cap="none">
           <a:solidFill>
             <a:srgbClr val="000000"/>
           </a:solidFill>
@@ -9882,7 +10083,7 @@
           <a:sym typeface="Arial"/>
         </a:defRPr>
       </a:lvl6pPr>
-      <a:lvl7pPr lvl="6" marR="0" rtl="0" algn="l">
+      <a:lvl7pPr marR="0" lvl="6" algn="l" rtl="0">
         <a:lnSpc>
           <a:spcPct val="100000"/>
         </a:lnSpc>
@@ -9896,7 +10097,7 @@
           <a:srgbClr val="000000"/>
         </a:buClr>
         <a:buFont typeface="Arial"/>
-        <a:defRPr b="0" i="0" sz="1400" u="none" cap="none" strike="noStrike">
+        <a:defRPr sz="1400" b="0" i="0" u="none" strike="noStrike" cap="none">
           <a:solidFill>
             <a:srgbClr val="000000"/>
           </a:solidFill>
@@ -9906,7 +10107,7 @@
           <a:sym typeface="Arial"/>
         </a:defRPr>
       </a:lvl7pPr>
-      <a:lvl8pPr lvl="7" marR="0" rtl="0" algn="l">
+      <a:lvl8pPr marR="0" lvl="7" algn="l" rtl="0">
         <a:lnSpc>
           <a:spcPct val="100000"/>
         </a:lnSpc>
@@ -9920,7 +10121,7 @@
           <a:srgbClr val="000000"/>
         </a:buClr>
         <a:buFont typeface="Arial"/>
-        <a:defRPr b="0" i="0" sz="1400" u="none" cap="none" strike="noStrike">
+        <a:defRPr sz="1400" b="0" i="0" u="none" strike="noStrike" cap="none">
           <a:solidFill>
             <a:srgbClr val="000000"/>
           </a:solidFill>
@@ -9930,7 +10131,7 @@
           <a:sym typeface="Arial"/>
         </a:defRPr>
       </a:lvl8pPr>
-      <a:lvl9pPr lvl="8" marR="0" rtl="0" algn="l">
+      <a:lvl9pPr marR="0" lvl="8" algn="l" rtl="0">
         <a:lnSpc>
           <a:spcPct val="100000"/>
         </a:lnSpc>
@@ -9944,7 +10145,7 @@
           <a:srgbClr val="000000"/>
         </a:buClr>
         <a:buFont typeface="Arial"/>
-        <a:defRPr b="0" i="0" sz="1400" u="none" cap="none" strike="noStrike">
+        <a:defRPr sz="1400" b="0" i="0" u="none" strike="noStrike" cap="none">
           <a:solidFill>
             <a:srgbClr val="000000"/>
           </a:solidFill>
@@ -9956,7 +10157,7 @@
       </a:lvl9pPr>
     </p:titleStyle>
     <p:bodyStyle>
-      <a:defPPr lvl="0" marR="0" rtl="0" algn="l">
+      <a:defPPr marR="0" lvl="0" algn="l" rtl="0">
         <a:lnSpc>
           <a:spcPct val="100000"/>
         </a:lnSpc>
@@ -9967,7 +10168,7 @@
           <a:spcPts val="0"/>
         </a:spcAft>
       </a:defPPr>
-      <a:lvl1pPr lvl="0" marR="0" rtl="0" algn="l">
+      <a:lvl1pPr marR="0" lvl="0" algn="l" rtl="0">
         <a:lnSpc>
           <a:spcPct val="100000"/>
         </a:lnSpc>
@@ -9981,7 +10182,7 @@
           <a:srgbClr val="000000"/>
         </a:buClr>
         <a:buFont typeface="Arial"/>
-        <a:defRPr b="0" i="0" sz="1400" u="none" cap="none" strike="noStrike">
+        <a:defRPr sz="1400" b="0" i="0" u="none" strike="noStrike" cap="none">
           <a:solidFill>
             <a:srgbClr val="000000"/>
           </a:solidFill>
@@ -9991,7 +10192,7 @@
           <a:sym typeface="Arial"/>
         </a:defRPr>
       </a:lvl1pPr>
-      <a:lvl2pPr lvl="1" marR="0" rtl="0" algn="l">
+      <a:lvl2pPr marR="0" lvl="1" algn="l" rtl="0">
         <a:lnSpc>
           <a:spcPct val="100000"/>
         </a:lnSpc>
@@ -10005,7 +10206,7 @@
           <a:srgbClr val="000000"/>
         </a:buClr>
         <a:buFont typeface="Arial"/>
-        <a:defRPr b="0" i="0" sz="1400" u="none" cap="none" strike="noStrike">
+        <a:defRPr sz="1400" b="0" i="0" u="none" strike="noStrike" cap="none">
           <a:solidFill>
             <a:srgbClr val="000000"/>
           </a:solidFill>
@@ -10015,7 +10216,7 @@
           <a:sym typeface="Arial"/>
         </a:defRPr>
       </a:lvl2pPr>
-      <a:lvl3pPr lvl="2" marR="0" rtl="0" algn="l">
+      <a:lvl3pPr marR="0" lvl="2" algn="l" rtl="0">
         <a:lnSpc>
           <a:spcPct val="100000"/>
         </a:lnSpc>
@@ -10029,7 +10230,7 @@
           <a:srgbClr val="000000"/>
         </a:buClr>
         <a:buFont typeface="Arial"/>
-        <a:defRPr b="0" i="0" sz="1400" u="none" cap="none" strike="noStrike">
+        <a:defRPr sz="1400" b="0" i="0" u="none" strike="noStrike" cap="none">
           <a:solidFill>
             <a:srgbClr val="000000"/>
           </a:solidFill>
@@ -10039,7 +10240,7 @@
           <a:sym typeface="Arial"/>
         </a:defRPr>
       </a:lvl3pPr>
-      <a:lvl4pPr lvl="3" marR="0" rtl="0" algn="l">
+      <a:lvl4pPr marR="0" lvl="3" algn="l" rtl="0">
         <a:lnSpc>
           <a:spcPct val="100000"/>
         </a:lnSpc>
@@ -10053,7 +10254,7 @@
           <a:srgbClr val="000000"/>
         </a:buClr>
         <a:buFont typeface="Arial"/>
-        <a:defRPr b="0" i="0" sz="1400" u="none" cap="none" strike="noStrike">
+        <a:defRPr sz="1400" b="0" i="0" u="none" strike="noStrike" cap="none">
           <a:solidFill>
             <a:srgbClr val="000000"/>
           </a:solidFill>
@@ -10063,7 +10264,7 @@
           <a:sym typeface="Arial"/>
         </a:defRPr>
       </a:lvl4pPr>
-      <a:lvl5pPr lvl="4" marR="0" rtl="0" algn="l">
+      <a:lvl5pPr marR="0" lvl="4" algn="l" rtl="0">
         <a:lnSpc>
           <a:spcPct val="100000"/>
         </a:lnSpc>
@@ -10077,7 +10278,7 @@
           <a:srgbClr val="000000"/>
         </a:buClr>
         <a:buFont typeface="Arial"/>
-        <a:defRPr b="0" i="0" sz="1400" u="none" cap="none" strike="noStrike">
+        <a:defRPr sz="1400" b="0" i="0" u="none" strike="noStrike" cap="none">
           <a:solidFill>
             <a:srgbClr val="000000"/>
           </a:solidFill>
@@ -10087,7 +10288,7 @@
           <a:sym typeface="Arial"/>
         </a:defRPr>
       </a:lvl5pPr>
-      <a:lvl6pPr lvl="5" marR="0" rtl="0" algn="l">
+      <a:lvl6pPr marR="0" lvl="5" algn="l" rtl="0">
         <a:lnSpc>
           <a:spcPct val="100000"/>
         </a:lnSpc>
@@ -10101,7 +10302,7 @@
           <a:srgbClr val="000000"/>
         </a:buClr>
         <a:buFont typeface="Arial"/>
-        <a:defRPr b="0" i="0" sz="1400" u="none" cap="none" strike="noStrike">
+        <a:defRPr sz="1400" b="0" i="0" u="none" strike="noStrike" cap="none">
           <a:solidFill>
             <a:srgbClr val="000000"/>
           </a:solidFill>
@@ -10111,7 +10312,7 @@
           <a:sym typeface="Arial"/>
         </a:defRPr>
       </a:lvl6pPr>
-      <a:lvl7pPr lvl="6" marR="0" rtl="0" algn="l">
+      <a:lvl7pPr marR="0" lvl="6" algn="l" rtl="0">
         <a:lnSpc>
           <a:spcPct val="100000"/>
         </a:lnSpc>
@@ -10125,7 +10326,7 @@
           <a:srgbClr val="000000"/>
         </a:buClr>
         <a:buFont typeface="Arial"/>
-        <a:defRPr b="0" i="0" sz="1400" u="none" cap="none" strike="noStrike">
+        <a:defRPr sz="1400" b="0" i="0" u="none" strike="noStrike" cap="none">
           <a:solidFill>
             <a:srgbClr val="000000"/>
           </a:solidFill>
@@ -10135,7 +10336,7 @@
           <a:sym typeface="Arial"/>
         </a:defRPr>
       </a:lvl7pPr>
-      <a:lvl8pPr lvl="7" marR="0" rtl="0" algn="l">
+      <a:lvl8pPr marR="0" lvl="7" algn="l" rtl="0">
         <a:lnSpc>
           <a:spcPct val="100000"/>
         </a:lnSpc>
@@ -10149,7 +10350,7 @@
           <a:srgbClr val="000000"/>
         </a:buClr>
         <a:buFont typeface="Arial"/>
-        <a:defRPr b="0" i="0" sz="1400" u="none" cap="none" strike="noStrike">
+        <a:defRPr sz="1400" b="0" i="0" u="none" strike="noStrike" cap="none">
           <a:solidFill>
             <a:srgbClr val="000000"/>
           </a:solidFill>
@@ -10159,7 +10360,7 @@
           <a:sym typeface="Arial"/>
         </a:defRPr>
       </a:lvl8pPr>
-      <a:lvl9pPr lvl="8" marR="0" rtl="0" algn="l">
+      <a:lvl9pPr marR="0" lvl="8" algn="l" rtl="0">
         <a:lnSpc>
           <a:spcPct val="100000"/>
         </a:lnSpc>
@@ -10173,7 +10374,7 @@
           <a:srgbClr val="000000"/>
         </a:buClr>
         <a:buFont typeface="Arial"/>
-        <a:defRPr b="0" i="0" sz="1400" u="none" cap="none" strike="noStrike">
+        <a:defRPr sz="1400" b="0" i="0" u="none" strike="noStrike" cap="none">
           <a:solidFill>
             <a:srgbClr val="000000"/>
           </a:solidFill>
@@ -10185,7 +10386,7 @@
       </a:lvl9pPr>
     </p:bodyStyle>
     <p:otherStyle>
-      <a:defPPr lvl="0" marR="0" rtl="0" algn="l">
+      <a:defPPr marR="0" lvl="0" algn="l" rtl="0">
         <a:lnSpc>
           <a:spcPct val="100000"/>
         </a:lnSpc>
@@ -10196,7 +10397,7 @@
           <a:spcPts val="0"/>
         </a:spcAft>
       </a:defPPr>
-      <a:lvl1pPr lvl="0" marR="0" rtl="0" algn="l">
+      <a:lvl1pPr marR="0" lvl="0" algn="l" rtl="0">
         <a:lnSpc>
           <a:spcPct val="100000"/>
         </a:lnSpc>
@@ -10210,7 +10411,7 @@
           <a:srgbClr val="000000"/>
         </a:buClr>
         <a:buFont typeface="Arial"/>
-        <a:defRPr b="0" i="0" sz="1400" u="none" cap="none" strike="noStrike">
+        <a:defRPr sz="1400" b="0" i="0" u="none" strike="noStrike" cap="none">
           <a:solidFill>
             <a:srgbClr val="000000"/>
           </a:solidFill>
@@ -10220,7 +10421,7 @@
           <a:sym typeface="Arial"/>
         </a:defRPr>
       </a:lvl1pPr>
-      <a:lvl2pPr lvl="1" marR="0" rtl="0" algn="l">
+      <a:lvl2pPr marR="0" lvl="1" algn="l" rtl="0">
         <a:lnSpc>
           <a:spcPct val="100000"/>
         </a:lnSpc>
@@ -10234,7 +10435,7 @@
           <a:srgbClr val="000000"/>
         </a:buClr>
         <a:buFont typeface="Arial"/>
-        <a:defRPr b="0" i="0" sz="1400" u="none" cap="none" strike="noStrike">
+        <a:defRPr sz="1400" b="0" i="0" u="none" strike="noStrike" cap="none">
           <a:solidFill>
             <a:srgbClr val="000000"/>
           </a:solidFill>
@@ -10244,7 +10445,7 @@
           <a:sym typeface="Arial"/>
         </a:defRPr>
       </a:lvl2pPr>
-      <a:lvl3pPr lvl="2" marR="0" rtl="0" algn="l">
+      <a:lvl3pPr marR="0" lvl="2" algn="l" rtl="0">
         <a:lnSpc>
           <a:spcPct val="100000"/>
         </a:lnSpc>
@@ -10258,7 +10459,7 @@
           <a:srgbClr val="000000"/>
         </a:buClr>
         <a:buFont typeface="Arial"/>
-        <a:defRPr b="0" i="0" sz="1400" u="none" cap="none" strike="noStrike">
+        <a:defRPr sz="1400" b="0" i="0" u="none" strike="noStrike" cap="none">
           <a:solidFill>
             <a:srgbClr val="000000"/>
           </a:solidFill>
@@ -10268,7 +10469,7 @@
           <a:sym typeface="Arial"/>
         </a:defRPr>
       </a:lvl3pPr>
-      <a:lvl4pPr lvl="3" marR="0" rtl="0" algn="l">
+      <a:lvl4pPr marR="0" lvl="3" algn="l" rtl="0">
         <a:lnSpc>
           <a:spcPct val="100000"/>
         </a:lnSpc>
@@ -10282,7 +10483,7 @@
           <a:srgbClr val="000000"/>
         </a:buClr>
         <a:buFont typeface="Arial"/>
-        <a:defRPr b="0" i="0" sz="1400" u="none" cap="none" strike="noStrike">
+        <a:defRPr sz="1400" b="0" i="0" u="none" strike="noStrike" cap="none">
           <a:solidFill>
             <a:srgbClr val="000000"/>
           </a:solidFill>
@@ -10292,7 +10493,7 @@
           <a:sym typeface="Arial"/>
         </a:defRPr>
       </a:lvl4pPr>
-      <a:lvl5pPr lvl="4" marR="0" rtl="0" algn="l">
+      <a:lvl5pPr marR="0" lvl="4" algn="l" rtl="0">
         <a:lnSpc>
           <a:spcPct val="100000"/>
         </a:lnSpc>
@@ -10306,7 +10507,7 @@
           <a:srgbClr val="000000"/>
         </a:buClr>
         <a:buFont typeface="Arial"/>
-        <a:defRPr b="0" i="0" sz="1400" u="none" cap="none" strike="noStrike">
+        <a:defRPr sz="1400" b="0" i="0" u="none" strike="noStrike" cap="none">
           <a:solidFill>
             <a:srgbClr val="000000"/>
           </a:solidFill>
@@ -10316,7 +10517,7 @@
           <a:sym typeface="Arial"/>
         </a:defRPr>
       </a:lvl5pPr>
-      <a:lvl6pPr lvl="5" marR="0" rtl="0" algn="l">
+      <a:lvl6pPr marR="0" lvl="5" algn="l" rtl="0">
         <a:lnSpc>
           <a:spcPct val="100000"/>
         </a:lnSpc>
@@ -10330,7 +10531,7 @@
           <a:srgbClr val="000000"/>
         </a:buClr>
         <a:buFont typeface="Arial"/>
-        <a:defRPr b="0" i="0" sz="1400" u="none" cap="none" strike="noStrike">
+        <a:defRPr sz="1400" b="0" i="0" u="none" strike="noStrike" cap="none">
           <a:solidFill>
             <a:srgbClr val="000000"/>
           </a:solidFill>
@@ -10340,7 +10541,7 @@
           <a:sym typeface="Arial"/>
         </a:defRPr>
       </a:lvl6pPr>
-      <a:lvl7pPr lvl="6" marR="0" rtl="0" algn="l">
+      <a:lvl7pPr marR="0" lvl="6" algn="l" rtl="0">
         <a:lnSpc>
           <a:spcPct val="100000"/>
         </a:lnSpc>
@@ -10354,7 +10555,7 @@
           <a:srgbClr val="000000"/>
         </a:buClr>
         <a:buFont typeface="Arial"/>
-        <a:defRPr b="0" i="0" sz="1400" u="none" cap="none" strike="noStrike">
+        <a:defRPr sz="1400" b="0" i="0" u="none" strike="noStrike" cap="none">
           <a:solidFill>
             <a:srgbClr val="000000"/>
           </a:solidFill>
@@ -10364,7 +10565,7 @@
           <a:sym typeface="Arial"/>
         </a:defRPr>
       </a:lvl7pPr>
-      <a:lvl8pPr lvl="7" marR="0" rtl="0" algn="l">
+      <a:lvl8pPr marR="0" lvl="7" algn="l" rtl="0">
         <a:lnSpc>
           <a:spcPct val="100000"/>
         </a:lnSpc>
@@ -10378,7 +10579,7 @@
           <a:srgbClr val="000000"/>
         </a:buClr>
         <a:buFont typeface="Arial"/>
-        <a:defRPr b="0" i="0" sz="1400" u="none" cap="none" strike="noStrike">
+        <a:defRPr sz="1400" b="0" i="0" u="none" strike="noStrike" cap="none">
           <a:solidFill>
             <a:srgbClr val="000000"/>
           </a:solidFill>
@@ -10388,7 +10589,7 @@
           <a:sym typeface="Arial"/>
         </a:defRPr>
       </a:lvl8pPr>
-      <a:lvl9pPr lvl="8" marR="0" rtl="0" algn="l">
+      <a:lvl9pPr marR="0" lvl="8" algn="l" rtl="0">
         <a:lnSpc>
           <a:spcPct val="100000"/>
         </a:lnSpc>
@@ -10402,7 +10603,7 @@
           <a:srgbClr val="000000"/>
         </a:buClr>
         <a:buFont typeface="Arial"/>
-        <a:defRPr b="0" i="0" sz="1400" u="none" cap="none" strike="noStrike">
+        <a:defRPr sz="1400" b="0" i="0" u="none" strike="noStrike" cap="none">
           <a:solidFill>
             <a:srgbClr val="000000"/>
           </a:solidFill>
@@ -10418,11 +10619,11 @@
 </file>
 
 <file path=ppt/slides/slide1.xml><?xml version="1.0" encoding="utf-8"?>
-<p:sld xmlns:a="http://schemas.openxmlformats.org/drawingml/2006/main" xmlns:r="http://schemas.openxmlformats.org/officeDocument/2006/relationships" xmlns:mc="http://schemas.openxmlformats.org/markup-compatibility/2006" xmlns:mv="urn:schemas-microsoft-com:mac:vml" xmlns:p="http://schemas.openxmlformats.org/presentationml/2006/main" xmlns:c="http://schemas.openxmlformats.org/drawingml/2006/chart" xmlns:dgm="http://schemas.openxmlformats.org/drawingml/2006/diagram" xmlns:o="urn:schemas-microsoft-com:office:office" xmlns:v="urn:schemas-microsoft-com:vml" xmlns:pvml="urn:schemas-microsoft-com:office:powerpoint" xmlns:com="http://schemas.openxmlformats.org/drawingml/2006/compatibility" xmlns:p14="http://schemas.microsoft.com/office/powerpoint/2010/main" xmlns:p15="http://schemas.microsoft.com/office/powerpoint/2012/main">
+<p:sld xmlns:a="http://schemas.openxmlformats.org/drawingml/2006/main" xmlns:r="http://schemas.openxmlformats.org/officeDocument/2006/relationships" xmlns:p="http://schemas.openxmlformats.org/presentationml/2006/main">
   <p:cSld>
     <p:spTree>
       <p:nvGrpSpPr>
-        <p:cNvPr id="53" name="Shape 53"/>
+        <p:cNvPr id="1" name="Shape 53"/>
         <p:cNvGrpSpPr/>
         <p:nvPr/>
       </p:nvGrpSpPr>
@@ -10437,7 +10638,9 @@
       <p:sp>
         <p:nvSpPr>
           <p:cNvPr id="54" name="Google Shape;54;p1"/>
-          <p:cNvSpPr txBox="1"/>
+          <p:cNvSpPr txBox="1">
+            <a:spLocks noGrp="1"/>
+          </p:cNvSpPr>
           <p:nvPr>
             <p:ph type="ctrTitle"/>
           </p:nvPr>
@@ -10456,12 +10659,12 @@
           </a:ln>
         </p:spPr>
         <p:txBody>
-          <a:bodyPr anchorCtr="0" anchor="b" bIns="91425" lIns="91425" spcFirstLastPara="1" rIns="91425" wrap="square" tIns="91425">
+          <a:bodyPr spcFirstLastPara="1" wrap="square" lIns="91425" tIns="91425" rIns="91425" bIns="91425" anchor="b" anchorCtr="0">
             <a:noAutofit/>
           </a:bodyPr>
           <a:lstStyle/>
           <a:p>
-            <a:pPr indent="0" lvl="0" marL="0" rtl="0" algn="ctr">
+            <a:pPr marL="0" lvl="0" indent="0" algn="ctr" rtl="0">
               <a:lnSpc>
                 <a:spcPct val="100000"/>
               </a:lnSpc>
@@ -10481,7 +10684,7 @@
             <a:endParaRPr/>
           </a:p>
           <a:p>
-            <a:pPr indent="0" lvl="0" marL="0" rtl="0" algn="ctr">
+            <a:pPr marL="0" lvl="0" indent="0" algn="ctr" rtl="0">
               <a:lnSpc>
                 <a:spcPct val="100000"/>
               </a:lnSpc>
@@ -10505,9 +10708,11 @@
       <p:sp>
         <p:nvSpPr>
           <p:cNvPr id="55" name="Google Shape;55;p1"/>
-          <p:cNvSpPr txBox="1"/>
+          <p:cNvSpPr txBox="1">
+            <a:spLocks noGrp="1"/>
+          </p:cNvSpPr>
           <p:nvPr>
-            <p:ph idx="1" type="subTitle"/>
+            <p:ph type="subTitle" idx="1"/>
           </p:nvPr>
         </p:nvSpPr>
         <p:spPr>
@@ -10524,12 +10729,12 @@
           </a:ln>
         </p:spPr>
         <p:txBody>
-          <a:bodyPr anchorCtr="0" anchor="t" bIns="91425" lIns="91425" spcFirstLastPara="1" rIns="91425" wrap="square" tIns="91425">
+          <a:bodyPr spcFirstLastPara="1" wrap="square" lIns="91425" tIns="91425" rIns="91425" bIns="91425" anchor="t" anchorCtr="0">
             <a:noAutofit/>
           </a:bodyPr>
           <a:lstStyle/>
           <a:p>
-            <a:pPr indent="0" lvl="0" marL="0" rtl="0" algn="ctr">
+            <a:pPr marL="0" lvl="0" indent="0" algn="ctr" rtl="0">
               <a:lnSpc>
                 <a:spcPct val="100000"/>
               </a:lnSpc>
@@ -10543,13 +10748,13 @@
               <a:buNone/>
             </a:pPr>
             <a:r>
-              <a:rPr lang="en"/>
-              <a:t>Name</a:t>
+              <a:rPr lang="en" dirty="0"/>
+              <a:t>Wenyue Wang</a:t>
             </a:r>
-            <a:endParaRPr/>
+            <a:endParaRPr dirty="0"/>
           </a:p>
           <a:p>
-            <a:pPr indent="0" lvl="0" marL="0" rtl="0" algn="ctr">
+            <a:pPr marL="0" lvl="0" indent="0" algn="ctr" rtl="0">
               <a:lnSpc>
                 <a:spcPct val="100000"/>
               </a:lnSpc>
@@ -10563,13 +10768,13 @@
               <a:buNone/>
             </a:pPr>
             <a:r>
-              <a:rPr lang="en"/>
-              <a:t>GT Email</a:t>
+              <a:rPr lang="en-US" dirty="0"/>
+              <a:t>Wenyue_wang@gatech.edu</a:t>
             </a:r>
-            <a:endParaRPr/>
+            <a:endParaRPr dirty="0"/>
           </a:p>
           <a:p>
-            <a:pPr indent="0" lvl="0" marL="0" rtl="0" algn="ctr">
+            <a:pPr marL="0" lvl="0" indent="0" algn="ctr" rtl="0">
               <a:lnSpc>
                 <a:spcPct val="100000"/>
               </a:lnSpc>
@@ -10583,13 +10788,13 @@
               <a:buNone/>
             </a:pPr>
             <a:r>
-              <a:rPr lang="en"/>
-              <a:t>GT ID</a:t>
+              <a:rPr lang="en-US" dirty="0"/>
+              <a:t>903204153</a:t>
             </a:r>
-            <a:endParaRPr/>
+            <a:endParaRPr dirty="0"/>
           </a:p>
           <a:p>
-            <a:pPr indent="0" lvl="0" marL="0" rtl="0" algn="ctr">
+            <a:pPr marL="0" lvl="0" indent="0" algn="ctr" rtl="0">
               <a:lnSpc>
                 <a:spcPct val="100000"/>
               </a:lnSpc>
@@ -10602,10 +10807,7 @@
               <a:buSzPts val="2800"/>
               <a:buNone/>
             </a:pPr>
-            <a:r>
-              <a:t/>
-            </a:r>
-            <a:endParaRPr/>
+            <a:endParaRPr dirty="0"/>
           </a:p>
         </p:txBody>
       </p:sp>
@@ -10618,11 +10820,11 @@
 </file>
 
 <file path=ppt/slides/slide10.xml><?xml version="1.0" encoding="utf-8"?>
-<p:sld xmlns:a="http://schemas.openxmlformats.org/drawingml/2006/main" xmlns:r="http://schemas.openxmlformats.org/officeDocument/2006/relationships" xmlns:mc="http://schemas.openxmlformats.org/markup-compatibility/2006" xmlns:mv="urn:schemas-microsoft-com:mac:vml" xmlns:p="http://schemas.openxmlformats.org/presentationml/2006/main" xmlns:c="http://schemas.openxmlformats.org/drawingml/2006/chart" xmlns:dgm="http://schemas.openxmlformats.org/drawingml/2006/diagram" xmlns:o="urn:schemas-microsoft-com:office:office" xmlns:v="urn:schemas-microsoft-com:vml" xmlns:pvml="urn:schemas-microsoft-com:office:powerpoint" xmlns:com="http://schemas.openxmlformats.org/drawingml/2006/compatibility" xmlns:p14="http://schemas.microsoft.com/office/powerpoint/2010/main" xmlns:p15="http://schemas.microsoft.com/office/powerpoint/2012/main">
+<p:sld xmlns:a="http://schemas.openxmlformats.org/drawingml/2006/main" xmlns:r="http://schemas.openxmlformats.org/officeDocument/2006/relationships" xmlns:p="http://schemas.openxmlformats.org/presentationml/2006/main">
   <p:cSld>
     <p:spTree>
       <p:nvGrpSpPr>
-        <p:cNvPr id="109" name="Shape 109"/>
+        <p:cNvPr id="1" name="Shape 109"/>
         <p:cNvGrpSpPr/>
         <p:nvPr/>
       </p:nvGrpSpPr>
@@ -10637,7 +10839,9 @@
       <p:sp>
         <p:nvSpPr>
           <p:cNvPr id="110" name="Google Shape;110;g702b81866f_1_6"/>
-          <p:cNvSpPr txBox="1"/>
+          <p:cNvSpPr txBox="1">
+            <a:spLocks noGrp="1"/>
+          </p:cNvSpPr>
           <p:nvPr>
             <p:ph type="title"/>
           </p:nvPr>
@@ -10652,12 +10856,12 @@
           </a:prstGeom>
         </p:spPr>
         <p:txBody>
-          <a:bodyPr anchorCtr="0" anchor="t" bIns="91425" lIns="91425" spcFirstLastPara="1" rIns="91425" wrap="square" tIns="91425">
+          <a:bodyPr spcFirstLastPara="1" wrap="square" lIns="91425" tIns="91425" rIns="91425" bIns="91425" anchor="t" anchorCtr="0">
             <a:noAutofit/>
           </a:bodyPr>
           <a:lstStyle/>
           <a:p>
-            <a:pPr indent="0" lvl="0" marL="0" rtl="0" algn="l">
+            <a:pPr marL="0" lvl="0" indent="0" algn="l" rtl="0">
               <a:spcBef>
                 <a:spcPts val="0"/>
               </a:spcBef>
@@ -10674,46 +10878,36 @@
           </a:p>
         </p:txBody>
       </p:sp>
-      <p:sp>
-        <p:nvSpPr>
-          <p:cNvPr id="111" name="Google Shape;111;g702b81866f_1_6"/>
-          <p:cNvSpPr txBox="1"/>
-          <p:nvPr>
-            <p:ph idx="1" type="body"/>
-          </p:nvPr>
-        </p:nvSpPr>
+      <p:pic>
+        <p:nvPicPr>
+          <p:cNvPr id="4" name="Picture 3">
+            <a:extLst>
+              <a:ext uri="{FF2B5EF4-FFF2-40B4-BE49-F238E27FC236}">
+                <a16:creationId xmlns:a16="http://schemas.microsoft.com/office/drawing/2014/main" id="{04435F70-AE1B-4C32-B89A-975C5C2824BC}"/>
+              </a:ext>
+            </a:extLst>
+          </p:cNvPr>
+          <p:cNvPicPr>
+            <a:picLocks noChangeAspect="1"/>
+          </p:cNvPicPr>
+          <p:nvPr/>
+        </p:nvPicPr>
+        <p:blipFill>
+          <a:blip r:embed="rId3"/>
+          <a:stretch>
+            <a:fillRect/>
+          </a:stretch>
+        </p:blipFill>
         <p:spPr>
           <a:xfrm>
-            <a:off x="311700" y="1152475"/>
-            <a:ext cx="8520600" cy="3416400"/>
+            <a:off x="1369955" y="1394318"/>
+            <a:ext cx="5706848" cy="2738632"/>
           </a:xfrm>
           <a:prstGeom prst="rect">
             <a:avLst/>
           </a:prstGeom>
         </p:spPr>
-        <p:txBody>
-          <a:bodyPr anchorCtr="0" anchor="t" bIns="91425" lIns="91425" spcFirstLastPara="1" rIns="91425" wrap="square" tIns="91425">
-            <a:noAutofit/>
-          </a:bodyPr>
-          <a:lstStyle/>
-          <a:p>
-            <a:pPr indent="0" lvl="0" marL="0" rtl="0" algn="l">
-              <a:spcBef>
-                <a:spcPts val="0"/>
-              </a:spcBef>
-              <a:spcAft>
-                <a:spcPts val="0"/>
-              </a:spcAft>
-              <a:buNone/>
-            </a:pPr>
-            <a:r>
-              <a:rPr lang="en"/>
-              <a:t>&lt;Insert images here&gt;</a:t>
-            </a:r>
-            <a:endParaRPr/>
-          </a:p>
-        </p:txBody>
-      </p:sp>
+      </p:pic>
     </p:spTree>
   </p:cSld>
   <p:clrMapOvr>
@@ -10723,11 +10917,11 @@
 </file>
 
 <file path=ppt/slides/slide11.xml><?xml version="1.0" encoding="utf-8"?>
-<p:sld xmlns:a="http://schemas.openxmlformats.org/drawingml/2006/main" xmlns:r="http://schemas.openxmlformats.org/officeDocument/2006/relationships" xmlns:mc="http://schemas.openxmlformats.org/markup-compatibility/2006" xmlns:mv="urn:schemas-microsoft-com:mac:vml" xmlns:p="http://schemas.openxmlformats.org/presentationml/2006/main" xmlns:c="http://schemas.openxmlformats.org/drawingml/2006/chart" xmlns:dgm="http://schemas.openxmlformats.org/drawingml/2006/diagram" xmlns:o="urn:schemas-microsoft-com:office:office" xmlns:v="urn:schemas-microsoft-com:vml" xmlns:pvml="urn:schemas-microsoft-com:office:powerpoint" xmlns:com="http://schemas.openxmlformats.org/drawingml/2006/compatibility" xmlns:p14="http://schemas.microsoft.com/office/powerpoint/2010/main" xmlns:p15="http://schemas.microsoft.com/office/powerpoint/2012/main">
+<p:sld xmlns:a="http://schemas.openxmlformats.org/drawingml/2006/main" xmlns:r="http://schemas.openxmlformats.org/officeDocument/2006/relationships" xmlns:p="http://schemas.openxmlformats.org/presentationml/2006/main">
   <p:cSld>
     <p:spTree>
       <p:nvGrpSpPr>
-        <p:cNvPr id="115" name="Shape 115"/>
+        <p:cNvPr id="1" name="Shape 115"/>
         <p:cNvGrpSpPr/>
         <p:nvPr/>
       </p:nvGrpSpPr>
@@ -10742,7 +10936,9 @@
       <p:sp>
         <p:nvSpPr>
           <p:cNvPr id="116" name="Google Shape;116;g702b81866f_1_12"/>
-          <p:cNvSpPr txBox="1"/>
+          <p:cNvSpPr txBox="1">
+            <a:spLocks noGrp="1"/>
+          </p:cNvSpPr>
           <p:nvPr>
             <p:ph type="title"/>
           </p:nvPr>
@@ -10757,12 +10953,12 @@
           </a:prstGeom>
         </p:spPr>
         <p:txBody>
-          <a:bodyPr anchorCtr="0" anchor="t" bIns="91425" lIns="91425" spcFirstLastPara="1" rIns="91425" wrap="square" tIns="91425">
+          <a:bodyPr spcFirstLastPara="1" wrap="square" lIns="91425" tIns="91425" rIns="91425" bIns="91425" anchor="t" anchorCtr="0">
             <a:noAutofit/>
           </a:bodyPr>
           <a:lstStyle/>
           <a:p>
-            <a:pPr indent="0" lvl="0" marL="0" rtl="0" algn="l">
+            <a:pPr marL="0" lvl="0" indent="0" algn="l" rtl="0">
               <a:spcBef>
                 <a:spcPts val="0"/>
               </a:spcBef>
@@ -10782,9 +10978,11 @@
       <p:sp>
         <p:nvSpPr>
           <p:cNvPr id="117" name="Google Shape;117;g702b81866f_1_12"/>
-          <p:cNvSpPr txBox="1"/>
+          <p:cNvSpPr txBox="1">
+            <a:spLocks noGrp="1"/>
+          </p:cNvSpPr>
           <p:nvPr>
-            <p:ph idx="1" type="body"/>
+            <p:ph type="body" idx="1"/>
           </p:nvPr>
         </p:nvSpPr>
         <p:spPr>
@@ -10797,12 +10995,12 @@
           </a:prstGeom>
         </p:spPr>
         <p:txBody>
-          <a:bodyPr anchorCtr="0" anchor="t" bIns="91425" lIns="91425" spcFirstLastPara="1" rIns="91425" wrap="square" tIns="91425">
+          <a:bodyPr spcFirstLastPara="1" wrap="square" lIns="91425" tIns="91425" rIns="91425" bIns="91425" anchor="t" anchorCtr="0">
             <a:noAutofit/>
           </a:bodyPr>
           <a:lstStyle/>
           <a:p>
-            <a:pPr indent="0" lvl="0" marL="0" rtl="0" algn="l">
+            <a:pPr marL="0" lvl="0" indent="0" algn="l" rtl="0">
               <a:spcBef>
                 <a:spcPts val="0"/>
               </a:spcBef>
@@ -10812,13 +11010,43 @@
               <a:buNone/>
             </a:pPr>
             <a:r>
-              <a:rPr lang="en"/>
-              <a:t>&lt;Insert images here&gt;</a:t>
+              <a:rPr lang="en-US" dirty="0"/>
+              <a:t> </a:t>
             </a:r>
-            <a:endParaRPr/>
+            <a:endParaRPr dirty="0"/>
           </a:p>
         </p:txBody>
       </p:sp>
+      <p:pic>
+        <p:nvPicPr>
+          <p:cNvPr id="2" name="Picture 1">
+            <a:extLst>
+              <a:ext uri="{FF2B5EF4-FFF2-40B4-BE49-F238E27FC236}">
+                <a16:creationId xmlns:a16="http://schemas.microsoft.com/office/drawing/2014/main" id="{3212D85C-ACBF-4703-816C-AC9D3E2145A4}"/>
+              </a:ext>
+            </a:extLst>
+          </p:cNvPr>
+          <p:cNvPicPr>
+            <a:picLocks noChangeAspect="1"/>
+          </p:cNvPicPr>
+          <p:nvPr/>
+        </p:nvPicPr>
+        <p:blipFill>
+          <a:blip r:embed="rId3"/>
+          <a:stretch>
+            <a:fillRect/>
+          </a:stretch>
+        </p:blipFill>
+        <p:spPr>
+          <a:xfrm>
+            <a:off x="1486432" y="1572435"/>
+            <a:ext cx="5276861" cy="2607390"/>
+          </a:xfrm>
+          <a:prstGeom prst="rect">
+            <a:avLst/>
+          </a:prstGeom>
+        </p:spPr>
+      </p:pic>
     </p:spTree>
   </p:cSld>
   <p:clrMapOvr>
@@ -10828,11 +11056,11 @@
 </file>
 
 <file path=ppt/slides/slide12.xml><?xml version="1.0" encoding="utf-8"?>
-<p:sld xmlns:a="http://schemas.openxmlformats.org/drawingml/2006/main" xmlns:r="http://schemas.openxmlformats.org/officeDocument/2006/relationships" xmlns:mc="http://schemas.openxmlformats.org/markup-compatibility/2006" xmlns:mv="urn:schemas-microsoft-com:mac:vml" xmlns:p="http://schemas.openxmlformats.org/presentationml/2006/main" xmlns:c="http://schemas.openxmlformats.org/drawingml/2006/chart" xmlns:dgm="http://schemas.openxmlformats.org/drawingml/2006/diagram" xmlns:o="urn:schemas-microsoft-com:office:office" xmlns:v="urn:schemas-microsoft-com:vml" xmlns:pvml="urn:schemas-microsoft-com:office:powerpoint" xmlns:com="http://schemas.openxmlformats.org/drawingml/2006/compatibility" xmlns:p14="http://schemas.microsoft.com/office/powerpoint/2010/main" xmlns:p15="http://schemas.microsoft.com/office/powerpoint/2012/main">
+<p:sld xmlns:a="http://schemas.openxmlformats.org/drawingml/2006/main" xmlns:r="http://schemas.openxmlformats.org/officeDocument/2006/relationships" xmlns:p="http://schemas.openxmlformats.org/presentationml/2006/main">
   <p:cSld>
     <p:spTree>
       <p:nvGrpSpPr>
-        <p:cNvPr id="121" name="Shape 121"/>
+        <p:cNvPr id="1" name="Shape 121"/>
         <p:cNvGrpSpPr/>
         <p:nvPr/>
       </p:nvGrpSpPr>
@@ -10847,7 +11075,9 @@
       <p:sp>
         <p:nvSpPr>
           <p:cNvPr id="122" name="Google Shape;122;g702b81866f_1_39"/>
-          <p:cNvSpPr txBox="1"/>
+          <p:cNvSpPr txBox="1">
+            <a:spLocks noGrp="1"/>
+          </p:cNvSpPr>
           <p:nvPr>
             <p:ph type="title"/>
           </p:nvPr>
@@ -10862,12 +11092,12 @@
           </a:prstGeom>
         </p:spPr>
         <p:txBody>
-          <a:bodyPr anchorCtr="0" anchor="t" bIns="91425" lIns="91425" spcFirstLastPara="1" rIns="91425" wrap="square" tIns="91425">
+          <a:bodyPr spcFirstLastPara="1" wrap="square" lIns="91425" tIns="91425" rIns="91425" bIns="91425" anchor="t" anchorCtr="0">
             <a:noAutofit/>
           </a:bodyPr>
           <a:lstStyle/>
           <a:p>
-            <a:pPr indent="0" lvl="0" marL="0" rtl="0" algn="l">
+            <a:pPr marL="0" lvl="0" indent="0" algn="l" rtl="0">
               <a:spcBef>
                 <a:spcPts val="0"/>
               </a:spcBef>
@@ -10887,9 +11117,11 @@
       <p:sp>
         <p:nvSpPr>
           <p:cNvPr id="123" name="Google Shape;123;g702b81866f_1_39"/>
-          <p:cNvSpPr txBox="1"/>
+          <p:cNvSpPr txBox="1">
+            <a:spLocks noGrp="1"/>
+          </p:cNvSpPr>
           <p:nvPr>
-            <p:ph idx="1" type="body"/>
+            <p:ph type="body" idx="1"/>
           </p:nvPr>
         </p:nvSpPr>
         <p:spPr>
@@ -10902,12 +11134,12 @@
           </a:prstGeom>
         </p:spPr>
         <p:txBody>
-          <a:bodyPr anchorCtr="0" anchor="t" bIns="91425" lIns="91425" spcFirstLastPara="1" rIns="91425" wrap="square" tIns="91425">
+          <a:bodyPr spcFirstLastPara="1" wrap="square" lIns="91425" tIns="91425" rIns="91425" bIns="91425" anchor="t" anchorCtr="0">
             <a:noAutofit/>
           </a:bodyPr>
           <a:lstStyle/>
           <a:p>
-            <a:pPr indent="0" lvl="0" marL="0" rtl="0" algn="l">
+            <a:pPr marL="0" lvl="0" indent="0" algn="l" rtl="0">
               <a:spcBef>
                 <a:spcPts val="0"/>
               </a:spcBef>
@@ -10917,13 +11149,43 @@
               <a:buNone/>
             </a:pPr>
             <a:r>
-              <a:rPr lang="en"/>
-              <a:t>&lt;Insert images here&gt;</a:t>
+              <a:rPr lang="en" dirty="0"/>
+              <a:t> </a:t>
             </a:r>
-            <a:endParaRPr/>
+            <a:endParaRPr dirty="0"/>
           </a:p>
         </p:txBody>
       </p:sp>
+      <p:pic>
+        <p:nvPicPr>
+          <p:cNvPr id="2" name="Picture 1">
+            <a:extLst>
+              <a:ext uri="{FF2B5EF4-FFF2-40B4-BE49-F238E27FC236}">
+                <a16:creationId xmlns:a16="http://schemas.microsoft.com/office/drawing/2014/main" id="{07189567-7564-4D3A-ADB9-35A4B1E653C9}"/>
+              </a:ext>
+            </a:extLst>
+          </p:cNvPr>
+          <p:cNvPicPr>
+            <a:picLocks noChangeAspect="1"/>
+          </p:cNvPicPr>
+          <p:nvPr/>
+        </p:nvPicPr>
+        <p:blipFill>
+          <a:blip r:embed="rId3"/>
+          <a:stretch>
+            <a:fillRect/>
+          </a:stretch>
+        </p:blipFill>
+        <p:spPr>
+          <a:xfrm>
+            <a:off x="1470103" y="1407925"/>
+            <a:ext cx="5613231" cy="2823125"/>
+          </a:xfrm>
+          <a:prstGeom prst="rect">
+            <a:avLst/>
+          </a:prstGeom>
+        </p:spPr>
+      </p:pic>
     </p:spTree>
   </p:cSld>
   <p:clrMapOvr>
@@ -10933,11 +11195,11 @@
 </file>
 
 <file path=ppt/slides/slide13.xml><?xml version="1.0" encoding="utf-8"?>
-<p:sld xmlns:a="http://schemas.openxmlformats.org/drawingml/2006/main" xmlns:r="http://schemas.openxmlformats.org/officeDocument/2006/relationships" xmlns:mc="http://schemas.openxmlformats.org/markup-compatibility/2006" xmlns:mv="urn:schemas-microsoft-com:mac:vml" xmlns:p="http://schemas.openxmlformats.org/presentationml/2006/main" xmlns:c="http://schemas.openxmlformats.org/drawingml/2006/chart" xmlns:dgm="http://schemas.openxmlformats.org/drawingml/2006/diagram" xmlns:o="urn:schemas-microsoft-com:office:office" xmlns:v="urn:schemas-microsoft-com:vml" xmlns:pvml="urn:schemas-microsoft-com:office:powerpoint" xmlns:com="http://schemas.openxmlformats.org/drawingml/2006/compatibility" xmlns:p14="http://schemas.microsoft.com/office/powerpoint/2010/main" xmlns:p15="http://schemas.microsoft.com/office/powerpoint/2012/main">
+<p:sld xmlns:a="http://schemas.openxmlformats.org/drawingml/2006/main" xmlns:r="http://schemas.openxmlformats.org/officeDocument/2006/relationships" xmlns:p="http://schemas.openxmlformats.org/presentationml/2006/main">
   <p:cSld>
     <p:spTree>
       <p:nvGrpSpPr>
-        <p:cNvPr id="127" name="Shape 127"/>
+        <p:cNvPr id="1" name="Shape 127"/>
         <p:cNvGrpSpPr/>
         <p:nvPr/>
       </p:nvGrpSpPr>
@@ -10952,7 +11214,9 @@
       <p:sp>
         <p:nvSpPr>
           <p:cNvPr id="128" name="Google Shape;128;g702b81866f_1_44"/>
-          <p:cNvSpPr txBox="1"/>
+          <p:cNvSpPr txBox="1">
+            <a:spLocks noGrp="1"/>
+          </p:cNvSpPr>
           <p:nvPr>
             <p:ph type="title"/>
           </p:nvPr>
@@ -10967,12 +11231,12 @@
           </a:prstGeom>
         </p:spPr>
         <p:txBody>
-          <a:bodyPr anchorCtr="0" anchor="t" bIns="91425" lIns="91425" spcFirstLastPara="1" rIns="91425" wrap="square" tIns="91425">
+          <a:bodyPr spcFirstLastPara="1" wrap="square" lIns="91425" tIns="91425" rIns="91425" bIns="91425" anchor="t" anchorCtr="0">
             <a:noAutofit/>
           </a:bodyPr>
           <a:lstStyle/>
           <a:p>
-            <a:pPr indent="0" lvl="0" marL="0" rtl="0" algn="l">
+            <a:pPr marL="0" lvl="0" indent="0" algn="l" rtl="0">
               <a:spcBef>
                 <a:spcPts val="0"/>
               </a:spcBef>
@@ -10982,19 +11246,21 @@
               <a:buNone/>
             </a:pPr>
             <a:r>
-              <a:rPr lang="en"/>
+              <a:rPr lang="en" dirty="0"/>
               <a:t>3.2.4 Do not enter sign detection</a:t>
             </a:r>
-            <a:endParaRPr/>
+            <a:endParaRPr dirty="0"/>
           </a:p>
         </p:txBody>
       </p:sp>
       <p:sp>
         <p:nvSpPr>
           <p:cNvPr id="129" name="Google Shape;129;g702b81866f_1_44"/>
-          <p:cNvSpPr txBox="1"/>
+          <p:cNvSpPr txBox="1">
+            <a:spLocks noGrp="1"/>
+          </p:cNvSpPr>
           <p:nvPr>
-            <p:ph idx="1" type="body"/>
+            <p:ph type="body" idx="1"/>
           </p:nvPr>
         </p:nvSpPr>
         <p:spPr>
@@ -11007,12 +11273,12 @@
           </a:prstGeom>
         </p:spPr>
         <p:txBody>
-          <a:bodyPr anchorCtr="0" anchor="t" bIns="91425" lIns="91425" spcFirstLastPara="1" rIns="91425" wrap="square" tIns="91425">
+          <a:bodyPr spcFirstLastPara="1" wrap="square" lIns="91425" tIns="91425" rIns="91425" bIns="91425" anchor="t" anchorCtr="0">
             <a:noAutofit/>
           </a:bodyPr>
           <a:lstStyle/>
           <a:p>
-            <a:pPr indent="0" lvl="0" marL="0" rtl="0" algn="l">
+            <a:pPr marL="0" lvl="0" indent="0" algn="l" rtl="0">
               <a:spcBef>
                 <a:spcPts val="0"/>
               </a:spcBef>
@@ -11022,13 +11288,43 @@
               <a:buNone/>
             </a:pPr>
             <a:r>
-              <a:rPr lang="en"/>
-              <a:t>&lt;Insert images here&gt;</a:t>
+              <a:rPr lang="en-US" dirty="0"/>
+              <a:t> </a:t>
             </a:r>
-            <a:endParaRPr/>
+            <a:endParaRPr dirty="0"/>
           </a:p>
         </p:txBody>
       </p:sp>
+      <p:pic>
+        <p:nvPicPr>
+          <p:cNvPr id="2" name="Picture 1">
+            <a:extLst>
+              <a:ext uri="{FF2B5EF4-FFF2-40B4-BE49-F238E27FC236}">
+                <a16:creationId xmlns:a16="http://schemas.microsoft.com/office/drawing/2014/main" id="{2797FE41-9B14-4BC6-BFA3-046155533E85}"/>
+              </a:ext>
+            </a:extLst>
+          </p:cNvPr>
+          <p:cNvPicPr>
+            <a:picLocks noChangeAspect="1"/>
+          </p:cNvPicPr>
+          <p:nvPr/>
+        </p:nvPicPr>
+        <p:blipFill>
+          <a:blip r:embed="rId3"/>
+          <a:stretch>
+            <a:fillRect/>
+          </a:stretch>
+        </p:blipFill>
+        <p:spPr>
+          <a:xfrm>
+            <a:off x="1662372" y="1408129"/>
+            <a:ext cx="5496074" cy="2811030"/>
+          </a:xfrm>
+          <a:prstGeom prst="rect">
+            <a:avLst/>
+          </a:prstGeom>
+        </p:spPr>
+      </p:pic>
     </p:spTree>
   </p:cSld>
   <p:clrMapOvr>
@@ -11038,11 +11334,11 @@
 </file>
 
 <file path=ppt/slides/slide14.xml><?xml version="1.0" encoding="utf-8"?>
-<p:sld xmlns:a="http://schemas.openxmlformats.org/drawingml/2006/main" xmlns:r="http://schemas.openxmlformats.org/officeDocument/2006/relationships" xmlns:mc="http://schemas.openxmlformats.org/markup-compatibility/2006" xmlns:mv="urn:schemas-microsoft-com:mac:vml" xmlns:p="http://schemas.openxmlformats.org/presentationml/2006/main" xmlns:c="http://schemas.openxmlformats.org/drawingml/2006/chart" xmlns:dgm="http://schemas.openxmlformats.org/drawingml/2006/diagram" xmlns:o="urn:schemas-microsoft-com:office:office" xmlns:v="urn:schemas-microsoft-com:vml" xmlns:pvml="urn:schemas-microsoft-com:office:powerpoint" xmlns:com="http://schemas.openxmlformats.org/drawingml/2006/compatibility" xmlns:p14="http://schemas.microsoft.com/office/powerpoint/2010/main" xmlns:p15="http://schemas.microsoft.com/office/powerpoint/2012/main">
+<p:sld xmlns:a="http://schemas.openxmlformats.org/drawingml/2006/main" xmlns:r="http://schemas.openxmlformats.org/officeDocument/2006/relationships" xmlns:p="http://schemas.openxmlformats.org/presentationml/2006/main">
   <p:cSld>
     <p:spTree>
       <p:nvGrpSpPr>
-        <p:cNvPr id="133" name="Shape 133"/>
+        <p:cNvPr id="1" name="Shape 133"/>
         <p:cNvGrpSpPr/>
         <p:nvPr/>
       </p:nvGrpSpPr>
@@ -11057,7 +11353,9 @@
       <p:sp>
         <p:nvSpPr>
           <p:cNvPr id="134" name="Google Shape;134;g702b81866f_1_55"/>
-          <p:cNvSpPr txBox="1"/>
+          <p:cNvSpPr txBox="1">
+            <a:spLocks noGrp="1"/>
+          </p:cNvSpPr>
           <p:nvPr>
             <p:ph type="title"/>
           </p:nvPr>
@@ -11072,12 +11370,12 @@
           </a:prstGeom>
         </p:spPr>
         <p:txBody>
-          <a:bodyPr anchorCtr="0" anchor="t" bIns="91425" lIns="91425" spcFirstLastPara="1" rIns="91425" wrap="square" tIns="91425">
+          <a:bodyPr spcFirstLastPara="1" wrap="square" lIns="91425" tIns="91425" rIns="91425" bIns="91425" anchor="t" anchorCtr="0">
             <a:noAutofit/>
           </a:bodyPr>
           <a:lstStyle/>
           <a:p>
-            <a:pPr indent="0" lvl="0" marL="0" rtl="0" algn="l">
+            <a:pPr marL="0" lvl="0" indent="0" algn="l" rtl="0">
               <a:spcBef>
                 <a:spcPts val="0"/>
               </a:spcBef>
@@ -11094,46 +11392,36 @@
           </a:p>
         </p:txBody>
       </p:sp>
-      <p:sp>
-        <p:nvSpPr>
-          <p:cNvPr id="135" name="Google Shape;135;g702b81866f_1_55"/>
-          <p:cNvSpPr txBox="1"/>
-          <p:nvPr>
-            <p:ph idx="1" type="body"/>
-          </p:nvPr>
-        </p:nvSpPr>
+      <p:pic>
+        <p:nvPicPr>
+          <p:cNvPr id="4" name="Picture 3">
+            <a:extLst>
+              <a:ext uri="{FF2B5EF4-FFF2-40B4-BE49-F238E27FC236}">
+                <a16:creationId xmlns:a16="http://schemas.microsoft.com/office/drawing/2014/main" id="{CBDFAE55-9801-4F42-85F9-46D42EF118A1}"/>
+              </a:ext>
+            </a:extLst>
+          </p:cNvPr>
+          <p:cNvPicPr>
+            <a:picLocks noChangeAspect="1"/>
+          </p:cNvPicPr>
+          <p:nvPr/>
+        </p:nvPicPr>
+        <p:blipFill>
+          <a:blip r:embed="rId3"/>
+          <a:stretch>
+            <a:fillRect/>
+          </a:stretch>
+        </p:blipFill>
         <p:spPr>
           <a:xfrm>
-            <a:off x="311700" y="1152475"/>
-            <a:ext cx="8520600" cy="3416400"/>
+            <a:off x="1464387" y="1426022"/>
+            <a:ext cx="5592821" cy="2780246"/>
           </a:xfrm>
           <a:prstGeom prst="rect">
             <a:avLst/>
           </a:prstGeom>
         </p:spPr>
-        <p:txBody>
-          <a:bodyPr anchorCtr="0" anchor="t" bIns="91425" lIns="91425" spcFirstLastPara="1" rIns="91425" wrap="square" tIns="91425">
-            <a:noAutofit/>
-          </a:bodyPr>
-          <a:lstStyle/>
-          <a:p>
-            <a:pPr indent="0" lvl="0" marL="0" rtl="0" algn="l">
-              <a:spcBef>
-                <a:spcPts val="0"/>
-              </a:spcBef>
-              <a:spcAft>
-                <a:spcPts val="0"/>
-              </a:spcAft>
-              <a:buNone/>
-            </a:pPr>
-            <a:r>
-              <a:rPr lang="en"/>
-              <a:t>&lt;Insert images here&gt;</a:t>
-            </a:r>
-            <a:endParaRPr/>
-          </a:p>
-        </p:txBody>
-      </p:sp>
+      </p:pic>
     </p:spTree>
   </p:cSld>
   <p:clrMapOvr>
@@ -11143,11 +11431,11 @@
 </file>
 
 <file path=ppt/slides/slide15.xml><?xml version="1.0" encoding="utf-8"?>
-<p:sld xmlns:a="http://schemas.openxmlformats.org/drawingml/2006/main" xmlns:r="http://schemas.openxmlformats.org/officeDocument/2006/relationships" xmlns:mc="http://schemas.openxmlformats.org/markup-compatibility/2006" xmlns:mv="urn:schemas-microsoft-com:mac:vml" xmlns:p="http://schemas.openxmlformats.org/presentationml/2006/main" xmlns:c="http://schemas.openxmlformats.org/drawingml/2006/chart" xmlns:dgm="http://schemas.openxmlformats.org/drawingml/2006/diagram" xmlns:o="urn:schemas-microsoft-com:office:office" xmlns:v="urn:schemas-microsoft-com:vml" xmlns:pvml="urn:schemas-microsoft-com:office:powerpoint" xmlns:com="http://schemas.openxmlformats.org/drawingml/2006/compatibility" xmlns:p14="http://schemas.microsoft.com/office/powerpoint/2010/main" xmlns:p15="http://schemas.microsoft.com/office/powerpoint/2012/main">
+<p:sld xmlns:a="http://schemas.openxmlformats.org/drawingml/2006/main" xmlns:r="http://schemas.openxmlformats.org/officeDocument/2006/relationships" xmlns:p="http://schemas.openxmlformats.org/presentationml/2006/main">
   <p:cSld>
     <p:spTree>
       <p:nvGrpSpPr>
-        <p:cNvPr id="139" name="Shape 139"/>
+        <p:cNvPr id="1" name="Shape 139"/>
         <p:cNvGrpSpPr/>
         <p:nvPr/>
       </p:nvGrpSpPr>
@@ -11162,7 +11450,9 @@
       <p:sp>
         <p:nvSpPr>
           <p:cNvPr id="140" name="Google Shape;140;g702b81866f_0_6"/>
-          <p:cNvSpPr txBox="1"/>
+          <p:cNvSpPr txBox="1">
+            <a:spLocks noGrp="1"/>
+          </p:cNvSpPr>
           <p:nvPr>
             <p:ph type="ctrTitle"/>
           </p:nvPr>
@@ -11181,12 +11471,12 @@
           </a:ln>
         </p:spPr>
         <p:txBody>
-          <a:bodyPr anchorCtr="0" anchor="b" bIns="91425" lIns="91425" spcFirstLastPara="1" rIns="91425" wrap="square" tIns="91425">
+          <a:bodyPr spcFirstLastPara="1" wrap="square" lIns="91425" tIns="91425" rIns="91425" bIns="91425" anchor="b" anchorCtr="0">
             <a:noAutofit/>
           </a:bodyPr>
           <a:lstStyle/>
           <a:p>
-            <a:pPr indent="0" lvl="0" marL="0" rtl="0" algn="ctr">
+            <a:pPr marL="0" lvl="0" indent="0" algn="ctr" rtl="0">
               <a:lnSpc>
                 <a:spcPct val="100000"/>
               </a:lnSpc>
@@ -11210,9 +11500,11 @@
       <p:sp>
         <p:nvSpPr>
           <p:cNvPr id="141" name="Google Shape;141;g702b81866f_0_6"/>
-          <p:cNvSpPr txBox="1"/>
+          <p:cNvSpPr txBox="1">
+            <a:spLocks noGrp="1"/>
+          </p:cNvSpPr>
           <p:nvPr>
-            <p:ph idx="1" type="subTitle"/>
+            <p:ph type="subTitle" idx="1"/>
           </p:nvPr>
         </p:nvSpPr>
         <p:spPr>
@@ -11229,12 +11521,12 @@
           </a:ln>
         </p:spPr>
         <p:txBody>
-          <a:bodyPr anchorCtr="0" anchor="t" bIns="91425" lIns="91425" spcFirstLastPara="1" rIns="91425" wrap="square" tIns="91425">
+          <a:bodyPr spcFirstLastPara="1" wrap="square" lIns="91425" tIns="91425" rIns="91425" bIns="91425" anchor="t" anchorCtr="0">
             <a:noAutofit/>
           </a:bodyPr>
           <a:lstStyle/>
           <a:p>
-            <a:pPr indent="0" lvl="0" marL="0" rtl="0" algn="ctr">
+            <a:pPr marL="0" lvl="0" indent="0" algn="ctr" rtl="0">
               <a:lnSpc>
                 <a:spcPct val="100000"/>
               </a:lnSpc>
@@ -11264,11 +11556,11 @@
 </file>
 
 <file path=ppt/slides/slide16.xml><?xml version="1.0" encoding="utf-8"?>
-<p:sld xmlns:a="http://schemas.openxmlformats.org/drawingml/2006/main" xmlns:r="http://schemas.openxmlformats.org/officeDocument/2006/relationships" xmlns:mc="http://schemas.openxmlformats.org/markup-compatibility/2006" xmlns:mv="urn:schemas-microsoft-com:mac:vml" xmlns:p="http://schemas.openxmlformats.org/presentationml/2006/main" xmlns:c="http://schemas.openxmlformats.org/drawingml/2006/chart" xmlns:dgm="http://schemas.openxmlformats.org/drawingml/2006/diagram" xmlns:o="urn:schemas-microsoft-com:office:office" xmlns:v="urn:schemas-microsoft-com:vml" xmlns:pvml="urn:schemas-microsoft-com:office:powerpoint" xmlns:com="http://schemas.openxmlformats.org/drawingml/2006/compatibility" xmlns:p14="http://schemas.microsoft.com/office/powerpoint/2010/main" xmlns:p15="http://schemas.microsoft.com/office/powerpoint/2012/main">
+<p:sld xmlns:a="http://schemas.openxmlformats.org/drawingml/2006/main" xmlns:r="http://schemas.openxmlformats.org/officeDocument/2006/relationships" xmlns:p="http://schemas.openxmlformats.org/presentationml/2006/main">
   <p:cSld>
     <p:spTree>
       <p:nvGrpSpPr>
-        <p:cNvPr id="145" name="Shape 145"/>
+        <p:cNvPr id="1" name="Shape 145"/>
         <p:cNvGrpSpPr/>
         <p:nvPr/>
       </p:nvGrpSpPr>
@@ -11283,7 +11575,9 @@
       <p:sp>
         <p:nvSpPr>
           <p:cNvPr id="146" name="Google Shape;146;g702b81866f_0_11"/>
-          <p:cNvSpPr txBox="1"/>
+          <p:cNvSpPr txBox="1">
+            <a:spLocks noGrp="1"/>
+          </p:cNvSpPr>
           <p:nvPr>
             <p:ph type="title"/>
           </p:nvPr>
@@ -11298,12 +11592,12 @@
           </a:prstGeom>
         </p:spPr>
         <p:txBody>
-          <a:bodyPr anchorCtr="0" anchor="t" bIns="91425" lIns="91425" spcFirstLastPara="1" rIns="91425" wrap="square" tIns="91425">
+          <a:bodyPr spcFirstLastPara="1" wrap="square" lIns="91425" tIns="91425" rIns="91425" bIns="91425" anchor="t" anchorCtr="0">
             <a:noAutofit/>
           </a:bodyPr>
           <a:lstStyle/>
           <a:p>
-            <a:pPr indent="0" lvl="0" marL="0" rtl="0" algn="l">
+            <a:pPr marL="0" lvl="0" indent="0" algn="l" rtl="0">
               <a:spcBef>
                 <a:spcPts val="0"/>
               </a:spcBef>
@@ -11320,46 +11614,65 @@
           </a:p>
         </p:txBody>
       </p:sp>
-      <p:sp>
-        <p:nvSpPr>
-          <p:cNvPr id="147" name="Google Shape;147;g702b81866f_0_11"/>
-          <p:cNvSpPr txBox="1"/>
-          <p:nvPr>
-            <p:ph idx="1" type="body"/>
-          </p:nvPr>
-        </p:nvSpPr>
+      <p:pic>
+        <p:nvPicPr>
+          <p:cNvPr id="4" name="Picture 3">
+            <a:extLst>
+              <a:ext uri="{FF2B5EF4-FFF2-40B4-BE49-F238E27FC236}">
+                <a16:creationId xmlns:a16="http://schemas.microsoft.com/office/drawing/2014/main" id="{EB3A8CEC-0B42-4760-AF35-4019A5BD283B}"/>
+              </a:ext>
+            </a:extLst>
+          </p:cNvPr>
+          <p:cNvPicPr>
+            <a:picLocks noChangeAspect="1"/>
+          </p:cNvPicPr>
+          <p:nvPr/>
+        </p:nvPicPr>
+        <p:blipFill>
+          <a:blip r:embed="rId3"/>
+          <a:stretch>
+            <a:fillRect/>
+          </a:stretch>
+        </p:blipFill>
         <p:spPr>
           <a:xfrm>
-            <a:off x="311700" y="1152475"/>
-            <a:ext cx="8520600" cy="3416400"/>
+            <a:off x="401933" y="1307566"/>
+            <a:ext cx="3931670" cy="2365762"/>
           </a:xfrm>
           <a:prstGeom prst="rect">
             <a:avLst/>
           </a:prstGeom>
         </p:spPr>
-        <p:txBody>
-          <a:bodyPr anchorCtr="0" anchor="t" bIns="91425" lIns="91425" spcFirstLastPara="1" rIns="91425" wrap="square" tIns="91425">
-            <a:noAutofit/>
-          </a:bodyPr>
-          <a:lstStyle/>
-          <a:p>
-            <a:pPr indent="0" lvl="0" marL="0" rtl="0" algn="l">
-              <a:spcBef>
-                <a:spcPts val="0"/>
-              </a:spcBef>
-              <a:spcAft>
-                <a:spcPts val="0"/>
-              </a:spcAft>
-              <a:buNone/>
-            </a:pPr>
-            <a:r>
-              <a:rPr lang="en"/>
-              <a:t>&lt;Insert images of detected circles here&gt;</a:t>
-            </a:r>
-            <a:endParaRPr/>
-          </a:p>
-        </p:txBody>
-      </p:sp>
+      </p:pic>
+      <p:pic>
+        <p:nvPicPr>
+          <p:cNvPr id="5" name="Picture 4">
+            <a:extLst>
+              <a:ext uri="{FF2B5EF4-FFF2-40B4-BE49-F238E27FC236}">
+                <a16:creationId xmlns:a16="http://schemas.microsoft.com/office/drawing/2014/main" id="{0F3DDC38-CC24-4F12-811A-A9A7D2D5D058}"/>
+              </a:ext>
+            </a:extLst>
+          </p:cNvPr>
+          <p:cNvPicPr>
+            <a:picLocks noChangeAspect="1"/>
+          </p:cNvPicPr>
+          <p:nvPr/>
+        </p:nvPicPr>
+        <p:blipFill rotWithShape="1">
+          <a:blip r:embed="rId4"/>
+          <a:srcRect r="21154" b="49296"/>
+          <a:stretch/>
+        </p:blipFill>
+        <p:spPr>
+          <a:xfrm>
+            <a:off x="4515168" y="1307566"/>
+            <a:ext cx="4076925" cy="2761549"/>
+          </a:xfrm>
+          <a:prstGeom prst="rect">
+            <a:avLst/>
+          </a:prstGeom>
+        </p:spPr>
+      </p:pic>
     </p:spTree>
   </p:cSld>
   <p:clrMapOvr>
@@ -11369,11 +11682,11 @@
 </file>
 
 <file path=ppt/slides/slide17.xml><?xml version="1.0" encoding="utf-8"?>
-<p:sld xmlns:a="http://schemas.openxmlformats.org/drawingml/2006/main" xmlns:r="http://schemas.openxmlformats.org/officeDocument/2006/relationships" xmlns:mc="http://schemas.openxmlformats.org/markup-compatibility/2006" xmlns:mv="urn:schemas-microsoft-com:mac:vml" xmlns:p="http://schemas.openxmlformats.org/presentationml/2006/main" xmlns:c="http://schemas.openxmlformats.org/drawingml/2006/chart" xmlns:dgm="http://schemas.openxmlformats.org/drawingml/2006/diagram" xmlns:o="urn:schemas-microsoft-com:office:office" xmlns:v="urn:schemas-microsoft-com:vml" xmlns:pvml="urn:schemas-microsoft-com:office:powerpoint" xmlns:com="http://schemas.openxmlformats.org/drawingml/2006/compatibility" xmlns:p14="http://schemas.microsoft.com/office/powerpoint/2010/main" xmlns:p15="http://schemas.microsoft.com/office/powerpoint/2012/main">
+<p:sld xmlns:a="http://schemas.openxmlformats.org/drawingml/2006/main" xmlns:r="http://schemas.openxmlformats.org/officeDocument/2006/relationships" xmlns:p="http://schemas.openxmlformats.org/presentationml/2006/main">
   <p:cSld>
     <p:spTree>
       <p:nvGrpSpPr>
-        <p:cNvPr id="151" name="Shape 151"/>
+        <p:cNvPr id="1" name="Shape 151"/>
         <p:cNvGrpSpPr/>
         <p:nvPr/>
       </p:nvGrpSpPr>
@@ -11388,7 +11701,9 @@
       <p:sp>
         <p:nvSpPr>
           <p:cNvPr id="152" name="Google Shape;152;g702b81866f_1_63"/>
-          <p:cNvSpPr txBox="1"/>
+          <p:cNvSpPr txBox="1">
+            <a:spLocks noGrp="1"/>
+          </p:cNvSpPr>
           <p:nvPr>
             <p:ph type="title"/>
           </p:nvPr>
@@ -11403,12 +11718,12 @@
           </a:prstGeom>
         </p:spPr>
         <p:txBody>
-          <a:bodyPr anchorCtr="0" anchor="t" bIns="91425" lIns="91425" spcFirstLastPara="1" rIns="91425" wrap="square" tIns="91425">
+          <a:bodyPr spcFirstLastPara="1" wrap="square" lIns="91425" tIns="91425" rIns="91425" bIns="91425" anchor="t" anchorCtr="0">
             <a:noAutofit/>
           </a:bodyPr>
           <a:lstStyle/>
           <a:p>
-            <a:pPr indent="0" lvl="0" marL="0" rtl="0" algn="l">
+            <a:pPr marL="0" lvl="0" indent="0" algn="l" rtl="0">
               <a:spcBef>
                 <a:spcPts val="0"/>
               </a:spcBef>
@@ -11418,50 +11733,253 @@
               <a:buNone/>
             </a:pPr>
             <a:r>
-              <a:rPr lang="en" sz="2400"/>
+              <a:rPr lang="en" sz="2400" dirty="0"/>
               <a:t>4.1 Known Radius</a:t>
             </a:r>
-            <a:endParaRPr sz="2400"/>
+            <a:endParaRPr sz="2400" dirty="0"/>
           </a:p>
         </p:txBody>
       </p:sp>
       <p:sp>
         <p:nvSpPr>
-          <p:cNvPr id="153" name="Google Shape;153;g702b81866f_1_63"/>
+          <p:cNvPr id="4" name="Google Shape;85;p10">
+            <a:extLst>
+              <a:ext uri="{FF2B5EF4-FFF2-40B4-BE49-F238E27FC236}">
+                <a16:creationId xmlns:a16="http://schemas.microsoft.com/office/drawing/2014/main" id="{057EE5C2-EC7E-4EF9-A278-6218AACDB7AE}"/>
+              </a:ext>
+            </a:extLst>
+          </p:cNvPr>
           <p:cNvSpPr txBox="1"/>
-          <p:nvPr>
-            <p:ph idx="1" type="body"/>
-          </p:nvPr>
+          <p:nvPr/>
         </p:nvSpPr>
         <p:spPr>
           <a:xfrm>
-            <a:off x="311700" y="1152475"/>
-            <a:ext cx="8520600" cy="3416400"/>
+            <a:off x="747848" y="3838889"/>
+            <a:ext cx="7367452" cy="827815"/>
+          </a:xfrm>
+          <a:prstGeom prst="rect">
+            <a:avLst/>
+          </a:prstGeom>
+          <a:noFill/>
+          <a:ln>
+            <a:noFill/>
+          </a:ln>
+        </p:spPr>
+        <p:txBody>
+          <a:bodyPr spcFirstLastPara="1" wrap="square" lIns="91425" tIns="91425" rIns="91425" bIns="91425" anchor="t" anchorCtr="0">
+            <a:noAutofit/>
+          </a:bodyPr>
+          <a:lstStyle/>
+          <a:p>
+            <a:pPr marL="0" lvl="0" indent="0" algn="l" rtl="0">
+              <a:spcBef>
+                <a:spcPts val="0"/>
+              </a:spcBef>
+              <a:spcAft>
+                <a:spcPts val="0"/>
+              </a:spcAft>
+              <a:buNone/>
+            </a:pPr>
+            <a:r>
+              <a:rPr lang="en-US" sz="1200" dirty="0"/>
+              <a:t>When threshold is low, the circle detection is not accurate, the error is significant as it detects some incorrect object. Then after I increase the threshold, it only detects the correct object.</a:t>
+            </a:r>
+            <a:endParaRPr sz="1200" dirty="0"/>
+          </a:p>
+        </p:txBody>
+      </p:sp>
+      <p:pic>
+        <p:nvPicPr>
+          <p:cNvPr id="3" name="Picture 2">
+            <a:extLst>
+              <a:ext uri="{FF2B5EF4-FFF2-40B4-BE49-F238E27FC236}">
+                <a16:creationId xmlns:a16="http://schemas.microsoft.com/office/drawing/2014/main" id="{07C9D18C-D872-4E50-9D3C-CB8117548CF2}"/>
+              </a:ext>
+            </a:extLst>
+          </p:cNvPr>
+          <p:cNvPicPr>
+            <a:picLocks noChangeAspect="1"/>
+          </p:cNvPicPr>
+          <p:nvPr/>
+        </p:nvPicPr>
+        <p:blipFill>
+          <a:blip r:embed="rId3"/>
+          <a:stretch>
+            <a:fillRect/>
+          </a:stretch>
+        </p:blipFill>
+        <p:spPr>
+          <a:xfrm>
+            <a:off x="368598" y="1151619"/>
+            <a:ext cx="2776279" cy="1986280"/>
           </a:xfrm>
           <a:prstGeom prst="rect">
             <a:avLst/>
           </a:prstGeom>
         </p:spPr>
+      </p:pic>
+      <p:sp>
+        <p:nvSpPr>
+          <p:cNvPr id="5" name="TextBox 4">
+            <a:extLst>
+              <a:ext uri="{FF2B5EF4-FFF2-40B4-BE49-F238E27FC236}">
+                <a16:creationId xmlns:a16="http://schemas.microsoft.com/office/drawing/2014/main" id="{9465D05A-52FC-458C-8EEC-A5C4F40BC654}"/>
+              </a:ext>
+            </a:extLst>
+          </p:cNvPr>
+          <p:cNvSpPr txBox="1"/>
+          <p:nvPr/>
+        </p:nvSpPr>
+        <p:spPr>
+          <a:xfrm>
+            <a:off x="1015637" y="3132780"/>
+            <a:ext cx="1760220" cy="307777"/>
+          </a:xfrm>
+          <a:prstGeom prst="rect">
+            <a:avLst/>
+          </a:prstGeom>
+          <a:noFill/>
+        </p:spPr>
         <p:txBody>
-          <a:bodyPr anchorCtr="0" anchor="t" bIns="91425" lIns="91425" spcFirstLastPara="1" rIns="91425" wrap="square" tIns="91425">
-            <a:noAutofit/>
+          <a:bodyPr wrap="square" rtlCol="0">
+            <a:spAutoFit/>
           </a:bodyPr>
           <a:lstStyle/>
           <a:p>
-            <a:pPr indent="0" lvl="0" marL="0" rtl="0" algn="l">
-              <a:spcBef>
-                <a:spcPts val="0"/>
-              </a:spcBef>
-              <a:spcAft>
-                <a:spcPts val="0"/>
-              </a:spcAft>
-              <a:buNone/>
-            </a:pPr>
             <a:r>
-              <a:rPr lang="en"/>
-              <a:t>&lt;Insert images of different thresholds here&gt;</a:t>
+              <a:rPr lang="en-US" dirty="0"/>
+              <a:t>Threshold = 0.4</a:t>
             </a:r>
-            <a:endParaRPr/>
+          </a:p>
+        </p:txBody>
+      </p:sp>
+      <p:pic>
+        <p:nvPicPr>
+          <p:cNvPr id="6" name="Picture 5">
+            <a:extLst>
+              <a:ext uri="{FF2B5EF4-FFF2-40B4-BE49-F238E27FC236}">
+                <a16:creationId xmlns:a16="http://schemas.microsoft.com/office/drawing/2014/main" id="{1DAD0033-319C-4420-8F69-8E0419901F2F}"/>
+              </a:ext>
+            </a:extLst>
+          </p:cNvPr>
+          <p:cNvPicPr>
+            <a:picLocks noChangeAspect="1"/>
+          </p:cNvPicPr>
+          <p:nvPr/>
+        </p:nvPicPr>
+        <p:blipFill>
+          <a:blip r:embed="rId4"/>
+          <a:stretch>
+            <a:fillRect/>
+          </a:stretch>
+        </p:blipFill>
+        <p:spPr>
+          <a:xfrm>
+            <a:off x="3067575" y="1201456"/>
+            <a:ext cx="2776279" cy="1931324"/>
+          </a:xfrm>
+          <a:prstGeom prst="rect">
+            <a:avLst/>
+          </a:prstGeom>
+        </p:spPr>
+      </p:pic>
+      <p:pic>
+        <p:nvPicPr>
+          <p:cNvPr id="7" name="Picture 6">
+            <a:extLst>
+              <a:ext uri="{FF2B5EF4-FFF2-40B4-BE49-F238E27FC236}">
+                <a16:creationId xmlns:a16="http://schemas.microsoft.com/office/drawing/2014/main" id="{991378D6-2186-4FC9-8EAD-8999CDFB49AB}"/>
+              </a:ext>
+            </a:extLst>
+          </p:cNvPr>
+          <p:cNvPicPr>
+            <a:picLocks noChangeAspect="1"/>
+          </p:cNvPicPr>
+          <p:nvPr/>
+        </p:nvPicPr>
+        <p:blipFill>
+          <a:blip r:embed="rId5"/>
+          <a:stretch>
+            <a:fillRect/>
+          </a:stretch>
+        </p:blipFill>
+        <p:spPr>
+          <a:xfrm>
+            <a:off x="5942765" y="1201456"/>
+            <a:ext cx="2776279" cy="1921436"/>
+          </a:xfrm>
+          <a:prstGeom prst="rect">
+            <a:avLst/>
+          </a:prstGeom>
+        </p:spPr>
+      </p:pic>
+      <p:sp>
+        <p:nvSpPr>
+          <p:cNvPr id="9" name="TextBox 8">
+            <a:extLst>
+              <a:ext uri="{FF2B5EF4-FFF2-40B4-BE49-F238E27FC236}">
+                <a16:creationId xmlns:a16="http://schemas.microsoft.com/office/drawing/2014/main" id="{54D1A79D-60D7-46C8-848A-E6B70977B26E}"/>
+              </a:ext>
+            </a:extLst>
+          </p:cNvPr>
+          <p:cNvSpPr txBox="1"/>
+          <p:nvPr/>
+        </p:nvSpPr>
+        <p:spPr>
+          <a:xfrm>
+            <a:off x="3761014" y="3132780"/>
+            <a:ext cx="1760220" cy="307777"/>
+          </a:xfrm>
+          <a:prstGeom prst="rect">
+            <a:avLst/>
+          </a:prstGeom>
+          <a:noFill/>
+        </p:spPr>
+        <p:txBody>
+          <a:bodyPr wrap="square" rtlCol="0">
+            <a:spAutoFit/>
+          </a:bodyPr>
+          <a:lstStyle/>
+          <a:p>
+            <a:r>
+              <a:rPr lang="en-US" dirty="0"/>
+              <a:t>Threshold = 0.7</a:t>
+            </a:r>
+          </a:p>
+        </p:txBody>
+      </p:sp>
+      <p:sp>
+        <p:nvSpPr>
+          <p:cNvPr id="10" name="TextBox 9">
+            <a:extLst>
+              <a:ext uri="{FF2B5EF4-FFF2-40B4-BE49-F238E27FC236}">
+                <a16:creationId xmlns:a16="http://schemas.microsoft.com/office/drawing/2014/main" id="{2F3EB70F-CC34-43C9-82B5-36FB562A9B67}"/>
+              </a:ext>
+            </a:extLst>
+          </p:cNvPr>
+          <p:cNvSpPr txBox="1"/>
+          <p:nvPr/>
+        </p:nvSpPr>
+        <p:spPr>
+          <a:xfrm>
+            <a:off x="6693625" y="3152734"/>
+            <a:ext cx="1760220" cy="307777"/>
+          </a:xfrm>
+          <a:prstGeom prst="rect">
+            <a:avLst/>
+          </a:prstGeom>
+          <a:noFill/>
+        </p:spPr>
+        <p:txBody>
+          <a:bodyPr wrap="square" rtlCol="0">
+            <a:spAutoFit/>
+          </a:bodyPr>
+          <a:lstStyle/>
+          <a:p>
+            <a:r>
+              <a:rPr lang="en-US" dirty="0"/>
+              <a:t>Threshold = 0.95</a:t>
+            </a:r>
           </a:p>
         </p:txBody>
       </p:sp>
@@ -11474,11 +11992,11 @@
 </file>
 
 <file path=ppt/slides/slide18.xml><?xml version="1.0" encoding="utf-8"?>
-<p:sld xmlns:a="http://schemas.openxmlformats.org/drawingml/2006/main" xmlns:r="http://schemas.openxmlformats.org/officeDocument/2006/relationships" xmlns:mc="http://schemas.openxmlformats.org/markup-compatibility/2006" xmlns:mv="urn:schemas-microsoft-com:mac:vml" xmlns:p="http://schemas.openxmlformats.org/presentationml/2006/main" xmlns:c="http://schemas.openxmlformats.org/drawingml/2006/chart" xmlns:dgm="http://schemas.openxmlformats.org/drawingml/2006/diagram" xmlns:o="urn:schemas-microsoft-com:office:office" xmlns:v="urn:schemas-microsoft-com:vml" xmlns:pvml="urn:schemas-microsoft-com:office:powerpoint" xmlns:com="http://schemas.openxmlformats.org/drawingml/2006/compatibility" xmlns:p14="http://schemas.microsoft.com/office/powerpoint/2010/main" xmlns:p15="http://schemas.microsoft.com/office/powerpoint/2012/main">
+<p:sld xmlns:a="http://schemas.openxmlformats.org/drawingml/2006/main" xmlns:r="http://schemas.openxmlformats.org/officeDocument/2006/relationships" xmlns:p="http://schemas.openxmlformats.org/presentationml/2006/main">
   <p:cSld>
     <p:spTree>
       <p:nvGrpSpPr>
-        <p:cNvPr id="157" name="Shape 157"/>
+        <p:cNvPr id="1" name="Shape 157"/>
         <p:cNvGrpSpPr/>
         <p:nvPr/>
       </p:nvGrpSpPr>
@@ -11493,7 +12011,9 @@
       <p:sp>
         <p:nvSpPr>
           <p:cNvPr id="158" name="Google Shape;158;g702b81866f_1_68"/>
-          <p:cNvSpPr txBox="1"/>
+          <p:cNvSpPr txBox="1">
+            <a:spLocks noGrp="1"/>
+          </p:cNvSpPr>
           <p:nvPr>
             <p:ph type="title"/>
           </p:nvPr>
@@ -11508,12 +12028,12 @@
           </a:prstGeom>
         </p:spPr>
         <p:txBody>
-          <a:bodyPr anchorCtr="0" anchor="t" bIns="91425" lIns="91425" spcFirstLastPara="1" rIns="91425" wrap="square" tIns="91425">
+          <a:bodyPr spcFirstLastPara="1" wrap="square" lIns="91425" tIns="91425" rIns="91425" bIns="91425" anchor="t" anchorCtr="0">
             <a:noAutofit/>
           </a:bodyPr>
           <a:lstStyle/>
           <a:p>
-            <a:pPr indent="0" lvl="0" marL="0" rtl="0" algn="l">
+            <a:pPr marL="0" lvl="0" indent="0" algn="l" rtl="0">
               <a:spcBef>
                 <a:spcPts val="0"/>
               </a:spcBef>
@@ -11530,46 +12050,36 @@
           </a:p>
         </p:txBody>
       </p:sp>
-      <p:sp>
-        <p:nvSpPr>
-          <p:cNvPr id="159" name="Google Shape;159;g702b81866f_1_68"/>
-          <p:cNvSpPr txBox="1"/>
-          <p:nvPr>
-            <p:ph idx="1" type="body"/>
-          </p:nvPr>
-        </p:nvSpPr>
+      <p:pic>
+        <p:nvPicPr>
+          <p:cNvPr id="2" name="Picture 1">
+            <a:extLst>
+              <a:ext uri="{FF2B5EF4-FFF2-40B4-BE49-F238E27FC236}">
+                <a16:creationId xmlns:a16="http://schemas.microsoft.com/office/drawing/2014/main" id="{2EFCEF08-3A3E-444D-821D-AC29E501F739}"/>
+              </a:ext>
+            </a:extLst>
+          </p:cNvPr>
+          <p:cNvPicPr>
+            <a:picLocks noChangeAspect="1"/>
+          </p:cNvPicPr>
+          <p:nvPr/>
+        </p:nvPicPr>
+        <p:blipFill>
+          <a:blip r:embed="rId3"/>
+          <a:stretch>
+            <a:fillRect/>
+          </a:stretch>
+        </p:blipFill>
         <p:spPr>
           <a:xfrm>
-            <a:off x="311700" y="1152475"/>
-            <a:ext cx="8582400" cy="3416400"/>
+            <a:off x="1343417" y="1214156"/>
+            <a:ext cx="5713792" cy="3266825"/>
           </a:xfrm>
           <a:prstGeom prst="rect">
             <a:avLst/>
           </a:prstGeom>
         </p:spPr>
-        <p:txBody>
-          <a:bodyPr anchorCtr="0" anchor="t" bIns="91425" lIns="91425" spcFirstLastPara="1" rIns="91425" wrap="square" tIns="91425">
-            <a:noAutofit/>
-          </a:bodyPr>
-          <a:lstStyle/>
-          <a:p>
-            <a:pPr indent="0" lvl="0" marL="0" rtl="0" algn="l">
-              <a:spcBef>
-                <a:spcPts val="0"/>
-              </a:spcBef>
-              <a:spcAft>
-                <a:spcPts val="0"/>
-              </a:spcAft>
-              <a:buNone/>
-            </a:pPr>
-            <a:r>
-              <a:rPr lang="en"/>
-              <a:t>&lt;Insert image here&gt;</a:t>
-            </a:r>
-            <a:endParaRPr/>
-          </a:p>
-        </p:txBody>
-      </p:sp>
+      </p:pic>
     </p:spTree>
   </p:cSld>
   <p:clrMapOvr>
@@ -11579,11 +12089,11 @@
 </file>
 
 <file path=ppt/slides/slide2.xml><?xml version="1.0" encoding="utf-8"?>
-<p:sld xmlns:a="http://schemas.openxmlformats.org/drawingml/2006/main" xmlns:r="http://schemas.openxmlformats.org/officeDocument/2006/relationships" xmlns:mc="http://schemas.openxmlformats.org/markup-compatibility/2006" xmlns:mv="urn:schemas-microsoft-com:mac:vml" xmlns:p="http://schemas.openxmlformats.org/presentationml/2006/main" xmlns:c="http://schemas.openxmlformats.org/drawingml/2006/chart" xmlns:dgm="http://schemas.openxmlformats.org/drawingml/2006/diagram" xmlns:o="urn:schemas-microsoft-com:office:office" xmlns:v="urn:schemas-microsoft-com:vml" xmlns:pvml="urn:schemas-microsoft-com:office:powerpoint" xmlns:com="http://schemas.openxmlformats.org/drawingml/2006/compatibility" xmlns:p14="http://schemas.microsoft.com/office/powerpoint/2010/main" xmlns:p15="http://schemas.microsoft.com/office/powerpoint/2012/main">
+<p:sld xmlns:a="http://schemas.openxmlformats.org/drawingml/2006/main" xmlns:r="http://schemas.openxmlformats.org/officeDocument/2006/relationships" xmlns:p="http://schemas.openxmlformats.org/presentationml/2006/main">
   <p:cSld>
     <p:spTree>
       <p:nvGrpSpPr>
-        <p:cNvPr id="59" name="Shape 59"/>
+        <p:cNvPr id="1" name="Shape 59"/>
         <p:cNvGrpSpPr/>
         <p:nvPr/>
       </p:nvGrpSpPr>
@@ -11598,7 +12108,9 @@
       <p:sp>
         <p:nvSpPr>
           <p:cNvPr id="60" name="Google Shape;60;p6"/>
-          <p:cNvSpPr txBox="1"/>
+          <p:cNvSpPr txBox="1">
+            <a:spLocks noGrp="1"/>
+          </p:cNvSpPr>
           <p:nvPr>
             <p:ph type="ctrTitle"/>
           </p:nvPr>
@@ -11617,12 +12129,12 @@
           </a:ln>
         </p:spPr>
         <p:txBody>
-          <a:bodyPr anchorCtr="0" anchor="b" bIns="91425" lIns="91425" spcFirstLastPara="1" rIns="91425" wrap="square" tIns="91425">
+          <a:bodyPr spcFirstLastPara="1" wrap="square" lIns="91425" tIns="91425" rIns="91425" bIns="91425" anchor="b" anchorCtr="0">
             <a:noAutofit/>
           </a:bodyPr>
           <a:lstStyle/>
           <a:p>
-            <a:pPr indent="0" lvl="0" marL="0" rtl="0" algn="ctr">
+            <a:pPr marL="0" lvl="0" indent="0" algn="ctr" rtl="0">
               <a:lnSpc>
                 <a:spcPct val="100000"/>
               </a:lnSpc>
@@ -11646,9 +12158,11 @@
       <p:sp>
         <p:nvSpPr>
           <p:cNvPr id="61" name="Google Shape;61;p6"/>
-          <p:cNvSpPr txBox="1"/>
+          <p:cNvSpPr txBox="1">
+            <a:spLocks noGrp="1"/>
+          </p:cNvSpPr>
           <p:nvPr>
-            <p:ph idx="1" type="subTitle"/>
+            <p:ph type="subTitle" idx="1"/>
           </p:nvPr>
         </p:nvSpPr>
         <p:spPr>
@@ -11665,12 +12179,12 @@
           </a:ln>
         </p:spPr>
         <p:txBody>
-          <a:bodyPr anchorCtr="0" anchor="t" bIns="91425" lIns="91425" spcFirstLastPara="1" rIns="91425" wrap="square" tIns="91425">
+          <a:bodyPr spcFirstLastPara="1" wrap="square" lIns="91425" tIns="91425" rIns="91425" bIns="91425" anchor="t" anchorCtr="0">
             <a:noAutofit/>
           </a:bodyPr>
           <a:lstStyle/>
           <a:p>
-            <a:pPr indent="0" lvl="0" marL="0" rtl="0" algn="ctr">
+            <a:pPr marL="0" lvl="0" indent="0" algn="ctr" rtl="0">
               <a:lnSpc>
                 <a:spcPct val="100000"/>
               </a:lnSpc>
@@ -11683,9 +12197,6 @@
               <a:buSzPts val="2800"/>
               <a:buNone/>
             </a:pPr>
-            <a:r>
-              <a:t/>
-            </a:r>
             <a:endParaRPr/>
           </a:p>
         </p:txBody>
@@ -11699,11 +12210,11 @@
 </file>
 
 <file path=ppt/slides/slide3.xml><?xml version="1.0" encoding="utf-8"?>
-<p:sld xmlns:a="http://schemas.openxmlformats.org/drawingml/2006/main" xmlns:r="http://schemas.openxmlformats.org/officeDocument/2006/relationships" xmlns:mc="http://schemas.openxmlformats.org/markup-compatibility/2006" xmlns:mv="urn:schemas-microsoft-com:mac:vml" xmlns:p="http://schemas.openxmlformats.org/presentationml/2006/main" xmlns:c="http://schemas.openxmlformats.org/drawingml/2006/chart" xmlns:dgm="http://schemas.openxmlformats.org/drawingml/2006/diagram" xmlns:o="urn:schemas-microsoft-com:office:office" xmlns:v="urn:schemas-microsoft-com:vml" xmlns:pvml="urn:schemas-microsoft-com:office:powerpoint" xmlns:com="http://schemas.openxmlformats.org/drawingml/2006/compatibility" xmlns:p14="http://schemas.microsoft.com/office/powerpoint/2010/main" xmlns:p15="http://schemas.microsoft.com/office/powerpoint/2012/main">
+<p:sld xmlns:a="http://schemas.openxmlformats.org/drawingml/2006/main" xmlns:r="http://schemas.openxmlformats.org/officeDocument/2006/relationships" xmlns:p="http://schemas.openxmlformats.org/presentationml/2006/main">
   <p:cSld>
     <p:spTree>
       <p:nvGrpSpPr>
-        <p:cNvPr id="65" name="Shape 65"/>
+        <p:cNvPr id="1" name="Shape 65"/>
         <p:cNvGrpSpPr/>
         <p:nvPr/>
       </p:nvGrpSpPr>
@@ -11718,7 +12229,9 @@
       <p:sp>
         <p:nvSpPr>
           <p:cNvPr id="66" name="Google Shape;66;p7"/>
-          <p:cNvSpPr txBox="1"/>
+          <p:cNvSpPr txBox="1">
+            <a:spLocks noGrp="1"/>
+          </p:cNvSpPr>
           <p:nvPr>
             <p:ph type="title"/>
           </p:nvPr>
@@ -11737,12 +12250,12 @@
           </a:ln>
         </p:spPr>
         <p:txBody>
-          <a:bodyPr anchorCtr="0" anchor="t" bIns="91425" lIns="91425" spcFirstLastPara="1" rIns="91425" wrap="square" tIns="91425">
+          <a:bodyPr spcFirstLastPara="1" wrap="square" lIns="91425" tIns="91425" rIns="91425" bIns="91425" anchor="t" anchorCtr="0">
             <a:noAutofit/>
           </a:bodyPr>
           <a:lstStyle/>
           <a:p>
-            <a:pPr indent="0" lvl="0" marL="0" rtl="0" algn="l">
+            <a:pPr marL="0" lvl="0" indent="0" algn="l" rtl="0">
               <a:lnSpc>
                 <a:spcPct val="100000"/>
               </a:lnSpc>
@@ -11756,20 +12269,12 @@
               <a:buNone/>
             </a:pPr>
             <a:r>
-              <a:rPr b="1" lang="en" sz="1400">
+              <a:rPr lang="en" sz="1400" b="1">
                 <a:solidFill>
                   <a:schemeClr val="dk2"/>
                 </a:solidFill>
               </a:rPr>
-              <a:t>2</a:t>
-            </a:r>
-            <a:r>
-              <a:rPr b="1" lang="en" sz="1400">
-                <a:solidFill>
-                  <a:schemeClr val="dk2"/>
-                </a:solidFill>
-              </a:rPr>
-              <a:t>.1 Color Quantization of RGB images</a:t>
+              <a:t>2.1 Color Quantization of RGB images</a:t>
             </a:r>
             <a:endParaRPr sz="1200"/>
           </a:p>
@@ -11778,9 +12283,11 @@
       <p:sp>
         <p:nvSpPr>
           <p:cNvPr id="67" name="Google Shape;67;p7"/>
-          <p:cNvSpPr txBox="1"/>
+          <p:cNvSpPr txBox="1">
+            <a:spLocks noGrp="1"/>
+          </p:cNvSpPr>
           <p:nvPr>
-            <p:ph idx="1" type="body"/>
+            <p:ph type="body" idx="1"/>
           </p:nvPr>
         </p:nvSpPr>
         <p:spPr>
@@ -11797,12 +12304,12 @@
           </a:ln>
         </p:spPr>
         <p:txBody>
-          <a:bodyPr anchorCtr="0" anchor="t" bIns="91425" lIns="91425" spcFirstLastPara="1" rIns="91425" wrap="square" tIns="91425">
+          <a:bodyPr spcFirstLastPara="1" wrap="square" lIns="91425" tIns="91425" rIns="91425" bIns="91425" anchor="t" anchorCtr="0">
             <a:noAutofit/>
           </a:bodyPr>
           <a:lstStyle/>
           <a:p>
-            <a:pPr indent="0" lvl="0" marL="0" rtl="0" algn="l">
+            <a:pPr marL="0" lvl="0" indent="0" algn="l" rtl="0">
               <a:lnSpc>
                 <a:spcPct val="115000"/>
               </a:lnSpc>
@@ -11823,6 +12330,36 @@
           </a:p>
         </p:txBody>
       </p:sp>
+      <p:pic>
+        <p:nvPicPr>
+          <p:cNvPr id="3" name="Picture 2">
+            <a:extLst>
+              <a:ext uri="{FF2B5EF4-FFF2-40B4-BE49-F238E27FC236}">
+                <a16:creationId xmlns:a16="http://schemas.microsoft.com/office/drawing/2014/main" id="{1130BC4E-7704-43C2-889B-CF53ABEE2934}"/>
+              </a:ext>
+            </a:extLst>
+          </p:cNvPr>
+          <p:cNvPicPr>
+            <a:picLocks noChangeAspect="1"/>
+          </p:cNvPicPr>
+          <p:nvPr/>
+        </p:nvPicPr>
+        <p:blipFill>
+          <a:blip r:embed="rId3"/>
+          <a:stretch>
+            <a:fillRect/>
+          </a:stretch>
+        </p:blipFill>
+        <p:spPr>
+          <a:xfrm>
+            <a:off x="311699" y="1072099"/>
+            <a:ext cx="8562517" cy="2947995"/>
+          </a:xfrm>
+          <a:prstGeom prst="rect">
+            <a:avLst/>
+          </a:prstGeom>
+        </p:spPr>
+      </p:pic>
     </p:spTree>
   </p:cSld>
   <p:clrMapOvr>
@@ -11832,11 +12369,11 @@
 </file>
 
 <file path=ppt/slides/slide4.xml><?xml version="1.0" encoding="utf-8"?>
-<p:sld xmlns:a="http://schemas.openxmlformats.org/drawingml/2006/main" xmlns:r="http://schemas.openxmlformats.org/officeDocument/2006/relationships" xmlns:mc="http://schemas.openxmlformats.org/markup-compatibility/2006" xmlns:mv="urn:schemas-microsoft-com:mac:vml" xmlns:p="http://schemas.openxmlformats.org/presentationml/2006/main" xmlns:c="http://schemas.openxmlformats.org/drawingml/2006/chart" xmlns:dgm="http://schemas.openxmlformats.org/drawingml/2006/diagram" xmlns:o="urn:schemas-microsoft-com:office:office" xmlns:v="urn:schemas-microsoft-com:vml" xmlns:pvml="urn:schemas-microsoft-com:office:powerpoint" xmlns:com="http://schemas.openxmlformats.org/drawingml/2006/compatibility" xmlns:p14="http://schemas.microsoft.com/office/powerpoint/2010/main" xmlns:p15="http://schemas.microsoft.com/office/powerpoint/2012/main">
+<p:sld xmlns:a="http://schemas.openxmlformats.org/drawingml/2006/main" xmlns:r="http://schemas.openxmlformats.org/officeDocument/2006/relationships" xmlns:p="http://schemas.openxmlformats.org/presentationml/2006/main">
   <p:cSld>
     <p:spTree>
       <p:nvGrpSpPr>
-        <p:cNvPr id="71" name="Shape 71"/>
+        <p:cNvPr id="1" name="Shape 71"/>
         <p:cNvGrpSpPr/>
         <p:nvPr/>
       </p:nvGrpSpPr>
@@ -11851,7 +12388,9 @@
       <p:sp>
         <p:nvSpPr>
           <p:cNvPr id="72" name="Google Shape;72;p8"/>
-          <p:cNvSpPr txBox="1"/>
+          <p:cNvSpPr txBox="1">
+            <a:spLocks noGrp="1"/>
+          </p:cNvSpPr>
           <p:nvPr>
             <p:ph type="title"/>
           </p:nvPr>
@@ -11870,12 +12409,12 @@
           </a:ln>
         </p:spPr>
         <p:txBody>
-          <a:bodyPr anchorCtr="0" anchor="t" bIns="91425" lIns="91425" spcFirstLastPara="1" rIns="91425" wrap="square" tIns="91425">
+          <a:bodyPr spcFirstLastPara="1" wrap="square" lIns="91425" tIns="91425" rIns="91425" bIns="91425" anchor="t" anchorCtr="0">
             <a:noAutofit/>
           </a:bodyPr>
           <a:lstStyle/>
           <a:p>
-            <a:pPr indent="0" lvl="0" marL="0" rtl="0" algn="l">
+            <a:pPr marL="0" lvl="0" indent="0" algn="l" rtl="0">
               <a:spcBef>
                 <a:spcPts val="0"/>
               </a:spcBef>
@@ -11890,20 +12429,12 @@
               <a:buNone/>
             </a:pPr>
             <a:r>
-              <a:rPr b="1" lang="en" sz="1400">
+              <a:rPr lang="en" sz="1400" b="1">
                 <a:solidFill>
                   <a:schemeClr val="dk2"/>
                 </a:solidFill>
               </a:rPr>
-              <a:t>2</a:t>
-            </a:r>
-            <a:r>
-              <a:rPr b="1" lang="en" sz="1400">
-                <a:solidFill>
-                  <a:schemeClr val="dk2"/>
-                </a:solidFill>
-              </a:rPr>
-              <a:t>.2 Color Quantization of HSV images</a:t>
+              <a:t>2.2 Color Quantization of HSV images</a:t>
             </a:r>
             <a:endParaRPr sz="1200"/>
           </a:p>
@@ -11912,9 +12443,11 @@
       <p:sp>
         <p:nvSpPr>
           <p:cNvPr id="73" name="Google Shape;73;p8"/>
-          <p:cNvSpPr txBox="1"/>
+          <p:cNvSpPr txBox="1">
+            <a:spLocks noGrp="1"/>
+          </p:cNvSpPr>
           <p:nvPr>
-            <p:ph idx="1" type="body"/>
+            <p:ph type="body" idx="1"/>
           </p:nvPr>
         </p:nvSpPr>
         <p:spPr>
@@ -11931,12 +12464,12 @@
           </a:ln>
         </p:spPr>
         <p:txBody>
-          <a:bodyPr anchorCtr="0" anchor="t" bIns="91425" lIns="91425" spcFirstLastPara="1" rIns="91425" wrap="square" tIns="91425">
+          <a:bodyPr spcFirstLastPara="1" wrap="square" lIns="91425" tIns="91425" rIns="91425" bIns="91425" anchor="t" anchorCtr="0">
             <a:noAutofit/>
           </a:bodyPr>
           <a:lstStyle/>
           <a:p>
-            <a:pPr indent="0" lvl="0" marL="0" rtl="0" algn="l">
+            <a:pPr marL="0" lvl="0" indent="0" algn="l" rtl="0">
               <a:lnSpc>
                 <a:spcPct val="115000"/>
               </a:lnSpc>
@@ -11957,6 +12490,36 @@
           </a:p>
         </p:txBody>
       </p:sp>
+      <p:pic>
+        <p:nvPicPr>
+          <p:cNvPr id="3" name="Picture 2">
+            <a:extLst>
+              <a:ext uri="{FF2B5EF4-FFF2-40B4-BE49-F238E27FC236}">
+                <a16:creationId xmlns:a16="http://schemas.microsoft.com/office/drawing/2014/main" id="{1B109462-D0DB-42B1-8E49-24258371D0EA}"/>
+              </a:ext>
+            </a:extLst>
+          </p:cNvPr>
+          <p:cNvPicPr>
+            <a:picLocks noChangeAspect="1"/>
+          </p:cNvPicPr>
+          <p:nvPr/>
+        </p:nvPicPr>
+        <p:blipFill>
+          <a:blip r:embed="rId3"/>
+          <a:stretch>
+            <a:fillRect/>
+          </a:stretch>
+        </p:blipFill>
+        <p:spPr>
+          <a:xfrm>
+            <a:off x="265999" y="1081896"/>
+            <a:ext cx="8566301" cy="2964685"/>
+          </a:xfrm>
+          <a:prstGeom prst="rect">
+            <a:avLst/>
+          </a:prstGeom>
+        </p:spPr>
+      </p:pic>
     </p:spTree>
   </p:cSld>
   <p:clrMapOvr>
@@ -11966,11 +12529,11 @@
 </file>
 
 <file path=ppt/slides/slide5.xml><?xml version="1.0" encoding="utf-8"?>
-<p:sld xmlns:a="http://schemas.openxmlformats.org/drawingml/2006/main" xmlns:r="http://schemas.openxmlformats.org/officeDocument/2006/relationships" xmlns:mc="http://schemas.openxmlformats.org/markup-compatibility/2006" xmlns:mv="urn:schemas-microsoft-com:mac:vml" xmlns:p="http://schemas.openxmlformats.org/presentationml/2006/main" xmlns:c="http://schemas.openxmlformats.org/drawingml/2006/chart" xmlns:dgm="http://schemas.openxmlformats.org/drawingml/2006/diagram" xmlns:o="urn:schemas-microsoft-com:office:office" xmlns:v="urn:schemas-microsoft-com:vml" xmlns:pvml="urn:schemas-microsoft-com:office:powerpoint" xmlns:com="http://schemas.openxmlformats.org/drawingml/2006/compatibility" xmlns:p14="http://schemas.microsoft.com/office/powerpoint/2010/main" xmlns:p15="http://schemas.microsoft.com/office/powerpoint/2012/main">
+<p:sld xmlns:a="http://schemas.openxmlformats.org/drawingml/2006/main" xmlns:r="http://schemas.openxmlformats.org/officeDocument/2006/relationships" xmlns:p="http://schemas.openxmlformats.org/presentationml/2006/main">
   <p:cSld>
     <p:spTree>
       <p:nvGrpSpPr>
-        <p:cNvPr id="77" name="Shape 77"/>
+        <p:cNvPr id="1" name="Shape 77"/>
         <p:cNvGrpSpPr/>
         <p:nvPr/>
       </p:nvGrpSpPr>
@@ -11985,9 +12548,11 @@
       <p:sp>
         <p:nvSpPr>
           <p:cNvPr id="78" name="Google Shape;78;p9"/>
-          <p:cNvSpPr txBox="1"/>
+          <p:cNvSpPr txBox="1">
+            <a:spLocks noGrp="1"/>
+          </p:cNvSpPr>
           <p:nvPr>
-            <p:ph idx="1" type="body"/>
+            <p:ph type="body" idx="1"/>
           </p:nvPr>
         </p:nvSpPr>
         <p:spPr>
@@ -12004,12 +12569,12 @@
           </a:ln>
         </p:spPr>
         <p:txBody>
-          <a:bodyPr anchorCtr="0" anchor="t" bIns="91425" lIns="91425" spcFirstLastPara="1" rIns="91425" wrap="square" tIns="91425">
+          <a:bodyPr spcFirstLastPara="1" wrap="square" lIns="91425" tIns="91425" rIns="91425" bIns="91425" anchor="t" anchorCtr="0">
             <a:noAutofit/>
           </a:bodyPr>
           <a:lstStyle/>
           <a:p>
-            <a:pPr indent="0" lvl="0" marL="0" rtl="0" algn="l">
+            <a:pPr marL="0" lvl="0" indent="0" algn="l" rtl="0">
               <a:lnSpc>
                 <a:spcPct val="100000"/>
               </a:lnSpc>
@@ -12027,7 +12592,7 @@
               <a:buNone/>
             </a:pPr>
             <a:r>
-              <a:rPr b="1" lang="en"/>
+              <a:rPr lang="en" b="1"/>
               <a:t>2.3</a:t>
             </a:r>
             <a:r>
@@ -12039,7 +12604,7 @@
               <a:t> </a:t>
             </a:r>
             <a:r>
-              <a:rPr b="1" lang="en">
+              <a:rPr lang="en" b="1">
                 <a:solidFill>
                   <a:schemeClr val="dk1"/>
                 </a:solidFill>
@@ -12053,7 +12618,7 @@
             </a:endParaRPr>
           </a:p>
           <a:p>
-            <a:pPr indent="0" lvl="0" marL="0" rtl="0" algn="l">
+            <a:pPr marL="0" lvl="0" indent="0" algn="l" rtl="0">
               <a:lnSpc>
                 <a:spcPct val="100000"/>
               </a:lnSpc>
@@ -12070,9 +12635,6 @@
               <a:buFont typeface="Arial"/>
               <a:buNone/>
             </a:pPr>
-            <a:r>
-              <a:t/>
-            </a:r>
             <a:endParaRPr b="1">
               <a:solidFill>
                 <a:schemeClr val="dk1"/>
@@ -12080,7 +12642,7 @@
             </a:endParaRPr>
           </a:p>
           <a:p>
-            <a:pPr indent="0" lvl="0" marL="0" rtl="0" algn="l">
+            <a:pPr marL="0" lvl="0" indent="0" algn="l" rtl="0">
               <a:lnSpc>
                 <a:spcPct val="100000"/>
               </a:lnSpc>
@@ -12106,7 +12668,7 @@
               <a:t>	Enter values as log</a:t>
             </a:r>
             <a:r>
-              <a:rPr baseline="-25000" lang="en" sz="1200">
+              <a:rPr lang="en" sz="1200" baseline="-25000">
                 <a:solidFill>
                   <a:schemeClr val="dk1"/>
                 </a:solidFill>
@@ -12128,7 +12690,7 @@
             </a:endParaRPr>
           </a:p>
           <a:p>
-            <a:pPr indent="0" lvl="0" marL="0" rtl="0" algn="l">
+            <a:pPr marL="0" lvl="0" indent="0" algn="l" rtl="0">
               <a:lnSpc>
                 <a:spcPct val="115000"/>
               </a:lnSpc>
@@ -12141,9 +12703,6 @@
               <a:buSzPts val="1400"/>
               <a:buNone/>
             </a:pPr>
-            <a:r>
-              <a:t/>
-            </a:r>
             <a:endParaRPr/>
           </a:p>
         </p:txBody>
@@ -12152,11 +12711,17 @@
         <p:nvGraphicFramePr>
           <p:cNvPr id="79" name="Google Shape;79;p9"/>
           <p:cNvGraphicFramePr/>
-          <p:nvPr/>
+          <p:nvPr>
+            <p:extLst>
+              <p:ext uri="{D42A27DB-BD31-4B8C-83A1-F6EECF244321}">
+                <p14:modId xmlns:p14="http://schemas.microsoft.com/office/powerpoint/2010/main" val="606602534"/>
+              </p:ext>
+            </p:extLst>
+          </p:nvPr>
         </p:nvGraphicFramePr>
         <p:xfrm>
           <a:off x="952500" y="1809750"/>
-          <a:ext cx="3000000" cy="3000000"/>
+          <a:ext cx="7239000" cy="1584840"/>
         </p:xfrm>
         <a:graphic>
           <a:graphicData uri="http://schemas.openxmlformats.org/drawingml/2006/table">
@@ -12166,9 +12731,27 @@
                 <a:tableStyleId>{BDE9D607-DCB6-4AF7-906C-C073AA671431}</a:tableStyleId>
               </a:tblPr>
               <a:tblGrid>
-                <a:gridCol w="2413000"/>
-                <a:gridCol w="2413000"/>
-                <a:gridCol w="2413000"/>
+                <a:gridCol w="2413000">
+                  <a:extLst>
+                    <a:ext uri="{9D8B030D-6E8A-4147-A177-3AD203B41FA5}">
+                      <a16:colId xmlns:a16="http://schemas.microsoft.com/office/drawing/2014/main" val="20000"/>
+                    </a:ext>
+                  </a:extLst>
+                </a:gridCol>
+                <a:gridCol w="2413000">
+                  <a:extLst>
+                    <a:ext uri="{9D8B030D-6E8A-4147-A177-3AD203B41FA5}">
+                      <a16:colId xmlns:a16="http://schemas.microsoft.com/office/drawing/2014/main" val="20001"/>
+                    </a:ext>
+                  </a:extLst>
+                </a:gridCol>
+                <a:gridCol w="2413000">
+                  <a:extLst>
+                    <a:ext uri="{9D8B030D-6E8A-4147-A177-3AD203B41FA5}">
+                      <a16:colId xmlns:a16="http://schemas.microsoft.com/office/drawing/2014/main" val="20002"/>
+                    </a:ext>
+                  </a:extLst>
+                </a:gridCol>
               </a:tblGrid>
               <a:tr h="381000">
                 <a:tc>
@@ -12176,7 +12759,7 @@
                     <a:bodyPr/>
                     <a:lstStyle/>
                     <a:p>
-                      <a:pPr indent="0" lvl="0" marL="0" rtl="0" algn="l">
+                      <a:pPr marL="0" lvl="0" indent="0" algn="l" rtl="0">
                         <a:spcBef>
                           <a:spcPts val="0"/>
                         </a:spcBef>
@@ -12186,20 +12769,20 @@
                         <a:buNone/>
                       </a:pPr>
                       <a:r>
-                        <a:rPr b="1" lang="en"/>
+                        <a:rPr lang="en" b="1"/>
                         <a:t>k</a:t>
                       </a:r>
                       <a:endParaRPr b="1"/>
                     </a:p>
                   </a:txBody>
-                  <a:tcPr marT="91425" marB="91425" marR="91425" marL="91425"/>
+                  <a:tcPr marL="91425" marR="91425" marT="91425" marB="91425"/>
                 </a:tc>
                 <a:tc>
                   <a:txBody>
                     <a:bodyPr/>
                     <a:lstStyle/>
                     <a:p>
-                      <a:pPr indent="0" lvl="0" marL="0" rtl="0" algn="l">
+                      <a:pPr marL="0" lvl="0" indent="0" algn="l" rtl="0">
                         <a:spcBef>
                           <a:spcPts val="0"/>
                         </a:spcBef>
@@ -12209,20 +12792,20 @@
                         <a:buNone/>
                       </a:pPr>
                       <a:r>
-                        <a:rPr b="1" lang="en"/>
+                        <a:rPr lang="en" b="1"/>
                         <a:t>RGB</a:t>
                       </a:r>
                       <a:endParaRPr b="1"/>
                     </a:p>
                   </a:txBody>
-                  <a:tcPr marT="91425" marB="91425" marR="91425" marL="91425"/>
+                  <a:tcPr marL="91425" marR="91425" marT="91425" marB="91425"/>
                 </a:tc>
                 <a:tc>
                   <a:txBody>
                     <a:bodyPr/>
                     <a:lstStyle/>
                     <a:p>
-                      <a:pPr indent="0" lvl="0" marL="0" rtl="0" algn="l">
+                      <a:pPr marL="0" lvl="0" indent="0" algn="l" rtl="0">
                         <a:spcBef>
                           <a:spcPts val="0"/>
                         </a:spcBef>
@@ -12232,14 +12815,19 @@
                         <a:buNone/>
                       </a:pPr>
                       <a:r>
-                        <a:rPr b="1" lang="en"/>
+                        <a:rPr lang="en" b="1"/>
                         <a:t>HSV</a:t>
                       </a:r>
                       <a:endParaRPr b="1"/>
                     </a:p>
                   </a:txBody>
-                  <a:tcPr marT="91425" marB="91425" marR="91425" marL="91425"/>
+                  <a:tcPr marL="91425" marR="91425" marT="91425" marB="91425"/>
                 </a:tc>
+                <a:extLst>
+                  <a:ext uri="{0D108BD9-81ED-4DB2-BD59-A6C34878D82A}">
+                    <a16:rowId xmlns:a16="http://schemas.microsoft.com/office/drawing/2014/main" val="10000"/>
+                  </a:ext>
+                </a:extLst>
               </a:tr>
               <a:tr h="381000">
                 <a:tc>
@@ -12247,7 +12835,7 @@
                     <a:bodyPr/>
                     <a:lstStyle/>
                     <a:p>
-                      <a:pPr indent="0" lvl="0" marL="0" rtl="0" algn="l">
+                      <a:pPr marL="0" lvl="0" indent="0" algn="l" rtl="0">
                         <a:spcBef>
                           <a:spcPts val="0"/>
                         </a:spcBef>
@@ -12263,14 +12851,14 @@
                       <a:endParaRPr/>
                     </a:p>
                   </a:txBody>
-                  <a:tcPr marT="91425" marB="91425" marR="91425" marL="91425"/>
+                  <a:tcPr marL="91425" marR="91425" marT="91425" marB="91425"/>
                 </a:tc>
                 <a:tc>
                   <a:txBody>
                     <a:bodyPr/>
                     <a:lstStyle/>
                     <a:p>
-                      <a:pPr indent="0" lvl="0" marL="0" rtl="0" algn="l">
+                      <a:pPr marL="0" lvl="0" indent="0" algn="l" rtl="0">
                         <a:spcBef>
                           <a:spcPts val="0"/>
                         </a:spcBef>
@@ -12280,19 +12868,20 @@
                         <a:buNone/>
                       </a:pPr>
                       <a:r>
-                        <a:t/>
+                        <a:rPr lang="en-US" dirty="0"/>
+                        <a:t>15.12216290311367</a:t>
                       </a:r>
-                      <a:endParaRPr/>
+                      <a:endParaRPr dirty="0"/>
                     </a:p>
                   </a:txBody>
-                  <a:tcPr marT="91425" marB="91425" marR="91425" marL="91425"/>
+                  <a:tcPr marL="91425" marR="91425" marT="91425" marB="91425"/>
                 </a:tc>
                 <a:tc>
                   <a:txBody>
                     <a:bodyPr/>
                     <a:lstStyle/>
                     <a:p>
-                      <a:pPr indent="0" lvl="0" marL="0" rtl="0" algn="l">
+                      <a:pPr marL="0" lvl="0" indent="0" algn="l" rtl="0">
                         <a:spcBef>
                           <a:spcPts val="0"/>
                         </a:spcBef>
@@ -12302,13 +12891,19 @@
                         <a:buNone/>
                       </a:pPr>
                       <a:r>
-                        <a:t/>
+                        <a:rPr lang="en-US" dirty="0"/>
+                        <a:t>14.600732690618507</a:t>
                       </a:r>
-                      <a:endParaRPr/>
+                      <a:endParaRPr dirty="0"/>
                     </a:p>
                   </a:txBody>
-                  <a:tcPr marT="91425" marB="91425" marR="91425" marL="91425"/>
+                  <a:tcPr marL="91425" marR="91425" marT="91425" marB="91425"/>
                 </a:tc>
+                <a:extLst>
+                  <a:ext uri="{0D108BD9-81ED-4DB2-BD59-A6C34878D82A}">
+                    <a16:rowId xmlns:a16="http://schemas.microsoft.com/office/drawing/2014/main" val="10001"/>
+                  </a:ext>
+                </a:extLst>
               </a:tr>
               <a:tr h="381000">
                 <a:tc>
@@ -12316,7 +12911,7 @@
                     <a:bodyPr/>
                     <a:lstStyle/>
                     <a:p>
-                      <a:pPr indent="0" lvl="0" marL="0" rtl="0" algn="l">
+                      <a:pPr marL="0" lvl="0" indent="0" algn="l" rtl="0">
                         <a:spcBef>
                           <a:spcPts val="0"/>
                         </a:spcBef>
@@ -12332,14 +12927,14 @@
                       <a:endParaRPr/>
                     </a:p>
                   </a:txBody>
-                  <a:tcPr marT="91425" marB="91425" marR="91425" marL="91425"/>
+                  <a:tcPr marL="91425" marR="91425" marT="91425" marB="91425"/>
                 </a:tc>
                 <a:tc>
                   <a:txBody>
                     <a:bodyPr/>
                     <a:lstStyle/>
                     <a:p>
-                      <a:pPr indent="0" lvl="0" marL="0" rtl="0" algn="l">
+                      <a:pPr marL="0" lvl="0" indent="0" algn="l" rtl="0">
                         <a:spcBef>
                           <a:spcPts val="0"/>
                         </a:spcBef>
@@ -12349,19 +12944,20 @@
                         <a:buNone/>
                       </a:pPr>
                       <a:r>
-                        <a:t/>
+                        <a:rPr lang="en-US" dirty="0"/>
+                        <a:t>14.704915196955724</a:t>
                       </a:r>
-                      <a:endParaRPr/>
+                      <a:endParaRPr dirty="0"/>
                     </a:p>
                   </a:txBody>
-                  <a:tcPr marT="91425" marB="91425" marR="91425" marL="91425"/>
+                  <a:tcPr marL="91425" marR="91425" marT="91425" marB="91425"/>
                 </a:tc>
                 <a:tc>
                   <a:txBody>
                     <a:bodyPr/>
                     <a:lstStyle/>
                     <a:p>
-                      <a:pPr indent="0" lvl="0" marL="0" rtl="0" algn="l">
+                      <a:pPr marL="0" lvl="0" indent="0" algn="l" rtl="0">
                         <a:spcBef>
                           <a:spcPts val="0"/>
                         </a:spcBef>
@@ -12371,13 +12967,19 @@
                         <a:buNone/>
                       </a:pPr>
                       <a:r>
-                        <a:t/>
+                        <a:rPr lang="en-US" dirty="0"/>
+                        <a:t>13.526757245272831</a:t>
                       </a:r>
-                      <a:endParaRPr/>
+                      <a:endParaRPr dirty="0"/>
                     </a:p>
                   </a:txBody>
-                  <a:tcPr marT="91425" marB="91425" marR="91425" marL="91425"/>
+                  <a:tcPr marL="91425" marR="91425" marT="91425" marB="91425"/>
                 </a:tc>
+                <a:extLst>
+                  <a:ext uri="{0D108BD9-81ED-4DB2-BD59-A6C34878D82A}">
+                    <a16:rowId xmlns:a16="http://schemas.microsoft.com/office/drawing/2014/main" val="10002"/>
+                  </a:ext>
+                </a:extLst>
               </a:tr>
               <a:tr h="381000">
                 <a:tc>
@@ -12385,7 +12987,7 @@
                     <a:bodyPr/>
                     <a:lstStyle/>
                     <a:p>
-                      <a:pPr indent="0" lvl="0" marL="0" rtl="0" algn="l">
+                      <a:pPr marL="0" lvl="0" indent="0" algn="l" rtl="0">
                         <a:spcBef>
                           <a:spcPts val="0"/>
                         </a:spcBef>
@@ -12401,14 +13003,14 @@
                       <a:endParaRPr/>
                     </a:p>
                   </a:txBody>
-                  <a:tcPr marT="91425" marB="91425" marR="91425" marL="91425"/>
+                  <a:tcPr marL="91425" marR="91425" marT="91425" marB="91425"/>
                 </a:tc>
                 <a:tc>
                   <a:txBody>
                     <a:bodyPr/>
                     <a:lstStyle/>
                     <a:p>
-                      <a:pPr indent="0" lvl="0" marL="0" rtl="0" algn="l">
+                      <a:pPr marL="0" lvl="0" indent="0" algn="l" rtl="0">
                         <a:spcBef>
                           <a:spcPts val="0"/>
                         </a:spcBef>
@@ -12418,19 +13020,20 @@
                         <a:buNone/>
                       </a:pPr>
                       <a:r>
-                        <a:t/>
+                        <a:rPr lang="en-US" dirty="0"/>
+                        <a:t>14.113046320228813</a:t>
                       </a:r>
-                      <a:endParaRPr/>
+                      <a:endParaRPr dirty="0"/>
                     </a:p>
                   </a:txBody>
-                  <a:tcPr marT="91425" marB="91425" marR="91425" marL="91425"/>
+                  <a:tcPr marL="91425" marR="91425" marT="91425" marB="91425"/>
                 </a:tc>
                 <a:tc>
                   <a:txBody>
                     <a:bodyPr/>
                     <a:lstStyle/>
                     <a:p>
-                      <a:pPr indent="0" lvl="0" marL="0" rtl="0" algn="l">
+                      <a:pPr marL="0" lvl="0" indent="0" algn="l" rtl="0">
                         <a:spcBef>
                           <a:spcPts val="0"/>
                         </a:spcBef>
@@ -12440,13 +13043,19 @@
                         <a:buNone/>
                       </a:pPr>
                       <a:r>
-                        <a:t/>
+                        <a:rPr lang="en-US" dirty="0"/>
+                        <a:t>12.235082753577267</a:t>
                       </a:r>
-                      <a:endParaRPr/>
+                      <a:endParaRPr dirty="0"/>
                     </a:p>
                   </a:txBody>
-                  <a:tcPr marT="91425" marB="91425" marR="91425" marL="91425"/>
+                  <a:tcPr marL="91425" marR="91425" marT="91425" marB="91425"/>
                 </a:tc>
+                <a:extLst>
+                  <a:ext uri="{0D108BD9-81ED-4DB2-BD59-A6C34878D82A}">
+                    <a16:rowId xmlns:a16="http://schemas.microsoft.com/office/drawing/2014/main" val="10003"/>
+                  </a:ext>
+                </a:extLst>
               </a:tr>
             </a:tbl>
           </a:graphicData>
@@ -12461,11 +13070,11 @@
 </file>
 
 <file path=ppt/slides/slide6.xml><?xml version="1.0" encoding="utf-8"?>
-<p:sld xmlns:a="http://schemas.openxmlformats.org/drawingml/2006/main" xmlns:r="http://schemas.openxmlformats.org/officeDocument/2006/relationships" xmlns:mc="http://schemas.openxmlformats.org/markup-compatibility/2006" xmlns:mv="urn:schemas-microsoft-com:mac:vml" xmlns:p="http://schemas.openxmlformats.org/presentationml/2006/main" xmlns:c="http://schemas.openxmlformats.org/drawingml/2006/chart" xmlns:dgm="http://schemas.openxmlformats.org/drawingml/2006/diagram" xmlns:o="urn:schemas-microsoft-com:office:office" xmlns:v="urn:schemas-microsoft-com:vml" xmlns:pvml="urn:schemas-microsoft-com:office:powerpoint" xmlns:com="http://schemas.openxmlformats.org/drawingml/2006/compatibility" xmlns:p14="http://schemas.microsoft.com/office/powerpoint/2010/main" xmlns:p15="http://schemas.microsoft.com/office/powerpoint/2012/main">
+<p:sld xmlns:a="http://schemas.openxmlformats.org/drawingml/2006/main" xmlns:r="http://schemas.openxmlformats.org/officeDocument/2006/relationships" xmlns:p="http://schemas.openxmlformats.org/presentationml/2006/main">
   <p:cSld>
     <p:spTree>
       <p:nvGrpSpPr>
-        <p:cNvPr id="83" name="Shape 83"/>
+        <p:cNvPr id="1" name="Shape 83"/>
         <p:cNvGrpSpPr/>
         <p:nvPr/>
       </p:nvGrpSpPr>
@@ -12480,7 +13089,9 @@
       <p:sp>
         <p:nvSpPr>
           <p:cNvPr id="84" name="Google Shape;84;p10"/>
-          <p:cNvSpPr txBox="1"/>
+          <p:cNvSpPr txBox="1">
+            <a:spLocks noGrp="1"/>
+          </p:cNvSpPr>
           <p:nvPr>
             <p:ph type="title"/>
           </p:nvPr>
@@ -12499,12 +13110,12 @@
           </a:ln>
         </p:spPr>
         <p:txBody>
-          <a:bodyPr anchorCtr="0" anchor="t" bIns="91425" lIns="91425" spcFirstLastPara="1" rIns="91425" wrap="square" tIns="91425">
+          <a:bodyPr spcFirstLastPara="1" wrap="square" lIns="91425" tIns="91425" rIns="91425" bIns="91425" anchor="t" anchorCtr="0">
             <a:noAutofit/>
           </a:bodyPr>
           <a:lstStyle/>
           <a:p>
-            <a:pPr indent="0" lvl="0" marL="0" rtl="0" algn="l">
+            <a:pPr marL="0" lvl="0" indent="0" algn="l" rtl="0">
               <a:lnSpc>
                 <a:spcPct val="100000"/>
               </a:lnSpc>
@@ -12518,20 +13129,12 @@
               <a:buNone/>
             </a:pPr>
             <a:r>
-              <a:rPr b="1" lang="en" sz="1400">
+              <a:rPr lang="en" sz="1400" b="1">
                 <a:solidFill>
                   <a:schemeClr val="dk2"/>
                 </a:solidFill>
               </a:rPr>
-              <a:t>1</a:t>
-            </a:r>
-            <a:r>
-              <a:rPr b="1" lang="en" sz="1400">
-                <a:solidFill>
-                  <a:schemeClr val="dk2"/>
-                </a:solidFill>
-              </a:rPr>
-              <a:t>.4</a:t>
+              <a:t>1.4</a:t>
             </a:r>
             <a:r>
               <a:rPr lang="en" sz="1200"/>
@@ -12561,12 +13164,12 @@
           </a:ln>
         </p:spPr>
         <p:txBody>
-          <a:bodyPr anchorCtr="0" anchor="t" bIns="91425" lIns="91425" spcFirstLastPara="1" rIns="91425" wrap="square" tIns="91425">
+          <a:bodyPr spcFirstLastPara="1" wrap="square" lIns="91425" tIns="91425" rIns="91425" bIns="91425" anchor="t" anchorCtr="0">
             <a:noAutofit/>
           </a:bodyPr>
           <a:lstStyle/>
           <a:p>
-            <a:pPr indent="0" lvl="0" marL="0" rtl="0" algn="l">
+            <a:pPr marL="0" lvl="0" indent="0" algn="l" rtl="0">
               <a:spcBef>
                 <a:spcPts val="0"/>
               </a:spcBef>
@@ -12576,10 +13179,14 @@
               <a:buNone/>
             </a:pPr>
             <a:r>
-              <a:rPr lang="en" sz="1200"/>
-              <a:t>a)</a:t>
+              <a:rPr lang="en" sz="1200" dirty="0"/>
+              <a:t>a) </a:t>
             </a:r>
-            <a:endParaRPr sz="1200"/>
+            <a:r>
+              <a:rPr lang="en-US" sz="1200" dirty="0"/>
+              <a:t>Number of quantization bins decide number of colors in RGB image and number of Hue values in HSV image. Thus, as number of quantization bins increases, the quantitative image would have more color and would be more similar to the original image. In addition, the quantization error would be less. </a:t>
+            </a:r>
+            <a:endParaRPr sz="1200" dirty="0"/>
           </a:p>
         </p:txBody>
       </p:sp>
@@ -12603,12 +13210,12 @@
           </a:ln>
         </p:spPr>
         <p:txBody>
-          <a:bodyPr anchorCtr="0" anchor="t" bIns="91425" lIns="91425" spcFirstLastPara="1" rIns="91425" wrap="square" tIns="91425">
+          <a:bodyPr spcFirstLastPara="1" wrap="square" lIns="91425" tIns="91425" rIns="91425" bIns="91425" anchor="t" anchorCtr="0">
             <a:noAutofit/>
           </a:bodyPr>
           <a:lstStyle/>
           <a:p>
-            <a:pPr indent="0" lvl="0" marL="0" rtl="0" algn="l">
+            <a:pPr marL="0" lvl="0" indent="0" algn="l" rtl="0">
               <a:spcBef>
                 <a:spcPts val="0"/>
               </a:spcBef>
@@ -12618,14 +13225,14 @@
               <a:buNone/>
             </a:pPr>
             <a:r>
-              <a:rPr lang="en" sz="1200"/>
-              <a:t>b</a:t>
+              <a:rPr lang="en" sz="1200" dirty="0"/>
+              <a:t>b) </a:t>
             </a:r>
             <a:r>
-              <a:rPr lang="en" sz="1200"/>
-              <a:t>)</a:t>
+              <a:rPr lang="en-US" sz="1200" dirty="0"/>
+              <a:t>In RGB space, after doing quantization we will have k colors. In HSV space, we will have more than k colors since we only quantize Hue value but not Saturation and Value. </a:t>
             </a:r>
-            <a:endParaRPr sz="1200"/>
+            <a:endParaRPr sz="1200" dirty="0"/>
           </a:p>
         </p:txBody>
       </p:sp>
@@ -12649,12 +13256,12 @@
           </a:ln>
         </p:spPr>
         <p:txBody>
-          <a:bodyPr anchorCtr="0" anchor="t" bIns="91425" lIns="91425" spcFirstLastPara="1" rIns="91425" wrap="square" tIns="91425">
+          <a:bodyPr spcFirstLastPara="1" wrap="square" lIns="91425" tIns="91425" rIns="91425" bIns="91425" anchor="t" anchorCtr="0">
             <a:noAutofit/>
           </a:bodyPr>
           <a:lstStyle/>
           <a:p>
-            <a:pPr indent="0" lvl="0" marL="0" rtl="0" algn="l">
+            <a:pPr marL="0" lvl="0" indent="0" algn="l" rtl="0">
               <a:spcBef>
                 <a:spcPts val="0"/>
               </a:spcBef>
@@ -12664,14 +13271,37 @@
               <a:buNone/>
             </a:pPr>
             <a:r>
-              <a:rPr lang="en" sz="1200"/>
-              <a:t>c</a:t>
+              <a:rPr lang="en" sz="1200" dirty="0"/>
+              <a:t>c)1. </a:t>
             </a:r>
             <a:r>
-              <a:rPr lang="en" sz="1200"/>
-              <a:t>)</a:t>
+              <a:rPr lang="en-US" sz="1200" dirty="0"/>
+              <a:t>compare with histogram between original image and quantized image</a:t>
             </a:r>
-            <a:endParaRPr sz="1200"/>
+          </a:p>
+          <a:p>
+            <a:pPr marL="0" lvl="0" indent="0" algn="l" rtl="0">
+              <a:spcBef>
+                <a:spcPts val="0"/>
+              </a:spcBef>
+              <a:spcAft>
+                <a:spcPts val="0"/>
+              </a:spcAft>
+              <a:buNone/>
+            </a:pPr>
+            <a:r>
+              <a:rPr lang="en-US" sz="1200" dirty="0"/>
+              <a:t>2. </a:t>
+            </a:r>
+            <a:r>
+              <a:rPr lang="en" sz="1200" dirty="0"/>
+              <a:t> </a:t>
+            </a:r>
+            <a:r>
+              <a:rPr lang="en-US" sz="1200" dirty="0"/>
+              <a:t>Randomly choose pixels or areas, and check their error</a:t>
+            </a:r>
+            <a:endParaRPr sz="1200" dirty="0"/>
           </a:p>
         </p:txBody>
       </p:sp>
@@ -12684,11 +13314,11 @@
 </file>
 
 <file path=ppt/slides/slide7.xml><?xml version="1.0" encoding="utf-8"?>
-<p:sld xmlns:a="http://schemas.openxmlformats.org/drawingml/2006/main" xmlns:r="http://schemas.openxmlformats.org/officeDocument/2006/relationships" xmlns:mc="http://schemas.openxmlformats.org/markup-compatibility/2006" xmlns:mv="urn:schemas-microsoft-com:mac:vml" xmlns:p="http://schemas.openxmlformats.org/presentationml/2006/main" xmlns:c="http://schemas.openxmlformats.org/drawingml/2006/chart" xmlns:dgm="http://schemas.openxmlformats.org/drawingml/2006/diagram" xmlns:o="urn:schemas-microsoft-com:office:office" xmlns:v="urn:schemas-microsoft-com:vml" xmlns:pvml="urn:schemas-microsoft-com:office:powerpoint" xmlns:com="http://schemas.openxmlformats.org/drawingml/2006/compatibility" xmlns:p14="http://schemas.microsoft.com/office/powerpoint/2010/main" xmlns:p15="http://schemas.microsoft.com/office/powerpoint/2012/main">
+<p:sld xmlns:a="http://schemas.openxmlformats.org/drawingml/2006/main" xmlns:r="http://schemas.openxmlformats.org/officeDocument/2006/relationships" xmlns:p="http://schemas.openxmlformats.org/presentationml/2006/main">
   <p:cSld>
     <p:spTree>
       <p:nvGrpSpPr>
-        <p:cNvPr id="91" name="Shape 91"/>
+        <p:cNvPr id="1" name="Shape 91"/>
         <p:cNvGrpSpPr/>
         <p:nvPr/>
       </p:nvGrpSpPr>
@@ -12703,7 +13333,9 @@
       <p:sp>
         <p:nvSpPr>
           <p:cNvPr id="92" name="Google Shape;92;g702b81866f_0_16"/>
-          <p:cNvSpPr txBox="1"/>
+          <p:cNvSpPr txBox="1">
+            <a:spLocks noGrp="1"/>
+          </p:cNvSpPr>
           <p:nvPr>
             <p:ph type="ctrTitle"/>
           </p:nvPr>
@@ -12722,12 +13354,12 @@
           </a:ln>
         </p:spPr>
         <p:txBody>
-          <a:bodyPr anchorCtr="0" anchor="b" bIns="91425" lIns="91425" spcFirstLastPara="1" rIns="91425" wrap="square" tIns="91425">
+          <a:bodyPr spcFirstLastPara="1" wrap="square" lIns="91425" tIns="91425" rIns="91425" bIns="91425" anchor="b" anchorCtr="0">
             <a:noAutofit/>
           </a:bodyPr>
           <a:lstStyle/>
           <a:p>
-            <a:pPr indent="0" lvl="0" marL="0" rtl="0" algn="ctr">
+            <a:pPr marL="0" lvl="0" indent="0" algn="ctr" rtl="0">
               <a:lnSpc>
                 <a:spcPct val="100000"/>
               </a:lnSpc>
@@ -12751,9 +13383,11 @@
       <p:sp>
         <p:nvSpPr>
           <p:cNvPr id="93" name="Google Shape;93;g702b81866f_0_16"/>
-          <p:cNvSpPr txBox="1"/>
+          <p:cNvSpPr txBox="1">
+            <a:spLocks noGrp="1"/>
+          </p:cNvSpPr>
           <p:nvPr>
-            <p:ph idx="1" type="subTitle"/>
+            <p:ph type="subTitle" idx="1"/>
           </p:nvPr>
         </p:nvSpPr>
         <p:spPr>
@@ -12770,12 +13404,12 @@
           </a:ln>
         </p:spPr>
         <p:txBody>
-          <a:bodyPr anchorCtr="0" anchor="t" bIns="91425" lIns="91425" spcFirstLastPara="1" rIns="91425" wrap="square" tIns="91425">
+          <a:bodyPr spcFirstLastPara="1" wrap="square" lIns="91425" tIns="91425" rIns="91425" bIns="91425" anchor="t" anchorCtr="0">
             <a:noAutofit/>
           </a:bodyPr>
           <a:lstStyle/>
           <a:p>
-            <a:pPr indent="0" lvl="0" marL="0" rtl="0" algn="ctr">
+            <a:pPr marL="0" lvl="0" indent="0" algn="ctr" rtl="0">
               <a:lnSpc>
                 <a:spcPct val="100000"/>
               </a:lnSpc>
@@ -12805,11 +13439,11 @@
 </file>
 
 <file path=ppt/slides/slide8.xml><?xml version="1.0" encoding="utf-8"?>
-<p:sld xmlns:a="http://schemas.openxmlformats.org/drawingml/2006/main" xmlns:r="http://schemas.openxmlformats.org/officeDocument/2006/relationships" xmlns:mc="http://schemas.openxmlformats.org/markup-compatibility/2006" xmlns:mv="urn:schemas-microsoft-com:mac:vml" xmlns:p="http://schemas.openxmlformats.org/presentationml/2006/main" xmlns:c="http://schemas.openxmlformats.org/drawingml/2006/chart" xmlns:dgm="http://schemas.openxmlformats.org/drawingml/2006/diagram" xmlns:o="urn:schemas-microsoft-com:office:office" xmlns:v="urn:schemas-microsoft-com:vml" xmlns:pvml="urn:schemas-microsoft-com:office:powerpoint" xmlns:com="http://schemas.openxmlformats.org/drawingml/2006/compatibility" xmlns:p14="http://schemas.microsoft.com/office/powerpoint/2010/main" xmlns:p15="http://schemas.microsoft.com/office/powerpoint/2012/main">
+<p:sld xmlns:a="http://schemas.openxmlformats.org/drawingml/2006/main" xmlns:r="http://schemas.openxmlformats.org/officeDocument/2006/relationships" xmlns:p="http://schemas.openxmlformats.org/presentationml/2006/main">
   <p:cSld>
     <p:spTree>
       <p:nvGrpSpPr>
-        <p:cNvPr id="97" name="Shape 97"/>
+        <p:cNvPr id="1" name="Shape 97"/>
         <p:cNvGrpSpPr/>
         <p:nvPr/>
       </p:nvGrpSpPr>
@@ -12824,7 +13458,9 @@
       <p:sp>
         <p:nvSpPr>
           <p:cNvPr id="98" name="Google Shape;98;g702891e314_0_9"/>
-          <p:cNvSpPr txBox="1"/>
+          <p:cNvSpPr txBox="1">
+            <a:spLocks noGrp="1"/>
+          </p:cNvSpPr>
           <p:nvPr>
             <p:ph type="title"/>
           </p:nvPr>
@@ -12839,12 +13475,12 @@
           </a:prstGeom>
         </p:spPr>
         <p:txBody>
-          <a:bodyPr anchorCtr="0" anchor="t" bIns="91425" lIns="91425" spcFirstLastPara="1" rIns="91425" wrap="square" tIns="91425">
+          <a:bodyPr spcFirstLastPara="1" wrap="square" lIns="91425" tIns="91425" rIns="91425" bIns="91425" anchor="t" anchorCtr="0">
             <a:noAutofit/>
           </a:bodyPr>
           <a:lstStyle/>
           <a:p>
-            <a:pPr indent="0" lvl="0" marL="0" rtl="0" algn="l">
+            <a:pPr marL="0" lvl="0" indent="0" algn="l" rtl="0">
               <a:spcBef>
                 <a:spcPts val="0"/>
               </a:spcBef>
@@ -12854,53 +13490,43 @@
               <a:buNone/>
             </a:pPr>
             <a:r>
-              <a:rPr lang="en"/>
+              <a:rPr lang="en" dirty="0"/>
               <a:t>3.1.1 Traffic lights - Blank</a:t>
             </a:r>
-            <a:endParaRPr/>
+            <a:endParaRPr dirty="0"/>
           </a:p>
         </p:txBody>
       </p:sp>
-      <p:sp>
-        <p:nvSpPr>
-          <p:cNvPr id="99" name="Google Shape;99;g702891e314_0_9"/>
-          <p:cNvSpPr txBox="1"/>
-          <p:nvPr>
-            <p:ph idx="2" type="body"/>
-          </p:nvPr>
-        </p:nvSpPr>
+      <p:pic>
+        <p:nvPicPr>
+          <p:cNvPr id="2" name="Picture 1">
+            <a:extLst>
+              <a:ext uri="{FF2B5EF4-FFF2-40B4-BE49-F238E27FC236}">
+                <a16:creationId xmlns:a16="http://schemas.microsoft.com/office/drawing/2014/main" id="{4C2242CC-6D66-44A5-9C7D-0B3F85EF980E}"/>
+              </a:ext>
+            </a:extLst>
+          </p:cNvPr>
+          <p:cNvPicPr>
+            <a:picLocks noChangeAspect="1"/>
+          </p:cNvPicPr>
+          <p:nvPr/>
+        </p:nvPicPr>
+        <p:blipFill>
+          <a:blip r:embed="rId3"/>
+          <a:stretch>
+            <a:fillRect/>
+          </a:stretch>
+        </p:blipFill>
         <p:spPr>
           <a:xfrm>
-            <a:off x="311700" y="1152475"/>
-            <a:ext cx="8520600" cy="3416400"/>
+            <a:off x="1587137" y="1309484"/>
+            <a:ext cx="5483134" cy="2757323"/>
           </a:xfrm>
           <a:prstGeom prst="rect">
             <a:avLst/>
           </a:prstGeom>
         </p:spPr>
-        <p:txBody>
-          <a:bodyPr anchorCtr="0" anchor="t" bIns="91425" lIns="91425" spcFirstLastPara="1" rIns="91425" wrap="square" tIns="91425">
-            <a:noAutofit/>
-          </a:bodyPr>
-          <a:lstStyle/>
-          <a:p>
-            <a:pPr indent="0" lvl="0" marL="0" rtl="0" algn="l">
-              <a:spcBef>
-                <a:spcPts val="0"/>
-              </a:spcBef>
-              <a:spcAft>
-                <a:spcPts val="0"/>
-              </a:spcAft>
-              <a:buNone/>
-            </a:pPr>
-            <a:r>
-              <a:rPr lang="en"/>
-              <a:t>&lt;Insert images here&gt;</a:t>
-            </a:r>
-            <a:endParaRPr/>
-          </a:p>
-        </p:txBody>
-      </p:sp>
+      </p:pic>
     </p:spTree>
   </p:cSld>
   <p:clrMapOvr>
@@ -12910,11 +13536,11 @@
 </file>
 
 <file path=ppt/slides/slide9.xml><?xml version="1.0" encoding="utf-8"?>
-<p:sld xmlns:a="http://schemas.openxmlformats.org/drawingml/2006/main" xmlns:r="http://schemas.openxmlformats.org/officeDocument/2006/relationships" xmlns:mc="http://schemas.openxmlformats.org/markup-compatibility/2006" xmlns:mv="urn:schemas-microsoft-com:mac:vml" xmlns:p="http://schemas.openxmlformats.org/presentationml/2006/main" xmlns:c="http://schemas.openxmlformats.org/drawingml/2006/chart" xmlns:dgm="http://schemas.openxmlformats.org/drawingml/2006/diagram" xmlns:o="urn:schemas-microsoft-com:office:office" xmlns:v="urn:schemas-microsoft-com:vml" xmlns:pvml="urn:schemas-microsoft-com:office:powerpoint" xmlns:com="http://schemas.openxmlformats.org/drawingml/2006/compatibility" xmlns:p14="http://schemas.microsoft.com/office/powerpoint/2010/main" xmlns:p15="http://schemas.microsoft.com/office/powerpoint/2012/main">
+<p:sld xmlns:a="http://schemas.openxmlformats.org/drawingml/2006/main" xmlns:r="http://schemas.openxmlformats.org/officeDocument/2006/relationships" xmlns:p="http://schemas.openxmlformats.org/presentationml/2006/main">
   <p:cSld>
     <p:spTree>
       <p:nvGrpSpPr>
-        <p:cNvPr id="103" name="Shape 103"/>
+        <p:cNvPr id="1" name="Shape 103"/>
         <p:cNvGrpSpPr/>
         <p:nvPr/>
       </p:nvGrpSpPr>
@@ -12929,7 +13555,9 @@
       <p:sp>
         <p:nvSpPr>
           <p:cNvPr id="104" name="Google Shape;104;g702b81866f_1_0"/>
-          <p:cNvSpPr txBox="1"/>
+          <p:cNvSpPr txBox="1">
+            <a:spLocks noGrp="1"/>
+          </p:cNvSpPr>
           <p:nvPr>
             <p:ph type="title"/>
           </p:nvPr>
@@ -12944,12 +13572,12 @@
           </a:prstGeom>
         </p:spPr>
         <p:txBody>
-          <a:bodyPr anchorCtr="0" anchor="t" bIns="91425" lIns="91425" spcFirstLastPara="1" rIns="91425" wrap="square" tIns="91425">
+          <a:bodyPr spcFirstLastPara="1" wrap="square" lIns="91425" tIns="91425" rIns="91425" bIns="91425" anchor="t" anchorCtr="0">
             <a:noAutofit/>
           </a:bodyPr>
           <a:lstStyle/>
           <a:p>
-            <a:pPr indent="0" lvl="0" marL="0" rtl="0" algn="l">
+            <a:pPr marL="0" lvl="0" indent="0" algn="l" rtl="0">
               <a:spcBef>
                 <a:spcPts val="0"/>
               </a:spcBef>
@@ -12966,46 +13594,36 @@
           </a:p>
         </p:txBody>
       </p:sp>
-      <p:sp>
-        <p:nvSpPr>
-          <p:cNvPr id="105" name="Google Shape;105;g702b81866f_1_0"/>
-          <p:cNvSpPr txBox="1"/>
-          <p:nvPr>
-            <p:ph idx="1" type="body"/>
-          </p:nvPr>
-        </p:nvSpPr>
+      <p:pic>
+        <p:nvPicPr>
+          <p:cNvPr id="4" name="Picture 3">
+            <a:extLst>
+              <a:ext uri="{FF2B5EF4-FFF2-40B4-BE49-F238E27FC236}">
+                <a16:creationId xmlns:a16="http://schemas.microsoft.com/office/drawing/2014/main" id="{38627B1D-2F42-4712-9F0C-523E1098EA47}"/>
+              </a:ext>
+            </a:extLst>
+          </p:cNvPr>
+          <p:cNvPicPr>
+            <a:picLocks noChangeAspect="1"/>
+          </p:cNvPicPr>
+          <p:nvPr/>
+        </p:nvPicPr>
+        <p:blipFill>
+          <a:blip r:embed="rId3"/>
+          <a:stretch>
+            <a:fillRect/>
+          </a:stretch>
+        </p:blipFill>
         <p:spPr>
           <a:xfrm>
-            <a:off x="311700" y="1152475"/>
-            <a:ext cx="8304600" cy="3416400"/>
+            <a:off x="1306818" y="1483989"/>
+            <a:ext cx="5642622" cy="2754928"/>
           </a:xfrm>
           <a:prstGeom prst="rect">
             <a:avLst/>
           </a:prstGeom>
         </p:spPr>
-        <p:txBody>
-          <a:bodyPr anchorCtr="0" anchor="t" bIns="91425" lIns="91425" spcFirstLastPara="1" rIns="91425" wrap="square" tIns="91425">
-            <a:noAutofit/>
-          </a:bodyPr>
-          <a:lstStyle/>
-          <a:p>
-            <a:pPr indent="0" lvl="0" marL="0" rtl="0" algn="l">
-              <a:spcBef>
-                <a:spcPts val="0"/>
-              </a:spcBef>
-              <a:spcAft>
-                <a:spcPts val="0"/>
-              </a:spcAft>
-              <a:buNone/>
-            </a:pPr>
-            <a:r>
-              <a:rPr lang="en"/>
-              <a:t>&lt;Insert images here&gt;</a:t>
-            </a:r>
-            <a:endParaRPr/>
-          </a:p>
-        </p:txBody>
-      </p:sp>
+      </p:pic>
     </p:spTree>
   </p:cSld>
   <p:clrMapOvr>
@@ -13015,7 +13633,7 @@
 </file>
 
 <file path=ppt/theme/theme1.xml><?xml version="1.0" encoding="utf-8"?>
-<a:theme xmlns:a="http://schemas.openxmlformats.org/drawingml/2006/main" xmlns:r="http://schemas.openxmlformats.org/officeDocument/2006/relationships" name="Simple Light">
+<a:theme xmlns:a="http://schemas.openxmlformats.org/drawingml/2006/main" name="Simple Light">
   <a:themeElements>
     <a:clrScheme name="Simple Light">
       <a:dk1>
@@ -13290,11 +13908,13 @@
       </a:bgFillStyleLst>
     </a:fmtScheme>
   </a:themeElements>
+  <a:objectDefaults/>
+  <a:extraClrSchemeLst/>
 </a:theme>
 </file>
 
 <file path=ppt/theme/theme2.xml><?xml version="1.0" encoding="utf-8"?>
-<a:theme xmlns:a="http://schemas.openxmlformats.org/drawingml/2006/main" xmlns:r="http://schemas.openxmlformats.org/officeDocument/2006/relationships">
+<a:theme xmlns:a="http://schemas.openxmlformats.org/drawingml/2006/main">
   <a:themeElements>
     <a:clrScheme name="Default">
       <a:dk1>
@@ -13569,5 +14189,7 @@
       </a:bgFillStyleLst>
     </a:fmtScheme>
   </a:themeElements>
+  <a:objectDefaults/>
+  <a:extraClrSchemeLst/>
 </a:theme>
 </file>